--- a/PPT/Class period 15.pptx
+++ b/PPT/Class period 15.pptx
@@ -140,7 +140,7 @@
           <p:cNvPr id="2" name="Title 1">
             <a:extLst>
               <a:ext uri="{FF2B5EF4-FFF2-40B4-BE49-F238E27FC236}">
-                <a16:creationId xmlns:a16="http://schemas.microsoft.com/office/drawing/2014/main" id="{C7D539BC-11C6-D2ED-55A3-B064EDF912CC}"/>
+                <a16:creationId xmlns:a16="http://schemas.microsoft.com/office/drawing/2014/main" id="{73381267-F1BB-F5CC-08B7-5C201855269C}"/>
               </a:ext>
             </a:extLst>
           </p:cNvPr>
@@ -177,7 +177,7 @@
           <p:cNvPr id="3" name="Subtitle 2">
             <a:extLst>
               <a:ext uri="{FF2B5EF4-FFF2-40B4-BE49-F238E27FC236}">
-                <a16:creationId xmlns:a16="http://schemas.microsoft.com/office/drawing/2014/main" id="{BF66378F-B5AC-5204-FAB5-C63789918B38}"/>
+                <a16:creationId xmlns:a16="http://schemas.microsoft.com/office/drawing/2014/main" id="{3DA7C5DC-7422-7AE3-7B66-E70F3D642222}"/>
               </a:ext>
             </a:extLst>
           </p:cNvPr>
@@ -247,7 +247,7 @@
           <p:cNvPr id="4" name="Date Placeholder 3">
             <a:extLst>
               <a:ext uri="{FF2B5EF4-FFF2-40B4-BE49-F238E27FC236}">
-                <a16:creationId xmlns:a16="http://schemas.microsoft.com/office/drawing/2014/main" id="{7FC492F5-4FE2-440D-1DE2-86A651597C51}"/>
+                <a16:creationId xmlns:a16="http://schemas.microsoft.com/office/drawing/2014/main" id="{B1C285C5-9436-39D4-E738-C395369C70CE}"/>
               </a:ext>
             </a:extLst>
           </p:cNvPr>
@@ -263,9 +263,9 @@
           <a:bodyPr/>
           <a:lstStyle/>
           <a:p>
-            <a:fld id="{10CB8FA8-2EB2-4F3B-8C20-EEFEB0CEB5B6}" type="datetimeFigureOut">
+            <a:fld id="{1B4191BE-38F0-48F6-899E-06AC634EFFDF}" type="datetimeFigureOut">
               <a:rPr lang="en-US" smtClean="0"/>
-              <a:t>3/20/2024</a:t>
+              <a:t>4/20/2024</a:t>
             </a:fld>
             <a:endParaRPr lang="en-US"/>
           </a:p>
@@ -276,7 +276,7 @@
           <p:cNvPr id="5" name="Footer Placeholder 4">
             <a:extLst>
               <a:ext uri="{FF2B5EF4-FFF2-40B4-BE49-F238E27FC236}">
-                <a16:creationId xmlns:a16="http://schemas.microsoft.com/office/drawing/2014/main" id="{5DB8CE18-D620-8B02-056A-9597B9E7E272}"/>
+                <a16:creationId xmlns:a16="http://schemas.microsoft.com/office/drawing/2014/main" id="{46BC93F9-E0D7-5339-CB71-CDA818C6EB88}"/>
               </a:ext>
             </a:extLst>
           </p:cNvPr>
@@ -301,7 +301,7 @@
           <p:cNvPr id="6" name="Slide Number Placeholder 5">
             <a:extLst>
               <a:ext uri="{FF2B5EF4-FFF2-40B4-BE49-F238E27FC236}">
-                <a16:creationId xmlns:a16="http://schemas.microsoft.com/office/drawing/2014/main" id="{66D8D6EA-D882-5411-C8F6-C664A11272EA}"/>
+                <a16:creationId xmlns:a16="http://schemas.microsoft.com/office/drawing/2014/main" id="{7F497C38-922B-04E7-7793-A5134062D1DE}"/>
               </a:ext>
             </a:extLst>
           </p:cNvPr>
@@ -317,7 +317,7 @@
           <a:bodyPr/>
           <a:lstStyle/>
           <a:p>
-            <a:fld id="{30BD3571-401F-4A9C-8526-B26ED9D8EC1F}" type="slidenum">
+            <a:fld id="{AB313670-D254-4A61-944A-450596437D83}" type="slidenum">
               <a:rPr lang="en-US" smtClean="0"/>
               <a:t>‹#›</a:t>
             </a:fld>
@@ -328,7 +328,7 @@
     </p:spTree>
     <p:extLst>
       <p:ext uri="{BB962C8B-B14F-4D97-AF65-F5344CB8AC3E}">
-        <p14:creationId xmlns:p14="http://schemas.microsoft.com/office/powerpoint/2010/main" val="3825518869"/>
+        <p14:creationId xmlns:p14="http://schemas.microsoft.com/office/powerpoint/2010/main" val="2431102313"/>
       </p:ext>
     </p:extLst>
   </p:cSld>
@@ -360,7 +360,7 @@
           <p:cNvPr id="2" name="Title 1">
             <a:extLst>
               <a:ext uri="{FF2B5EF4-FFF2-40B4-BE49-F238E27FC236}">
-                <a16:creationId xmlns:a16="http://schemas.microsoft.com/office/drawing/2014/main" id="{646A3A9A-8A35-424E-AF8B-AE7385FAF548}"/>
+                <a16:creationId xmlns:a16="http://schemas.microsoft.com/office/drawing/2014/main" id="{E57ED1C8-A173-E89D-DB72-815DE87A412A}"/>
               </a:ext>
             </a:extLst>
           </p:cNvPr>
@@ -388,7 +388,7 @@
           <p:cNvPr id="3" name="Vertical Text Placeholder 2">
             <a:extLst>
               <a:ext uri="{FF2B5EF4-FFF2-40B4-BE49-F238E27FC236}">
-                <a16:creationId xmlns:a16="http://schemas.microsoft.com/office/drawing/2014/main" id="{2385E033-5233-26DD-901F-CA2A7A406F18}"/>
+                <a16:creationId xmlns:a16="http://schemas.microsoft.com/office/drawing/2014/main" id="{DD417008-B394-BA67-8615-7CB2C9DB1150}"/>
               </a:ext>
             </a:extLst>
           </p:cNvPr>
@@ -445,7 +445,7 @@
           <p:cNvPr id="4" name="Date Placeholder 3">
             <a:extLst>
               <a:ext uri="{FF2B5EF4-FFF2-40B4-BE49-F238E27FC236}">
-                <a16:creationId xmlns:a16="http://schemas.microsoft.com/office/drawing/2014/main" id="{83FD4A97-162F-73B6-46CE-48125D98CD1D}"/>
+                <a16:creationId xmlns:a16="http://schemas.microsoft.com/office/drawing/2014/main" id="{1F649665-A2C3-ECFE-2AE5-C0D1D4446DCB}"/>
               </a:ext>
             </a:extLst>
           </p:cNvPr>
@@ -461,9 +461,9 @@
           <a:bodyPr/>
           <a:lstStyle/>
           <a:p>
-            <a:fld id="{10CB8FA8-2EB2-4F3B-8C20-EEFEB0CEB5B6}" type="datetimeFigureOut">
+            <a:fld id="{1B4191BE-38F0-48F6-899E-06AC634EFFDF}" type="datetimeFigureOut">
               <a:rPr lang="en-US" smtClean="0"/>
-              <a:t>3/20/2024</a:t>
+              <a:t>4/20/2024</a:t>
             </a:fld>
             <a:endParaRPr lang="en-US"/>
           </a:p>
@@ -474,7 +474,7 @@
           <p:cNvPr id="5" name="Footer Placeholder 4">
             <a:extLst>
               <a:ext uri="{FF2B5EF4-FFF2-40B4-BE49-F238E27FC236}">
-                <a16:creationId xmlns:a16="http://schemas.microsoft.com/office/drawing/2014/main" id="{D85877F5-DC37-5F16-EEDD-1CD95301091D}"/>
+                <a16:creationId xmlns:a16="http://schemas.microsoft.com/office/drawing/2014/main" id="{4EBE0B91-80F6-026F-DBA9-28137547E03C}"/>
               </a:ext>
             </a:extLst>
           </p:cNvPr>
@@ -499,7 +499,7 @@
           <p:cNvPr id="6" name="Slide Number Placeholder 5">
             <a:extLst>
               <a:ext uri="{FF2B5EF4-FFF2-40B4-BE49-F238E27FC236}">
-                <a16:creationId xmlns:a16="http://schemas.microsoft.com/office/drawing/2014/main" id="{5310E124-F977-2CBD-83A7-2667E26EC0A9}"/>
+                <a16:creationId xmlns:a16="http://schemas.microsoft.com/office/drawing/2014/main" id="{3A628A33-A6A9-A24C-DCFA-4FC1C0B79DC2}"/>
               </a:ext>
             </a:extLst>
           </p:cNvPr>
@@ -515,7 +515,7 @@
           <a:bodyPr/>
           <a:lstStyle/>
           <a:p>
-            <a:fld id="{30BD3571-401F-4A9C-8526-B26ED9D8EC1F}" type="slidenum">
+            <a:fld id="{AB313670-D254-4A61-944A-450596437D83}" type="slidenum">
               <a:rPr lang="en-US" smtClean="0"/>
               <a:t>‹#›</a:t>
             </a:fld>
@@ -526,7 +526,7 @@
     </p:spTree>
     <p:extLst>
       <p:ext uri="{BB962C8B-B14F-4D97-AF65-F5344CB8AC3E}">
-        <p14:creationId xmlns:p14="http://schemas.microsoft.com/office/powerpoint/2010/main" val="4240140213"/>
+        <p14:creationId xmlns:p14="http://schemas.microsoft.com/office/powerpoint/2010/main" val="647172735"/>
       </p:ext>
     </p:extLst>
   </p:cSld>
@@ -558,7 +558,7 @@
           <p:cNvPr id="2" name="Vertical Title 1">
             <a:extLst>
               <a:ext uri="{FF2B5EF4-FFF2-40B4-BE49-F238E27FC236}">
-                <a16:creationId xmlns:a16="http://schemas.microsoft.com/office/drawing/2014/main" id="{43EDF8B2-9A9F-DAA7-9CD9-3749B10021B3}"/>
+                <a16:creationId xmlns:a16="http://schemas.microsoft.com/office/drawing/2014/main" id="{BC353CAF-06A4-0254-5D83-2DF59CB8384E}"/>
               </a:ext>
             </a:extLst>
           </p:cNvPr>
@@ -591,7 +591,7 @@
           <p:cNvPr id="3" name="Vertical Text Placeholder 2">
             <a:extLst>
               <a:ext uri="{FF2B5EF4-FFF2-40B4-BE49-F238E27FC236}">
-                <a16:creationId xmlns:a16="http://schemas.microsoft.com/office/drawing/2014/main" id="{511FB714-6F31-C90A-8F35-730BFA08E1CE}"/>
+                <a16:creationId xmlns:a16="http://schemas.microsoft.com/office/drawing/2014/main" id="{63A1B45B-2800-8619-847B-58D300B1011D}"/>
               </a:ext>
             </a:extLst>
           </p:cNvPr>
@@ -653,7 +653,7 @@
           <p:cNvPr id="4" name="Date Placeholder 3">
             <a:extLst>
               <a:ext uri="{FF2B5EF4-FFF2-40B4-BE49-F238E27FC236}">
-                <a16:creationId xmlns:a16="http://schemas.microsoft.com/office/drawing/2014/main" id="{9999DF59-327C-9712-443D-2C82FC4C00BB}"/>
+                <a16:creationId xmlns:a16="http://schemas.microsoft.com/office/drawing/2014/main" id="{BBE06424-6610-26F0-C465-F9802BA5E607}"/>
               </a:ext>
             </a:extLst>
           </p:cNvPr>
@@ -669,9 +669,9 @@
           <a:bodyPr/>
           <a:lstStyle/>
           <a:p>
-            <a:fld id="{10CB8FA8-2EB2-4F3B-8C20-EEFEB0CEB5B6}" type="datetimeFigureOut">
+            <a:fld id="{1B4191BE-38F0-48F6-899E-06AC634EFFDF}" type="datetimeFigureOut">
               <a:rPr lang="en-US" smtClean="0"/>
-              <a:t>3/20/2024</a:t>
+              <a:t>4/20/2024</a:t>
             </a:fld>
             <a:endParaRPr lang="en-US"/>
           </a:p>
@@ -682,7 +682,7 @@
           <p:cNvPr id="5" name="Footer Placeholder 4">
             <a:extLst>
               <a:ext uri="{FF2B5EF4-FFF2-40B4-BE49-F238E27FC236}">
-                <a16:creationId xmlns:a16="http://schemas.microsoft.com/office/drawing/2014/main" id="{E8DC535D-E843-31B1-48F3-C8EA4C0DA034}"/>
+                <a16:creationId xmlns:a16="http://schemas.microsoft.com/office/drawing/2014/main" id="{512A5E81-2455-602C-8ADF-C8E929A99A32}"/>
               </a:ext>
             </a:extLst>
           </p:cNvPr>
@@ -707,7 +707,7 @@
           <p:cNvPr id="6" name="Slide Number Placeholder 5">
             <a:extLst>
               <a:ext uri="{FF2B5EF4-FFF2-40B4-BE49-F238E27FC236}">
-                <a16:creationId xmlns:a16="http://schemas.microsoft.com/office/drawing/2014/main" id="{007EB070-9F59-75CF-035F-A88487CDDB31}"/>
+                <a16:creationId xmlns:a16="http://schemas.microsoft.com/office/drawing/2014/main" id="{C29C88BB-88E1-7A19-1251-9CCB2D88DCB7}"/>
               </a:ext>
             </a:extLst>
           </p:cNvPr>
@@ -723,7 +723,7 @@
           <a:bodyPr/>
           <a:lstStyle/>
           <a:p>
-            <a:fld id="{30BD3571-401F-4A9C-8526-B26ED9D8EC1F}" type="slidenum">
+            <a:fld id="{AB313670-D254-4A61-944A-450596437D83}" type="slidenum">
               <a:rPr lang="en-US" smtClean="0"/>
               <a:t>‹#›</a:t>
             </a:fld>
@@ -734,7 +734,7 @@
     </p:spTree>
     <p:extLst>
       <p:ext uri="{BB962C8B-B14F-4D97-AF65-F5344CB8AC3E}">
-        <p14:creationId xmlns:p14="http://schemas.microsoft.com/office/powerpoint/2010/main" val="2794296549"/>
+        <p14:creationId xmlns:p14="http://schemas.microsoft.com/office/powerpoint/2010/main" val="3837337727"/>
       </p:ext>
     </p:extLst>
   </p:cSld>
@@ -766,7 +766,7 @@
           <p:cNvPr id="2" name="Title 1">
             <a:extLst>
               <a:ext uri="{FF2B5EF4-FFF2-40B4-BE49-F238E27FC236}">
-                <a16:creationId xmlns:a16="http://schemas.microsoft.com/office/drawing/2014/main" id="{D287A121-FF7D-3A49-4293-B32E6D6F0EEF}"/>
+                <a16:creationId xmlns:a16="http://schemas.microsoft.com/office/drawing/2014/main" id="{4A175783-BE2E-6AB4-8643-51AEF6A989DB}"/>
               </a:ext>
             </a:extLst>
           </p:cNvPr>
@@ -794,7 +794,7 @@
           <p:cNvPr id="3" name="Content Placeholder 2">
             <a:extLst>
               <a:ext uri="{FF2B5EF4-FFF2-40B4-BE49-F238E27FC236}">
-                <a16:creationId xmlns:a16="http://schemas.microsoft.com/office/drawing/2014/main" id="{63B66CF7-5AE8-D9D4-A293-024CB75DFA7D}"/>
+                <a16:creationId xmlns:a16="http://schemas.microsoft.com/office/drawing/2014/main" id="{800343AC-3B3F-8220-1BF5-5AC0E73163B2}"/>
               </a:ext>
             </a:extLst>
           </p:cNvPr>
@@ -851,7 +851,7 @@
           <p:cNvPr id="4" name="Date Placeholder 3">
             <a:extLst>
               <a:ext uri="{FF2B5EF4-FFF2-40B4-BE49-F238E27FC236}">
-                <a16:creationId xmlns:a16="http://schemas.microsoft.com/office/drawing/2014/main" id="{9D359CA4-F2DB-26B8-67AB-85B8A85E2BF5}"/>
+                <a16:creationId xmlns:a16="http://schemas.microsoft.com/office/drawing/2014/main" id="{81D09814-F701-1607-E79F-5C4797A0DA0E}"/>
               </a:ext>
             </a:extLst>
           </p:cNvPr>
@@ -867,9 +867,9 @@
           <a:bodyPr/>
           <a:lstStyle/>
           <a:p>
-            <a:fld id="{10CB8FA8-2EB2-4F3B-8C20-EEFEB0CEB5B6}" type="datetimeFigureOut">
+            <a:fld id="{1B4191BE-38F0-48F6-899E-06AC634EFFDF}" type="datetimeFigureOut">
               <a:rPr lang="en-US" smtClean="0"/>
-              <a:t>3/20/2024</a:t>
+              <a:t>4/20/2024</a:t>
             </a:fld>
             <a:endParaRPr lang="en-US"/>
           </a:p>
@@ -880,7 +880,7 @@
           <p:cNvPr id="5" name="Footer Placeholder 4">
             <a:extLst>
               <a:ext uri="{FF2B5EF4-FFF2-40B4-BE49-F238E27FC236}">
-                <a16:creationId xmlns:a16="http://schemas.microsoft.com/office/drawing/2014/main" id="{CAE44067-1803-03A3-D63A-7098AC75C8DB}"/>
+                <a16:creationId xmlns:a16="http://schemas.microsoft.com/office/drawing/2014/main" id="{5CB2237C-F4BE-850E-66B5-C6BEEAF9B367}"/>
               </a:ext>
             </a:extLst>
           </p:cNvPr>
@@ -905,7 +905,7 @@
           <p:cNvPr id="6" name="Slide Number Placeholder 5">
             <a:extLst>
               <a:ext uri="{FF2B5EF4-FFF2-40B4-BE49-F238E27FC236}">
-                <a16:creationId xmlns:a16="http://schemas.microsoft.com/office/drawing/2014/main" id="{4DD3F3FA-1BB3-2E09-65D4-8748073A1E72}"/>
+                <a16:creationId xmlns:a16="http://schemas.microsoft.com/office/drawing/2014/main" id="{2CB6DB4A-CC1D-60EC-2915-77E36FB01BE6}"/>
               </a:ext>
             </a:extLst>
           </p:cNvPr>
@@ -921,7 +921,7 @@
           <a:bodyPr/>
           <a:lstStyle/>
           <a:p>
-            <a:fld id="{30BD3571-401F-4A9C-8526-B26ED9D8EC1F}" type="slidenum">
+            <a:fld id="{AB313670-D254-4A61-944A-450596437D83}" type="slidenum">
               <a:rPr lang="en-US" smtClean="0"/>
               <a:t>‹#›</a:t>
             </a:fld>
@@ -932,7 +932,7 @@
     </p:spTree>
     <p:extLst>
       <p:ext uri="{BB962C8B-B14F-4D97-AF65-F5344CB8AC3E}">
-        <p14:creationId xmlns:p14="http://schemas.microsoft.com/office/powerpoint/2010/main" val="2028540473"/>
+        <p14:creationId xmlns:p14="http://schemas.microsoft.com/office/powerpoint/2010/main" val="4139906022"/>
       </p:ext>
     </p:extLst>
   </p:cSld>
@@ -964,7 +964,7 @@
           <p:cNvPr id="2" name="Title 1">
             <a:extLst>
               <a:ext uri="{FF2B5EF4-FFF2-40B4-BE49-F238E27FC236}">
-                <a16:creationId xmlns:a16="http://schemas.microsoft.com/office/drawing/2014/main" id="{EC44383E-6BEE-866A-36CE-23A91AC90917}"/>
+                <a16:creationId xmlns:a16="http://schemas.microsoft.com/office/drawing/2014/main" id="{47F3AEF7-3030-BDBA-07BC-CBD2F2756F6D}"/>
               </a:ext>
             </a:extLst>
           </p:cNvPr>
@@ -1001,7 +1001,7 @@
           <p:cNvPr id="3" name="Text Placeholder 2">
             <a:extLst>
               <a:ext uri="{FF2B5EF4-FFF2-40B4-BE49-F238E27FC236}">
-                <a16:creationId xmlns:a16="http://schemas.microsoft.com/office/drawing/2014/main" id="{95CBA35E-5E4A-12C5-6852-312F6821FF93}"/>
+                <a16:creationId xmlns:a16="http://schemas.microsoft.com/office/drawing/2014/main" id="{019CF586-FFD5-E0DE-372F-31D867FF9697}"/>
               </a:ext>
             </a:extLst>
           </p:cNvPr>
@@ -1126,7 +1126,7 @@
           <p:cNvPr id="4" name="Date Placeholder 3">
             <a:extLst>
               <a:ext uri="{FF2B5EF4-FFF2-40B4-BE49-F238E27FC236}">
-                <a16:creationId xmlns:a16="http://schemas.microsoft.com/office/drawing/2014/main" id="{03788043-8CC3-FDF3-1817-B931FD6732E4}"/>
+                <a16:creationId xmlns:a16="http://schemas.microsoft.com/office/drawing/2014/main" id="{64D9C1A4-DAF3-8DE7-3EC6-23365DCB7E96}"/>
               </a:ext>
             </a:extLst>
           </p:cNvPr>
@@ -1142,9 +1142,9 @@
           <a:bodyPr/>
           <a:lstStyle/>
           <a:p>
-            <a:fld id="{10CB8FA8-2EB2-4F3B-8C20-EEFEB0CEB5B6}" type="datetimeFigureOut">
+            <a:fld id="{1B4191BE-38F0-48F6-899E-06AC634EFFDF}" type="datetimeFigureOut">
               <a:rPr lang="en-US" smtClean="0"/>
-              <a:t>3/20/2024</a:t>
+              <a:t>4/20/2024</a:t>
             </a:fld>
             <a:endParaRPr lang="en-US"/>
           </a:p>
@@ -1155,7 +1155,7 @@
           <p:cNvPr id="5" name="Footer Placeholder 4">
             <a:extLst>
               <a:ext uri="{FF2B5EF4-FFF2-40B4-BE49-F238E27FC236}">
-                <a16:creationId xmlns:a16="http://schemas.microsoft.com/office/drawing/2014/main" id="{B1198413-7962-937F-A3C9-4F4438210204}"/>
+                <a16:creationId xmlns:a16="http://schemas.microsoft.com/office/drawing/2014/main" id="{65598486-A0FE-B9F5-3657-E754AFDA37C4}"/>
               </a:ext>
             </a:extLst>
           </p:cNvPr>
@@ -1180,7 +1180,7 @@
           <p:cNvPr id="6" name="Slide Number Placeholder 5">
             <a:extLst>
               <a:ext uri="{FF2B5EF4-FFF2-40B4-BE49-F238E27FC236}">
-                <a16:creationId xmlns:a16="http://schemas.microsoft.com/office/drawing/2014/main" id="{D5CD0185-9484-E04E-20CC-4E5837269E83}"/>
+                <a16:creationId xmlns:a16="http://schemas.microsoft.com/office/drawing/2014/main" id="{1DCCF273-FBA3-931F-BE9B-9FA0C3259CF0}"/>
               </a:ext>
             </a:extLst>
           </p:cNvPr>
@@ -1196,7 +1196,7 @@
           <a:bodyPr/>
           <a:lstStyle/>
           <a:p>
-            <a:fld id="{30BD3571-401F-4A9C-8526-B26ED9D8EC1F}" type="slidenum">
+            <a:fld id="{AB313670-D254-4A61-944A-450596437D83}" type="slidenum">
               <a:rPr lang="en-US" smtClean="0"/>
               <a:t>‹#›</a:t>
             </a:fld>
@@ -1207,7 +1207,7 @@
     </p:spTree>
     <p:extLst>
       <p:ext uri="{BB962C8B-B14F-4D97-AF65-F5344CB8AC3E}">
-        <p14:creationId xmlns:p14="http://schemas.microsoft.com/office/powerpoint/2010/main" val="2398727057"/>
+        <p14:creationId xmlns:p14="http://schemas.microsoft.com/office/powerpoint/2010/main" val="784882999"/>
       </p:ext>
     </p:extLst>
   </p:cSld>
@@ -1239,7 +1239,7 @@
           <p:cNvPr id="2" name="Title 1">
             <a:extLst>
               <a:ext uri="{FF2B5EF4-FFF2-40B4-BE49-F238E27FC236}">
-                <a16:creationId xmlns:a16="http://schemas.microsoft.com/office/drawing/2014/main" id="{DEAC6D00-0503-39BF-FBA7-3117271F138D}"/>
+                <a16:creationId xmlns:a16="http://schemas.microsoft.com/office/drawing/2014/main" id="{7FD95608-36B5-849C-1A32-C547CF8F47A0}"/>
               </a:ext>
             </a:extLst>
           </p:cNvPr>
@@ -1267,7 +1267,7 @@
           <p:cNvPr id="3" name="Content Placeholder 2">
             <a:extLst>
               <a:ext uri="{FF2B5EF4-FFF2-40B4-BE49-F238E27FC236}">
-                <a16:creationId xmlns:a16="http://schemas.microsoft.com/office/drawing/2014/main" id="{397E1154-6EAE-FD8F-D9DA-CDDD5E403978}"/>
+                <a16:creationId xmlns:a16="http://schemas.microsoft.com/office/drawing/2014/main" id="{6B1B1BC7-6710-5B14-BD18-D3E6AF760BD4}"/>
               </a:ext>
             </a:extLst>
           </p:cNvPr>
@@ -1329,7 +1329,7 @@
           <p:cNvPr id="4" name="Content Placeholder 3">
             <a:extLst>
               <a:ext uri="{FF2B5EF4-FFF2-40B4-BE49-F238E27FC236}">
-                <a16:creationId xmlns:a16="http://schemas.microsoft.com/office/drawing/2014/main" id="{31EC716B-6543-18A2-65CB-47DA02D3AECB}"/>
+                <a16:creationId xmlns:a16="http://schemas.microsoft.com/office/drawing/2014/main" id="{133EB306-21FC-7078-B3F3-A3AD22A9D9A8}"/>
               </a:ext>
             </a:extLst>
           </p:cNvPr>
@@ -1391,7 +1391,7 @@
           <p:cNvPr id="5" name="Date Placeholder 4">
             <a:extLst>
               <a:ext uri="{FF2B5EF4-FFF2-40B4-BE49-F238E27FC236}">
-                <a16:creationId xmlns:a16="http://schemas.microsoft.com/office/drawing/2014/main" id="{2912B9C0-1678-CFD7-6354-A90952CCD3AE}"/>
+                <a16:creationId xmlns:a16="http://schemas.microsoft.com/office/drawing/2014/main" id="{45F693C0-5E96-D734-791D-44FAEBCE94B5}"/>
               </a:ext>
             </a:extLst>
           </p:cNvPr>
@@ -1407,9 +1407,9 @@
           <a:bodyPr/>
           <a:lstStyle/>
           <a:p>
-            <a:fld id="{10CB8FA8-2EB2-4F3B-8C20-EEFEB0CEB5B6}" type="datetimeFigureOut">
+            <a:fld id="{1B4191BE-38F0-48F6-899E-06AC634EFFDF}" type="datetimeFigureOut">
               <a:rPr lang="en-US" smtClean="0"/>
-              <a:t>3/20/2024</a:t>
+              <a:t>4/20/2024</a:t>
             </a:fld>
             <a:endParaRPr lang="en-US"/>
           </a:p>
@@ -1420,7 +1420,7 @@
           <p:cNvPr id="6" name="Footer Placeholder 5">
             <a:extLst>
               <a:ext uri="{FF2B5EF4-FFF2-40B4-BE49-F238E27FC236}">
-                <a16:creationId xmlns:a16="http://schemas.microsoft.com/office/drawing/2014/main" id="{11231FAA-2100-319D-AB09-FCDCBA176439}"/>
+                <a16:creationId xmlns:a16="http://schemas.microsoft.com/office/drawing/2014/main" id="{03FC3BAF-DB23-DA72-8FC2-F5E8DE4E84CB}"/>
               </a:ext>
             </a:extLst>
           </p:cNvPr>
@@ -1445,7 +1445,7 @@
           <p:cNvPr id="7" name="Slide Number Placeholder 6">
             <a:extLst>
               <a:ext uri="{FF2B5EF4-FFF2-40B4-BE49-F238E27FC236}">
-                <a16:creationId xmlns:a16="http://schemas.microsoft.com/office/drawing/2014/main" id="{8A0EA9A8-0DE3-C1F8-882D-D99FFAD32992}"/>
+                <a16:creationId xmlns:a16="http://schemas.microsoft.com/office/drawing/2014/main" id="{8AB90F49-D2C8-8DBF-A011-B120E629B021}"/>
               </a:ext>
             </a:extLst>
           </p:cNvPr>
@@ -1461,7 +1461,7 @@
           <a:bodyPr/>
           <a:lstStyle/>
           <a:p>
-            <a:fld id="{30BD3571-401F-4A9C-8526-B26ED9D8EC1F}" type="slidenum">
+            <a:fld id="{AB313670-D254-4A61-944A-450596437D83}" type="slidenum">
               <a:rPr lang="en-US" smtClean="0"/>
               <a:t>‹#›</a:t>
             </a:fld>
@@ -1472,7 +1472,7 @@
     </p:spTree>
     <p:extLst>
       <p:ext uri="{BB962C8B-B14F-4D97-AF65-F5344CB8AC3E}">
-        <p14:creationId xmlns:p14="http://schemas.microsoft.com/office/powerpoint/2010/main" val="2403329369"/>
+        <p14:creationId xmlns:p14="http://schemas.microsoft.com/office/powerpoint/2010/main" val="446945278"/>
       </p:ext>
     </p:extLst>
   </p:cSld>
@@ -1504,7 +1504,7 @@
           <p:cNvPr id="2" name="Title 1">
             <a:extLst>
               <a:ext uri="{FF2B5EF4-FFF2-40B4-BE49-F238E27FC236}">
-                <a16:creationId xmlns:a16="http://schemas.microsoft.com/office/drawing/2014/main" id="{B37AD64E-BF84-3FDD-3CC1-95E1FAD2A5E9}"/>
+                <a16:creationId xmlns:a16="http://schemas.microsoft.com/office/drawing/2014/main" id="{E176CF53-53B5-AF93-C68E-A3C9B854B3D2}"/>
               </a:ext>
             </a:extLst>
           </p:cNvPr>
@@ -1537,7 +1537,7 @@
           <p:cNvPr id="3" name="Text Placeholder 2">
             <a:extLst>
               <a:ext uri="{FF2B5EF4-FFF2-40B4-BE49-F238E27FC236}">
-                <a16:creationId xmlns:a16="http://schemas.microsoft.com/office/drawing/2014/main" id="{CBEE6CDA-F9A8-4118-642C-630F31B07C94}"/>
+                <a16:creationId xmlns:a16="http://schemas.microsoft.com/office/drawing/2014/main" id="{F2890344-3E86-24BD-D387-D5D8533F7F46}"/>
               </a:ext>
             </a:extLst>
           </p:cNvPr>
@@ -1608,7 +1608,7 @@
           <p:cNvPr id="4" name="Content Placeholder 3">
             <a:extLst>
               <a:ext uri="{FF2B5EF4-FFF2-40B4-BE49-F238E27FC236}">
-                <a16:creationId xmlns:a16="http://schemas.microsoft.com/office/drawing/2014/main" id="{2B0DDD50-958E-7C77-8F75-EF3409DB70CD}"/>
+                <a16:creationId xmlns:a16="http://schemas.microsoft.com/office/drawing/2014/main" id="{71EB48F4-C25E-967F-E572-E9594783AA12}"/>
               </a:ext>
             </a:extLst>
           </p:cNvPr>
@@ -1670,7 +1670,7 @@
           <p:cNvPr id="5" name="Text Placeholder 4">
             <a:extLst>
               <a:ext uri="{FF2B5EF4-FFF2-40B4-BE49-F238E27FC236}">
-                <a16:creationId xmlns:a16="http://schemas.microsoft.com/office/drawing/2014/main" id="{6D25F7B3-72D5-69A9-E311-39E18F635EF8}"/>
+                <a16:creationId xmlns:a16="http://schemas.microsoft.com/office/drawing/2014/main" id="{9DC8FE9F-3091-994F-4BFB-D1386A034A5C}"/>
               </a:ext>
             </a:extLst>
           </p:cNvPr>
@@ -1741,7 +1741,7 @@
           <p:cNvPr id="6" name="Content Placeholder 5">
             <a:extLst>
               <a:ext uri="{FF2B5EF4-FFF2-40B4-BE49-F238E27FC236}">
-                <a16:creationId xmlns:a16="http://schemas.microsoft.com/office/drawing/2014/main" id="{9DBFFAD7-1286-3D40-6DAB-8E2E9EE11976}"/>
+                <a16:creationId xmlns:a16="http://schemas.microsoft.com/office/drawing/2014/main" id="{407202FE-E268-6CD1-3D25-58C5DC214F29}"/>
               </a:ext>
             </a:extLst>
           </p:cNvPr>
@@ -1803,7 +1803,7 @@
           <p:cNvPr id="7" name="Date Placeholder 6">
             <a:extLst>
               <a:ext uri="{FF2B5EF4-FFF2-40B4-BE49-F238E27FC236}">
-                <a16:creationId xmlns:a16="http://schemas.microsoft.com/office/drawing/2014/main" id="{069CFBC8-9886-FD93-F704-6F352DFDF0DE}"/>
+                <a16:creationId xmlns:a16="http://schemas.microsoft.com/office/drawing/2014/main" id="{E6FFC018-CFAD-EDDC-2BF0-5F765094F90B}"/>
               </a:ext>
             </a:extLst>
           </p:cNvPr>
@@ -1819,9 +1819,9 @@
           <a:bodyPr/>
           <a:lstStyle/>
           <a:p>
-            <a:fld id="{10CB8FA8-2EB2-4F3B-8C20-EEFEB0CEB5B6}" type="datetimeFigureOut">
+            <a:fld id="{1B4191BE-38F0-48F6-899E-06AC634EFFDF}" type="datetimeFigureOut">
               <a:rPr lang="en-US" smtClean="0"/>
-              <a:t>3/20/2024</a:t>
+              <a:t>4/20/2024</a:t>
             </a:fld>
             <a:endParaRPr lang="en-US"/>
           </a:p>
@@ -1832,7 +1832,7 @@
           <p:cNvPr id="8" name="Footer Placeholder 7">
             <a:extLst>
               <a:ext uri="{FF2B5EF4-FFF2-40B4-BE49-F238E27FC236}">
-                <a16:creationId xmlns:a16="http://schemas.microsoft.com/office/drawing/2014/main" id="{6877B38A-740E-7567-6931-17B75BD68B38}"/>
+                <a16:creationId xmlns:a16="http://schemas.microsoft.com/office/drawing/2014/main" id="{03381272-DA96-63DE-6B5A-222EE47B9A83}"/>
               </a:ext>
             </a:extLst>
           </p:cNvPr>
@@ -1857,7 +1857,7 @@
           <p:cNvPr id="9" name="Slide Number Placeholder 8">
             <a:extLst>
               <a:ext uri="{FF2B5EF4-FFF2-40B4-BE49-F238E27FC236}">
-                <a16:creationId xmlns:a16="http://schemas.microsoft.com/office/drawing/2014/main" id="{71836885-394C-F7E6-7E9E-B627576330AA}"/>
+                <a16:creationId xmlns:a16="http://schemas.microsoft.com/office/drawing/2014/main" id="{2234230A-77B6-567D-5820-B3DF436B4652}"/>
               </a:ext>
             </a:extLst>
           </p:cNvPr>
@@ -1873,7 +1873,7 @@
           <a:bodyPr/>
           <a:lstStyle/>
           <a:p>
-            <a:fld id="{30BD3571-401F-4A9C-8526-B26ED9D8EC1F}" type="slidenum">
+            <a:fld id="{AB313670-D254-4A61-944A-450596437D83}" type="slidenum">
               <a:rPr lang="en-US" smtClean="0"/>
               <a:t>‹#›</a:t>
             </a:fld>
@@ -1884,7 +1884,7 @@
     </p:spTree>
     <p:extLst>
       <p:ext uri="{BB962C8B-B14F-4D97-AF65-F5344CB8AC3E}">
-        <p14:creationId xmlns:p14="http://schemas.microsoft.com/office/powerpoint/2010/main" val="1252563415"/>
+        <p14:creationId xmlns:p14="http://schemas.microsoft.com/office/powerpoint/2010/main" val="3810006703"/>
       </p:ext>
     </p:extLst>
   </p:cSld>
@@ -1916,7 +1916,7 @@
           <p:cNvPr id="2" name="Title 1">
             <a:extLst>
               <a:ext uri="{FF2B5EF4-FFF2-40B4-BE49-F238E27FC236}">
-                <a16:creationId xmlns:a16="http://schemas.microsoft.com/office/drawing/2014/main" id="{904A3CA7-F64A-DA6D-5B97-E211FB703F14}"/>
+                <a16:creationId xmlns:a16="http://schemas.microsoft.com/office/drawing/2014/main" id="{3B2A9D56-134C-A7DE-AAF5-5EBC894AF417}"/>
               </a:ext>
             </a:extLst>
           </p:cNvPr>
@@ -1944,7 +1944,7 @@
           <p:cNvPr id="3" name="Date Placeholder 2">
             <a:extLst>
               <a:ext uri="{FF2B5EF4-FFF2-40B4-BE49-F238E27FC236}">
-                <a16:creationId xmlns:a16="http://schemas.microsoft.com/office/drawing/2014/main" id="{E9CCC882-3FF3-A208-43D0-A8E3F23CBD4D}"/>
+                <a16:creationId xmlns:a16="http://schemas.microsoft.com/office/drawing/2014/main" id="{DDDAD70A-31F0-9D0C-81B5-6D66515EB6E8}"/>
               </a:ext>
             </a:extLst>
           </p:cNvPr>
@@ -1960,9 +1960,9 @@
           <a:bodyPr/>
           <a:lstStyle/>
           <a:p>
-            <a:fld id="{10CB8FA8-2EB2-4F3B-8C20-EEFEB0CEB5B6}" type="datetimeFigureOut">
+            <a:fld id="{1B4191BE-38F0-48F6-899E-06AC634EFFDF}" type="datetimeFigureOut">
               <a:rPr lang="en-US" smtClean="0"/>
-              <a:t>3/20/2024</a:t>
+              <a:t>4/20/2024</a:t>
             </a:fld>
             <a:endParaRPr lang="en-US"/>
           </a:p>
@@ -1973,7 +1973,7 @@
           <p:cNvPr id="4" name="Footer Placeholder 3">
             <a:extLst>
               <a:ext uri="{FF2B5EF4-FFF2-40B4-BE49-F238E27FC236}">
-                <a16:creationId xmlns:a16="http://schemas.microsoft.com/office/drawing/2014/main" id="{28ACB554-98E1-5EDF-40AA-C9226699A3C0}"/>
+                <a16:creationId xmlns:a16="http://schemas.microsoft.com/office/drawing/2014/main" id="{0A0C48C1-41DA-F521-8EAB-89CC088CFF1F}"/>
               </a:ext>
             </a:extLst>
           </p:cNvPr>
@@ -1998,7 +1998,7 @@
           <p:cNvPr id="5" name="Slide Number Placeholder 4">
             <a:extLst>
               <a:ext uri="{FF2B5EF4-FFF2-40B4-BE49-F238E27FC236}">
-                <a16:creationId xmlns:a16="http://schemas.microsoft.com/office/drawing/2014/main" id="{71816D08-5C1D-CA90-EC67-669474F607D4}"/>
+                <a16:creationId xmlns:a16="http://schemas.microsoft.com/office/drawing/2014/main" id="{8C1ED807-A822-9D7D-1B06-947EE9C26477}"/>
               </a:ext>
             </a:extLst>
           </p:cNvPr>
@@ -2014,7 +2014,7 @@
           <a:bodyPr/>
           <a:lstStyle/>
           <a:p>
-            <a:fld id="{30BD3571-401F-4A9C-8526-B26ED9D8EC1F}" type="slidenum">
+            <a:fld id="{AB313670-D254-4A61-944A-450596437D83}" type="slidenum">
               <a:rPr lang="en-US" smtClean="0"/>
               <a:t>‹#›</a:t>
             </a:fld>
@@ -2025,7 +2025,7 @@
     </p:spTree>
     <p:extLst>
       <p:ext uri="{BB962C8B-B14F-4D97-AF65-F5344CB8AC3E}">
-        <p14:creationId xmlns:p14="http://schemas.microsoft.com/office/powerpoint/2010/main" val="3656049703"/>
+        <p14:creationId xmlns:p14="http://schemas.microsoft.com/office/powerpoint/2010/main" val="3268214124"/>
       </p:ext>
     </p:extLst>
   </p:cSld>
@@ -2057,7 +2057,7 @@
           <p:cNvPr id="2" name="Date Placeholder 1">
             <a:extLst>
               <a:ext uri="{FF2B5EF4-FFF2-40B4-BE49-F238E27FC236}">
-                <a16:creationId xmlns:a16="http://schemas.microsoft.com/office/drawing/2014/main" id="{48E38106-F6CF-9F3F-0EC1-35D676F3379A}"/>
+                <a16:creationId xmlns:a16="http://schemas.microsoft.com/office/drawing/2014/main" id="{B0AF24A4-74CD-0FC4-3550-0B76C65CE1CF}"/>
               </a:ext>
             </a:extLst>
           </p:cNvPr>
@@ -2073,9 +2073,9 @@
           <a:bodyPr/>
           <a:lstStyle/>
           <a:p>
-            <a:fld id="{10CB8FA8-2EB2-4F3B-8C20-EEFEB0CEB5B6}" type="datetimeFigureOut">
+            <a:fld id="{1B4191BE-38F0-48F6-899E-06AC634EFFDF}" type="datetimeFigureOut">
               <a:rPr lang="en-US" smtClean="0"/>
-              <a:t>3/20/2024</a:t>
+              <a:t>4/20/2024</a:t>
             </a:fld>
             <a:endParaRPr lang="en-US"/>
           </a:p>
@@ -2086,7 +2086,7 @@
           <p:cNvPr id="3" name="Footer Placeholder 2">
             <a:extLst>
               <a:ext uri="{FF2B5EF4-FFF2-40B4-BE49-F238E27FC236}">
-                <a16:creationId xmlns:a16="http://schemas.microsoft.com/office/drawing/2014/main" id="{DD524462-FAAF-767A-606D-9DD4F8F5C6A8}"/>
+                <a16:creationId xmlns:a16="http://schemas.microsoft.com/office/drawing/2014/main" id="{320849F0-58A3-61C1-4C0F-B43B662A4B94}"/>
               </a:ext>
             </a:extLst>
           </p:cNvPr>
@@ -2111,7 +2111,7 @@
           <p:cNvPr id="4" name="Slide Number Placeholder 3">
             <a:extLst>
               <a:ext uri="{FF2B5EF4-FFF2-40B4-BE49-F238E27FC236}">
-                <a16:creationId xmlns:a16="http://schemas.microsoft.com/office/drawing/2014/main" id="{35DE3DE5-2A3E-D195-C752-CF2921138F7A}"/>
+                <a16:creationId xmlns:a16="http://schemas.microsoft.com/office/drawing/2014/main" id="{C15B393A-4400-E1EC-1087-09257B3241E2}"/>
               </a:ext>
             </a:extLst>
           </p:cNvPr>
@@ -2127,7 +2127,7 @@
           <a:bodyPr/>
           <a:lstStyle/>
           <a:p>
-            <a:fld id="{30BD3571-401F-4A9C-8526-B26ED9D8EC1F}" type="slidenum">
+            <a:fld id="{AB313670-D254-4A61-944A-450596437D83}" type="slidenum">
               <a:rPr lang="en-US" smtClean="0"/>
               <a:t>‹#›</a:t>
             </a:fld>
@@ -2138,7 +2138,7 @@
     </p:spTree>
     <p:extLst>
       <p:ext uri="{BB962C8B-B14F-4D97-AF65-F5344CB8AC3E}">
-        <p14:creationId xmlns:p14="http://schemas.microsoft.com/office/powerpoint/2010/main" val="4139993945"/>
+        <p14:creationId xmlns:p14="http://schemas.microsoft.com/office/powerpoint/2010/main" val="1483569709"/>
       </p:ext>
     </p:extLst>
   </p:cSld>
@@ -2170,7 +2170,7 @@
           <p:cNvPr id="2" name="Title 1">
             <a:extLst>
               <a:ext uri="{FF2B5EF4-FFF2-40B4-BE49-F238E27FC236}">
-                <a16:creationId xmlns:a16="http://schemas.microsoft.com/office/drawing/2014/main" id="{A2E38439-7070-382E-0716-DC14EF6269D0}"/>
+                <a16:creationId xmlns:a16="http://schemas.microsoft.com/office/drawing/2014/main" id="{8C1BAB5C-116B-C9D2-AF95-EEA3064B9732}"/>
               </a:ext>
             </a:extLst>
           </p:cNvPr>
@@ -2207,7 +2207,7 @@
           <p:cNvPr id="3" name="Content Placeholder 2">
             <a:extLst>
               <a:ext uri="{FF2B5EF4-FFF2-40B4-BE49-F238E27FC236}">
-                <a16:creationId xmlns:a16="http://schemas.microsoft.com/office/drawing/2014/main" id="{79A0DACE-CDB6-F94A-160C-38408292A555}"/>
+                <a16:creationId xmlns:a16="http://schemas.microsoft.com/office/drawing/2014/main" id="{8E9D8AF6-14B2-F11C-2DC7-7C4641BA5D2B}"/>
               </a:ext>
             </a:extLst>
           </p:cNvPr>
@@ -2297,7 +2297,7 @@
           <p:cNvPr id="4" name="Text Placeholder 3">
             <a:extLst>
               <a:ext uri="{FF2B5EF4-FFF2-40B4-BE49-F238E27FC236}">
-                <a16:creationId xmlns:a16="http://schemas.microsoft.com/office/drawing/2014/main" id="{1A79796D-75CF-6702-BCD7-DBDBE8BFE143}"/>
+                <a16:creationId xmlns:a16="http://schemas.microsoft.com/office/drawing/2014/main" id="{EAFF5D83-784F-FB7A-85E1-DF1D89CD4261}"/>
               </a:ext>
             </a:extLst>
           </p:cNvPr>
@@ -2368,7 +2368,7 @@
           <p:cNvPr id="5" name="Date Placeholder 4">
             <a:extLst>
               <a:ext uri="{FF2B5EF4-FFF2-40B4-BE49-F238E27FC236}">
-                <a16:creationId xmlns:a16="http://schemas.microsoft.com/office/drawing/2014/main" id="{9A763F01-F726-8DE1-C66C-0379E6FFEBF2}"/>
+                <a16:creationId xmlns:a16="http://schemas.microsoft.com/office/drawing/2014/main" id="{400B512C-387A-4592-C95A-DD388D73356D}"/>
               </a:ext>
             </a:extLst>
           </p:cNvPr>
@@ -2384,9 +2384,9 @@
           <a:bodyPr/>
           <a:lstStyle/>
           <a:p>
-            <a:fld id="{10CB8FA8-2EB2-4F3B-8C20-EEFEB0CEB5B6}" type="datetimeFigureOut">
+            <a:fld id="{1B4191BE-38F0-48F6-899E-06AC634EFFDF}" type="datetimeFigureOut">
               <a:rPr lang="en-US" smtClean="0"/>
-              <a:t>3/20/2024</a:t>
+              <a:t>4/20/2024</a:t>
             </a:fld>
             <a:endParaRPr lang="en-US"/>
           </a:p>
@@ -2397,7 +2397,7 @@
           <p:cNvPr id="6" name="Footer Placeholder 5">
             <a:extLst>
               <a:ext uri="{FF2B5EF4-FFF2-40B4-BE49-F238E27FC236}">
-                <a16:creationId xmlns:a16="http://schemas.microsoft.com/office/drawing/2014/main" id="{2A11ED86-DF3A-47DB-6546-DA27D3009512}"/>
+                <a16:creationId xmlns:a16="http://schemas.microsoft.com/office/drawing/2014/main" id="{88FEA936-4CAD-362C-7EC0-2EFB1AE79508}"/>
               </a:ext>
             </a:extLst>
           </p:cNvPr>
@@ -2422,7 +2422,7 @@
           <p:cNvPr id="7" name="Slide Number Placeholder 6">
             <a:extLst>
               <a:ext uri="{FF2B5EF4-FFF2-40B4-BE49-F238E27FC236}">
-                <a16:creationId xmlns:a16="http://schemas.microsoft.com/office/drawing/2014/main" id="{9C211B6F-6B9F-AE73-53CD-8360172CEF9C}"/>
+                <a16:creationId xmlns:a16="http://schemas.microsoft.com/office/drawing/2014/main" id="{161C0EDA-EB14-2766-8838-BE5C1C0BB50E}"/>
               </a:ext>
             </a:extLst>
           </p:cNvPr>
@@ -2438,7 +2438,7 @@
           <a:bodyPr/>
           <a:lstStyle/>
           <a:p>
-            <a:fld id="{30BD3571-401F-4A9C-8526-B26ED9D8EC1F}" type="slidenum">
+            <a:fld id="{AB313670-D254-4A61-944A-450596437D83}" type="slidenum">
               <a:rPr lang="en-US" smtClean="0"/>
               <a:t>‹#›</a:t>
             </a:fld>
@@ -2449,7 +2449,7 @@
     </p:spTree>
     <p:extLst>
       <p:ext uri="{BB962C8B-B14F-4D97-AF65-F5344CB8AC3E}">
-        <p14:creationId xmlns:p14="http://schemas.microsoft.com/office/powerpoint/2010/main" val="3533518182"/>
+        <p14:creationId xmlns:p14="http://schemas.microsoft.com/office/powerpoint/2010/main" val="1668614085"/>
       </p:ext>
     </p:extLst>
   </p:cSld>
@@ -2481,7 +2481,7 @@
           <p:cNvPr id="2" name="Title 1">
             <a:extLst>
               <a:ext uri="{FF2B5EF4-FFF2-40B4-BE49-F238E27FC236}">
-                <a16:creationId xmlns:a16="http://schemas.microsoft.com/office/drawing/2014/main" id="{9A336D3F-CA1B-44D0-5503-6446D46E55C2}"/>
+                <a16:creationId xmlns:a16="http://schemas.microsoft.com/office/drawing/2014/main" id="{39323B6B-6DF6-CEC2-7199-4BA1C5B30B3B}"/>
               </a:ext>
             </a:extLst>
           </p:cNvPr>
@@ -2518,7 +2518,7 @@
           <p:cNvPr id="3" name="Picture Placeholder 2">
             <a:extLst>
               <a:ext uri="{FF2B5EF4-FFF2-40B4-BE49-F238E27FC236}">
-                <a16:creationId xmlns:a16="http://schemas.microsoft.com/office/drawing/2014/main" id="{17208A5A-5977-3B34-C07C-7F58A24E9320}"/>
+                <a16:creationId xmlns:a16="http://schemas.microsoft.com/office/drawing/2014/main" id="{0C68B7C9-D874-283F-A74B-AF90FBC7206C}"/>
               </a:ext>
             </a:extLst>
           </p:cNvPr>
@@ -2585,7 +2585,7 @@
           <p:cNvPr id="4" name="Text Placeholder 3">
             <a:extLst>
               <a:ext uri="{FF2B5EF4-FFF2-40B4-BE49-F238E27FC236}">
-                <a16:creationId xmlns:a16="http://schemas.microsoft.com/office/drawing/2014/main" id="{F83FF84E-6A6B-577E-811F-5437B55CBD8B}"/>
+                <a16:creationId xmlns:a16="http://schemas.microsoft.com/office/drawing/2014/main" id="{B29EE17F-F9D5-6A48-9139-08C010864DCB}"/>
               </a:ext>
             </a:extLst>
           </p:cNvPr>
@@ -2656,7 +2656,7 @@
           <p:cNvPr id="5" name="Date Placeholder 4">
             <a:extLst>
               <a:ext uri="{FF2B5EF4-FFF2-40B4-BE49-F238E27FC236}">
-                <a16:creationId xmlns:a16="http://schemas.microsoft.com/office/drawing/2014/main" id="{DE80526B-C20C-2597-719B-1ED918CF3FB3}"/>
+                <a16:creationId xmlns:a16="http://schemas.microsoft.com/office/drawing/2014/main" id="{E7674B36-EA40-EB3B-524A-638479599855}"/>
               </a:ext>
             </a:extLst>
           </p:cNvPr>
@@ -2672,9 +2672,9 @@
           <a:bodyPr/>
           <a:lstStyle/>
           <a:p>
-            <a:fld id="{10CB8FA8-2EB2-4F3B-8C20-EEFEB0CEB5B6}" type="datetimeFigureOut">
+            <a:fld id="{1B4191BE-38F0-48F6-899E-06AC634EFFDF}" type="datetimeFigureOut">
               <a:rPr lang="en-US" smtClean="0"/>
-              <a:t>3/20/2024</a:t>
+              <a:t>4/20/2024</a:t>
             </a:fld>
             <a:endParaRPr lang="en-US"/>
           </a:p>
@@ -2685,7 +2685,7 @@
           <p:cNvPr id="6" name="Footer Placeholder 5">
             <a:extLst>
               <a:ext uri="{FF2B5EF4-FFF2-40B4-BE49-F238E27FC236}">
-                <a16:creationId xmlns:a16="http://schemas.microsoft.com/office/drawing/2014/main" id="{F4EC42F9-3BFC-6FEF-9717-7094C4501FF4}"/>
+                <a16:creationId xmlns:a16="http://schemas.microsoft.com/office/drawing/2014/main" id="{82A95A9E-D262-CA05-9292-FBD9E29AF12A}"/>
               </a:ext>
             </a:extLst>
           </p:cNvPr>
@@ -2710,7 +2710,7 @@
           <p:cNvPr id="7" name="Slide Number Placeholder 6">
             <a:extLst>
               <a:ext uri="{FF2B5EF4-FFF2-40B4-BE49-F238E27FC236}">
-                <a16:creationId xmlns:a16="http://schemas.microsoft.com/office/drawing/2014/main" id="{B5ADB49A-5824-98B6-225D-EC296718C40A}"/>
+                <a16:creationId xmlns:a16="http://schemas.microsoft.com/office/drawing/2014/main" id="{F6CB5E73-E08B-899C-C82B-7966E1C5C341}"/>
               </a:ext>
             </a:extLst>
           </p:cNvPr>
@@ -2726,7 +2726,7 @@
           <a:bodyPr/>
           <a:lstStyle/>
           <a:p>
-            <a:fld id="{30BD3571-401F-4A9C-8526-B26ED9D8EC1F}" type="slidenum">
+            <a:fld id="{AB313670-D254-4A61-944A-450596437D83}" type="slidenum">
               <a:rPr lang="en-US" smtClean="0"/>
               <a:t>‹#›</a:t>
             </a:fld>
@@ -2737,7 +2737,7 @@
     </p:spTree>
     <p:extLst>
       <p:ext uri="{BB962C8B-B14F-4D97-AF65-F5344CB8AC3E}">
-        <p14:creationId xmlns:p14="http://schemas.microsoft.com/office/powerpoint/2010/main" val="2503831913"/>
+        <p14:creationId xmlns:p14="http://schemas.microsoft.com/office/powerpoint/2010/main" val="68038019"/>
       </p:ext>
     </p:extLst>
   </p:cSld>
@@ -2774,7 +2774,7 @@
           <p:cNvPr id="2" name="Title Placeholder 1">
             <a:extLst>
               <a:ext uri="{FF2B5EF4-FFF2-40B4-BE49-F238E27FC236}">
-                <a16:creationId xmlns:a16="http://schemas.microsoft.com/office/drawing/2014/main" id="{84487DF8-7E89-730C-95C7-A497E0CFBE88}"/>
+                <a16:creationId xmlns:a16="http://schemas.microsoft.com/office/drawing/2014/main" id="{771E1788-9D36-87C5-5729-1EC1A13B02A3}"/>
               </a:ext>
             </a:extLst>
           </p:cNvPr>
@@ -2812,7 +2812,7 @@
           <p:cNvPr id="3" name="Text Placeholder 2">
             <a:extLst>
               <a:ext uri="{FF2B5EF4-FFF2-40B4-BE49-F238E27FC236}">
-                <a16:creationId xmlns:a16="http://schemas.microsoft.com/office/drawing/2014/main" id="{05317981-36DA-49B2-9944-D8C744F76828}"/>
+                <a16:creationId xmlns:a16="http://schemas.microsoft.com/office/drawing/2014/main" id="{EAB296BC-3A99-D676-74CF-8C247EC309D6}"/>
               </a:ext>
             </a:extLst>
           </p:cNvPr>
@@ -2879,7 +2879,7 @@
           <p:cNvPr id="4" name="Date Placeholder 3">
             <a:extLst>
               <a:ext uri="{FF2B5EF4-FFF2-40B4-BE49-F238E27FC236}">
-                <a16:creationId xmlns:a16="http://schemas.microsoft.com/office/drawing/2014/main" id="{2FC119DD-DCC8-8A31-6611-86F7A8439CD9}"/>
+                <a16:creationId xmlns:a16="http://schemas.microsoft.com/office/drawing/2014/main" id="{EB59B449-0CEC-B3A5-F9D4-0F7176194F1F}"/>
               </a:ext>
             </a:extLst>
           </p:cNvPr>
@@ -2913,9 +2913,9 @@
             </a:lvl1pPr>
           </a:lstStyle>
           <a:p>
-            <a:fld id="{10CB8FA8-2EB2-4F3B-8C20-EEFEB0CEB5B6}" type="datetimeFigureOut">
+            <a:fld id="{1B4191BE-38F0-48F6-899E-06AC634EFFDF}" type="datetimeFigureOut">
               <a:rPr lang="en-US" smtClean="0"/>
-              <a:t>3/20/2024</a:t>
+              <a:t>4/20/2024</a:t>
             </a:fld>
             <a:endParaRPr lang="en-US"/>
           </a:p>
@@ -2926,7 +2926,7 @@
           <p:cNvPr id="5" name="Footer Placeholder 4">
             <a:extLst>
               <a:ext uri="{FF2B5EF4-FFF2-40B4-BE49-F238E27FC236}">
-                <a16:creationId xmlns:a16="http://schemas.microsoft.com/office/drawing/2014/main" id="{6B8B9A58-347C-5C19-024F-0D3944FB667A}"/>
+                <a16:creationId xmlns:a16="http://schemas.microsoft.com/office/drawing/2014/main" id="{97B1AB24-D3EE-66AC-193F-9C2027E692B7}"/>
               </a:ext>
             </a:extLst>
           </p:cNvPr>
@@ -2969,7 +2969,7 @@
           <p:cNvPr id="6" name="Slide Number Placeholder 5">
             <a:extLst>
               <a:ext uri="{FF2B5EF4-FFF2-40B4-BE49-F238E27FC236}">
-                <a16:creationId xmlns:a16="http://schemas.microsoft.com/office/drawing/2014/main" id="{AABE27AE-DFE9-2D36-1609-A202655FEE2C}"/>
+                <a16:creationId xmlns:a16="http://schemas.microsoft.com/office/drawing/2014/main" id="{0EE1D9EE-3BDB-113D-45C6-4B9963C56226}"/>
               </a:ext>
             </a:extLst>
           </p:cNvPr>
@@ -3003,7 +3003,7 @@
             </a:lvl1pPr>
           </a:lstStyle>
           <a:p>
-            <a:fld id="{30BD3571-401F-4A9C-8526-B26ED9D8EC1F}" type="slidenum">
+            <a:fld id="{AB313670-D254-4A61-944A-450596437D83}" type="slidenum">
               <a:rPr lang="en-US" smtClean="0"/>
               <a:t>‹#›</a:t>
             </a:fld>
@@ -3014,7 +3014,7 @@
     </p:spTree>
     <p:extLst>
       <p:ext uri="{BB962C8B-B14F-4D97-AF65-F5344CB8AC3E}">
-        <p14:creationId xmlns:p14="http://schemas.microsoft.com/office/powerpoint/2010/main" val="1389523250"/>
+        <p14:creationId xmlns:p14="http://schemas.microsoft.com/office/powerpoint/2010/main" val="2827958483"/>
       </p:ext>
     </p:extLst>
   </p:cSld>
@@ -3340,6 +3340,152 @@
       </p:grpSpPr>
       <p:sp>
         <p:nvSpPr>
+          <p:cNvPr id="4" name="Rectangle 3">
+            <a:extLst>
+              <a:ext uri="{FF2B5EF4-FFF2-40B4-BE49-F238E27FC236}">
+                <a16:creationId xmlns:a16="http://schemas.microsoft.com/office/drawing/2014/main" id="{22825BBC-B457-35CF-4C3D-7D3D6DA03C9A}"/>
+              </a:ext>
+            </a:extLst>
+          </p:cNvPr>
+          <p:cNvSpPr/>
+          <p:nvPr/>
+        </p:nvSpPr>
+        <p:spPr>
+          <a:xfrm>
+            <a:off x="0" y="5840991"/>
+            <a:ext cx="12192000" cy="1017009"/>
+          </a:xfrm>
+          <a:prstGeom prst="rect">
+            <a:avLst/>
+          </a:prstGeom>
+          <a:solidFill>
+            <a:srgbClr val="CCFFCC"/>
+          </a:solidFill>
+          <a:ln>
+            <a:solidFill>
+              <a:srgbClr val="CCFFCC"/>
+            </a:solidFill>
+          </a:ln>
+        </p:spPr>
+        <p:style>
+          <a:lnRef idx="2">
+            <a:schemeClr val="accent1">
+              <a:shade val="15000"/>
+            </a:schemeClr>
+          </a:lnRef>
+          <a:fillRef idx="1">
+            <a:schemeClr val="accent1"/>
+          </a:fillRef>
+          <a:effectRef idx="0">
+            <a:schemeClr val="accent1"/>
+          </a:effectRef>
+          <a:fontRef idx="minor">
+            <a:schemeClr val="lt1"/>
+          </a:fontRef>
+        </p:style>
+        <p:txBody>
+          <a:bodyPr rtlCol="0" anchor="ctr"/>
+          <a:lstStyle/>
+          <a:p>
+            <a:pPr algn="ctr"/>
+            <a:endParaRPr lang="en-US"/>
+          </a:p>
+        </p:txBody>
+      </p:sp>
+      <p:sp>
+        <p:nvSpPr>
+          <p:cNvPr id="5" name="Rectangle 4">
+            <a:extLst>
+              <a:ext uri="{FF2B5EF4-FFF2-40B4-BE49-F238E27FC236}">
+                <a16:creationId xmlns:a16="http://schemas.microsoft.com/office/drawing/2014/main" id="{2F34B659-FDDE-4FF9-2F3C-6AA38AD57A5D}"/>
+              </a:ext>
+            </a:extLst>
+          </p:cNvPr>
+          <p:cNvSpPr/>
+          <p:nvPr/>
+        </p:nvSpPr>
+        <p:spPr>
+          <a:xfrm>
+            <a:off x="0" y="0"/>
+            <a:ext cx="12192000" cy="1136342"/>
+          </a:xfrm>
+          <a:prstGeom prst="rect">
+            <a:avLst/>
+          </a:prstGeom>
+          <a:solidFill>
+            <a:srgbClr val="CCFFCC"/>
+          </a:solidFill>
+          <a:ln>
+            <a:solidFill>
+              <a:srgbClr val="CCFFCC"/>
+            </a:solidFill>
+          </a:ln>
+        </p:spPr>
+        <p:style>
+          <a:lnRef idx="2">
+            <a:schemeClr val="accent1">
+              <a:shade val="15000"/>
+            </a:schemeClr>
+          </a:lnRef>
+          <a:fillRef idx="1">
+            <a:schemeClr val="accent1"/>
+          </a:fillRef>
+          <a:effectRef idx="0">
+            <a:schemeClr val="accent1"/>
+          </a:effectRef>
+          <a:fontRef idx="minor">
+            <a:schemeClr val="lt1"/>
+          </a:fontRef>
+        </p:style>
+        <p:txBody>
+          <a:bodyPr rtlCol="0" anchor="ctr"/>
+          <a:lstStyle/>
+          <a:p>
+            <a:pPr algn="ctr"/>
+            <a:endParaRPr lang="en-US" dirty="0">
+              <a:noFill/>
+            </a:endParaRPr>
+          </a:p>
+        </p:txBody>
+      </p:sp>
+      <p:pic>
+        <p:nvPicPr>
+          <p:cNvPr id="6" name="Picture 5" descr="A black and white logo&#10;&#10;Description automatically generated">
+            <a:extLst>
+              <a:ext uri="{FF2B5EF4-FFF2-40B4-BE49-F238E27FC236}">
+                <a16:creationId xmlns:a16="http://schemas.microsoft.com/office/drawing/2014/main" id="{C2AF161F-0CA7-AD56-9199-29DBE0C9D6A8}"/>
+              </a:ext>
+            </a:extLst>
+          </p:cNvPr>
+          <p:cNvPicPr>
+            <a:picLocks noChangeAspect="1"/>
+          </p:cNvPicPr>
+          <p:nvPr/>
+        </p:nvPicPr>
+        <p:blipFill>
+          <a:blip r:embed="rId2">
+            <a:extLst>
+              <a:ext uri="{28A0092B-C50C-407E-A947-70E740481C1C}">
+                <a14:useLocalDpi xmlns:a14="http://schemas.microsoft.com/office/drawing/2010/main" val="0"/>
+              </a:ext>
+            </a:extLst>
+          </a:blip>
+          <a:stretch>
+            <a:fillRect/>
+          </a:stretch>
+        </p:blipFill>
+        <p:spPr>
+          <a:xfrm>
+            <a:off x="11051882" y="119333"/>
+            <a:ext cx="1093483" cy="1017009"/>
+          </a:xfrm>
+          <a:prstGeom prst="rect">
+            <a:avLst/>
+          </a:prstGeom>
+        </p:spPr>
+      </p:pic>
+      <p:sp>
+        <p:nvSpPr>
           <p:cNvPr id="2" name="Title 1">
             <a:extLst>
               <a:ext uri="{FF2B5EF4-FFF2-40B4-BE49-F238E27FC236}">
@@ -3360,7 +3506,10 @@
           <a:lstStyle/>
           <a:p>
             <a:r>
-              <a:rPr lang="en-US" dirty="0"/>
+              <a:rPr lang="en-US" dirty="0">
+                <a:latin typeface="TH SarabunPSK" panose="020B0500040200020003" pitchFamily="34" charset="-34"/>
+                <a:cs typeface="TH SarabunPSK" panose="020B0500040200020003" pitchFamily="34" charset="-34"/>
+              </a:rPr>
               <a:t>Class period 15</a:t>
             </a:r>
           </a:p>
@@ -3388,11 +3537,17 @@
           <a:lstStyle/>
           <a:p>
             <a:r>
-              <a:rPr lang="en-US" dirty="0" err="1"/>
+              <a:rPr lang="en-US" dirty="0" err="1">
+                <a:latin typeface="TH SarabunPSK" panose="020B0500040200020003" pitchFamily="34" charset="-34"/>
+                <a:cs typeface="TH SarabunPSK" panose="020B0500040200020003" pitchFamily="34" charset="-34"/>
+              </a:rPr>
               <a:t>Visualize_Data_Distribution</a:t>
             </a:r>
             <a:r>
-              <a:rPr lang="en-US" dirty="0"/>
+              <a:rPr lang="en-US" dirty="0">
+                <a:latin typeface="TH SarabunPSK" panose="020B0500040200020003" pitchFamily="34" charset="-34"/>
+                <a:cs typeface="TH SarabunPSK" panose="020B0500040200020003" pitchFamily="34" charset="-34"/>
+              </a:rPr>
               <a:t> part4</a:t>
             </a:r>
           </a:p>
@@ -3430,6 +3585,377 @@
       </p:grpSpPr>
       <p:sp>
         <p:nvSpPr>
+          <p:cNvPr id="4" name="Rectangle 3">
+            <a:extLst>
+              <a:ext uri="{FF2B5EF4-FFF2-40B4-BE49-F238E27FC236}">
+                <a16:creationId xmlns:a16="http://schemas.microsoft.com/office/drawing/2014/main" id="{3289D0D0-8021-132F-1F9B-6B8E34D78686}"/>
+              </a:ext>
+            </a:extLst>
+          </p:cNvPr>
+          <p:cNvSpPr/>
+          <p:nvPr/>
+        </p:nvSpPr>
+        <p:spPr>
+          <a:xfrm>
+            <a:off x="0" y="5840991"/>
+            <a:ext cx="12192000" cy="1017009"/>
+          </a:xfrm>
+          <a:prstGeom prst="rect">
+            <a:avLst/>
+          </a:prstGeom>
+          <a:solidFill>
+            <a:srgbClr val="CCFFCC"/>
+          </a:solidFill>
+          <a:ln>
+            <a:solidFill>
+              <a:srgbClr val="CCFFCC"/>
+            </a:solidFill>
+          </a:ln>
+        </p:spPr>
+        <p:style>
+          <a:lnRef idx="2">
+            <a:schemeClr val="accent1">
+              <a:shade val="15000"/>
+            </a:schemeClr>
+          </a:lnRef>
+          <a:fillRef idx="1">
+            <a:schemeClr val="accent1"/>
+          </a:fillRef>
+          <a:effectRef idx="0">
+            <a:schemeClr val="accent1"/>
+          </a:effectRef>
+          <a:fontRef idx="minor">
+            <a:schemeClr val="lt1"/>
+          </a:fontRef>
+        </p:style>
+        <p:txBody>
+          <a:bodyPr rtlCol="0" anchor="ctr"/>
+          <a:lstStyle/>
+          <a:p>
+            <a:pPr algn="ctr"/>
+            <a:endParaRPr lang="en-US"/>
+          </a:p>
+        </p:txBody>
+      </p:sp>
+      <p:sp>
+        <p:nvSpPr>
+          <p:cNvPr id="6" name="Rectangle 5">
+            <a:extLst>
+              <a:ext uri="{FF2B5EF4-FFF2-40B4-BE49-F238E27FC236}">
+                <a16:creationId xmlns:a16="http://schemas.microsoft.com/office/drawing/2014/main" id="{5B7DCDAC-CFFA-A00D-43B8-1DE5A7DF4765}"/>
+              </a:ext>
+            </a:extLst>
+          </p:cNvPr>
+          <p:cNvSpPr/>
+          <p:nvPr/>
+        </p:nvSpPr>
+        <p:spPr>
+          <a:xfrm>
+            <a:off x="0" y="0"/>
+            <a:ext cx="12192000" cy="1136342"/>
+          </a:xfrm>
+          <a:prstGeom prst="rect">
+            <a:avLst/>
+          </a:prstGeom>
+          <a:solidFill>
+            <a:srgbClr val="CCFFCC"/>
+          </a:solidFill>
+          <a:ln>
+            <a:solidFill>
+              <a:srgbClr val="CCFFCC"/>
+            </a:solidFill>
+          </a:ln>
+        </p:spPr>
+        <p:style>
+          <a:lnRef idx="2">
+            <a:schemeClr val="accent1">
+              <a:shade val="15000"/>
+            </a:schemeClr>
+          </a:lnRef>
+          <a:fillRef idx="1">
+            <a:schemeClr val="accent1"/>
+          </a:fillRef>
+          <a:effectRef idx="0">
+            <a:schemeClr val="accent1"/>
+          </a:effectRef>
+          <a:fontRef idx="minor">
+            <a:schemeClr val="lt1"/>
+          </a:fontRef>
+        </p:style>
+        <p:txBody>
+          <a:bodyPr rtlCol="0" anchor="ctr"/>
+          <a:lstStyle/>
+          <a:p>
+            <a:pPr algn="ctr"/>
+            <a:endParaRPr lang="en-US" dirty="0">
+              <a:noFill/>
+            </a:endParaRPr>
+          </a:p>
+        </p:txBody>
+      </p:sp>
+      <p:pic>
+        <p:nvPicPr>
+          <p:cNvPr id="7" name="Picture 6" descr="A black and white logo&#10;&#10;Description automatically generated">
+            <a:extLst>
+              <a:ext uri="{FF2B5EF4-FFF2-40B4-BE49-F238E27FC236}">
+                <a16:creationId xmlns:a16="http://schemas.microsoft.com/office/drawing/2014/main" id="{19AA943C-0915-4E96-51A5-DBB0C4605CD2}"/>
+              </a:ext>
+            </a:extLst>
+          </p:cNvPr>
+          <p:cNvPicPr>
+            <a:picLocks noChangeAspect="1"/>
+          </p:cNvPicPr>
+          <p:nvPr/>
+        </p:nvPicPr>
+        <p:blipFill>
+          <a:blip r:embed="rId2">
+            <a:extLst>
+              <a:ext uri="{28A0092B-C50C-407E-A947-70E740481C1C}">
+                <a14:useLocalDpi xmlns:a14="http://schemas.microsoft.com/office/drawing/2010/main" val="0"/>
+              </a:ext>
+            </a:extLst>
+          </a:blip>
+          <a:stretch>
+            <a:fillRect/>
+          </a:stretch>
+        </p:blipFill>
+        <p:spPr>
+          <a:xfrm>
+            <a:off x="11051882" y="119333"/>
+            <a:ext cx="1093483" cy="1017009"/>
+          </a:xfrm>
+          <a:prstGeom prst="rect">
+            <a:avLst/>
+          </a:prstGeom>
+        </p:spPr>
+      </p:pic>
+      <p:sp>
+        <p:nvSpPr>
+          <p:cNvPr id="8" name="Flowchart: Data 2">
+            <a:extLst>
+              <a:ext uri="{FF2B5EF4-FFF2-40B4-BE49-F238E27FC236}">
+                <a16:creationId xmlns:a16="http://schemas.microsoft.com/office/drawing/2014/main" id="{454D2C07-9FE5-707B-85B5-C735C41C27DF}"/>
+              </a:ext>
+            </a:extLst>
+          </p:cNvPr>
+          <p:cNvSpPr/>
+          <p:nvPr/>
+        </p:nvSpPr>
+        <p:spPr>
+          <a:xfrm>
+            <a:off x="10848138" y="6264097"/>
+            <a:ext cx="1343862" cy="608120"/>
+          </a:xfrm>
+          <a:custGeom>
+            <a:avLst/>
+            <a:gdLst>
+              <a:gd name="connsiteX0" fmla="*/ 0 w 10000"/>
+              <a:gd name="connsiteY0" fmla="*/ 10000 h 10000"/>
+              <a:gd name="connsiteX1" fmla="*/ 2000 w 10000"/>
+              <a:gd name="connsiteY1" fmla="*/ 0 h 10000"/>
+              <a:gd name="connsiteX2" fmla="*/ 10000 w 10000"/>
+              <a:gd name="connsiteY2" fmla="*/ 0 h 10000"/>
+              <a:gd name="connsiteX3" fmla="*/ 8000 w 10000"/>
+              <a:gd name="connsiteY3" fmla="*/ 10000 h 10000"/>
+              <a:gd name="connsiteX4" fmla="*/ 0 w 10000"/>
+              <a:gd name="connsiteY4" fmla="*/ 10000 h 10000"/>
+              <a:gd name="connsiteX0" fmla="*/ 0 w 8000"/>
+              <a:gd name="connsiteY0" fmla="*/ 10000 h 10000"/>
+              <a:gd name="connsiteX1" fmla="*/ 2000 w 8000"/>
+              <a:gd name="connsiteY1" fmla="*/ 0 h 10000"/>
+              <a:gd name="connsiteX2" fmla="*/ 4142 w 8000"/>
+              <a:gd name="connsiteY2" fmla="*/ 153 h 10000"/>
+              <a:gd name="connsiteX3" fmla="*/ 8000 w 8000"/>
+              <a:gd name="connsiteY3" fmla="*/ 10000 h 10000"/>
+              <a:gd name="connsiteX4" fmla="*/ 0 w 8000"/>
+              <a:gd name="connsiteY4" fmla="*/ 10000 h 10000"/>
+              <a:gd name="connsiteX0" fmla="*/ 0 w 5414"/>
+              <a:gd name="connsiteY0" fmla="*/ 10000 h 10000"/>
+              <a:gd name="connsiteX1" fmla="*/ 2500 w 5414"/>
+              <a:gd name="connsiteY1" fmla="*/ 0 h 10000"/>
+              <a:gd name="connsiteX2" fmla="*/ 5178 w 5414"/>
+              <a:gd name="connsiteY2" fmla="*/ 153 h 10000"/>
+              <a:gd name="connsiteX3" fmla="*/ 5414 w 5414"/>
+              <a:gd name="connsiteY3" fmla="*/ 10000 h 10000"/>
+              <a:gd name="connsiteX4" fmla="*/ 0 w 5414"/>
+              <a:gd name="connsiteY4" fmla="*/ 10000 h 10000"/>
+              <a:gd name="connsiteX0" fmla="*/ 0 w 9609"/>
+              <a:gd name="connsiteY0" fmla="*/ 10000 h 10000"/>
+              <a:gd name="connsiteX1" fmla="*/ 4618 w 9609"/>
+              <a:gd name="connsiteY1" fmla="*/ 0 h 10000"/>
+              <a:gd name="connsiteX2" fmla="*/ 9564 w 9609"/>
+              <a:gd name="connsiteY2" fmla="*/ 153 h 10000"/>
+              <a:gd name="connsiteX3" fmla="*/ 9590 w 9609"/>
+              <a:gd name="connsiteY3" fmla="*/ 10000 h 10000"/>
+              <a:gd name="connsiteX4" fmla="*/ 0 w 9609"/>
+              <a:gd name="connsiteY4" fmla="*/ 10000 h 10000"/>
+              <a:gd name="connsiteX0" fmla="*/ 0 w 10193"/>
+              <a:gd name="connsiteY0" fmla="*/ 10000 h 10153"/>
+              <a:gd name="connsiteX1" fmla="*/ 4806 w 10193"/>
+              <a:gd name="connsiteY1" fmla="*/ 0 h 10153"/>
+              <a:gd name="connsiteX2" fmla="*/ 9953 w 10193"/>
+              <a:gd name="connsiteY2" fmla="*/ 153 h 10153"/>
+              <a:gd name="connsiteX3" fmla="*/ 10193 w 10193"/>
+              <a:gd name="connsiteY3" fmla="*/ 10153 h 10153"/>
+              <a:gd name="connsiteX4" fmla="*/ 0 w 10193"/>
+              <a:gd name="connsiteY4" fmla="*/ 10000 h 10153"/>
+              <a:gd name="connsiteX0" fmla="*/ 0 w 10213"/>
+              <a:gd name="connsiteY0" fmla="*/ 10000 h 10153"/>
+              <a:gd name="connsiteX1" fmla="*/ 4806 w 10213"/>
+              <a:gd name="connsiteY1" fmla="*/ 0 h 10153"/>
+              <a:gd name="connsiteX2" fmla="*/ 10166 w 10213"/>
+              <a:gd name="connsiteY2" fmla="*/ 153 h 10153"/>
+              <a:gd name="connsiteX3" fmla="*/ 10193 w 10213"/>
+              <a:gd name="connsiteY3" fmla="*/ 10153 h 10153"/>
+              <a:gd name="connsiteX4" fmla="*/ 0 w 10213"/>
+              <a:gd name="connsiteY4" fmla="*/ 10000 h 10153"/>
+              <a:gd name="connsiteX0" fmla="*/ 0 w 10341"/>
+              <a:gd name="connsiteY0" fmla="*/ 10000 h 10153"/>
+              <a:gd name="connsiteX1" fmla="*/ 4806 w 10341"/>
+              <a:gd name="connsiteY1" fmla="*/ 0 h 10153"/>
+              <a:gd name="connsiteX2" fmla="*/ 10308 w 10341"/>
+              <a:gd name="connsiteY2" fmla="*/ 0 h 10153"/>
+              <a:gd name="connsiteX3" fmla="*/ 10193 w 10341"/>
+              <a:gd name="connsiteY3" fmla="*/ 10153 h 10153"/>
+              <a:gd name="connsiteX4" fmla="*/ 0 w 10341"/>
+              <a:gd name="connsiteY4" fmla="*/ 10000 h 10153"/>
+              <a:gd name="connsiteX0" fmla="*/ 0 w 10406"/>
+              <a:gd name="connsiteY0" fmla="*/ 10000 h 10306"/>
+              <a:gd name="connsiteX1" fmla="*/ 4806 w 10406"/>
+              <a:gd name="connsiteY1" fmla="*/ 0 h 10306"/>
+              <a:gd name="connsiteX2" fmla="*/ 10308 w 10406"/>
+              <a:gd name="connsiteY2" fmla="*/ 0 h 10306"/>
+              <a:gd name="connsiteX3" fmla="*/ 10406 w 10406"/>
+              <a:gd name="connsiteY3" fmla="*/ 10306 h 10306"/>
+              <a:gd name="connsiteX4" fmla="*/ 0 w 10406"/>
+              <a:gd name="connsiteY4" fmla="*/ 10000 h 10306"/>
+              <a:gd name="connsiteX0" fmla="*/ 0 w 10761"/>
+              <a:gd name="connsiteY0" fmla="*/ 10458 h 10458"/>
+              <a:gd name="connsiteX1" fmla="*/ 5161 w 10761"/>
+              <a:gd name="connsiteY1" fmla="*/ 0 h 10458"/>
+              <a:gd name="connsiteX2" fmla="*/ 10663 w 10761"/>
+              <a:gd name="connsiteY2" fmla="*/ 0 h 10458"/>
+              <a:gd name="connsiteX3" fmla="*/ 10761 w 10761"/>
+              <a:gd name="connsiteY3" fmla="*/ 10306 h 10458"/>
+              <a:gd name="connsiteX4" fmla="*/ 0 w 10761"/>
+              <a:gd name="connsiteY4" fmla="*/ 10458 h 10458"/>
+            </a:gdLst>
+            <a:ahLst/>
+            <a:cxnLst>
+              <a:cxn ang="0">
+                <a:pos x="connsiteX0" y="connsiteY0"/>
+              </a:cxn>
+              <a:cxn ang="0">
+                <a:pos x="connsiteX1" y="connsiteY1"/>
+              </a:cxn>
+              <a:cxn ang="0">
+                <a:pos x="connsiteX2" y="connsiteY2"/>
+              </a:cxn>
+              <a:cxn ang="0">
+                <a:pos x="connsiteX3" y="connsiteY3"/>
+              </a:cxn>
+              <a:cxn ang="0">
+                <a:pos x="connsiteX4" y="connsiteY4"/>
+              </a:cxn>
+            </a:cxnLst>
+            <a:rect l="l" t="t" r="r" b="b"/>
+            <a:pathLst>
+              <a:path w="10761" h="10458">
+                <a:moveTo>
+                  <a:pt x="0" y="10458"/>
+                </a:moveTo>
+                <a:lnTo>
+                  <a:pt x="5161" y="0"/>
+                </a:lnTo>
+                <a:lnTo>
+                  <a:pt x="10663" y="0"/>
+                </a:lnTo>
+                <a:cubicBezTo>
+                  <a:pt x="10815" y="3282"/>
+                  <a:pt x="10609" y="7024"/>
+                  <a:pt x="10761" y="10306"/>
+                </a:cubicBezTo>
+                <a:lnTo>
+                  <a:pt x="0" y="10458"/>
+                </a:lnTo>
+                <a:close/>
+              </a:path>
+            </a:pathLst>
+          </a:custGeom>
+          <a:solidFill>
+            <a:schemeClr val="bg1"/>
+          </a:solidFill>
+          <a:ln w="19050">
+            <a:solidFill>
+              <a:schemeClr val="tx1"/>
+            </a:solidFill>
+          </a:ln>
+        </p:spPr>
+        <p:style>
+          <a:lnRef idx="2">
+            <a:schemeClr val="accent1">
+              <a:shade val="15000"/>
+            </a:schemeClr>
+          </a:lnRef>
+          <a:fillRef idx="1">
+            <a:schemeClr val="accent1"/>
+          </a:fillRef>
+          <a:effectRef idx="0">
+            <a:schemeClr val="accent1"/>
+          </a:effectRef>
+          <a:fontRef idx="minor">
+            <a:schemeClr val="lt1"/>
+          </a:fontRef>
+        </p:style>
+        <p:txBody>
+          <a:bodyPr rtlCol="0" anchor="ctr"/>
+          <a:lstStyle/>
+          <a:p>
+            <a:pPr algn="ctr"/>
+            <a:endParaRPr lang="en-US"/>
+          </a:p>
+        </p:txBody>
+      </p:sp>
+      <p:sp>
+        <p:nvSpPr>
+          <p:cNvPr id="9" name="TextBox 8">
+            <a:extLst>
+              <a:ext uri="{FF2B5EF4-FFF2-40B4-BE49-F238E27FC236}">
+                <a16:creationId xmlns:a16="http://schemas.microsoft.com/office/drawing/2014/main" id="{9A0B8D9B-7321-4B90-FC9E-2453DBE0D2F1}"/>
+              </a:ext>
+            </a:extLst>
+          </p:cNvPr>
+          <p:cNvSpPr txBox="1"/>
+          <p:nvPr/>
+        </p:nvSpPr>
+        <p:spPr>
+          <a:xfrm>
+            <a:off x="11520069" y="6287442"/>
+            <a:ext cx="557254" cy="584775"/>
+          </a:xfrm>
+          <a:prstGeom prst="rect">
+            <a:avLst/>
+          </a:prstGeom>
+          <a:noFill/>
+        </p:spPr>
+        <p:txBody>
+          <a:bodyPr wrap="square" rtlCol="0">
+            <a:spAutoFit/>
+          </a:bodyPr>
+          <a:lstStyle/>
+          <a:p>
+            <a:r>
+              <a:rPr lang="en-US" sz="3200" dirty="0">
+                <a:latin typeface="TH SarabunPSK" panose="020B0500040200020003" pitchFamily="34" charset="-34"/>
+                <a:cs typeface="TH SarabunPSK" panose="020B0500040200020003" pitchFamily="34" charset="-34"/>
+              </a:rPr>
+              <a:t>9</a:t>
+            </a:r>
+          </a:p>
+        </p:txBody>
+      </p:sp>
+      <p:sp>
+        <p:nvSpPr>
           <p:cNvPr id="2" name="Title 1">
             <a:extLst>
               <a:ext uri="{FF2B5EF4-FFF2-40B4-BE49-F238E27FC236}">
@@ -3444,20 +3970,34 @@
             <p:ph type="title"/>
           </p:nvPr>
         </p:nvSpPr>
-        <p:spPr/>
+        <p:spPr>
+          <a:xfrm>
+            <a:off x="838200" y="0"/>
+            <a:ext cx="10515600" cy="1325563"/>
+          </a:xfrm>
+        </p:spPr>
         <p:txBody>
           <a:bodyPr/>
           <a:lstStyle/>
           <a:p>
             <a:r>
-              <a:rPr lang="en-US" dirty="0"/>
+              <a:rPr lang="en-US" dirty="0">
+                <a:latin typeface="TH SarabunPSK" panose="020B0500040200020003" pitchFamily="34" charset="-34"/>
+                <a:cs typeface="TH SarabunPSK" panose="020B0500040200020003" pitchFamily="34" charset="-34"/>
+              </a:rPr>
               <a:t>Parameter: </a:t>
             </a:r>
             <a:r>
-              <a:rPr lang="en-US" dirty="0" err="1"/>
+              <a:rPr lang="en-US" dirty="0" err="1">
+                <a:latin typeface="TH SarabunPSK" panose="020B0500040200020003" pitchFamily="34" charset="-34"/>
+                <a:cs typeface="TH SarabunPSK" panose="020B0500040200020003" pitchFamily="34" charset="-34"/>
+              </a:rPr>
               <a:t>showmedians</a:t>
             </a:r>
-            <a:endParaRPr lang="en-US" dirty="0"/>
+            <a:endParaRPr lang="en-US" dirty="0">
+              <a:latin typeface="TH SarabunPSK" panose="020B0500040200020003" pitchFamily="34" charset="-34"/>
+              <a:cs typeface="TH SarabunPSK" panose="020B0500040200020003" pitchFamily="34" charset="-34"/>
+            </a:endParaRPr>
           </a:p>
         </p:txBody>
       </p:sp>
@@ -3483,46 +4023,76 @@
           <a:lstStyle/>
           <a:p>
             <a:r>
-              <a:rPr lang="th-TH" dirty="0"/>
+              <a:rPr lang="th-TH" sz="2400" dirty="0">
+                <a:latin typeface="TH SarabunPSK" panose="020B0500040200020003" pitchFamily="34" charset="-34"/>
+                <a:cs typeface="TH SarabunPSK" panose="020B0500040200020003" pitchFamily="34" charset="-34"/>
+              </a:rPr>
               <a:t>การแสดง </a:t>
             </a:r>
             <a:r>
-              <a:rPr lang="en-US" dirty="0"/>
+              <a:rPr lang="en-US" sz="2400" dirty="0">
+                <a:latin typeface="TH SarabunPSK" panose="020B0500040200020003" pitchFamily="34" charset="-34"/>
+                <a:cs typeface="TH SarabunPSK" panose="020B0500040200020003" pitchFamily="34" charset="-34"/>
+              </a:rPr>
               <a:t>medians </a:t>
             </a:r>
             <a:r>
-              <a:rPr lang="th-TH" dirty="0"/>
+              <a:rPr lang="th-TH" sz="2400" dirty="0">
+                <a:latin typeface="TH SarabunPSK" panose="020B0500040200020003" pitchFamily="34" charset="-34"/>
+                <a:cs typeface="TH SarabunPSK" panose="020B0500040200020003" pitchFamily="34" charset="-34"/>
+              </a:rPr>
               <a:t>บนกราฟ</a:t>
             </a:r>
             <a:r>
-              <a:rPr lang="en-US" dirty="0"/>
+              <a:rPr lang="en-US" sz="2400" dirty="0">
+                <a:latin typeface="TH SarabunPSK" panose="020B0500040200020003" pitchFamily="34" charset="-34"/>
+                <a:cs typeface="TH SarabunPSK" panose="020B0500040200020003" pitchFamily="34" charset="-34"/>
+              </a:rPr>
               <a:t> violin-plot </a:t>
             </a:r>
             <a:r>
-              <a:rPr lang="th-TH" dirty="0"/>
+              <a:rPr lang="th-TH" sz="2400" dirty="0">
+                <a:latin typeface="TH SarabunPSK" panose="020B0500040200020003" pitchFamily="34" charset="-34"/>
+                <a:cs typeface="TH SarabunPSK" panose="020B0500040200020003" pitchFamily="34" charset="-34"/>
+              </a:rPr>
               <a:t>สามารถแสดงได้โดยใช้ </a:t>
             </a:r>
             <a:r>
-              <a:rPr lang="en-US" dirty="0"/>
+              <a:rPr lang="en-US" sz="2400" dirty="0">
+                <a:latin typeface="TH SarabunPSK" panose="020B0500040200020003" pitchFamily="34" charset="-34"/>
+                <a:cs typeface="TH SarabunPSK" panose="020B0500040200020003" pitchFamily="34" charset="-34"/>
+              </a:rPr>
               <a:t>parameter: </a:t>
             </a:r>
             <a:r>
-              <a:rPr lang="en-US" dirty="0" err="1"/>
+              <a:rPr lang="en-US" sz="2400" dirty="0" err="1">
+                <a:latin typeface="TH SarabunPSK" panose="020B0500040200020003" pitchFamily="34" charset="-34"/>
+                <a:cs typeface="TH SarabunPSK" panose="020B0500040200020003" pitchFamily="34" charset="-34"/>
+              </a:rPr>
               <a:t>showmedians</a:t>
             </a:r>
             <a:r>
-              <a:rPr lang="en-US" dirty="0"/>
+              <a:rPr lang="en-US" sz="2400" dirty="0">
+                <a:latin typeface="TH SarabunPSK" panose="020B0500040200020003" pitchFamily="34" charset="-34"/>
+                <a:cs typeface="TH SarabunPSK" panose="020B0500040200020003" pitchFamily="34" charset="-34"/>
+              </a:rPr>
               <a:t> =True (default=False ) </a:t>
             </a:r>
             <a:r>
-              <a:rPr lang="th-TH" dirty="0"/>
+              <a:rPr lang="th-TH" sz="2400" dirty="0">
+                <a:latin typeface="TH SarabunPSK" panose="020B0500040200020003" pitchFamily="34" charset="-34"/>
+                <a:cs typeface="TH SarabunPSK" panose="020B0500040200020003" pitchFamily="34" charset="-34"/>
+              </a:rPr>
               <a:t>เช่น </a:t>
             </a:r>
-            <a:endParaRPr lang="en-US" dirty="0"/>
-          </a:p>
-          <a:p>
-            <a:r>
-              <a:rPr lang="en-US" sz="2000" b="0" dirty="0">
+            <a:endParaRPr lang="en-US" sz="2400" dirty="0">
+              <a:latin typeface="TH SarabunPSK" panose="020B0500040200020003" pitchFamily="34" charset="-34"/>
+              <a:cs typeface="TH SarabunPSK" panose="020B0500040200020003" pitchFamily="34" charset="-34"/>
+            </a:endParaRPr>
+          </a:p>
+          <a:p>
+            <a:r>
+              <a:rPr lang="en-US" sz="1800" b="0" dirty="0">
                 <a:solidFill>
                   <a:srgbClr val="000000"/>
                 </a:solidFill>
@@ -3532,7 +4102,7 @@
               <a:t>vi = </a:t>
             </a:r>
             <a:r>
-              <a:rPr lang="en-US" sz="2000" b="0" dirty="0" err="1">
+              <a:rPr lang="en-US" sz="1800" b="0" dirty="0" err="1">
                 <a:solidFill>
                   <a:srgbClr val="000000"/>
                 </a:solidFill>
@@ -3542,7 +4112,7 @@
               <a:t>plt.violinplot</a:t>
             </a:r>
             <a:r>
-              <a:rPr lang="en-US" sz="2000" b="0" dirty="0">
+              <a:rPr lang="en-US" sz="1800" b="0" dirty="0">
                 <a:solidFill>
                   <a:srgbClr val="000000"/>
                 </a:solidFill>
@@ -3552,7 +4122,7 @@
               <a:t>(</a:t>
             </a:r>
             <a:r>
-              <a:rPr lang="en-US" sz="2000" b="0" dirty="0" err="1">
+              <a:rPr lang="en-US" sz="1800" b="0" dirty="0" err="1">
                 <a:solidFill>
                   <a:srgbClr val="000000"/>
                 </a:solidFill>
@@ -3562,7 +4132,7 @@
               <a:t>df</a:t>
             </a:r>
             <a:r>
-              <a:rPr lang="en-US" sz="2000" b="0" dirty="0">
+              <a:rPr lang="en-US" sz="1800" b="0" dirty="0">
                 <a:solidFill>
                   <a:srgbClr val="000000"/>
                 </a:solidFill>
@@ -3572,7 +4142,7 @@
               <a:t>[</a:t>
             </a:r>
             <a:r>
-              <a:rPr lang="en-US" sz="2000" b="0" dirty="0">
+              <a:rPr lang="en-US" sz="1800" b="0" dirty="0">
                 <a:solidFill>
                   <a:srgbClr val="A31515"/>
                 </a:solidFill>
@@ -3582,7 +4152,7 @@
               <a:t>'</a:t>
             </a:r>
             <a:r>
-              <a:rPr lang="en-US" sz="2000" b="0" dirty="0" err="1">
+              <a:rPr lang="en-US" sz="1800" b="0" dirty="0" err="1">
                 <a:solidFill>
                   <a:srgbClr val="A31515"/>
                 </a:solidFill>
@@ -3592,7 +4162,7 @@
               <a:t>SepalWidth</a:t>
             </a:r>
             <a:r>
-              <a:rPr lang="en-US" sz="2000" b="0" dirty="0">
+              <a:rPr lang="en-US" sz="1800" b="0" dirty="0">
                 <a:solidFill>
                   <a:srgbClr val="A31515"/>
                 </a:solidFill>
@@ -3602,7 +4172,7 @@
               <a:t>'</a:t>
             </a:r>
             <a:r>
-              <a:rPr lang="en-US" sz="2000" b="0" dirty="0">
+              <a:rPr lang="en-US" sz="1800" b="0" dirty="0">
                 <a:solidFill>
                   <a:srgbClr val="000000"/>
                 </a:solidFill>
@@ -3612,7 +4182,7 @@
               <a:t>][:</a:t>
             </a:r>
             <a:r>
-              <a:rPr lang="en-US" sz="2000" b="0" dirty="0">
+              <a:rPr lang="en-US" sz="1800" b="0" dirty="0">
                 <a:solidFill>
                   <a:srgbClr val="116644"/>
                 </a:solidFill>
@@ -3622,7 +4192,7 @@
               <a:t>50</a:t>
             </a:r>
             <a:r>
-              <a:rPr lang="en-US" sz="2000" b="0" dirty="0">
+              <a:rPr lang="en-US" sz="1800" b="0" dirty="0">
                 <a:solidFill>
                   <a:srgbClr val="000000"/>
                 </a:solidFill>
@@ -3632,7 +4202,7 @@
               <a:t>],</a:t>
             </a:r>
             <a:r>
-              <a:rPr lang="en-US" sz="2000" b="0" dirty="0" err="1">
+              <a:rPr lang="en-US" sz="1800" b="0" dirty="0" err="1">
                 <a:solidFill>
                   <a:srgbClr val="000000"/>
                 </a:solidFill>
@@ -3642,7 +4212,7 @@
               <a:t>showmedians</a:t>
             </a:r>
             <a:r>
-              <a:rPr lang="en-US" sz="2000" b="0" dirty="0">
+              <a:rPr lang="en-US" sz="1800" b="0" dirty="0">
                 <a:solidFill>
                   <a:srgbClr val="000000"/>
                 </a:solidFill>
@@ -3652,7 +4222,7 @@
               <a:t>=</a:t>
             </a:r>
             <a:r>
-              <a:rPr lang="en-US" sz="2000" b="0" dirty="0">
+              <a:rPr lang="en-US" sz="1800" b="0" dirty="0">
                 <a:solidFill>
                   <a:srgbClr val="0000FF"/>
                 </a:solidFill>
@@ -3662,7 +4232,7 @@
               <a:t>True</a:t>
             </a:r>
             <a:r>
-              <a:rPr lang="en-US" sz="2000" b="0" dirty="0">
+              <a:rPr lang="en-US" sz="1800" b="0" dirty="0">
                 <a:solidFill>
                   <a:srgbClr val="000000"/>
                 </a:solidFill>
@@ -3692,15 +4262,15 @@
           <p:nvPr/>
         </p:nvPicPr>
         <p:blipFill>
-          <a:blip r:embed="rId2"/>
+          <a:blip r:embed="rId3"/>
           <a:stretch>
             <a:fillRect/>
           </a:stretch>
         </p:blipFill>
         <p:spPr>
           <a:xfrm>
-            <a:off x="3699288" y="3152697"/>
-            <a:ext cx="4793424" cy="3572934"/>
+            <a:off x="4304826" y="3021859"/>
+            <a:ext cx="3582348" cy="2670219"/>
           </a:xfrm>
           <a:prstGeom prst="rect">
             <a:avLst/>
@@ -3739,6 +4309,377 @@
       </p:grpSpPr>
       <p:sp>
         <p:nvSpPr>
+          <p:cNvPr id="4" name="Rectangle 3">
+            <a:extLst>
+              <a:ext uri="{FF2B5EF4-FFF2-40B4-BE49-F238E27FC236}">
+                <a16:creationId xmlns:a16="http://schemas.microsoft.com/office/drawing/2014/main" id="{8693C003-F10E-1EDD-2F26-9B2BCF4B0D9A}"/>
+              </a:ext>
+            </a:extLst>
+          </p:cNvPr>
+          <p:cNvSpPr/>
+          <p:nvPr/>
+        </p:nvSpPr>
+        <p:spPr>
+          <a:xfrm>
+            <a:off x="0" y="5840991"/>
+            <a:ext cx="12192000" cy="1017009"/>
+          </a:xfrm>
+          <a:prstGeom prst="rect">
+            <a:avLst/>
+          </a:prstGeom>
+          <a:solidFill>
+            <a:srgbClr val="CCFFCC"/>
+          </a:solidFill>
+          <a:ln>
+            <a:solidFill>
+              <a:srgbClr val="CCFFCC"/>
+            </a:solidFill>
+          </a:ln>
+        </p:spPr>
+        <p:style>
+          <a:lnRef idx="2">
+            <a:schemeClr val="accent1">
+              <a:shade val="15000"/>
+            </a:schemeClr>
+          </a:lnRef>
+          <a:fillRef idx="1">
+            <a:schemeClr val="accent1"/>
+          </a:fillRef>
+          <a:effectRef idx="0">
+            <a:schemeClr val="accent1"/>
+          </a:effectRef>
+          <a:fontRef idx="minor">
+            <a:schemeClr val="lt1"/>
+          </a:fontRef>
+        </p:style>
+        <p:txBody>
+          <a:bodyPr rtlCol="0" anchor="ctr"/>
+          <a:lstStyle/>
+          <a:p>
+            <a:pPr algn="ctr"/>
+            <a:endParaRPr lang="en-US"/>
+          </a:p>
+        </p:txBody>
+      </p:sp>
+      <p:sp>
+        <p:nvSpPr>
+          <p:cNvPr id="6" name="Rectangle 5">
+            <a:extLst>
+              <a:ext uri="{FF2B5EF4-FFF2-40B4-BE49-F238E27FC236}">
+                <a16:creationId xmlns:a16="http://schemas.microsoft.com/office/drawing/2014/main" id="{478135C2-0CFF-4F9C-EB18-18436A9F320E}"/>
+              </a:ext>
+            </a:extLst>
+          </p:cNvPr>
+          <p:cNvSpPr/>
+          <p:nvPr/>
+        </p:nvSpPr>
+        <p:spPr>
+          <a:xfrm>
+            <a:off x="0" y="0"/>
+            <a:ext cx="12192000" cy="1136342"/>
+          </a:xfrm>
+          <a:prstGeom prst="rect">
+            <a:avLst/>
+          </a:prstGeom>
+          <a:solidFill>
+            <a:srgbClr val="CCFFCC"/>
+          </a:solidFill>
+          <a:ln>
+            <a:solidFill>
+              <a:srgbClr val="CCFFCC"/>
+            </a:solidFill>
+          </a:ln>
+        </p:spPr>
+        <p:style>
+          <a:lnRef idx="2">
+            <a:schemeClr val="accent1">
+              <a:shade val="15000"/>
+            </a:schemeClr>
+          </a:lnRef>
+          <a:fillRef idx="1">
+            <a:schemeClr val="accent1"/>
+          </a:fillRef>
+          <a:effectRef idx="0">
+            <a:schemeClr val="accent1"/>
+          </a:effectRef>
+          <a:fontRef idx="minor">
+            <a:schemeClr val="lt1"/>
+          </a:fontRef>
+        </p:style>
+        <p:txBody>
+          <a:bodyPr rtlCol="0" anchor="ctr"/>
+          <a:lstStyle/>
+          <a:p>
+            <a:pPr algn="ctr"/>
+            <a:endParaRPr lang="en-US" dirty="0">
+              <a:noFill/>
+            </a:endParaRPr>
+          </a:p>
+        </p:txBody>
+      </p:sp>
+      <p:pic>
+        <p:nvPicPr>
+          <p:cNvPr id="7" name="Picture 6" descr="A black and white logo&#10;&#10;Description automatically generated">
+            <a:extLst>
+              <a:ext uri="{FF2B5EF4-FFF2-40B4-BE49-F238E27FC236}">
+                <a16:creationId xmlns:a16="http://schemas.microsoft.com/office/drawing/2014/main" id="{D7D6D533-F0D0-6D49-1935-9AC192A43219}"/>
+              </a:ext>
+            </a:extLst>
+          </p:cNvPr>
+          <p:cNvPicPr>
+            <a:picLocks noChangeAspect="1"/>
+          </p:cNvPicPr>
+          <p:nvPr/>
+        </p:nvPicPr>
+        <p:blipFill>
+          <a:blip r:embed="rId2">
+            <a:extLst>
+              <a:ext uri="{28A0092B-C50C-407E-A947-70E740481C1C}">
+                <a14:useLocalDpi xmlns:a14="http://schemas.microsoft.com/office/drawing/2010/main" val="0"/>
+              </a:ext>
+            </a:extLst>
+          </a:blip>
+          <a:stretch>
+            <a:fillRect/>
+          </a:stretch>
+        </p:blipFill>
+        <p:spPr>
+          <a:xfrm>
+            <a:off x="11051882" y="119333"/>
+            <a:ext cx="1093483" cy="1017009"/>
+          </a:xfrm>
+          <a:prstGeom prst="rect">
+            <a:avLst/>
+          </a:prstGeom>
+        </p:spPr>
+      </p:pic>
+      <p:sp>
+        <p:nvSpPr>
+          <p:cNvPr id="8" name="Flowchart: Data 2">
+            <a:extLst>
+              <a:ext uri="{FF2B5EF4-FFF2-40B4-BE49-F238E27FC236}">
+                <a16:creationId xmlns:a16="http://schemas.microsoft.com/office/drawing/2014/main" id="{F3713B5A-526B-928E-5A55-14FD82B635CA}"/>
+              </a:ext>
+            </a:extLst>
+          </p:cNvPr>
+          <p:cNvSpPr/>
+          <p:nvPr/>
+        </p:nvSpPr>
+        <p:spPr>
+          <a:xfrm>
+            <a:off x="10848138" y="6264097"/>
+            <a:ext cx="1343862" cy="608120"/>
+          </a:xfrm>
+          <a:custGeom>
+            <a:avLst/>
+            <a:gdLst>
+              <a:gd name="connsiteX0" fmla="*/ 0 w 10000"/>
+              <a:gd name="connsiteY0" fmla="*/ 10000 h 10000"/>
+              <a:gd name="connsiteX1" fmla="*/ 2000 w 10000"/>
+              <a:gd name="connsiteY1" fmla="*/ 0 h 10000"/>
+              <a:gd name="connsiteX2" fmla="*/ 10000 w 10000"/>
+              <a:gd name="connsiteY2" fmla="*/ 0 h 10000"/>
+              <a:gd name="connsiteX3" fmla="*/ 8000 w 10000"/>
+              <a:gd name="connsiteY3" fmla="*/ 10000 h 10000"/>
+              <a:gd name="connsiteX4" fmla="*/ 0 w 10000"/>
+              <a:gd name="connsiteY4" fmla="*/ 10000 h 10000"/>
+              <a:gd name="connsiteX0" fmla="*/ 0 w 8000"/>
+              <a:gd name="connsiteY0" fmla="*/ 10000 h 10000"/>
+              <a:gd name="connsiteX1" fmla="*/ 2000 w 8000"/>
+              <a:gd name="connsiteY1" fmla="*/ 0 h 10000"/>
+              <a:gd name="connsiteX2" fmla="*/ 4142 w 8000"/>
+              <a:gd name="connsiteY2" fmla="*/ 153 h 10000"/>
+              <a:gd name="connsiteX3" fmla="*/ 8000 w 8000"/>
+              <a:gd name="connsiteY3" fmla="*/ 10000 h 10000"/>
+              <a:gd name="connsiteX4" fmla="*/ 0 w 8000"/>
+              <a:gd name="connsiteY4" fmla="*/ 10000 h 10000"/>
+              <a:gd name="connsiteX0" fmla="*/ 0 w 5414"/>
+              <a:gd name="connsiteY0" fmla="*/ 10000 h 10000"/>
+              <a:gd name="connsiteX1" fmla="*/ 2500 w 5414"/>
+              <a:gd name="connsiteY1" fmla="*/ 0 h 10000"/>
+              <a:gd name="connsiteX2" fmla="*/ 5178 w 5414"/>
+              <a:gd name="connsiteY2" fmla="*/ 153 h 10000"/>
+              <a:gd name="connsiteX3" fmla="*/ 5414 w 5414"/>
+              <a:gd name="connsiteY3" fmla="*/ 10000 h 10000"/>
+              <a:gd name="connsiteX4" fmla="*/ 0 w 5414"/>
+              <a:gd name="connsiteY4" fmla="*/ 10000 h 10000"/>
+              <a:gd name="connsiteX0" fmla="*/ 0 w 9609"/>
+              <a:gd name="connsiteY0" fmla="*/ 10000 h 10000"/>
+              <a:gd name="connsiteX1" fmla="*/ 4618 w 9609"/>
+              <a:gd name="connsiteY1" fmla="*/ 0 h 10000"/>
+              <a:gd name="connsiteX2" fmla="*/ 9564 w 9609"/>
+              <a:gd name="connsiteY2" fmla="*/ 153 h 10000"/>
+              <a:gd name="connsiteX3" fmla="*/ 9590 w 9609"/>
+              <a:gd name="connsiteY3" fmla="*/ 10000 h 10000"/>
+              <a:gd name="connsiteX4" fmla="*/ 0 w 9609"/>
+              <a:gd name="connsiteY4" fmla="*/ 10000 h 10000"/>
+              <a:gd name="connsiteX0" fmla="*/ 0 w 10193"/>
+              <a:gd name="connsiteY0" fmla="*/ 10000 h 10153"/>
+              <a:gd name="connsiteX1" fmla="*/ 4806 w 10193"/>
+              <a:gd name="connsiteY1" fmla="*/ 0 h 10153"/>
+              <a:gd name="connsiteX2" fmla="*/ 9953 w 10193"/>
+              <a:gd name="connsiteY2" fmla="*/ 153 h 10153"/>
+              <a:gd name="connsiteX3" fmla="*/ 10193 w 10193"/>
+              <a:gd name="connsiteY3" fmla="*/ 10153 h 10153"/>
+              <a:gd name="connsiteX4" fmla="*/ 0 w 10193"/>
+              <a:gd name="connsiteY4" fmla="*/ 10000 h 10153"/>
+              <a:gd name="connsiteX0" fmla="*/ 0 w 10213"/>
+              <a:gd name="connsiteY0" fmla="*/ 10000 h 10153"/>
+              <a:gd name="connsiteX1" fmla="*/ 4806 w 10213"/>
+              <a:gd name="connsiteY1" fmla="*/ 0 h 10153"/>
+              <a:gd name="connsiteX2" fmla="*/ 10166 w 10213"/>
+              <a:gd name="connsiteY2" fmla="*/ 153 h 10153"/>
+              <a:gd name="connsiteX3" fmla="*/ 10193 w 10213"/>
+              <a:gd name="connsiteY3" fmla="*/ 10153 h 10153"/>
+              <a:gd name="connsiteX4" fmla="*/ 0 w 10213"/>
+              <a:gd name="connsiteY4" fmla="*/ 10000 h 10153"/>
+              <a:gd name="connsiteX0" fmla="*/ 0 w 10341"/>
+              <a:gd name="connsiteY0" fmla="*/ 10000 h 10153"/>
+              <a:gd name="connsiteX1" fmla="*/ 4806 w 10341"/>
+              <a:gd name="connsiteY1" fmla="*/ 0 h 10153"/>
+              <a:gd name="connsiteX2" fmla="*/ 10308 w 10341"/>
+              <a:gd name="connsiteY2" fmla="*/ 0 h 10153"/>
+              <a:gd name="connsiteX3" fmla="*/ 10193 w 10341"/>
+              <a:gd name="connsiteY3" fmla="*/ 10153 h 10153"/>
+              <a:gd name="connsiteX4" fmla="*/ 0 w 10341"/>
+              <a:gd name="connsiteY4" fmla="*/ 10000 h 10153"/>
+              <a:gd name="connsiteX0" fmla="*/ 0 w 10406"/>
+              <a:gd name="connsiteY0" fmla="*/ 10000 h 10306"/>
+              <a:gd name="connsiteX1" fmla="*/ 4806 w 10406"/>
+              <a:gd name="connsiteY1" fmla="*/ 0 h 10306"/>
+              <a:gd name="connsiteX2" fmla="*/ 10308 w 10406"/>
+              <a:gd name="connsiteY2" fmla="*/ 0 h 10306"/>
+              <a:gd name="connsiteX3" fmla="*/ 10406 w 10406"/>
+              <a:gd name="connsiteY3" fmla="*/ 10306 h 10306"/>
+              <a:gd name="connsiteX4" fmla="*/ 0 w 10406"/>
+              <a:gd name="connsiteY4" fmla="*/ 10000 h 10306"/>
+              <a:gd name="connsiteX0" fmla="*/ 0 w 10761"/>
+              <a:gd name="connsiteY0" fmla="*/ 10458 h 10458"/>
+              <a:gd name="connsiteX1" fmla="*/ 5161 w 10761"/>
+              <a:gd name="connsiteY1" fmla="*/ 0 h 10458"/>
+              <a:gd name="connsiteX2" fmla="*/ 10663 w 10761"/>
+              <a:gd name="connsiteY2" fmla="*/ 0 h 10458"/>
+              <a:gd name="connsiteX3" fmla="*/ 10761 w 10761"/>
+              <a:gd name="connsiteY3" fmla="*/ 10306 h 10458"/>
+              <a:gd name="connsiteX4" fmla="*/ 0 w 10761"/>
+              <a:gd name="connsiteY4" fmla="*/ 10458 h 10458"/>
+            </a:gdLst>
+            <a:ahLst/>
+            <a:cxnLst>
+              <a:cxn ang="0">
+                <a:pos x="connsiteX0" y="connsiteY0"/>
+              </a:cxn>
+              <a:cxn ang="0">
+                <a:pos x="connsiteX1" y="connsiteY1"/>
+              </a:cxn>
+              <a:cxn ang="0">
+                <a:pos x="connsiteX2" y="connsiteY2"/>
+              </a:cxn>
+              <a:cxn ang="0">
+                <a:pos x="connsiteX3" y="connsiteY3"/>
+              </a:cxn>
+              <a:cxn ang="0">
+                <a:pos x="connsiteX4" y="connsiteY4"/>
+              </a:cxn>
+            </a:cxnLst>
+            <a:rect l="l" t="t" r="r" b="b"/>
+            <a:pathLst>
+              <a:path w="10761" h="10458">
+                <a:moveTo>
+                  <a:pt x="0" y="10458"/>
+                </a:moveTo>
+                <a:lnTo>
+                  <a:pt x="5161" y="0"/>
+                </a:lnTo>
+                <a:lnTo>
+                  <a:pt x="10663" y="0"/>
+                </a:lnTo>
+                <a:cubicBezTo>
+                  <a:pt x="10815" y="3282"/>
+                  <a:pt x="10609" y="7024"/>
+                  <a:pt x="10761" y="10306"/>
+                </a:cubicBezTo>
+                <a:lnTo>
+                  <a:pt x="0" y="10458"/>
+                </a:lnTo>
+                <a:close/>
+              </a:path>
+            </a:pathLst>
+          </a:custGeom>
+          <a:solidFill>
+            <a:schemeClr val="bg1"/>
+          </a:solidFill>
+          <a:ln w="19050">
+            <a:solidFill>
+              <a:schemeClr val="tx1"/>
+            </a:solidFill>
+          </a:ln>
+        </p:spPr>
+        <p:style>
+          <a:lnRef idx="2">
+            <a:schemeClr val="accent1">
+              <a:shade val="15000"/>
+            </a:schemeClr>
+          </a:lnRef>
+          <a:fillRef idx="1">
+            <a:schemeClr val="accent1"/>
+          </a:fillRef>
+          <a:effectRef idx="0">
+            <a:schemeClr val="accent1"/>
+          </a:effectRef>
+          <a:fontRef idx="minor">
+            <a:schemeClr val="lt1"/>
+          </a:fontRef>
+        </p:style>
+        <p:txBody>
+          <a:bodyPr rtlCol="0" anchor="ctr"/>
+          <a:lstStyle/>
+          <a:p>
+            <a:pPr algn="ctr"/>
+            <a:endParaRPr lang="en-US"/>
+          </a:p>
+        </p:txBody>
+      </p:sp>
+      <p:sp>
+        <p:nvSpPr>
+          <p:cNvPr id="9" name="TextBox 8">
+            <a:extLst>
+              <a:ext uri="{FF2B5EF4-FFF2-40B4-BE49-F238E27FC236}">
+                <a16:creationId xmlns:a16="http://schemas.microsoft.com/office/drawing/2014/main" id="{9B221CFE-828C-FDA2-B511-D3B6A893D04B}"/>
+              </a:ext>
+            </a:extLst>
+          </p:cNvPr>
+          <p:cNvSpPr txBox="1"/>
+          <p:nvPr/>
+        </p:nvSpPr>
+        <p:spPr>
+          <a:xfrm>
+            <a:off x="11520069" y="6287442"/>
+            <a:ext cx="557254" cy="584775"/>
+          </a:xfrm>
+          <a:prstGeom prst="rect">
+            <a:avLst/>
+          </a:prstGeom>
+          <a:noFill/>
+        </p:spPr>
+        <p:txBody>
+          <a:bodyPr wrap="square" rtlCol="0">
+            <a:spAutoFit/>
+          </a:bodyPr>
+          <a:lstStyle/>
+          <a:p>
+            <a:r>
+              <a:rPr lang="en-US" sz="3200" dirty="0">
+                <a:latin typeface="TH SarabunPSK" panose="020B0500040200020003" pitchFamily="34" charset="-34"/>
+                <a:cs typeface="TH SarabunPSK" panose="020B0500040200020003" pitchFamily="34" charset="-34"/>
+              </a:rPr>
+              <a:t>10</a:t>
+            </a:r>
+          </a:p>
+        </p:txBody>
+      </p:sp>
+      <p:sp>
+        <p:nvSpPr>
           <p:cNvPr id="2" name="Title 1">
             <a:extLst>
               <a:ext uri="{FF2B5EF4-FFF2-40B4-BE49-F238E27FC236}">
@@ -3753,25 +4694,42 @@
             <p:ph type="title"/>
           </p:nvPr>
         </p:nvSpPr>
-        <p:spPr/>
+        <p:spPr>
+          <a:xfrm>
+            <a:off x="838200" y="0"/>
+            <a:ext cx="10515600" cy="1325563"/>
+          </a:xfrm>
+        </p:spPr>
         <p:txBody>
           <a:bodyPr/>
           <a:lstStyle/>
           <a:p>
             <a:r>
-              <a:rPr lang="th-TH" dirty="0"/>
+              <a:rPr lang="th-TH" dirty="0">
+                <a:latin typeface="TH SarabunPSK" panose="020B0500040200020003" pitchFamily="34" charset="-34"/>
+                <a:cs typeface="TH SarabunPSK" panose="020B0500040200020003" pitchFamily="34" charset="-34"/>
+              </a:rPr>
               <a:t>เปรียบเทียบระหว่าง </a:t>
             </a:r>
             <a:r>
-              <a:rPr lang="en-US" dirty="0"/>
+              <a:rPr lang="en-US" dirty="0">
+                <a:latin typeface="TH SarabunPSK" panose="020B0500040200020003" pitchFamily="34" charset="-34"/>
+                <a:cs typeface="TH SarabunPSK" panose="020B0500040200020003" pitchFamily="34" charset="-34"/>
+              </a:rPr>
               <a:t>box-plot </a:t>
             </a:r>
             <a:r>
-              <a:rPr lang="th-TH" dirty="0"/>
+              <a:rPr lang="th-TH" dirty="0">
+                <a:latin typeface="TH SarabunPSK" panose="020B0500040200020003" pitchFamily="34" charset="-34"/>
+                <a:cs typeface="TH SarabunPSK" panose="020B0500040200020003" pitchFamily="34" charset="-34"/>
+              </a:rPr>
               <a:t>กับ </a:t>
             </a:r>
             <a:r>
-              <a:rPr lang="en-US" dirty="0"/>
+              <a:rPr lang="en-US" dirty="0">
+                <a:latin typeface="TH SarabunPSK" panose="020B0500040200020003" pitchFamily="34" charset="-34"/>
+                <a:cs typeface="TH SarabunPSK" panose="020B0500040200020003" pitchFamily="34" charset="-34"/>
+              </a:rPr>
               <a:t>violin-plot</a:t>
             </a:r>
           </a:p>
@@ -3795,7 +4753,7 @@
         </p:nvSpPr>
         <p:spPr>
           <a:xfrm>
-            <a:off x="838200" y="1690688"/>
+            <a:off x="838200" y="1407608"/>
             <a:ext cx="10515600" cy="4351338"/>
           </a:xfrm>
         </p:spPr>
@@ -3804,7 +4762,7 @@
           <a:lstStyle/>
           <a:p>
             <a:r>
-              <a:rPr lang="en-US" sz="2000" b="0" dirty="0" err="1">
+              <a:rPr lang="en-US" sz="1800" b="0" dirty="0" err="1">
                 <a:solidFill>
                   <a:srgbClr val="000000"/>
                 </a:solidFill>
@@ -3814,7 +4772,7 @@
               <a:t>plt.subplot</a:t>
             </a:r>
             <a:r>
-              <a:rPr lang="en-US" sz="2000" b="0" dirty="0">
+              <a:rPr lang="en-US" sz="1800" b="0" dirty="0">
                 <a:solidFill>
                   <a:srgbClr val="000000"/>
                 </a:solidFill>
@@ -3824,7 +4782,7 @@
               <a:t>(</a:t>
             </a:r>
             <a:r>
-              <a:rPr lang="en-US" sz="2000" b="0" dirty="0">
+              <a:rPr lang="en-US" sz="1800" b="0" dirty="0">
                 <a:solidFill>
                   <a:srgbClr val="116644"/>
                 </a:solidFill>
@@ -3834,7 +4792,7 @@
               <a:t>1</a:t>
             </a:r>
             <a:r>
-              <a:rPr lang="en-US" sz="2000" b="0" dirty="0">
+              <a:rPr lang="en-US" sz="1800" b="0" dirty="0">
                 <a:solidFill>
                   <a:srgbClr val="000000"/>
                 </a:solidFill>
@@ -3844,7 +4802,7 @@
               <a:t>,</a:t>
             </a:r>
             <a:r>
-              <a:rPr lang="en-US" sz="2000" b="0" dirty="0">
+              <a:rPr lang="en-US" sz="1800" b="0" dirty="0">
                 <a:solidFill>
                   <a:srgbClr val="116644"/>
                 </a:solidFill>
@@ -3854,7 +4812,7 @@
               <a:t>2</a:t>
             </a:r>
             <a:r>
-              <a:rPr lang="en-US" sz="2000" b="0" dirty="0">
+              <a:rPr lang="en-US" sz="1800" b="0" dirty="0">
                 <a:solidFill>
                   <a:srgbClr val="000000"/>
                 </a:solidFill>
@@ -3864,7 +4822,7 @@
               <a:t>,</a:t>
             </a:r>
             <a:r>
-              <a:rPr lang="en-US" sz="2000" b="0" dirty="0">
+              <a:rPr lang="en-US" sz="1800" b="0" dirty="0">
                 <a:solidFill>
                   <a:srgbClr val="116644"/>
                 </a:solidFill>
@@ -3874,7 +4832,7 @@
               <a:t>1</a:t>
             </a:r>
             <a:r>
-              <a:rPr lang="en-US" sz="2000" b="0" dirty="0">
+              <a:rPr lang="en-US" sz="1800" b="0" dirty="0">
                 <a:solidFill>
                   <a:srgbClr val="000000"/>
                 </a:solidFill>
@@ -3886,7 +4844,7 @@
           </a:p>
           <a:p>
             <a:r>
-              <a:rPr lang="en-US" sz="2000" b="0" dirty="0">
+              <a:rPr lang="en-US" sz="1800" b="0" dirty="0">
                 <a:solidFill>
                   <a:srgbClr val="000000"/>
                 </a:solidFill>
@@ -3896,7 +4854,7 @@
               <a:t>bb = </a:t>
             </a:r>
             <a:r>
-              <a:rPr lang="en-US" sz="2000" b="0" dirty="0" err="1">
+              <a:rPr lang="en-US" sz="1800" b="0" dirty="0" err="1">
                 <a:solidFill>
                   <a:srgbClr val="000000"/>
                 </a:solidFill>
@@ -3906,7 +4864,7 @@
               <a:t>plt.boxplot</a:t>
             </a:r>
             <a:r>
-              <a:rPr lang="en-US" sz="2000" b="0" dirty="0">
+              <a:rPr lang="en-US" sz="1800" b="0" dirty="0">
                 <a:solidFill>
                   <a:srgbClr val="000000"/>
                 </a:solidFill>
@@ -3916,7 +4874,7 @@
               <a:t>(</a:t>
             </a:r>
             <a:r>
-              <a:rPr lang="en-US" sz="2000" b="0" dirty="0" err="1">
+              <a:rPr lang="en-US" sz="1800" b="0" dirty="0" err="1">
                 <a:solidFill>
                   <a:srgbClr val="000000"/>
                 </a:solidFill>
@@ -3926,7 +4884,7 @@
               <a:t>df</a:t>
             </a:r>
             <a:r>
-              <a:rPr lang="en-US" sz="2000" b="0" dirty="0">
+              <a:rPr lang="en-US" sz="1800" b="0" dirty="0">
                 <a:solidFill>
                   <a:srgbClr val="000000"/>
                 </a:solidFill>
@@ -3936,7 +4894,7 @@
               <a:t>[</a:t>
             </a:r>
             <a:r>
-              <a:rPr lang="en-US" sz="2000" b="0" dirty="0">
+              <a:rPr lang="en-US" sz="1800" b="0" dirty="0">
                 <a:solidFill>
                   <a:srgbClr val="A31515"/>
                 </a:solidFill>
@@ -3946,7 +4904,7 @@
               <a:t>'</a:t>
             </a:r>
             <a:r>
-              <a:rPr lang="en-US" sz="2000" b="0" dirty="0" err="1">
+              <a:rPr lang="en-US" sz="1800" b="0" dirty="0" err="1">
                 <a:solidFill>
                   <a:srgbClr val="A31515"/>
                 </a:solidFill>
@@ -3956,7 +4914,7 @@
               <a:t>SepalWidth</a:t>
             </a:r>
             <a:r>
-              <a:rPr lang="en-US" sz="2000" b="0" dirty="0">
+              <a:rPr lang="en-US" sz="1800" b="0" dirty="0">
                 <a:solidFill>
                   <a:srgbClr val="A31515"/>
                 </a:solidFill>
@@ -3966,7 +4924,7 @@
               <a:t>'</a:t>
             </a:r>
             <a:r>
-              <a:rPr lang="en-US" sz="2000" b="0" dirty="0">
+              <a:rPr lang="en-US" sz="1800" b="0" dirty="0">
                 <a:solidFill>
                   <a:srgbClr val="000000"/>
                 </a:solidFill>
@@ -3976,7 +4934,7 @@
               <a:t>][:</a:t>
             </a:r>
             <a:r>
-              <a:rPr lang="en-US" sz="2000" b="0" dirty="0">
+              <a:rPr lang="en-US" sz="1800" b="0" dirty="0">
                 <a:solidFill>
                   <a:srgbClr val="116644"/>
                 </a:solidFill>
@@ -3986,7 +4944,7 @@
               <a:t>50</a:t>
             </a:r>
             <a:r>
-              <a:rPr lang="en-US" sz="2000" b="0" dirty="0">
+              <a:rPr lang="en-US" sz="1800" b="0" dirty="0">
                 <a:solidFill>
                   <a:srgbClr val="000000"/>
                 </a:solidFill>
@@ -3998,7 +4956,7 @@
           </a:p>
           <a:p>
             <a:r>
-              <a:rPr lang="en-US" sz="2000" b="0" dirty="0" err="1">
+              <a:rPr lang="en-US" sz="1800" b="0" dirty="0" err="1">
                 <a:solidFill>
                   <a:srgbClr val="000000"/>
                 </a:solidFill>
@@ -4008,7 +4966,7 @@
               <a:t>plt.subplot</a:t>
             </a:r>
             <a:r>
-              <a:rPr lang="en-US" sz="2000" b="0" dirty="0">
+              <a:rPr lang="en-US" sz="1800" b="0" dirty="0">
                 <a:solidFill>
                   <a:srgbClr val="000000"/>
                 </a:solidFill>
@@ -4018,7 +4976,7 @@
               <a:t>(</a:t>
             </a:r>
             <a:r>
-              <a:rPr lang="en-US" sz="2000" b="0" dirty="0">
+              <a:rPr lang="en-US" sz="1800" b="0" dirty="0">
                 <a:solidFill>
                   <a:srgbClr val="116644"/>
                 </a:solidFill>
@@ -4028,7 +4986,7 @@
               <a:t>1</a:t>
             </a:r>
             <a:r>
-              <a:rPr lang="en-US" sz="2000" b="0" dirty="0">
+              <a:rPr lang="en-US" sz="1800" b="0" dirty="0">
                 <a:solidFill>
                   <a:srgbClr val="000000"/>
                 </a:solidFill>
@@ -4038,7 +4996,7 @@
               <a:t>,</a:t>
             </a:r>
             <a:r>
-              <a:rPr lang="en-US" sz="2000" b="0" dirty="0">
+              <a:rPr lang="en-US" sz="1800" b="0" dirty="0">
                 <a:solidFill>
                   <a:srgbClr val="116644"/>
                 </a:solidFill>
@@ -4048,7 +5006,7 @@
               <a:t>2</a:t>
             </a:r>
             <a:r>
-              <a:rPr lang="en-US" sz="2000" b="0" dirty="0">
+              <a:rPr lang="en-US" sz="1800" b="0" dirty="0">
                 <a:solidFill>
                   <a:srgbClr val="000000"/>
                 </a:solidFill>
@@ -4058,7 +5016,7 @@
               <a:t>,</a:t>
             </a:r>
             <a:r>
-              <a:rPr lang="en-US" sz="2000" b="0" dirty="0">
+              <a:rPr lang="en-US" sz="1800" b="0" dirty="0">
                 <a:solidFill>
                   <a:srgbClr val="116644"/>
                 </a:solidFill>
@@ -4068,7 +5026,7 @@
               <a:t>2</a:t>
             </a:r>
             <a:r>
-              <a:rPr lang="en-US" sz="2000" b="0" dirty="0">
+              <a:rPr lang="en-US" sz="1800" b="0" dirty="0">
                 <a:solidFill>
                   <a:srgbClr val="000000"/>
                 </a:solidFill>
@@ -4080,7 +5038,7 @@
           </a:p>
           <a:p>
             <a:r>
-              <a:rPr lang="en-US" sz="2000" b="0" dirty="0">
+              <a:rPr lang="en-US" sz="1800" b="0" dirty="0">
                 <a:solidFill>
                   <a:srgbClr val="000000"/>
                 </a:solidFill>
@@ -4090,7 +5048,7 @@
               <a:t>vi = </a:t>
             </a:r>
             <a:r>
-              <a:rPr lang="en-US" sz="2000" b="0" dirty="0" err="1">
+              <a:rPr lang="en-US" sz="1800" b="0" dirty="0" err="1">
                 <a:solidFill>
                   <a:srgbClr val="000000"/>
                 </a:solidFill>
@@ -4100,7 +5058,7 @@
               <a:t>plt.violinplot</a:t>
             </a:r>
             <a:r>
-              <a:rPr lang="en-US" sz="2000" b="0" dirty="0">
+              <a:rPr lang="en-US" sz="1800" b="0" dirty="0">
                 <a:solidFill>
                   <a:srgbClr val="000000"/>
                 </a:solidFill>
@@ -4110,7 +5068,7 @@
               <a:t>(</a:t>
             </a:r>
             <a:r>
-              <a:rPr lang="en-US" sz="2000" b="0" dirty="0" err="1">
+              <a:rPr lang="en-US" sz="1800" b="0" dirty="0" err="1">
                 <a:solidFill>
                   <a:srgbClr val="000000"/>
                 </a:solidFill>
@@ -4120,7 +5078,7 @@
               <a:t>df</a:t>
             </a:r>
             <a:r>
-              <a:rPr lang="en-US" sz="2000" b="0" dirty="0">
+              <a:rPr lang="en-US" sz="1800" b="0" dirty="0">
                 <a:solidFill>
                   <a:srgbClr val="000000"/>
                 </a:solidFill>
@@ -4130,7 +5088,7 @@
               <a:t>[</a:t>
             </a:r>
             <a:r>
-              <a:rPr lang="en-US" sz="2000" b="0" dirty="0">
+              <a:rPr lang="en-US" sz="1800" b="0" dirty="0">
                 <a:solidFill>
                   <a:srgbClr val="A31515"/>
                 </a:solidFill>
@@ -4140,7 +5098,7 @@
               <a:t>'</a:t>
             </a:r>
             <a:r>
-              <a:rPr lang="en-US" sz="2000" b="0" dirty="0" err="1">
+              <a:rPr lang="en-US" sz="1800" b="0" dirty="0" err="1">
                 <a:solidFill>
                   <a:srgbClr val="A31515"/>
                 </a:solidFill>
@@ -4150,7 +5108,7 @@
               <a:t>SepalWidth</a:t>
             </a:r>
             <a:r>
-              <a:rPr lang="en-US" sz="2000" b="0" dirty="0">
+              <a:rPr lang="en-US" sz="1800" b="0" dirty="0">
                 <a:solidFill>
                   <a:srgbClr val="A31515"/>
                 </a:solidFill>
@@ -4160,7 +5118,7 @@
               <a:t>'</a:t>
             </a:r>
             <a:r>
-              <a:rPr lang="en-US" sz="2000" b="0" dirty="0">
+              <a:rPr lang="en-US" sz="1800" b="0" dirty="0">
                 <a:solidFill>
                   <a:srgbClr val="000000"/>
                 </a:solidFill>
@@ -4170,7 +5128,7 @@
               <a:t>][:</a:t>
             </a:r>
             <a:r>
-              <a:rPr lang="en-US" sz="2000" b="0" dirty="0">
+              <a:rPr lang="en-US" sz="1800" b="0" dirty="0">
                 <a:solidFill>
                   <a:srgbClr val="116644"/>
                 </a:solidFill>
@@ -4180,7 +5138,7 @@
               <a:t>50</a:t>
             </a:r>
             <a:r>
-              <a:rPr lang="en-US" sz="2000" b="0" dirty="0">
+              <a:rPr lang="en-US" sz="1800" b="0" dirty="0">
                 <a:solidFill>
                   <a:srgbClr val="000000"/>
                 </a:solidFill>
@@ -4190,7 +5148,7 @@
               <a:t>],</a:t>
             </a:r>
             <a:r>
-              <a:rPr lang="en-US" sz="2000" b="0" dirty="0" err="1">
+              <a:rPr lang="en-US" sz="1800" b="0" dirty="0" err="1">
                 <a:solidFill>
                   <a:srgbClr val="000000"/>
                 </a:solidFill>
@@ -4200,7 +5158,7 @@
               <a:t>showmedians</a:t>
             </a:r>
             <a:r>
-              <a:rPr lang="en-US" sz="2000" b="0" dirty="0">
+              <a:rPr lang="en-US" sz="1800" b="0" dirty="0">
                 <a:solidFill>
                   <a:srgbClr val="000000"/>
                 </a:solidFill>
@@ -4210,7 +5168,7 @@
               <a:t>=</a:t>
             </a:r>
             <a:r>
-              <a:rPr lang="en-US" sz="2000" b="0" dirty="0">
+              <a:rPr lang="en-US" sz="1800" b="0" dirty="0">
                 <a:solidFill>
                   <a:srgbClr val="0000FF"/>
                 </a:solidFill>
@@ -4220,7 +5178,7 @@
               <a:t>True</a:t>
             </a:r>
             <a:r>
-              <a:rPr lang="en-US" sz="2000" b="0" dirty="0">
+              <a:rPr lang="en-US" sz="1800" b="0" dirty="0">
                 <a:solidFill>
                   <a:srgbClr val="000000"/>
                 </a:solidFill>
@@ -4250,15 +5208,15 @@
           <p:nvPr/>
         </p:nvPicPr>
         <p:blipFill>
-          <a:blip r:embed="rId2"/>
+          <a:blip r:embed="rId3"/>
           <a:stretch>
             <a:fillRect/>
           </a:stretch>
         </p:blipFill>
         <p:spPr>
           <a:xfrm>
-            <a:off x="3957124" y="3429000"/>
-            <a:ext cx="4277752" cy="3228066"/>
+            <a:off x="4450299" y="3139487"/>
+            <a:ext cx="3291401" cy="2483748"/>
           </a:xfrm>
           <a:prstGeom prst="rect">
             <a:avLst/>
@@ -4297,6 +5255,377 @@
       </p:grpSpPr>
       <p:sp>
         <p:nvSpPr>
+          <p:cNvPr id="4" name="Rectangle 3">
+            <a:extLst>
+              <a:ext uri="{FF2B5EF4-FFF2-40B4-BE49-F238E27FC236}">
+                <a16:creationId xmlns:a16="http://schemas.microsoft.com/office/drawing/2014/main" id="{336151E0-9248-83C4-16CD-C2E0E9A9EC86}"/>
+              </a:ext>
+            </a:extLst>
+          </p:cNvPr>
+          <p:cNvSpPr/>
+          <p:nvPr/>
+        </p:nvSpPr>
+        <p:spPr>
+          <a:xfrm>
+            <a:off x="0" y="5840991"/>
+            <a:ext cx="12192000" cy="1017009"/>
+          </a:xfrm>
+          <a:prstGeom prst="rect">
+            <a:avLst/>
+          </a:prstGeom>
+          <a:solidFill>
+            <a:srgbClr val="CCFFCC"/>
+          </a:solidFill>
+          <a:ln>
+            <a:solidFill>
+              <a:srgbClr val="CCFFCC"/>
+            </a:solidFill>
+          </a:ln>
+        </p:spPr>
+        <p:style>
+          <a:lnRef idx="2">
+            <a:schemeClr val="accent1">
+              <a:shade val="15000"/>
+            </a:schemeClr>
+          </a:lnRef>
+          <a:fillRef idx="1">
+            <a:schemeClr val="accent1"/>
+          </a:fillRef>
+          <a:effectRef idx="0">
+            <a:schemeClr val="accent1"/>
+          </a:effectRef>
+          <a:fontRef idx="minor">
+            <a:schemeClr val="lt1"/>
+          </a:fontRef>
+        </p:style>
+        <p:txBody>
+          <a:bodyPr rtlCol="0" anchor="ctr"/>
+          <a:lstStyle/>
+          <a:p>
+            <a:pPr algn="ctr"/>
+            <a:endParaRPr lang="en-US"/>
+          </a:p>
+        </p:txBody>
+      </p:sp>
+      <p:sp>
+        <p:nvSpPr>
+          <p:cNvPr id="5" name="Rectangle 4">
+            <a:extLst>
+              <a:ext uri="{FF2B5EF4-FFF2-40B4-BE49-F238E27FC236}">
+                <a16:creationId xmlns:a16="http://schemas.microsoft.com/office/drawing/2014/main" id="{2D92B869-E11A-3392-70DF-98A5E7BC38D0}"/>
+              </a:ext>
+            </a:extLst>
+          </p:cNvPr>
+          <p:cNvSpPr/>
+          <p:nvPr/>
+        </p:nvSpPr>
+        <p:spPr>
+          <a:xfrm>
+            <a:off x="0" y="0"/>
+            <a:ext cx="12192000" cy="1136342"/>
+          </a:xfrm>
+          <a:prstGeom prst="rect">
+            <a:avLst/>
+          </a:prstGeom>
+          <a:solidFill>
+            <a:srgbClr val="CCFFCC"/>
+          </a:solidFill>
+          <a:ln>
+            <a:solidFill>
+              <a:srgbClr val="CCFFCC"/>
+            </a:solidFill>
+          </a:ln>
+        </p:spPr>
+        <p:style>
+          <a:lnRef idx="2">
+            <a:schemeClr val="accent1">
+              <a:shade val="15000"/>
+            </a:schemeClr>
+          </a:lnRef>
+          <a:fillRef idx="1">
+            <a:schemeClr val="accent1"/>
+          </a:fillRef>
+          <a:effectRef idx="0">
+            <a:schemeClr val="accent1"/>
+          </a:effectRef>
+          <a:fontRef idx="minor">
+            <a:schemeClr val="lt1"/>
+          </a:fontRef>
+        </p:style>
+        <p:txBody>
+          <a:bodyPr rtlCol="0" anchor="ctr"/>
+          <a:lstStyle/>
+          <a:p>
+            <a:pPr algn="ctr"/>
+            <a:endParaRPr lang="en-US" dirty="0">
+              <a:noFill/>
+            </a:endParaRPr>
+          </a:p>
+        </p:txBody>
+      </p:sp>
+      <p:pic>
+        <p:nvPicPr>
+          <p:cNvPr id="6" name="Picture 5" descr="A black and white logo&#10;&#10;Description automatically generated">
+            <a:extLst>
+              <a:ext uri="{FF2B5EF4-FFF2-40B4-BE49-F238E27FC236}">
+                <a16:creationId xmlns:a16="http://schemas.microsoft.com/office/drawing/2014/main" id="{1BB334B8-29AC-C253-8B0A-37A40F703824}"/>
+              </a:ext>
+            </a:extLst>
+          </p:cNvPr>
+          <p:cNvPicPr>
+            <a:picLocks noChangeAspect="1"/>
+          </p:cNvPicPr>
+          <p:nvPr/>
+        </p:nvPicPr>
+        <p:blipFill>
+          <a:blip r:embed="rId2">
+            <a:extLst>
+              <a:ext uri="{28A0092B-C50C-407E-A947-70E740481C1C}">
+                <a14:useLocalDpi xmlns:a14="http://schemas.microsoft.com/office/drawing/2010/main" val="0"/>
+              </a:ext>
+            </a:extLst>
+          </a:blip>
+          <a:stretch>
+            <a:fillRect/>
+          </a:stretch>
+        </p:blipFill>
+        <p:spPr>
+          <a:xfrm>
+            <a:off x="11051882" y="119333"/>
+            <a:ext cx="1093483" cy="1017009"/>
+          </a:xfrm>
+          <a:prstGeom prst="rect">
+            <a:avLst/>
+          </a:prstGeom>
+        </p:spPr>
+      </p:pic>
+      <p:sp>
+        <p:nvSpPr>
+          <p:cNvPr id="7" name="Flowchart: Data 2">
+            <a:extLst>
+              <a:ext uri="{FF2B5EF4-FFF2-40B4-BE49-F238E27FC236}">
+                <a16:creationId xmlns:a16="http://schemas.microsoft.com/office/drawing/2014/main" id="{48E91A89-7C1F-65DE-3C63-B595D3E62330}"/>
+              </a:ext>
+            </a:extLst>
+          </p:cNvPr>
+          <p:cNvSpPr/>
+          <p:nvPr/>
+        </p:nvSpPr>
+        <p:spPr>
+          <a:xfrm>
+            <a:off x="10848138" y="6264097"/>
+            <a:ext cx="1343862" cy="608120"/>
+          </a:xfrm>
+          <a:custGeom>
+            <a:avLst/>
+            <a:gdLst>
+              <a:gd name="connsiteX0" fmla="*/ 0 w 10000"/>
+              <a:gd name="connsiteY0" fmla="*/ 10000 h 10000"/>
+              <a:gd name="connsiteX1" fmla="*/ 2000 w 10000"/>
+              <a:gd name="connsiteY1" fmla="*/ 0 h 10000"/>
+              <a:gd name="connsiteX2" fmla="*/ 10000 w 10000"/>
+              <a:gd name="connsiteY2" fmla="*/ 0 h 10000"/>
+              <a:gd name="connsiteX3" fmla="*/ 8000 w 10000"/>
+              <a:gd name="connsiteY3" fmla="*/ 10000 h 10000"/>
+              <a:gd name="connsiteX4" fmla="*/ 0 w 10000"/>
+              <a:gd name="connsiteY4" fmla="*/ 10000 h 10000"/>
+              <a:gd name="connsiteX0" fmla="*/ 0 w 8000"/>
+              <a:gd name="connsiteY0" fmla="*/ 10000 h 10000"/>
+              <a:gd name="connsiteX1" fmla="*/ 2000 w 8000"/>
+              <a:gd name="connsiteY1" fmla="*/ 0 h 10000"/>
+              <a:gd name="connsiteX2" fmla="*/ 4142 w 8000"/>
+              <a:gd name="connsiteY2" fmla="*/ 153 h 10000"/>
+              <a:gd name="connsiteX3" fmla="*/ 8000 w 8000"/>
+              <a:gd name="connsiteY3" fmla="*/ 10000 h 10000"/>
+              <a:gd name="connsiteX4" fmla="*/ 0 w 8000"/>
+              <a:gd name="connsiteY4" fmla="*/ 10000 h 10000"/>
+              <a:gd name="connsiteX0" fmla="*/ 0 w 5414"/>
+              <a:gd name="connsiteY0" fmla="*/ 10000 h 10000"/>
+              <a:gd name="connsiteX1" fmla="*/ 2500 w 5414"/>
+              <a:gd name="connsiteY1" fmla="*/ 0 h 10000"/>
+              <a:gd name="connsiteX2" fmla="*/ 5178 w 5414"/>
+              <a:gd name="connsiteY2" fmla="*/ 153 h 10000"/>
+              <a:gd name="connsiteX3" fmla="*/ 5414 w 5414"/>
+              <a:gd name="connsiteY3" fmla="*/ 10000 h 10000"/>
+              <a:gd name="connsiteX4" fmla="*/ 0 w 5414"/>
+              <a:gd name="connsiteY4" fmla="*/ 10000 h 10000"/>
+              <a:gd name="connsiteX0" fmla="*/ 0 w 9609"/>
+              <a:gd name="connsiteY0" fmla="*/ 10000 h 10000"/>
+              <a:gd name="connsiteX1" fmla="*/ 4618 w 9609"/>
+              <a:gd name="connsiteY1" fmla="*/ 0 h 10000"/>
+              <a:gd name="connsiteX2" fmla="*/ 9564 w 9609"/>
+              <a:gd name="connsiteY2" fmla="*/ 153 h 10000"/>
+              <a:gd name="connsiteX3" fmla="*/ 9590 w 9609"/>
+              <a:gd name="connsiteY3" fmla="*/ 10000 h 10000"/>
+              <a:gd name="connsiteX4" fmla="*/ 0 w 9609"/>
+              <a:gd name="connsiteY4" fmla="*/ 10000 h 10000"/>
+              <a:gd name="connsiteX0" fmla="*/ 0 w 10193"/>
+              <a:gd name="connsiteY0" fmla="*/ 10000 h 10153"/>
+              <a:gd name="connsiteX1" fmla="*/ 4806 w 10193"/>
+              <a:gd name="connsiteY1" fmla="*/ 0 h 10153"/>
+              <a:gd name="connsiteX2" fmla="*/ 9953 w 10193"/>
+              <a:gd name="connsiteY2" fmla="*/ 153 h 10153"/>
+              <a:gd name="connsiteX3" fmla="*/ 10193 w 10193"/>
+              <a:gd name="connsiteY3" fmla="*/ 10153 h 10153"/>
+              <a:gd name="connsiteX4" fmla="*/ 0 w 10193"/>
+              <a:gd name="connsiteY4" fmla="*/ 10000 h 10153"/>
+              <a:gd name="connsiteX0" fmla="*/ 0 w 10213"/>
+              <a:gd name="connsiteY0" fmla="*/ 10000 h 10153"/>
+              <a:gd name="connsiteX1" fmla="*/ 4806 w 10213"/>
+              <a:gd name="connsiteY1" fmla="*/ 0 h 10153"/>
+              <a:gd name="connsiteX2" fmla="*/ 10166 w 10213"/>
+              <a:gd name="connsiteY2" fmla="*/ 153 h 10153"/>
+              <a:gd name="connsiteX3" fmla="*/ 10193 w 10213"/>
+              <a:gd name="connsiteY3" fmla="*/ 10153 h 10153"/>
+              <a:gd name="connsiteX4" fmla="*/ 0 w 10213"/>
+              <a:gd name="connsiteY4" fmla="*/ 10000 h 10153"/>
+              <a:gd name="connsiteX0" fmla="*/ 0 w 10341"/>
+              <a:gd name="connsiteY0" fmla="*/ 10000 h 10153"/>
+              <a:gd name="connsiteX1" fmla="*/ 4806 w 10341"/>
+              <a:gd name="connsiteY1" fmla="*/ 0 h 10153"/>
+              <a:gd name="connsiteX2" fmla="*/ 10308 w 10341"/>
+              <a:gd name="connsiteY2" fmla="*/ 0 h 10153"/>
+              <a:gd name="connsiteX3" fmla="*/ 10193 w 10341"/>
+              <a:gd name="connsiteY3" fmla="*/ 10153 h 10153"/>
+              <a:gd name="connsiteX4" fmla="*/ 0 w 10341"/>
+              <a:gd name="connsiteY4" fmla="*/ 10000 h 10153"/>
+              <a:gd name="connsiteX0" fmla="*/ 0 w 10406"/>
+              <a:gd name="connsiteY0" fmla="*/ 10000 h 10306"/>
+              <a:gd name="connsiteX1" fmla="*/ 4806 w 10406"/>
+              <a:gd name="connsiteY1" fmla="*/ 0 h 10306"/>
+              <a:gd name="connsiteX2" fmla="*/ 10308 w 10406"/>
+              <a:gd name="connsiteY2" fmla="*/ 0 h 10306"/>
+              <a:gd name="connsiteX3" fmla="*/ 10406 w 10406"/>
+              <a:gd name="connsiteY3" fmla="*/ 10306 h 10306"/>
+              <a:gd name="connsiteX4" fmla="*/ 0 w 10406"/>
+              <a:gd name="connsiteY4" fmla="*/ 10000 h 10306"/>
+              <a:gd name="connsiteX0" fmla="*/ 0 w 10761"/>
+              <a:gd name="connsiteY0" fmla="*/ 10458 h 10458"/>
+              <a:gd name="connsiteX1" fmla="*/ 5161 w 10761"/>
+              <a:gd name="connsiteY1" fmla="*/ 0 h 10458"/>
+              <a:gd name="connsiteX2" fmla="*/ 10663 w 10761"/>
+              <a:gd name="connsiteY2" fmla="*/ 0 h 10458"/>
+              <a:gd name="connsiteX3" fmla="*/ 10761 w 10761"/>
+              <a:gd name="connsiteY3" fmla="*/ 10306 h 10458"/>
+              <a:gd name="connsiteX4" fmla="*/ 0 w 10761"/>
+              <a:gd name="connsiteY4" fmla="*/ 10458 h 10458"/>
+            </a:gdLst>
+            <a:ahLst/>
+            <a:cxnLst>
+              <a:cxn ang="0">
+                <a:pos x="connsiteX0" y="connsiteY0"/>
+              </a:cxn>
+              <a:cxn ang="0">
+                <a:pos x="connsiteX1" y="connsiteY1"/>
+              </a:cxn>
+              <a:cxn ang="0">
+                <a:pos x="connsiteX2" y="connsiteY2"/>
+              </a:cxn>
+              <a:cxn ang="0">
+                <a:pos x="connsiteX3" y="connsiteY3"/>
+              </a:cxn>
+              <a:cxn ang="0">
+                <a:pos x="connsiteX4" y="connsiteY4"/>
+              </a:cxn>
+            </a:cxnLst>
+            <a:rect l="l" t="t" r="r" b="b"/>
+            <a:pathLst>
+              <a:path w="10761" h="10458">
+                <a:moveTo>
+                  <a:pt x="0" y="10458"/>
+                </a:moveTo>
+                <a:lnTo>
+                  <a:pt x="5161" y="0"/>
+                </a:lnTo>
+                <a:lnTo>
+                  <a:pt x="10663" y="0"/>
+                </a:lnTo>
+                <a:cubicBezTo>
+                  <a:pt x="10815" y="3282"/>
+                  <a:pt x="10609" y="7024"/>
+                  <a:pt x="10761" y="10306"/>
+                </a:cubicBezTo>
+                <a:lnTo>
+                  <a:pt x="0" y="10458"/>
+                </a:lnTo>
+                <a:close/>
+              </a:path>
+            </a:pathLst>
+          </a:custGeom>
+          <a:solidFill>
+            <a:schemeClr val="bg1"/>
+          </a:solidFill>
+          <a:ln w="19050">
+            <a:solidFill>
+              <a:schemeClr val="tx1"/>
+            </a:solidFill>
+          </a:ln>
+        </p:spPr>
+        <p:style>
+          <a:lnRef idx="2">
+            <a:schemeClr val="accent1">
+              <a:shade val="15000"/>
+            </a:schemeClr>
+          </a:lnRef>
+          <a:fillRef idx="1">
+            <a:schemeClr val="accent1"/>
+          </a:fillRef>
+          <a:effectRef idx="0">
+            <a:schemeClr val="accent1"/>
+          </a:effectRef>
+          <a:fontRef idx="minor">
+            <a:schemeClr val="lt1"/>
+          </a:fontRef>
+        </p:style>
+        <p:txBody>
+          <a:bodyPr rtlCol="0" anchor="ctr"/>
+          <a:lstStyle/>
+          <a:p>
+            <a:pPr algn="ctr"/>
+            <a:endParaRPr lang="en-US"/>
+          </a:p>
+        </p:txBody>
+      </p:sp>
+      <p:sp>
+        <p:nvSpPr>
+          <p:cNvPr id="8" name="TextBox 7">
+            <a:extLst>
+              <a:ext uri="{FF2B5EF4-FFF2-40B4-BE49-F238E27FC236}">
+                <a16:creationId xmlns:a16="http://schemas.microsoft.com/office/drawing/2014/main" id="{3EE3EC00-1EEC-51E2-8E13-DC58CDD4F5FE}"/>
+              </a:ext>
+            </a:extLst>
+          </p:cNvPr>
+          <p:cNvSpPr txBox="1"/>
+          <p:nvPr/>
+        </p:nvSpPr>
+        <p:spPr>
+          <a:xfrm>
+            <a:off x="11520069" y="6287442"/>
+            <a:ext cx="557254" cy="584775"/>
+          </a:xfrm>
+          <a:prstGeom prst="rect">
+            <a:avLst/>
+          </a:prstGeom>
+          <a:noFill/>
+        </p:spPr>
+        <p:txBody>
+          <a:bodyPr wrap="square" rtlCol="0">
+            <a:spAutoFit/>
+          </a:bodyPr>
+          <a:lstStyle/>
+          <a:p>
+            <a:r>
+              <a:rPr lang="en-US" sz="3200" dirty="0">
+                <a:latin typeface="TH SarabunPSK" panose="020B0500040200020003" pitchFamily="34" charset="-34"/>
+                <a:cs typeface="TH SarabunPSK" panose="020B0500040200020003" pitchFamily="34" charset="-34"/>
+              </a:rPr>
+              <a:t>11</a:t>
+            </a:r>
+          </a:p>
+        </p:txBody>
+      </p:sp>
+      <p:sp>
+        <p:nvSpPr>
           <p:cNvPr id="2" name="Title 1">
             <a:extLst>
               <a:ext uri="{FF2B5EF4-FFF2-40B4-BE49-F238E27FC236}">
@@ -4311,13 +5640,23 @@
             <p:ph type="title"/>
           </p:nvPr>
         </p:nvSpPr>
-        <p:spPr/>
-        <p:txBody>
-          <a:bodyPr/>
+        <p:spPr>
+          <a:xfrm>
+            <a:off x="838200" y="18255"/>
+            <a:ext cx="10515600" cy="1325563"/>
+          </a:xfrm>
+        </p:spPr>
+        <p:txBody>
+          <a:bodyPr>
+            <a:normAutofit/>
+          </a:bodyPr>
           <a:lstStyle/>
           <a:p>
             <a:r>
-              <a:rPr lang="en-US" dirty="0"/>
+              <a:rPr lang="en-US" dirty="0">
+                <a:latin typeface="TH SarabunPSK" panose="020B0500040200020003" pitchFamily="34" charset="-34"/>
+                <a:cs typeface="TH SarabunPSK" panose="020B0500040200020003" pitchFamily="34" charset="-34"/>
+              </a:rPr>
               <a:t>Quiz</a:t>
             </a:r>
           </a:p>
@@ -4345,88 +5684,151 @@
           <a:lstStyle/>
           <a:p>
             <a:r>
-              <a:rPr lang="en-US" dirty="0"/>
+              <a:rPr lang="en-US" dirty="0">
+                <a:latin typeface="TH SarabunPSK" panose="020B0500040200020003" pitchFamily="34" charset="-34"/>
+                <a:cs typeface="TH SarabunPSK" panose="020B0500040200020003" pitchFamily="34" charset="-34"/>
+              </a:rPr>
               <a:t>1. </a:t>
             </a:r>
             <a:r>
-              <a:rPr lang="th-TH" dirty="0"/>
+              <a:rPr lang="th-TH" dirty="0">
+                <a:latin typeface="TH SarabunPSK" panose="020B0500040200020003" pitchFamily="34" charset="-34"/>
+                <a:cs typeface="TH SarabunPSK" panose="020B0500040200020003" pitchFamily="34" charset="-34"/>
+              </a:rPr>
               <a:t>เขียน </a:t>
             </a:r>
             <a:r>
-              <a:rPr lang="en-US" dirty="0"/>
+              <a:rPr lang="en-US" dirty="0">
+                <a:latin typeface="TH SarabunPSK" panose="020B0500040200020003" pitchFamily="34" charset="-34"/>
+                <a:cs typeface="TH SarabunPSK" panose="020B0500040200020003" pitchFamily="34" charset="-34"/>
+              </a:rPr>
               <a:t>function </a:t>
             </a:r>
             <a:r>
-              <a:rPr lang="th-TH" dirty="0"/>
+              <a:rPr lang="th-TH" dirty="0">
+                <a:latin typeface="TH SarabunPSK" panose="020B0500040200020003" pitchFamily="34" charset="-34"/>
+                <a:cs typeface="TH SarabunPSK" panose="020B0500040200020003" pitchFamily="34" charset="-34"/>
+              </a:rPr>
               <a:t>ที่รับ </a:t>
             </a:r>
             <a:r>
-              <a:rPr lang="en-US" dirty="0"/>
+              <a:rPr lang="en-US" dirty="0">
+                <a:latin typeface="TH SarabunPSK" panose="020B0500040200020003" pitchFamily="34" charset="-34"/>
+                <a:cs typeface="TH SarabunPSK" panose="020B0500040200020003" pitchFamily="34" charset="-34"/>
+              </a:rPr>
               <a:t>input </a:t>
             </a:r>
             <a:r>
-              <a:rPr lang="th-TH" dirty="0"/>
+              <a:rPr lang="th-TH" dirty="0">
+                <a:latin typeface="TH SarabunPSK" panose="020B0500040200020003" pitchFamily="34" charset="-34"/>
+                <a:cs typeface="TH SarabunPSK" panose="020B0500040200020003" pitchFamily="34" charset="-34"/>
+              </a:rPr>
               <a:t>เป็น </a:t>
             </a:r>
             <a:r>
-              <a:rPr lang="en-US" dirty="0"/>
+              <a:rPr lang="en-US" dirty="0">
+                <a:latin typeface="TH SarabunPSK" panose="020B0500040200020003" pitchFamily="34" charset="-34"/>
+                <a:cs typeface="TH SarabunPSK" panose="020B0500040200020003" pitchFamily="34" charset="-34"/>
+              </a:rPr>
               <a:t>output </a:t>
             </a:r>
             <a:r>
-              <a:rPr lang="th-TH" dirty="0"/>
+              <a:rPr lang="th-TH" dirty="0">
+                <a:latin typeface="TH SarabunPSK" panose="020B0500040200020003" pitchFamily="34" charset="-34"/>
+                <a:cs typeface="TH SarabunPSK" panose="020B0500040200020003" pitchFamily="34" charset="-34"/>
+              </a:rPr>
               <a:t>ของ </a:t>
             </a:r>
             <a:r>
-              <a:rPr lang="en-US" dirty="0"/>
+              <a:rPr lang="en-US" dirty="0">
+                <a:latin typeface="TH SarabunPSK" panose="020B0500040200020003" pitchFamily="34" charset="-34"/>
+                <a:cs typeface="TH SarabunPSK" panose="020B0500040200020003" pitchFamily="34" charset="-34"/>
+              </a:rPr>
               <a:t>boxplot </a:t>
             </a:r>
             <a:r>
-              <a:rPr lang="th-TH" dirty="0"/>
+              <a:rPr lang="th-TH" dirty="0">
+                <a:latin typeface="TH SarabunPSK" panose="020B0500040200020003" pitchFamily="34" charset="-34"/>
+                <a:cs typeface="TH SarabunPSK" panose="020B0500040200020003" pitchFamily="34" charset="-34"/>
+              </a:rPr>
               <a:t>แล้ว แสดงค่า </a:t>
             </a:r>
             <a:r>
-              <a:rPr lang="en-US" dirty="0"/>
+              <a:rPr lang="en-US" dirty="0">
+                <a:latin typeface="TH SarabunPSK" panose="020B0500040200020003" pitchFamily="34" charset="-34"/>
+                <a:cs typeface="TH SarabunPSK" panose="020B0500040200020003" pitchFamily="34" charset="-34"/>
+              </a:rPr>
               <a:t>min, max, q1, q2, q3</a:t>
             </a:r>
           </a:p>
           <a:p>
             <a:r>
-              <a:rPr lang="en-US" dirty="0"/>
+              <a:rPr lang="en-US" dirty="0">
+                <a:latin typeface="TH SarabunPSK" panose="020B0500040200020003" pitchFamily="34" charset="-34"/>
+                <a:cs typeface="TH SarabunPSK" panose="020B0500040200020003" pitchFamily="34" charset="-34"/>
+              </a:rPr>
               <a:t>2. </a:t>
             </a:r>
             <a:r>
-              <a:rPr lang="th-TH" dirty="0"/>
+              <a:rPr lang="th-TH" dirty="0">
+                <a:latin typeface="TH SarabunPSK" panose="020B0500040200020003" pitchFamily="34" charset="-34"/>
+                <a:cs typeface="TH SarabunPSK" panose="020B0500040200020003" pitchFamily="34" charset="-34"/>
+              </a:rPr>
               <a:t>วาด </a:t>
             </a:r>
             <a:r>
-              <a:rPr lang="en-US" dirty="0"/>
+              <a:rPr lang="en-US" dirty="0">
+                <a:latin typeface="TH SarabunPSK" panose="020B0500040200020003" pitchFamily="34" charset="-34"/>
+                <a:cs typeface="TH SarabunPSK" panose="020B0500040200020003" pitchFamily="34" charset="-34"/>
+              </a:rPr>
               <a:t>boxplot </a:t>
             </a:r>
             <a:r>
-              <a:rPr lang="th-TH" dirty="0"/>
+              <a:rPr lang="th-TH" dirty="0">
+                <a:latin typeface="TH SarabunPSK" panose="020B0500040200020003" pitchFamily="34" charset="-34"/>
+                <a:cs typeface="TH SarabunPSK" panose="020B0500040200020003" pitchFamily="34" charset="-34"/>
+              </a:rPr>
               <a:t>เปรียบเทียบ การกระจายตัวของข้อมูล </a:t>
             </a:r>
             <a:r>
-              <a:rPr lang="en-US" dirty="0" err="1"/>
+              <a:rPr lang="en-US" dirty="0" err="1">
+                <a:latin typeface="TH SarabunPSK" panose="020B0500040200020003" pitchFamily="34" charset="-34"/>
+                <a:cs typeface="TH SarabunPSK" panose="020B0500040200020003" pitchFamily="34" charset="-34"/>
+              </a:rPr>
               <a:t>PetalLength</a:t>
             </a:r>
             <a:r>
-              <a:rPr lang="en-US" dirty="0"/>
+              <a:rPr lang="en-US" dirty="0">
+                <a:latin typeface="TH SarabunPSK" panose="020B0500040200020003" pitchFamily="34" charset="-34"/>
+                <a:cs typeface="TH SarabunPSK" panose="020B0500040200020003" pitchFamily="34" charset="-34"/>
+              </a:rPr>
               <a:t> </a:t>
             </a:r>
             <a:r>
-              <a:rPr lang="th-TH" dirty="0"/>
+              <a:rPr lang="th-TH" dirty="0">
+                <a:latin typeface="TH SarabunPSK" panose="020B0500040200020003" pitchFamily="34" charset="-34"/>
+                <a:cs typeface="TH SarabunPSK" panose="020B0500040200020003" pitchFamily="34" charset="-34"/>
+              </a:rPr>
               <a:t>ของดอก </a:t>
             </a:r>
             <a:r>
-              <a:rPr lang="en-US" dirty="0"/>
+              <a:rPr lang="en-US" dirty="0">
+                <a:latin typeface="TH SarabunPSK" panose="020B0500040200020003" pitchFamily="34" charset="-34"/>
+                <a:cs typeface="TH SarabunPSK" panose="020B0500040200020003" pitchFamily="34" charset="-34"/>
+              </a:rPr>
               <a:t>iris </a:t>
             </a:r>
             <a:r>
-              <a:rPr lang="th-TH" dirty="0"/>
+              <a:rPr lang="th-TH" dirty="0">
+                <a:latin typeface="TH SarabunPSK" panose="020B0500040200020003" pitchFamily="34" charset="-34"/>
+                <a:cs typeface="TH SarabunPSK" panose="020B0500040200020003" pitchFamily="34" charset="-34"/>
+              </a:rPr>
               <a:t>ทั้ง 3 ชนิด</a:t>
             </a:r>
-            <a:endParaRPr lang="en-US" dirty="0"/>
+            <a:endParaRPr lang="en-US" dirty="0">
+              <a:latin typeface="TH SarabunPSK" panose="020B0500040200020003" pitchFamily="34" charset="-34"/>
+              <a:cs typeface="TH SarabunPSK" panose="020B0500040200020003" pitchFamily="34" charset="-34"/>
+            </a:endParaRPr>
           </a:p>
         </p:txBody>
       </p:sp>
@@ -4462,6 +5864,377 @@
       </p:grpSpPr>
       <p:sp>
         <p:nvSpPr>
+          <p:cNvPr id="3" name="Rectangle 2">
+            <a:extLst>
+              <a:ext uri="{FF2B5EF4-FFF2-40B4-BE49-F238E27FC236}">
+                <a16:creationId xmlns:a16="http://schemas.microsoft.com/office/drawing/2014/main" id="{FD732C3D-DB44-E9F6-7744-57887DAC7EDF}"/>
+              </a:ext>
+            </a:extLst>
+          </p:cNvPr>
+          <p:cNvSpPr/>
+          <p:nvPr/>
+        </p:nvSpPr>
+        <p:spPr>
+          <a:xfrm>
+            <a:off x="0" y="5840991"/>
+            <a:ext cx="12192000" cy="1017009"/>
+          </a:xfrm>
+          <a:prstGeom prst="rect">
+            <a:avLst/>
+          </a:prstGeom>
+          <a:solidFill>
+            <a:srgbClr val="CCFFCC"/>
+          </a:solidFill>
+          <a:ln>
+            <a:solidFill>
+              <a:srgbClr val="CCFFCC"/>
+            </a:solidFill>
+          </a:ln>
+        </p:spPr>
+        <p:style>
+          <a:lnRef idx="2">
+            <a:schemeClr val="accent1">
+              <a:shade val="15000"/>
+            </a:schemeClr>
+          </a:lnRef>
+          <a:fillRef idx="1">
+            <a:schemeClr val="accent1"/>
+          </a:fillRef>
+          <a:effectRef idx="0">
+            <a:schemeClr val="accent1"/>
+          </a:effectRef>
+          <a:fontRef idx="minor">
+            <a:schemeClr val="lt1"/>
+          </a:fontRef>
+        </p:style>
+        <p:txBody>
+          <a:bodyPr rtlCol="0" anchor="ctr"/>
+          <a:lstStyle/>
+          <a:p>
+            <a:pPr algn="ctr"/>
+            <a:endParaRPr lang="en-US"/>
+          </a:p>
+        </p:txBody>
+      </p:sp>
+      <p:sp>
+        <p:nvSpPr>
+          <p:cNvPr id="5" name="Rectangle 4">
+            <a:extLst>
+              <a:ext uri="{FF2B5EF4-FFF2-40B4-BE49-F238E27FC236}">
+                <a16:creationId xmlns:a16="http://schemas.microsoft.com/office/drawing/2014/main" id="{7ACBA3B3-BE71-6511-F6C5-02E896EB7EA7}"/>
+              </a:ext>
+            </a:extLst>
+          </p:cNvPr>
+          <p:cNvSpPr/>
+          <p:nvPr/>
+        </p:nvSpPr>
+        <p:spPr>
+          <a:xfrm>
+            <a:off x="0" y="0"/>
+            <a:ext cx="12192000" cy="1136342"/>
+          </a:xfrm>
+          <a:prstGeom prst="rect">
+            <a:avLst/>
+          </a:prstGeom>
+          <a:solidFill>
+            <a:srgbClr val="CCFFCC"/>
+          </a:solidFill>
+          <a:ln>
+            <a:solidFill>
+              <a:srgbClr val="CCFFCC"/>
+            </a:solidFill>
+          </a:ln>
+        </p:spPr>
+        <p:style>
+          <a:lnRef idx="2">
+            <a:schemeClr val="accent1">
+              <a:shade val="15000"/>
+            </a:schemeClr>
+          </a:lnRef>
+          <a:fillRef idx="1">
+            <a:schemeClr val="accent1"/>
+          </a:fillRef>
+          <a:effectRef idx="0">
+            <a:schemeClr val="accent1"/>
+          </a:effectRef>
+          <a:fontRef idx="minor">
+            <a:schemeClr val="lt1"/>
+          </a:fontRef>
+        </p:style>
+        <p:txBody>
+          <a:bodyPr rtlCol="0" anchor="ctr"/>
+          <a:lstStyle/>
+          <a:p>
+            <a:pPr algn="ctr"/>
+            <a:endParaRPr lang="en-US" dirty="0">
+              <a:noFill/>
+            </a:endParaRPr>
+          </a:p>
+        </p:txBody>
+      </p:sp>
+      <p:pic>
+        <p:nvPicPr>
+          <p:cNvPr id="6" name="Picture 5" descr="A black and white logo&#10;&#10;Description automatically generated">
+            <a:extLst>
+              <a:ext uri="{FF2B5EF4-FFF2-40B4-BE49-F238E27FC236}">
+                <a16:creationId xmlns:a16="http://schemas.microsoft.com/office/drawing/2014/main" id="{47FC67C3-F309-497D-560D-F435CBA51740}"/>
+              </a:ext>
+            </a:extLst>
+          </p:cNvPr>
+          <p:cNvPicPr>
+            <a:picLocks noChangeAspect="1"/>
+          </p:cNvPicPr>
+          <p:nvPr/>
+        </p:nvPicPr>
+        <p:blipFill>
+          <a:blip r:embed="rId2">
+            <a:extLst>
+              <a:ext uri="{28A0092B-C50C-407E-A947-70E740481C1C}">
+                <a14:useLocalDpi xmlns:a14="http://schemas.microsoft.com/office/drawing/2010/main" val="0"/>
+              </a:ext>
+            </a:extLst>
+          </a:blip>
+          <a:stretch>
+            <a:fillRect/>
+          </a:stretch>
+        </p:blipFill>
+        <p:spPr>
+          <a:xfrm>
+            <a:off x="11051882" y="119333"/>
+            <a:ext cx="1093483" cy="1017009"/>
+          </a:xfrm>
+          <a:prstGeom prst="rect">
+            <a:avLst/>
+          </a:prstGeom>
+        </p:spPr>
+      </p:pic>
+      <p:sp>
+        <p:nvSpPr>
+          <p:cNvPr id="7" name="Flowchart: Data 2">
+            <a:extLst>
+              <a:ext uri="{FF2B5EF4-FFF2-40B4-BE49-F238E27FC236}">
+                <a16:creationId xmlns:a16="http://schemas.microsoft.com/office/drawing/2014/main" id="{D6CAD354-A7ED-91BB-04F6-047A43011442}"/>
+              </a:ext>
+            </a:extLst>
+          </p:cNvPr>
+          <p:cNvSpPr/>
+          <p:nvPr/>
+        </p:nvSpPr>
+        <p:spPr>
+          <a:xfrm>
+            <a:off x="10848138" y="6264097"/>
+            <a:ext cx="1343862" cy="608120"/>
+          </a:xfrm>
+          <a:custGeom>
+            <a:avLst/>
+            <a:gdLst>
+              <a:gd name="connsiteX0" fmla="*/ 0 w 10000"/>
+              <a:gd name="connsiteY0" fmla="*/ 10000 h 10000"/>
+              <a:gd name="connsiteX1" fmla="*/ 2000 w 10000"/>
+              <a:gd name="connsiteY1" fmla="*/ 0 h 10000"/>
+              <a:gd name="connsiteX2" fmla="*/ 10000 w 10000"/>
+              <a:gd name="connsiteY2" fmla="*/ 0 h 10000"/>
+              <a:gd name="connsiteX3" fmla="*/ 8000 w 10000"/>
+              <a:gd name="connsiteY3" fmla="*/ 10000 h 10000"/>
+              <a:gd name="connsiteX4" fmla="*/ 0 w 10000"/>
+              <a:gd name="connsiteY4" fmla="*/ 10000 h 10000"/>
+              <a:gd name="connsiteX0" fmla="*/ 0 w 8000"/>
+              <a:gd name="connsiteY0" fmla="*/ 10000 h 10000"/>
+              <a:gd name="connsiteX1" fmla="*/ 2000 w 8000"/>
+              <a:gd name="connsiteY1" fmla="*/ 0 h 10000"/>
+              <a:gd name="connsiteX2" fmla="*/ 4142 w 8000"/>
+              <a:gd name="connsiteY2" fmla="*/ 153 h 10000"/>
+              <a:gd name="connsiteX3" fmla="*/ 8000 w 8000"/>
+              <a:gd name="connsiteY3" fmla="*/ 10000 h 10000"/>
+              <a:gd name="connsiteX4" fmla="*/ 0 w 8000"/>
+              <a:gd name="connsiteY4" fmla="*/ 10000 h 10000"/>
+              <a:gd name="connsiteX0" fmla="*/ 0 w 5414"/>
+              <a:gd name="connsiteY0" fmla="*/ 10000 h 10000"/>
+              <a:gd name="connsiteX1" fmla="*/ 2500 w 5414"/>
+              <a:gd name="connsiteY1" fmla="*/ 0 h 10000"/>
+              <a:gd name="connsiteX2" fmla="*/ 5178 w 5414"/>
+              <a:gd name="connsiteY2" fmla="*/ 153 h 10000"/>
+              <a:gd name="connsiteX3" fmla="*/ 5414 w 5414"/>
+              <a:gd name="connsiteY3" fmla="*/ 10000 h 10000"/>
+              <a:gd name="connsiteX4" fmla="*/ 0 w 5414"/>
+              <a:gd name="connsiteY4" fmla="*/ 10000 h 10000"/>
+              <a:gd name="connsiteX0" fmla="*/ 0 w 9609"/>
+              <a:gd name="connsiteY0" fmla="*/ 10000 h 10000"/>
+              <a:gd name="connsiteX1" fmla="*/ 4618 w 9609"/>
+              <a:gd name="connsiteY1" fmla="*/ 0 h 10000"/>
+              <a:gd name="connsiteX2" fmla="*/ 9564 w 9609"/>
+              <a:gd name="connsiteY2" fmla="*/ 153 h 10000"/>
+              <a:gd name="connsiteX3" fmla="*/ 9590 w 9609"/>
+              <a:gd name="connsiteY3" fmla="*/ 10000 h 10000"/>
+              <a:gd name="connsiteX4" fmla="*/ 0 w 9609"/>
+              <a:gd name="connsiteY4" fmla="*/ 10000 h 10000"/>
+              <a:gd name="connsiteX0" fmla="*/ 0 w 10193"/>
+              <a:gd name="connsiteY0" fmla="*/ 10000 h 10153"/>
+              <a:gd name="connsiteX1" fmla="*/ 4806 w 10193"/>
+              <a:gd name="connsiteY1" fmla="*/ 0 h 10153"/>
+              <a:gd name="connsiteX2" fmla="*/ 9953 w 10193"/>
+              <a:gd name="connsiteY2" fmla="*/ 153 h 10153"/>
+              <a:gd name="connsiteX3" fmla="*/ 10193 w 10193"/>
+              <a:gd name="connsiteY3" fmla="*/ 10153 h 10153"/>
+              <a:gd name="connsiteX4" fmla="*/ 0 w 10193"/>
+              <a:gd name="connsiteY4" fmla="*/ 10000 h 10153"/>
+              <a:gd name="connsiteX0" fmla="*/ 0 w 10213"/>
+              <a:gd name="connsiteY0" fmla="*/ 10000 h 10153"/>
+              <a:gd name="connsiteX1" fmla="*/ 4806 w 10213"/>
+              <a:gd name="connsiteY1" fmla="*/ 0 h 10153"/>
+              <a:gd name="connsiteX2" fmla="*/ 10166 w 10213"/>
+              <a:gd name="connsiteY2" fmla="*/ 153 h 10153"/>
+              <a:gd name="connsiteX3" fmla="*/ 10193 w 10213"/>
+              <a:gd name="connsiteY3" fmla="*/ 10153 h 10153"/>
+              <a:gd name="connsiteX4" fmla="*/ 0 w 10213"/>
+              <a:gd name="connsiteY4" fmla="*/ 10000 h 10153"/>
+              <a:gd name="connsiteX0" fmla="*/ 0 w 10341"/>
+              <a:gd name="connsiteY0" fmla="*/ 10000 h 10153"/>
+              <a:gd name="connsiteX1" fmla="*/ 4806 w 10341"/>
+              <a:gd name="connsiteY1" fmla="*/ 0 h 10153"/>
+              <a:gd name="connsiteX2" fmla="*/ 10308 w 10341"/>
+              <a:gd name="connsiteY2" fmla="*/ 0 h 10153"/>
+              <a:gd name="connsiteX3" fmla="*/ 10193 w 10341"/>
+              <a:gd name="connsiteY3" fmla="*/ 10153 h 10153"/>
+              <a:gd name="connsiteX4" fmla="*/ 0 w 10341"/>
+              <a:gd name="connsiteY4" fmla="*/ 10000 h 10153"/>
+              <a:gd name="connsiteX0" fmla="*/ 0 w 10406"/>
+              <a:gd name="connsiteY0" fmla="*/ 10000 h 10306"/>
+              <a:gd name="connsiteX1" fmla="*/ 4806 w 10406"/>
+              <a:gd name="connsiteY1" fmla="*/ 0 h 10306"/>
+              <a:gd name="connsiteX2" fmla="*/ 10308 w 10406"/>
+              <a:gd name="connsiteY2" fmla="*/ 0 h 10306"/>
+              <a:gd name="connsiteX3" fmla="*/ 10406 w 10406"/>
+              <a:gd name="connsiteY3" fmla="*/ 10306 h 10306"/>
+              <a:gd name="connsiteX4" fmla="*/ 0 w 10406"/>
+              <a:gd name="connsiteY4" fmla="*/ 10000 h 10306"/>
+              <a:gd name="connsiteX0" fmla="*/ 0 w 10761"/>
+              <a:gd name="connsiteY0" fmla="*/ 10458 h 10458"/>
+              <a:gd name="connsiteX1" fmla="*/ 5161 w 10761"/>
+              <a:gd name="connsiteY1" fmla="*/ 0 h 10458"/>
+              <a:gd name="connsiteX2" fmla="*/ 10663 w 10761"/>
+              <a:gd name="connsiteY2" fmla="*/ 0 h 10458"/>
+              <a:gd name="connsiteX3" fmla="*/ 10761 w 10761"/>
+              <a:gd name="connsiteY3" fmla="*/ 10306 h 10458"/>
+              <a:gd name="connsiteX4" fmla="*/ 0 w 10761"/>
+              <a:gd name="connsiteY4" fmla="*/ 10458 h 10458"/>
+            </a:gdLst>
+            <a:ahLst/>
+            <a:cxnLst>
+              <a:cxn ang="0">
+                <a:pos x="connsiteX0" y="connsiteY0"/>
+              </a:cxn>
+              <a:cxn ang="0">
+                <a:pos x="connsiteX1" y="connsiteY1"/>
+              </a:cxn>
+              <a:cxn ang="0">
+                <a:pos x="connsiteX2" y="connsiteY2"/>
+              </a:cxn>
+              <a:cxn ang="0">
+                <a:pos x="connsiteX3" y="connsiteY3"/>
+              </a:cxn>
+              <a:cxn ang="0">
+                <a:pos x="connsiteX4" y="connsiteY4"/>
+              </a:cxn>
+            </a:cxnLst>
+            <a:rect l="l" t="t" r="r" b="b"/>
+            <a:pathLst>
+              <a:path w="10761" h="10458">
+                <a:moveTo>
+                  <a:pt x="0" y="10458"/>
+                </a:moveTo>
+                <a:lnTo>
+                  <a:pt x="5161" y="0"/>
+                </a:lnTo>
+                <a:lnTo>
+                  <a:pt x="10663" y="0"/>
+                </a:lnTo>
+                <a:cubicBezTo>
+                  <a:pt x="10815" y="3282"/>
+                  <a:pt x="10609" y="7024"/>
+                  <a:pt x="10761" y="10306"/>
+                </a:cubicBezTo>
+                <a:lnTo>
+                  <a:pt x="0" y="10458"/>
+                </a:lnTo>
+                <a:close/>
+              </a:path>
+            </a:pathLst>
+          </a:custGeom>
+          <a:solidFill>
+            <a:schemeClr val="bg1"/>
+          </a:solidFill>
+          <a:ln w="19050">
+            <a:solidFill>
+              <a:schemeClr val="tx1"/>
+            </a:solidFill>
+          </a:ln>
+        </p:spPr>
+        <p:style>
+          <a:lnRef idx="2">
+            <a:schemeClr val="accent1">
+              <a:shade val="15000"/>
+            </a:schemeClr>
+          </a:lnRef>
+          <a:fillRef idx="1">
+            <a:schemeClr val="accent1"/>
+          </a:fillRef>
+          <a:effectRef idx="0">
+            <a:schemeClr val="accent1"/>
+          </a:effectRef>
+          <a:fontRef idx="minor">
+            <a:schemeClr val="lt1"/>
+          </a:fontRef>
+        </p:style>
+        <p:txBody>
+          <a:bodyPr rtlCol="0" anchor="ctr"/>
+          <a:lstStyle/>
+          <a:p>
+            <a:pPr algn="ctr"/>
+            <a:endParaRPr lang="en-US"/>
+          </a:p>
+        </p:txBody>
+      </p:sp>
+      <p:sp>
+        <p:nvSpPr>
+          <p:cNvPr id="8" name="TextBox 7">
+            <a:extLst>
+              <a:ext uri="{FF2B5EF4-FFF2-40B4-BE49-F238E27FC236}">
+                <a16:creationId xmlns:a16="http://schemas.microsoft.com/office/drawing/2014/main" id="{5E973812-F210-A760-C8C5-244D9362C29B}"/>
+              </a:ext>
+            </a:extLst>
+          </p:cNvPr>
+          <p:cNvSpPr txBox="1"/>
+          <p:nvPr/>
+        </p:nvSpPr>
+        <p:spPr>
+          <a:xfrm>
+            <a:off x="11520069" y="6287442"/>
+            <a:ext cx="557254" cy="584775"/>
+          </a:xfrm>
+          <a:prstGeom prst="rect">
+            <a:avLst/>
+          </a:prstGeom>
+          <a:noFill/>
+        </p:spPr>
+        <p:txBody>
+          <a:bodyPr wrap="square" rtlCol="0">
+            <a:spAutoFit/>
+          </a:bodyPr>
+          <a:lstStyle/>
+          <a:p>
+            <a:r>
+              <a:rPr lang="en-US" sz="3200" dirty="0">
+                <a:latin typeface="TH SarabunPSK" panose="020B0500040200020003" pitchFamily="34" charset="-34"/>
+                <a:cs typeface="TH SarabunPSK" panose="020B0500040200020003" pitchFamily="34" charset="-34"/>
+              </a:rPr>
+              <a:t>1</a:t>
+            </a:r>
+          </a:p>
+        </p:txBody>
+      </p:sp>
+      <p:sp>
+        <p:nvSpPr>
           <p:cNvPr id="2" name="Title 1">
             <a:extLst>
               <a:ext uri="{FF2B5EF4-FFF2-40B4-BE49-F238E27FC236}">
@@ -4476,13 +6249,21 @@
             <p:ph type="title"/>
           </p:nvPr>
         </p:nvSpPr>
-        <p:spPr/>
+        <p:spPr>
+          <a:xfrm>
+            <a:off x="838200" y="18255"/>
+            <a:ext cx="10515600" cy="1325563"/>
+          </a:xfrm>
+        </p:spPr>
         <p:txBody>
           <a:bodyPr/>
           <a:lstStyle/>
           <a:p>
             <a:r>
-              <a:rPr lang="en-US" dirty="0"/>
+              <a:rPr lang="en-US" dirty="0">
+                <a:latin typeface="TH SarabunPSK" panose="020B0500040200020003" pitchFamily="34" charset="-34"/>
+                <a:cs typeface="TH SarabunPSK" panose="020B0500040200020003" pitchFamily="34" charset="-34"/>
+              </a:rPr>
               <a:t>Box-plot</a:t>
             </a:r>
           </a:p>
@@ -4505,14 +6286,14 @@
           </p:nvPr>
         </p:nvPicPr>
         <p:blipFill>
-          <a:blip r:embed="rId2"/>
+          <a:blip r:embed="rId3"/>
           <a:stretch>
             <a:fillRect/>
           </a:stretch>
         </p:blipFill>
         <p:spPr>
           <a:xfrm>
-            <a:off x="1744662" y="1825625"/>
+            <a:off x="1744662" y="1282177"/>
             <a:ext cx="8702676" cy="4351338"/>
           </a:xfrm>
           <a:prstGeom prst="rect">
@@ -4552,6 +6333,377 @@
       </p:grpSpPr>
       <p:sp>
         <p:nvSpPr>
+          <p:cNvPr id="4" name="Rectangle 3">
+            <a:extLst>
+              <a:ext uri="{FF2B5EF4-FFF2-40B4-BE49-F238E27FC236}">
+                <a16:creationId xmlns:a16="http://schemas.microsoft.com/office/drawing/2014/main" id="{9D8B7405-D156-4A00-D7FA-5163E044711E}"/>
+              </a:ext>
+            </a:extLst>
+          </p:cNvPr>
+          <p:cNvSpPr/>
+          <p:nvPr/>
+        </p:nvSpPr>
+        <p:spPr>
+          <a:xfrm>
+            <a:off x="0" y="5840991"/>
+            <a:ext cx="12192000" cy="1017009"/>
+          </a:xfrm>
+          <a:prstGeom prst="rect">
+            <a:avLst/>
+          </a:prstGeom>
+          <a:solidFill>
+            <a:srgbClr val="CCFFCC"/>
+          </a:solidFill>
+          <a:ln>
+            <a:solidFill>
+              <a:srgbClr val="CCFFCC"/>
+            </a:solidFill>
+          </a:ln>
+        </p:spPr>
+        <p:style>
+          <a:lnRef idx="2">
+            <a:schemeClr val="accent1">
+              <a:shade val="15000"/>
+            </a:schemeClr>
+          </a:lnRef>
+          <a:fillRef idx="1">
+            <a:schemeClr val="accent1"/>
+          </a:fillRef>
+          <a:effectRef idx="0">
+            <a:schemeClr val="accent1"/>
+          </a:effectRef>
+          <a:fontRef idx="minor">
+            <a:schemeClr val="lt1"/>
+          </a:fontRef>
+        </p:style>
+        <p:txBody>
+          <a:bodyPr rtlCol="0" anchor="ctr"/>
+          <a:lstStyle/>
+          <a:p>
+            <a:pPr algn="ctr"/>
+            <a:endParaRPr lang="en-US"/>
+          </a:p>
+        </p:txBody>
+      </p:sp>
+      <p:sp>
+        <p:nvSpPr>
+          <p:cNvPr id="6" name="Rectangle 5">
+            <a:extLst>
+              <a:ext uri="{FF2B5EF4-FFF2-40B4-BE49-F238E27FC236}">
+                <a16:creationId xmlns:a16="http://schemas.microsoft.com/office/drawing/2014/main" id="{43E69D08-BBC6-83D0-C227-2F290EBD3219}"/>
+              </a:ext>
+            </a:extLst>
+          </p:cNvPr>
+          <p:cNvSpPr/>
+          <p:nvPr/>
+        </p:nvSpPr>
+        <p:spPr>
+          <a:xfrm>
+            <a:off x="0" y="0"/>
+            <a:ext cx="12192000" cy="1136342"/>
+          </a:xfrm>
+          <a:prstGeom prst="rect">
+            <a:avLst/>
+          </a:prstGeom>
+          <a:solidFill>
+            <a:srgbClr val="CCFFCC"/>
+          </a:solidFill>
+          <a:ln>
+            <a:solidFill>
+              <a:srgbClr val="CCFFCC"/>
+            </a:solidFill>
+          </a:ln>
+        </p:spPr>
+        <p:style>
+          <a:lnRef idx="2">
+            <a:schemeClr val="accent1">
+              <a:shade val="15000"/>
+            </a:schemeClr>
+          </a:lnRef>
+          <a:fillRef idx="1">
+            <a:schemeClr val="accent1"/>
+          </a:fillRef>
+          <a:effectRef idx="0">
+            <a:schemeClr val="accent1"/>
+          </a:effectRef>
+          <a:fontRef idx="minor">
+            <a:schemeClr val="lt1"/>
+          </a:fontRef>
+        </p:style>
+        <p:txBody>
+          <a:bodyPr rtlCol="0" anchor="ctr"/>
+          <a:lstStyle/>
+          <a:p>
+            <a:pPr algn="ctr"/>
+            <a:endParaRPr lang="en-US" dirty="0">
+              <a:noFill/>
+            </a:endParaRPr>
+          </a:p>
+        </p:txBody>
+      </p:sp>
+      <p:pic>
+        <p:nvPicPr>
+          <p:cNvPr id="8" name="Picture 7" descr="A black and white logo&#10;&#10;Description automatically generated">
+            <a:extLst>
+              <a:ext uri="{FF2B5EF4-FFF2-40B4-BE49-F238E27FC236}">
+                <a16:creationId xmlns:a16="http://schemas.microsoft.com/office/drawing/2014/main" id="{9CAAFB86-3C58-6EB3-4564-7993FF1EE05A}"/>
+              </a:ext>
+            </a:extLst>
+          </p:cNvPr>
+          <p:cNvPicPr>
+            <a:picLocks noChangeAspect="1"/>
+          </p:cNvPicPr>
+          <p:nvPr/>
+        </p:nvPicPr>
+        <p:blipFill>
+          <a:blip r:embed="rId2">
+            <a:extLst>
+              <a:ext uri="{28A0092B-C50C-407E-A947-70E740481C1C}">
+                <a14:useLocalDpi xmlns:a14="http://schemas.microsoft.com/office/drawing/2010/main" val="0"/>
+              </a:ext>
+            </a:extLst>
+          </a:blip>
+          <a:stretch>
+            <a:fillRect/>
+          </a:stretch>
+        </p:blipFill>
+        <p:spPr>
+          <a:xfrm>
+            <a:off x="11051882" y="119333"/>
+            <a:ext cx="1093483" cy="1017009"/>
+          </a:xfrm>
+          <a:prstGeom prst="rect">
+            <a:avLst/>
+          </a:prstGeom>
+        </p:spPr>
+      </p:pic>
+      <p:sp>
+        <p:nvSpPr>
+          <p:cNvPr id="9" name="Flowchart: Data 2">
+            <a:extLst>
+              <a:ext uri="{FF2B5EF4-FFF2-40B4-BE49-F238E27FC236}">
+                <a16:creationId xmlns:a16="http://schemas.microsoft.com/office/drawing/2014/main" id="{9EB48343-C527-A974-7671-B63E8D7ED05C}"/>
+              </a:ext>
+            </a:extLst>
+          </p:cNvPr>
+          <p:cNvSpPr/>
+          <p:nvPr/>
+        </p:nvSpPr>
+        <p:spPr>
+          <a:xfrm>
+            <a:off x="10848138" y="6264097"/>
+            <a:ext cx="1343862" cy="608120"/>
+          </a:xfrm>
+          <a:custGeom>
+            <a:avLst/>
+            <a:gdLst>
+              <a:gd name="connsiteX0" fmla="*/ 0 w 10000"/>
+              <a:gd name="connsiteY0" fmla="*/ 10000 h 10000"/>
+              <a:gd name="connsiteX1" fmla="*/ 2000 w 10000"/>
+              <a:gd name="connsiteY1" fmla="*/ 0 h 10000"/>
+              <a:gd name="connsiteX2" fmla="*/ 10000 w 10000"/>
+              <a:gd name="connsiteY2" fmla="*/ 0 h 10000"/>
+              <a:gd name="connsiteX3" fmla="*/ 8000 w 10000"/>
+              <a:gd name="connsiteY3" fmla="*/ 10000 h 10000"/>
+              <a:gd name="connsiteX4" fmla="*/ 0 w 10000"/>
+              <a:gd name="connsiteY4" fmla="*/ 10000 h 10000"/>
+              <a:gd name="connsiteX0" fmla="*/ 0 w 8000"/>
+              <a:gd name="connsiteY0" fmla="*/ 10000 h 10000"/>
+              <a:gd name="connsiteX1" fmla="*/ 2000 w 8000"/>
+              <a:gd name="connsiteY1" fmla="*/ 0 h 10000"/>
+              <a:gd name="connsiteX2" fmla="*/ 4142 w 8000"/>
+              <a:gd name="connsiteY2" fmla="*/ 153 h 10000"/>
+              <a:gd name="connsiteX3" fmla="*/ 8000 w 8000"/>
+              <a:gd name="connsiteY3" fmla="*/ 10000 h 10000"/>
+              <a:gd name="connsiteX4" fmla="*/ 0 w 8000"/>
+              <a:gd name="connsiteY4" fmla="*/ 10000 h 10000"/>
+              <a:gd name="connsiteX0" fmla="*/ 0 w 5414"/>
+              <a:gd name="connsiteY0" fmla="*/ 10000 h 10000"/>
+              <a:gd name="connsiteX1" fmla="*/ 2500 w 5414"/>
+              <a:gd name="connsiteY1" fmla="*/ 0 h 10000"/>
+              <a:gd name="connsiteX2" fmla="*/ 5178 w 5414"/>
+              <a:gd name="connsiteY2" fmla="*/ 153 h 10000"/>
+              <a:gd name="connsiteX3" fmla="*/ 5414 w 5414"/>
+              <a:gd name="connsiteY3" fmla="*/ 10000 h 10000"/>
+              <a:gd name="connsiteX4" fmla="*/ 0 w 5414"/>
+              <a:gd name="connsiteY4" fmla="*/ 10000 h 10000"/>
+              <a:gd name="connsiteX0" fmla="*/ 0 w 9609"/>
+              <a:gd name="connsiteY0" fmla="*/ 10000 h 10000"/>
+              <a:gd name="connsiteX1" fmla="*/ 4618 w 9609"/>
+              <a:gd name="connsiteY1" fmla="*/ 0 h 10000"/>
+              <a:gd name="connsiteX2" fmla="*/ 9564 w 9609"/>
+              <a:gd name="connsiteY2" fmla="*/ 153 h 10000"/>
+              <a:gd name="connsiteX3" fmla="*/ 9590 w 9609"/>
+              <a:gd name="connsiteY3" fmla="*/ 10000 h 10000"/>
+              <a:gd name="connsiteX4" fmla="*/ 0 w 9609"/>
+              <a:gd name="connsiteY4" fmla="*/ 10000 h 10000"/>
+              <a:gd name="connsiteX0" fmla="*/ 0 w 10193"/>
+              <a:gd name="connsiteY0" fmla="*/ 10000 h 10153"/>
+              <a:gd name="connsiteX1" fmla="*/ 4806 w 10193"/>
+              <a:gd name="connsiteY1" fmla="*/ 0 h 10153"/>
+              <a:gd name="connsiteX2" fmla="*/ 9953 w 10193"/>
+              <a:gd name="connsiteY2" fmla="*/ 153 h 10153"/>
+              <a:gd name="connsiteX3" fmla="*/ 10193 w 10193"/>
+              <a:gd name="connsiteY3" fmla="*/ 10153 h 10153"/>
+              <a:gd name="connsiteX4" fmla="*/ 0 w 10193"/>
+              <a:gd name="connsiteY4" fmla="*/ 10000 h 10153"/>
+              <a:gd name="connsiteX0" fmla="*/ 0 w 10213"/>
+              <a:gd name="connsiteY0" fmla="*/ 10000 h 10153"/>
+              <a:gd name="connsiteX1" fmla="*/ 4806 w 10213"/>
+              <a:gd name="connsiteY1" fmla="*/ 0 h 10153"/>
+              <a:gd name="connsiteX2" fmla="*/ 10166 w 10213"/>
+              <a:gd name="connsiteY2" fmla="*/ 153 h 10153"/>
+              <a:gd name="connsiteX3" fmla="*/ 10193 w 10213"/>
+              <a:gd name="connsiteY3" fmla="*/ 10153 h 10153"/>
+              <a:gd name="connsiteX4" fmla="*/ 0 w 10213"/>
+              <a:gd name="connsiteY4" fmla="*/ 10000 h 10153"/>
+              <a:gd name="connsiteX0" fmla="*/ 0 w 10341"/>
+              <a:gd name="connsiteY0" fmla="*/ 10000 h 10153"/>
+              <a:gd name="connsiteX1" fmla="*/ 4806 w 10341"/>
+              <a:gd name="connsiteY1" fmla="*/ 0 h 10153"/>
+              <a:gd name="connsiteX2" fmla="*/ 10308 w 10341"/>
+              <a:gd name="connsiteY2" fmla="*/ 0 h 10153"/>
+              <a:gd name="connsiteX3" fmla="*/ 10193 w 10341"/>
+              <a:gd name="connsiteY3" fmla="*/ 10153 h 10153"/>
+              <a:gd name="connsiteX4" fmla="*/ 0 w 10341"/>
+              <a:gd name="connsiteY4" fmla="*/ 10000 h 10153"/>
+              <a:gd name="connsiteX0" fmla="*/ 0 w 10406"/>
+              <a:gd name="connsiteY0" fmla="*/ 10000 h 10306"/>
+              <a:gd name="connsiteX1" fmla="*/ 4806 w 10406"/>
+              <a:gd name="connsiteY1" fmla="*/ 0 h 10306"/>
+              <a:gd name="connsiteX2" fmla="*/ 10308 w 10406"/>
+              <a:gd name="connsiteY2" fmla="*/ 0 h 10306"/>
+              <a:gd name="connsiteX3" fmla="*/ 10406 w 10406"/>
+              <a:gd name="connsiteY3" fmla="*/ 10306 h 10306"/>
+              <a:gd name="connsiteX4" fmla="*/ 0 w 10406"/>
+              <a:gd name="connsiteY4" fmla="*/ 10000 h 10306"/>
+              <a:gd name="connsiteX0" fmla="*/ 0 w 10761"/>
+              <a:gd name="connsiteY0" fmla="*/ 10458 h 10458"/>
+              <a:gd name="connsiteX1" fmla="*/ 5161 w 10761"/>
+              <a:gd name="connsiteY1" fmla="*/ 0 h 10458"/>
+              <a:gd name="connsiteX2" fmla="*/ 10663 w 10761"/>
+              <a:gd name="connsiteY2" fmla="*/ 0 h 10458"/>
+              <a:gd name="connsiteX3" fmla="*/ 10761 w 10761"/>
+              <a:gd name="connsiteY3" fmla="*/ 10306 h 10458"/>
+              <a:gd name="connsiteX4" fmla="*/ 0 w 10761"/>
+              <a:gd name="connsiteY4" fmla="*/ 10458 h 10458"/>
+            </a:gdLst>
+            <a:ahLst/>
+            <a:cxnLst>
+              <a:cxn ang="0">
+                <a:pos x="connsiteX0" y="connsiteY0"/>
+              </a:cxn>
+              <a:cxn ang="0">
+                <a:pos x="connsiteX1" y="connsiteY1"/>
+              </a:cxn>
+              <a:cxn ang="0">
+                <a:pos x="connsiteX2" y="connsiteY2"/>
+              </a:cxn>
+              <a:cxn ang="0">
+                <a:pos x="connsiteX3" y="connsiteY3"/>
+              </a:cxn>
+              <a:cxn ang="0">
+                <a:pos x="connsiteX4" y="connsiteY4"/>
+              </a:cxn>
+            </a:cxnLst>
+            <a:rect l="l" t="t" r="r" b="b"/>
+            <a:pathLst>
+              <a:path w="10761" h="10458">
+                <a:moveTo>
+                  <a:pt x="0" y="10458"/>
+                </a:moveTo>
+                <a:lnTo>
+                  <a:pt x="5161" y="0"/>
+                </a:lnTo>
+                <a:lnTo>
+                  <a:pt x="10663" y="0"/>
+                </a:lnTo>
+                <a:cubicBezTo>
+                  <a:pt x="10815" y="3282"/>
+                  <a:pt x="10609" y="7024"/>
+                  <a:pt x="10761" y="10306"/>
+                </a:cubicBezTo>
+                <a:lnTo>
+                  <a:pt x="0" y="10458"/>
+                </a:lnTo>
+                <a:close/>
+              </a:path>
+            </a:pathLst>
+          </a:custGeom>
+          <a:solidFill>
+            <a:schemeClr val="bg1"/>
+          </a:solidFill>
+          <a:ln w="19050">
+            <a:solidFill>
+              <a:schemeClr val="tx1"/>
+            </a:solidFill>
+          </a:ln>
+        </p:spPr>
+        <p:style>
+          <a:lnRef idx="2">
+            <a:schemeClr val="accent1">
+              <a:shade val="15000"/>
+            </a:schemeClr>
+          </a:lnRef>
+          <a:fillRef idx="1">
+            <a:schemeClr val="accent1"/>
+          </a:fillRef>
+          <a:effectRef idx="0">
+            <a:schemeClr val="accent1"/>
+          </a:effectRef>
+          <a:fontRef idx="minor">
+            <a:schemeClr val="lt1"/>
+          </a:fontRef>
+        </p:style>
+        <p:txBody>
+          <a:bodyPr rtlCol="0" anchor="ctr"/>
+          <a:lstStyle/>
+          <a:p>
+            <a:pPr algn="ctr"/>
+            <a:endParaRPr lang="en-US"/>
+          </a:p>
+        </p:txBody>
+      </p:sp>
+      <p:sp>
+        <p:nvSpPr>
+          <p:cNvPr id="10" name="TextBox 9">
+            <a:extLst>
+              <a:ext uri="{FF2B5EF4-FFF2-40B4-BE49-F238E27FC236}">
+                <a16:creationId xmlns:a16="http://schemas.microsoft.com/office/drawing/2014/main" id="{A9CF3EC9-AA95-1D61-C340-7CE7AB3D0527}"/>
+              </a:ext>
+            </a:extLst>
+          </p:cNvPr>
+          <p:cNvSpPr txBox="1"/>
+          <p:nvPr/>
+        </p:nvSpPr>
+        <p:spPr>
+          <a:xfrm>
+            <a:off x="11520069" y="6287442"/>
+            <a:ext cx="557254" cy="584775"/>
+          </a:xfrm>
+          <a:prstGeom prst="rect">
+            <a:avLst/>
+          </a:prstGeom>
+          <a:noFill/>
+        </p:spPr>
+        <p:txBody>
+          <a:bodyPr wrap="square" rtlCol="0">
+            <a:spAutoFit/>
+          </a:bodyPr>
+          <a:lstStyle/>
+          <a:p>
+            <a:r>
+              <a:rPr lang="en-US" sz="3200" dirty="0">
+                <a:latin typeface="TH SarabunPSK" panose="020B0500040200020003" pitchFamily="34" charset="-34"/>
+                <a:cs typeface="TH SarabunPSK" panose="020B0500040200020003" pitchFamily="34" charset="-34"/>
+              </a:rPr>
+              <a:t>2</a:t>
+            </a:r>
+          </a:p>
+        </p:txBody>
+      </p:sp>
+      <p:sp>
+        <p:nvSpPr>
           <p:cNvPr id="2" name="Title 1">
             <a:extLst>
               <a:ext uri="{FF2B5EF4-FFF2-40B4-BE49-F238E27FC236}">
@@ -4566,13 +6718,21 @@
             <p:ph type="title"/>
           </p:nvPr>
         </p:nvSpPr>
-        <p:spPr/>
+        <p:spPr>
+          <a:xfrm>
+            <a:off x="838200" y="18255"/>
+            <a:ext cx="10515600" cy="1325563"/>
+          </a:xfrm>
+        </p:spPr>
         <p:txBody>
           <a:bodyPr/>
           <a:lstStyle/>
           <a:p>
             <a:r>
-              <a:rPr lang="en-US" dirty="0"/>
+              <a:rPr lang="en-US" dirty="0">
+                <a:latin typeface="TH SarabunPSK" panose="020B0500040200020003" pitchFamily="34" charset="-34"/>
+                <a:cs typeface="TH SarabunPSK" panose="020B0500040200020003" pitchFamily="34" charset="-34"/>
+              </a:rPr>
               <a:t>Box-plot</a:t>
             </a:r>
           </a:p>
@@ -4594,7 +6754,12 @@
             <p:ph idx="1"/>
           </p:nvPr>
         </p:nvSpPr>
-        <p:spPr/>
+        <p:spPr>
+          <a:xfrm>
+            <a:off x="838200" y="1559448"/>
+            <a:ext cx="10515600" cy="4351338"/>
+          </a:xfrm>
+        </p:spPr>
         <p:txBody>
           <a:bodyPr/>
           <a:lstStyle/>
@@ -4603,39 +6768,66 @@
               <a:buNone/>
             </a:pPr>
             <a:r>
-              <a:rPr lang="th-TH" dirty="0"/>
+              <a:rPr lang="th-TH" sz="2400" dirty="0">
+                <a:latin typeface="TH SarabunPSK" panose="020B0500040200020003" pitchFamily="34" charset="-34"/>
+                <a:cs typeface="TH SarabunPSK" panose="020B0500040200020003" pitchFamily="34" charset="-34"/>
+              </a:rPr>
               <a:t>ใช้ดูการกระจายของข้อมูลและ </a:t>
             </a:r>
             <a:r>
-              <a:rPr lang="en-US" dirty="0"/>
+              <a:rPr lang="en-US" sz="2400" dirty="0">
+                <a:latin typeface="TH SarabunPSK" panose="020B0500040200020003" pitchFamily="34" charset="-34"/>
+                <a:cs typeface="TH SarabunPSK" panose="020B0500040200020003" pitchFamily="34" charset="-34"/>
+              </a:rPr>
               <a:t>outliers</a:t>
             </a:r>
             <a:r>
-              <a:rPr lang="th-TH" dirty="0"/>
+              <a:rPr lang="th-TH" sz="2400" dirty="0">
+                <a:latin typeface="TH SarabunPSK" panose="020B0500040200020003" pitchFamily="34" charset="-34"/>
+                <a:cs typeface="TH SarabunPSK" panose="020B0500040200020003" pitchFamily="34" charset="-34"/>
+              </a:rPr>
               <a:t> โดย </a:t>
             </a:r>
             <a:r>
-              <a:rPr lang="en-US" dirty="0"/>
+              <a:rPr lang="en-US" sz="2400" dirty="0">
+                <a:latin typeface="TH SarabunPSK" panose="020B0500040200020003" pitchFamily="34" charset="-34"/>
+                <a:cs typeface="TH SarabunPSK" panose="020B0500040200020003" pitchFamily="34" charset="-34"/>
+              </a:rPr>
               <a:t>box-plot </a:t>
             </a:r>
             <a:r>
-              <a:rPr lang="th-TH" dirty="0"/>
+              <a:rPr lang="th-TH" sz="2400" dirty="0">
+                <a:latin typeface="TH SarabunPSK" panose="020B0500040200020003" pitchFamily="34" charset="-34"/>
+                <a:cs typeface="TH SarabunPSK" panose="020B0500040200020003" pitchFamily="34" charset="-34"/>
+              </a:rPr>
               <a:t>สามารถ </a:t>
             </a:r>
             <a:r>
-              <a:rPr lang="en-US" dirty="0"/>
+              <a:rPr lang="en-US" sz="2400" dirty="0">
+                <a:latin typeface="TH SarabunPSK" panose="020B0500040200020003" pitchFamily="34" charset="-34"/>
+                <a:cs typeface="TH SarabunPSK" panose="020B0500040200020003" pitchFamily="34" charset="-34"/>
+              </a:rPr>
               <a:t>return </a:t>
             </a:r>
             <a:r>
-              <a:rPr lang="th-TH" dirty="0"/>
+              <a:rPr lang="th-TH" sz="2400" dirty="0">
+                <a:latin typeface="TH SarabunPSK" panose="020B0500040200020003" pitchFamily="34" charset="-34"/>
+                <a:cs typeface="TH SarabunPSK" panose="020B0500040200020003" pitchFamily="34" charset="-34"/>
+              </a:rPr>
               <a:t>ดูค่าที่ต้องการ เช่น </a:t>
             </a:r>
             <a:r>
-              <a:rPr lang="en-US" dirty="0"/>
+              <a:rPr lang="en-US" sz="2400" dirty="0">
+                <a:latin typeface="TH SarabunPSK" panose="020B0500040200020003" pitchFamily="34" charset="-34"/>
+                <a:cs typeface="TH SarabunPSK" panose="020B0500040200020003" pitchFamily="34" charset="-34"/>
+              </a:rPr>
               <a:t>whiskers, caps, boxes, medians, fliers, means </a:t>
             </a:r>
             <a:r>
-              <a:rPr lang="th-TH" dirty="0"/>
+              <a:rPr lang="th-TH" sz="2400" dirty="0">
+                <a:latin typeface="TH SarabunPSK" panose="020B0500040200020003" pitchFamily="34" charset="-34"/>
+                <a:cs typeface="TH SarabunPSK" panose="020B0500040200020003" pitchFamily="34" charset="-34"/>
+              </a:rPr>
               <a:t>จากการวาดกราฟได้</a:t>
             </a:r>
           </a:p>
@@ -4644,77 +6836,93 @@
               <a:buNone/>
             </a:pPr>
             <a:r>
-              <a:rPr lang="th-TH" dirty="0"/>
+              <a:rPr lang="th-TH" sz="2400" dirty="0">
+                <a:latin typeface="TH SarabunPSK" panose="020B0500040200020003" pitchFamily="34" charset="-34"/>
+                <a:cs typeface="TH SarabunPSK" panose="020B0500040200020003" pitchFamily="34" charset="-34"/>
+              </a:rPr>
               <a:t>วาด </a:t>
             </a:r>
             <a:r>
-              <a:rPr lang="en-US" dirty="0"/>
+              <a:rPr lang="en-US" sz="2400" dirty="0">
+                <a:latin typeface="TH SarabunPSK" panose="020B0500040200020003" pitchFamily="34" charset="-34"/>
+                <a:cs typeface="TH SarabunPSK" panose="020B0500040200020003" pitchFamily="34" charset="-34"/>
+              </a:rPr>
               <a:t>Box-plot </a:t>
             </a:r>
             <a:r>
-              <a:rPr lang="th-TH" dirty="0"/>
+              <a:rPr lang="th-TH" sz="2400" dirty="0">
+                <a:latin typeface="TH SarabunPSK" panose="020B0500040200020003" pitchFamily="34" charset="-34"/>
+                <a:cs typeface="TH SarabunPSK" panose="020B0500040200020003" pitchFamily="34" charset="-34"/>
+              </a:rPr>
               <a:t>ใช้คำสั่ง </a:t>
             </a:r>
             <a:r>
-              <a:rPr lang="en-US" b="0" i="0" dirty="0" err="1">
+              <a:rPr lang="en-US" sz="2400" b="0" i="0" dirty="0" err="1">
                 <a:solidFill>
                   <a:srgbClr val="545454"/>
                 </a:solidFill>
                 <a:effectLst/>
-                <a:latin typeface="Courier New" panose="02070309020205020404" pitchFamily="49" charset="0"/>
+                <a:latin typeface="TH SarabunPSK" panose="020B0500040200020003" pitchFamily="34" charset="-34"/>
+                <a:cs typeface="TH SarabunPSK" panose="020B0500040200020003" pitchFamily="34" charset="-34"/>
               </a:rPr>
               <a:t>plt.boxplot</a:t>
             </a:r>
             <a:r>
-              <a:rPr lang="en-US" dirty="0">
+              <a:rPr lang="en-US" sz="2400" dirty="0">
                 <a:solidFill>
                   <a:srgbClr val="545454"/>
                 </a:solidFill>
-                <a:latin typeface="Courier New" panose="02070309020205020404" pitchFamily="49" charset="0"/>
+                <a:latin typeface="TH SarabunPSK" panose="020B0500040200020003" pitchFamily="34" charset="-34"/>
+                <a:cs typeface="TH SarabunPSK" panose="020B0500040200020003" pitchFamily="34" charset="-34"/>
               </a:rPr>
               <a:t>(‘</a:t>
             </a:r>
             <a:r>
-              <a:rPr lang="th-TH" dirty="0">
+              <a:rPr lang="th-TH" sz="2400" dirty="0">
                 <a:solidFill>
                   <a:srgbClr val="545454"/>
                 </a:solidFill>
-                <a:latin typeface="Courier New" panose="02070309020205020404" pitchFamily="49" charset="0"/>
+                <a:latin typeface="TH SarabunPSK" panose="020B0500040200020003" pitchFamily="34" charset="-34"/>
+                <a:cs typeface="TH SarabunPSK" panose="020B0500040200020003" pitchFamily="34" charset="-34"/>
               </a:rPr>
               <a:t>ข้อมูลคอลัมน์</a:t>
             </a:r>
             <a:r>
-              <a:rPr lang="en-US" dirty="0">
+              <a:rPr lang="en-US" sz="2400" dirty="0">
                 <a:solidFill>
                   <a:srgbClr val="545454"/>
                 </a:solidFill>
-                <a:latin typeface="Courier New" panose="02070309020205020404" pitchFamily="49" charset="0"/>
+                <a:latin typeface="TH SarabunPSK" panose="020B0500040200020003" pitchFamily="34" charset="-34"/>
+                <a:cs typeface="TH SarabunPSK" panose="020B0500040200020003" pitchFamily="34" charset="-34"/>
               </a:rPr>
               <a:t>x’)</a:t>
             </a:r>
             <a:r>
-              <a:rPr lang="th-TH" dirty="0">
+              <a:rPr lang="th-TH" sz="2400" dirty="0">
                 <a:solidFill>
                   <a:srgbClr val="545454"/>
                 </a:solidFill>
-                <a:latin typeface="Courier New" panose="02070309020205020404" pitchFamily="49" charset="0"/>
+                <a:latin typeface="TH SarabunPSK" panose="020B0500040200020003" pitchFamily="34" charset="-34"/>
+                <a:cs typeface="TH SarabunPSK" panose="020B0500040200020003" pitchFamily="34" charset="-34"/>
               </a:rPr>
               <a:t> เช่น ใช้ข้อมูลดอกไม้  </a:t>
             </a:r>
             <a:r>
-              <a:rPr lang="en-US" dirty="0">
+              <a:rPr lang="en-US" sz="2400" dirty="0">
                 <a:solidFill>
                   <a:srgbClr val="545454"/>
                 </a:solidFill>
-                <a:latin typeface="Courier New" panose="02070309020205020404" pitchFamily="49" charset="0"/>
+                <a:latin typeface="TH SarabunPSK" panose="020B0500040200020003" pitchFamily="34" charset="-34"/>
+                <a:cs typeface="TH SarabunPSK" panose="020B0500040200020003" pitchFamily="34" charset="-34"/>
               </a:rPr>
               <a:t>iris</a:t>
             </a:r>
-            <a:endParaRPr lang="th-TH" dirty="0">
+            <a:endParaRPr lang="th-TH" sz="2400" dirty="0">
               <a:solidFill>
                 <a:srgbClr val="545454"/>
               </a:solidFill>
-              <a:latin typeface="Courier New" panose="02070309020205020404" pitchFamily="49" charset="0"/>
+              <a:latin typeface="TH SarabunPSK" panose="020B0500040200020003" pitchFamily="34" charset="-34"/>
+              <a:cs typeface="TH SarabunPSK" panose="020B0500040200020003" pitchFamily="34" charset="-34"/>
             </a:endParaRPr>
           </a:p>
           <a:p>
@@ -4722,7 +6930,7 @@
               <a:buNone/>
             </a:pPr>
             <a:r>
-              <a:rPr lang="en-US" b="0" i="0" dirty="0" err="1">
+              <a:rPr lang="en-US" sz="1800" b="0" i="0" dirty="0" err="1">
                 <a:solidFill>
                   <a:srgbClr val="545454"/>
                 </a:solidFill>
@@ -4732,7 +6940,7 @@
               <a:t>plt.boxplot</a:t>
             </a:r>
             <a:r>
-              <a:rPr lang="en-US" b="0" i="0" dirty="0">
+              <a:rPr lang="en-US" sz="1800" b="0" i="0" dirty="0">
                 <a:solidFill>
                   <a:srgbClr val="545454"/>
                 </a:solidFill>
@@ -4742,7 +6950,7 @@
               <a:t>(</a:t>
             </a:r>
             <a:r>
-              <a:rPr lang="en-US" b="0" i="0" dirty="0" err="1">
+              <a:rPr lang="en-US" sz="1800" b="0" i="0" dirty="0" err="1">
                 <a:solidFill>
                   <a:srgbClr val="545454"/>
                 </a:solidFill>
@@ -4752,7 +6960,7 @@
               <a:t>df</a:t>
             </a:r>
             <a:r>
-              <a:rPr lang="en-US" b="0" i="0" dirty="0">
+              <a:rPr lang="en-US" sz="1800" b="0" i="0" dirty="0">
                 <a:solidFill>
                   <a:srgbClr val="545454"/>
                 </a:solidFill>
@@ -4762,7 +6970,7 @@
               <a:t>[</a:t>
             </a:r>
             <a:r>
-              <a:rPr lang="en-US" b="0" i="0" dirty="0">
+              <a:rPr lang="en-US" sz="1800" b="0" i="0" dirty="0">
                 <a:solidFill>
                   <a:srgbClr val="008000"/>
                 </a:solidFill>
@@ -4772,7 +6980,7 @@
               <a:t>'</a:t>
             </a:r>
             <a:r>
-              <a:rPr lang="en-US" b="0" i="0" dirty="0" err="1">
+              <a:rPr lang="en-US" sz="1800" b="0" i="0" dirty="0" err="1">
                 <a:solidFill>
                   <a:srgbClr val="008000"/>
                 </a:solidFill>
@@ -4782,7 +6990,7 @@
               <a:t>SepalWidth</a:t>
             </a:r>
             <a:r>
-              <a:rPr lang="en-US" b="0" i="0" dirty="0">
+              <a:rPr lang="en-US" sz="1800" b="0" i="0" dirty="0">
                 <a:solidFill>
                   <a:srgbClr val="008000"/>
                 </a:solidFill>
@@ -4792,7 +7000,7 @@
               <a:t>'</a:t>
             </a:r>
             <a:r>
-              <a:rPr lang="en-US" b="0" i="0" dirty="0">
+              <a:rPr lang="en-US" sz="1800" b="0" i="0" dirty="0">
                 <a:solidFill>
                   <a:srgbClr val="545454"/>
                 </a:solidFill>
@@ -4801,7 +7009,7 @@
               </a:rPr>
               <a:t>])</a:t>
             </a:r>
-            <a:endParaRPr lang="en-US" dirty="0"/>
+            <a:endParaRPr lang="en-US" sz="1800" dirty="0"/>
           </a:p>
         </p:txBody>
       </p:sp>
@@ -4811,36 +7019,6 @@
             <a:extLst>
               <a:ext uri="{FF2B5EF4-FFF2-40B4-BE49-F238E27FC236}">
                 <a16:creationId xmlns:a16="http://schemas.microsoft.com/office/drawing/2014/main" id="{23EA21DF-6049-F1D7-00B9-1F4814C5C358}"/>
-              </a:ext>
-            </a:extLst>
-          </p:cNvPr>
-          <p:cNvPicPr>
-            <a:picLocks noChangeAspect="1"/>
-          </p:cNvPicPr>
-          <p:nvPr/>
-        </p:nvPicPr>
-        <p:blipFill>
-          <a:blip r:embed="rId2"/>
-          <a:stretch>
-            <a:fillRect/>
-          </a:stretch>
-        </p:blipFill>
-        <p:spPr>
-          <a:xfrm>
-            <a:off x="6482545" y="3841346"/>
-            <a:ext cx="4724400" cy="2867025"/>
-          </a:xfrm>
-          <a:prstGeom prst="rect">
-            <a:avLst/>
-          </a:prstGeom>
-        </p:spPr>
-      </p:pic>
-      <p:pic>
-        <p:nvPicPr>
-          <p:cNvPr id="7" name="Picture 6">
-            <a:extLst>
-              <a:ext uri="{FF2B5EF4-FFF2-40B4-BE49-F238E27FC236}">
-                <a16:creationId xmlns:a16="http://schemas.microsoft.com/office/drawing/2014/main" id="{0B9CD4AF-292B-40E2-6120-0E75A489DACA}"/>
               </a:ext>
             </a:extLst>
           </p:cNvPr>
@@ -4857,7 +7035,37 @@
         </p:blipFill>
         <p:spPr>
           <a:xfrm>
-            <a:off x="530629" y="4245660"/>
+            <a:off x="6346422" y="2797310"/>
+            <a:ext cx="4724400" cy="2867025"/>
+          </a:xfrm>
+          <a:prstGeom prst="rect">
+            <a:avLst/>
+          </a:prstGeom>
+        </p:spPr>
+      </p:pic>
+      <p:pic>
+        <p:nvPicPr>
+          <p:cNvPr id="7" name="Picture 6">
+            <a:extLst>
+              <a:ext uri="{FF2B5EF4-FFF2-40B4-BE49-F238E27FC236}">
+                <a16:creationId xmlns:a16="http://schemas.microsoft.com/office/drawing/2014/main" id="{0B9CD4AF-292B-40E2-6120-0E75A489DACA}"/>
+              </a:ext>
+            </a:extLst>
+          </p:cNvPr>
+          <p:cNvPicPr>
+            <a:picLocks noChangeAspect="1"/>
+          </p:cNvPicPr>
+          <p:nvPr/>
+        </p:nvPicPr>
+        <p:blipFill>
+          <a:blip r:embed="rId4"/>
+          <a:stretch>
+            <a:fillRect/>
+          </a:stretch>
+        </p:blipFill>
+        <p:spPr>
+          <a:xfrm>
+            <a:off x="884617" y="3646336"/>
             <a:ext cx="5178828" cy="1627404"/>
           </a:xfrm>
           <a:prstGeom prst="rect">
@@ -4897,6 +7105,377 @@
       </p:grpSpPr>
       <p:sp>
         <p:nvSpPr>
+          <p:cNvPr id="4" name="Rectangle 3">
+            <a:extLst>
+              <a:ext uri="{FF2B5EF4-FFF2-40B4-BE49-F238E27FC236}">
+                <a16:creationId xmlns:a16="http://schemas.microsoft.com/office/drawing/2014/main" id="{A4B09F63-A8D5-2CD7-E49E-AE8F0E5F8F69}"/>
+              </a:ext>
+            </a:extLst>
+          </p:cNvPr>
+          <p:cNvSpPr/>
+          <p:nvPr/>
+        </p:nvSpPr>
+        <p:spPr>
+          <a:xfrm>
+            <a:off x="0" y="5840991"/>
+            <a:ext cx="12192000" cy="1017009"/>
+          </a:xfrm>
+          <a:prstGeom prst="rect">
+            <a:avLst/>
+          </a:prstGeom>
+          <a:solidFill>
+            <a:srgbClr val="CCFFCC"/>
+          </a:solidFill>
+          <a:ln>
+            <a:solidFill>
+              <a:srgbClr val="CCFFCC"/>
+            </a:solidFill>
+          </a:ln>
+        </p:spPr>
+        <p:style>
+          <a:lnRef idx="2">
+            <a:schemeClr val="accent1">
+              <a:shade val="15000"/>
+            </a:schemeClr>
+          </a:lnRef>
+          <a:fillRef idx="1">
+            <a:schemeClr val="accent1"/>
+          </a:fillRef>
+          <a:effectRef idx="0">
+            <a:schemeClr val="accent1"/>
+          </a:effectRef>
+          <a:fontRef idx="minor">
+            <a:schemeClr val="lt1"/>
+          </a:fontRef>
+        </p:style>
+        <p:txBody>
+          <a:bodyPr rtlCol="0" anchor="ctr"/>
+          <a:lstStyle/>
+          <a:p>
+            <a:pPr algn="ctr"/>
+            <a:endParaRPr lang="en-US"/>
+          </a:p>
+        </p:txBody>
+      </p:sp>
+      <p:sp>
+        <p:nvSpPr>
+          <p:cNvPr id="5" name="Rectangle 4">
+            <a:extLst>
+              <a:ext uri="{FF2B5EF4-FFF2-40B4-BE49-F238E27FC236}">
+                <a16:creationId xmlns:a16="http://schemas.microsoft.com/office/drawing/2014/main" id="{D22F96FD-8C09-2F1D-DF89-4C77C6ABAD45}"/>
+              </a:ext>
+            </a:extLst>
+          </p:cNvPr>
+          <p:cNvSpPr/>
+          <p:nvPr/>
+        </p:nvSpPr>
+        <p:spPr>
+          <a:xfrm>
+            <a:off x="0" y="0"/>
+            <a:ext cx="12192000" cy="1136342"/>
+          </a:xfrm>
+          <a:prstGeom prst="rect">
+            <a:avLst/>
+          </a:prstGeom>
+          <a:solidFill>
+            <a:srgbClr val="CCFFCC"/>
+          </a:solidFill>
+          <a:ln>
+            <a:solidFill>
+              <a:srgbClr val="CCFFCC"/>
+            </a:solidFill>
+          </a:ln>
+        </p:spPr>
+        <p:style>
+          <a:lnRef idx="2">
+            <a:schemeClr val="accent1">
+              <a:shade val="15000"/>
+            </a:schemeClr>
+          </a:lnRef>
+          <a:fillRef idx="1">
+            <a:schemeClr val="accent1"/>
+          </a:fillRef>
+          <a:effectRef idx="0">
+            <a:schemeClr val="accent1"/>
+          </a:effectRef>
+          <a:fontRef idx="minor">
+            <a:schemeClr val="lt1"/>
+          </a:fontRef>
+        </p:style>
+        <p:txBody>
+          <a:bodyPr rtlCol="0" anchor="ctr"/>
+          <a:lstStyle/>
+          <a:p>
+            <a:pPr algn="ctr"/>
+            <a:endParaRPr lang="en-US" dirty="0">
+              <a:noFill/>
+            </a:endParaRPr>
+          </a:p>
+        </p:txBody>
+      </p:sp>
+      <p:pic>
+        <p:nvPicPr>
+          <p:cNvPr id="6" name="Picture 5" descr="A black and white logo&#10;&#10;Description automatically generated">
+            <a:extLst>
+              <a:ext uri="{FF2B5EF4-FFF2-40B4-BE49-F238E27FC236}">
+                <a16:creationId xmlns:a16="http://schemas.microsoft.com/office/drawing/2014/main" id="{C515318B-0A67-133D-6CF4-CC40A32C889E}"/>
+              </a:ext>
+            </a:extLst>
+          </p:cNvPr>
+          <p:cNvPicPr>
+            <a:picLocks noChangeAspect="1"/>
+          </p:cNvPicPr>
+          <p:nvPr/>
+        </p:nvPicPr>
+        <p:blipFill>
+          <a:blip r:embed="rId2">
+            <a:extLst>
+              <a:ext uri="{28A0092B-C50C-407E-A947-70E740481C1C}">
+                <a14:useLocalDpi xmlns:a14="http://schemas.microsoft.com/office/drawing/2010/main" val="0"/>
+              </a:ext>
+            </a:extLst>
+          </a:blip>
+          <a:stretch>
+            <a:fillRect/>
+          </a:stretch>
+        </p:blipFill>
+        <p:spPr>
+          <a:xfrm>
+            <a:off x="11051882" y="119333"/>
+            <a:ext cx="1093483" cy="1017009"/>
+          </a:xfrm>
+          <a:prstGeom prst="rect">
+            <a:avLst/>
+          </a:prstGeom>
+        </p:spPr>
+      </p:pic>
+      <p:sp>
+        <p:nvSpPr>
+          <p:cNvPr id="7" name="Flowchart: Data 2">
+            <a:extLst>
+              <a:ext uri="{FF2B5EF4-FFF2-40B4-BE49-F238E27FC236}">
+                <a16:creationId xmlns:a16="http://schemas.microsoft.com/office/drawing/2014/main" id="{AE1B6DC3-4F64-C78F-FB3C-79B5F83EFB48}"/>
+              </a:ext>
+            </a:extLst>
+          </p:cNvPr>
+          <p:cNvSpPr/>
+          <p:nvPr/>
+        </p:nvSpPr>
+        <p:spPr>
+          <a:xfrm>
+            <a:off x="10848138" y="6264097"/>
+            <a:ext cx="1343862" cy="608120"/>
+          </a:xfrm>
+          <a:custGeom>
+            <a:avLst/>
+            <a:gdLst>
+              <a:gd name="connsiteX0" fmla="*/ 0 w 10000"/>
+              <a:gd name="connsiteY0" fmla="*/ 10000 h 10000"/>
+              <a:gd name="connsiteX1" fmla="*/ 2000 w 10000"/>
+              <a:gd name="connsiteY1" fmla="*/ 0 h 10000"/>
+              <a:gd name="connsiteX2" fmla="*/ 10000 w 10000"/>
+              <a:gd name="connsiteY2" fmla="*/ 0 h 10000"/>
+              <a:gd name="connsiteX3" fmla="*/ 8000 w 10000"/>
+              <a:gd name="connsiteY3" fmla="*/ 10000 h 10000"/>
+              <a:gd name="connsiteX4" fmla="*/ 0 w 10000"/>
+              <a:gd name="connsiteY4" fmla="*/ 10000 h 10000"/>
+              <a:gd name="connsiteX0" fmla="*/ 0 w 8000"/>
+              <a:gd name="connsiteY0" fmla="*/ 10000 h 10000"/>
+              <a:gd name="connsiteX1" fmla="*/ 2000 w 8000"/>
+              <a:gd name="connsiteY1" fmla="*/ 0 h 10000"/>
+              <a:gd name="connsiteX2" fmla="*/ 4142 w 8000"/>
+              <a:gd name="connsiteY2" fmla="*/ 153 h 10000"/>
+              <a:gd name="connsiteX3" fmla="*/ 8000 w 8000"/>
+              <a:gd name="connsiteY3" fmla="*/ 10000 h 10000"/>
+              <a:gd name="connsiteX4" fmla="*/ 0 w 8000"/>
+              <a:gd name="connsiteY4" fmla="*/ 10000 h 10000"/>
+              <a:gd name="connsiteX0" fmla="*/ 0 w 5414"/>
+              <a:gd name="connsiteY0" fmla="*/ 10000 h 10000"/>
+              <a:gd name="connsiteX1" fmla="*/ 2500 w 5414"/>
+              <a:gd name="connsiteY1" fmla="*/ 0 h 10000"/>
+              <a:gd name="connsiteX2" fmla="*/ 5178 w 5414"/>
+              <a:gd name="connsiteY2" fmla="*/ 153 h 10000"/>
+              <a:gd name="connsiteX3" fmla="*/ 5414 w 5414"/>
+              <a:gd name="connsiteY3" fmla="*/ 10000 h 10000"/>
+              <a:gd name="connsiteX4" fmla="*/ 0 w 5414"/>
+              <a:gd name="connsiteY4" fmla="*/ 10000 h 10000"/>
+              <a:gd name="connsiteX0" fmla="*/ 0 w 9609"/>
+              <a:gd name="connsiteY0" fmla="*/ 10000 h 10000"/>
+              <a:gd name="connsiteX1" fmla="*/ 4618 w 9609"/>
+              <a:gd name="connsiteY1" fmla="*/ 0 h 10000"/>
+              <a:gd name="connsiteX2" fmla="*/ 9564 w 9609"/>
+              <a:gd name="connsiteY2" fmla="*/ 153 h 10000"/>
+              <a:gd name="connsiteX3" fmla="*/ 9590 w 9609"/>
+              <a:gd name="connsiteY3" fmla="*/ 10000 h 10000"/>
+              <a:gd name="connsiteX4" fmla="*/ 0 w 9609"/>
+              <a:gd name="connsiteY4" fmla="*/ 10000 h 10000"/>
+              <a:gd name="connsiteX0" fmla="*/ 0 w 10193"/>
+              <a:gd name="connsiteY0" fmla="*/ 10000 h 10153"/>
+              <a:gd name="connsiteX1" fmla="*/ 4806 w 10193"/>
+              <a:gd name="connsiteY1" fmla="*/ 0 h 10153"/>
+              <a:gd name="connsiteX2" fmla="*/ 9953 w 10193"/>
+              <a:gd name="connsiteY2" fmla="*/ 153 h 10153"/>
+              <a:gd name="connsiteX3" fmla="*/ 10193 w 10193"/>
+              <a:gd name="connsiteY3" fmla="*/ 10153 h 10153"/>
+              <a:gd name="connsiteX4" fmla="*/ 0 w 10193"/>
+              <a:gd name="connsiteY4" fmla="*/ 10000 h 10153"/>
+              <a:gd name="connsiteX0" fmla="*/ 0 w 10213"/>
+              <a:gd name="connsiteY0" fmla="*/ 10000 h 10153"/>
+              <a:gd name="connsiteX1" fmla="*/ 4806 w 10213"/>
+              <a:gd name="connsiteY1" fmla="*/ 0 h 10153"/>
+              <a:gd name="connsiteX2" fmla="*/ 10166 w 10213"/>
+              <a:gd name="connsiteY2" fmla="*/ 153 h 10153"/>
+              <a:gd name="connsiteX3" fmla="*/ 10193 w 10213"/>
+              <a:gd name="connsiteY3" fmla="*/ 10153 h 10153"/>
+              <a:gd name="connsiteX4" fmla="*/ 0 w 10213"/>
+              <a:gd name="connsiteY4" fmla="*/ 10000 h 10153"/>
+              <a:gd name="connsiteX0" fmla="*/ 0 w 10341"/>
+              <a:gd name="connsiteY0" fmla="*/ 10000 h 10153"/>
+              <a:gd name="connsiteX1" fmla="*/ 4806 w 10341"/>
+              <a:gd name="connsiteY1" fmla="*/ 0 h 10153"/>
+              <a:gd name="connsiteX2" fmla="*/ 10308 w 10341"/>
+              <a:gd name="connsiteY2" fmla="*/ 0 h 10153"/>
+              <a:gd name="connsiteX3" fmla="*/ 10193 w 10341"/>
+              <a:gd name="connsiteY3" fmla="*/ 10153 h 10153"/>
+              <a:gd name="connsiteX4" fmla="*/ 0 w 10341"/>
+              <a:gd name="connsiteY4" fmla="*/ 10000 h 10153"/>
+              <a:gd name="connsiteX0" fmla="*/ 0 w 10406"/>
+              <a:gd name="connsiteY0" fmla="*/ 10000 h 10306"/>
+              <a:gd name="connsiteX1" fmla="*/ 4806 w 10406"/>
+              <a:gd name="connsiteY1" fmla="*/ 0 h 10306"/>
+              <a:gd name="connsiteX2" fmla="*/ 10308 w 10406"/>
+              <a:gd name="connsiteY2" fmla="*/ 0 h 10306"/>
+              <a:gd name="connsiteX3" fmla="*/ 10406 w 10406"/>
+              <a:gd name="connsiteY3" fmla="*/ 10306 h 10306"/>
+              <a:gd name="connsiteX4" fmla="*/ 0 w 10406"/>
+              <a:gd name="connsiteY4" fmla="*/ 10000 h 10306"/>
+              <a:gd name="connsiteX0" fmla="*/ 0 w 10761"/>
+              <a:gd name="connsiteY0" fmla="*/ 10458 h 10458"/>
+              <a:gd name="connsiteX1" fmla="*/ 5161 w 10761"/>
+              <a:gd name="connsiteY1" fmla="*/ 0 h 10458"/>
+              <a:gd name="connsiteX2" fmla="*/ 10663 w 10761"/>
+              <a:gd name="connsiteY2" fmla="*/ 0 h 10458"/>
+              <a:gd name="connsiteX3" fmla="*/ 10761 w 10761"/>
+              <a:gd name="connsiteY3" fmla="*/ 10306 h 10458"/>
+              <a:gd name="connsiteX4" fmla="*/ 0 w 10761"/>
+              <a:gd name="connsiteY4" fmla="*/ 10458 h 10458"/>
+            </a:gdLst>
+            <a:ahLst/>
+            <a:cxnLst>
+              <a:cxn ang="0">
+                <a:pos x="connsiteX0" y="connsiteY0"/>
+              </a:cxn>
+              <a:cxn ang="0">
+                <a:pos x="connsiteX1" y="connsiteY1"/>
+              </a:cxn>
+              <a:cxn ang="0">
+                <a:pos x="connsiteX2" y="connsiteY2"/>
+              </a:cxn>
+              <a:cxn ang="0">
+                <a:pos x="connsiteX3" y="connsiteY3"/>
+              </a:cxn>
+              <a:cxn ang="0">
+                <a:pos x="connsiteX4" y="connsiteY4"/>
+              </a:cxn>
+            </a:cxnLst>
+            <a:rect l="l" t="t" r="r" b="b"/>
+            <a:pathLst>
+              <a:path w="10761" h="10458">
+                <a:moveTo>
+                  <a:pt x="0" y="10458"/>
+                </a:moveTo>
+                <a:lnTo>
+                  <a:pt x="5161" y="0"/>
+                </a:lnTo>
+                <a:lnTo>
+                  <a:pt x="10663" y="0"/>
+                </a:lnTo>
+                <a:cubicBezTo>
+                  <a:pt x="10815" y="3282"/>
+                  <a:pt x="10609" y="7024"/>
+                  <a:pt x="10761" y="10306"/>
+                </a:cubicBezTo>
+                <a:lnTo>
+                  <a:pt x="0" y="10458"/>
+                </a:lnTo>
+                <a:close/>
+              </a:path>
+            </a:pathLst>
+          </a:custGeom>
+          <a:solidFill>
+            <a:schemeClr val="bg1"/>
+          </a:solidFill>
+          <a:ln w="19050">
+            <a:solidFill>
+              <a:schemeClr val="tx1"/>
+            </a:solidFill>
+          </a:ln>
+        </p:spPr>
+        <p:style>
+          <a:lnRef idx="2">
+            <a:schemeClr val="accent1">
+              <a:shade val="15000"/>
+            </a:schemeClr>
+          </a:lnRef>
+          <a:fillRef idx="1">
+            <a:schemeClr val="accent1"/>
+          </a:fillRef>
+          <a:effectRef idx="0">
+            <a:schemeClr val="accent1"/>
+          </a:effectRef>
+          <a:fontRef idx="minor">
+            <a:schemeClr val="lt1"/>
+          </a:fontRef>
+        </p:style>
+        <p:txBody>
+          <a:bodyPr rtlCol="0" anchor="ctr"/>
+          <a:lstStyle/>
+          <a:p>
+            <a:pPr algn="ctr"/>
+            <a:endParaRPr lang="en-US"/>
+          </a:p>
+        </p:txBody>
+      </p:sp>
+      <p:sp>
+        <p:nvSpPr>
+          <p:cNvPr id="8" name="TextBox 7">
+            <a:extLst>
+              <a:ext uri="{FF2B5EF4-FFF2-40B4-BE49-F238E27FC236}">
+                <a16:creationId xmlns:a16="http://schemas.microsoft.com/office/drawing/2014/main" id="{188784B4-B4A9-F050-A3EF-573C29046D73}"/>
+              </a:ext>
+            </a:extLst>
+          </p:cNvPr>
+          <p:cNvSpPr txBox="1"/>
+          <p:nvPr/>
+        </p:nvSpPr>
+        <p:spPr>
+          <a:xfrm>
+            <a:off x="11520069" y="6287442"/>
+            <a:ext cx="557254" cy="584775"/>
+          </a:xfrm>
+          <a:prstGeom prst="rect">
+            <a:avLst/>
+          </a:prstGeom>
+          <a:noFill/>
+        </p:spPr>
+        <p:txBody>
+          <a:bodyPr wrap="square" rtlCol="0">
+            <a:spAutoFit/>
+          </a:bodyPr>
+          <a:lstStyle/>
+          <a:p>
+            <a:r>
+              <a:rPr lang="en-US" sz="3200" dirty="0">
+                <a:latin typeface="TH SarabunPSK" panose="020B0500040200020003" pitchFamily="34" charset="-34"/>
+                <a:cs typeface="TH SarabunPSK" panose="020B0500040200020003" pitchFamily="34" charset="-34"/>
+              </a:rPr>
+              <a:t>3</a:t>
+            </a:r>
+          </a:p>
+        </p:txBody>
+      </p:sp>
+      <p:sp>
+        <p:nvSpPr>
           <p:cNvPr id="2" name="Title 1">
             <a:extLst>
               <a:ext uri="{FF2B5EF4-FFF2-40B4-BE49-F238E27FC236}">
@@ -4911,25 +7490,42 @@
             <p:ph type="title"/>
           </p:nvPr>
         </p:nvSpPr>
-        <p:spPr/>
+        <p:spPr>
+          <a:xfrm>
+            <a:off x="838200" y="18255"/>
+            <a:ext cx="10515600" cy="1325563"/>
+          </a:xfrm>
+        </p:spPr>
         <p:txBody>
           <a:bodyPr/>
           <a:lstStyle/>
           <a:p>
             <a:r>
-              <a:rPr lang="th-TH" dirty="0"/>
+              <a:rPr lang="th-TH" dirty="0">
+                <a:latin typeface="TH SarabunPSK" panose="020B0500040200020003" pitchFamily="34" charset="-34"/>
+                <a:cs typeface="TH SarabunPSK" panose="020B0500040200020003" pitchFamily="34" charset="-34"/>
+              </a:rPr>
               <a:t>การ </a:t>
             </a:r>
             <a:r>
-              <a:rPr lang="en-US" dirty="0"/>
+              <a:rPr lang="en-US" dirty="0">
+                <a:latin typeface="TH SarabunPSK" panose="020B0500040200020003" pitchFamily="34" charset="-34"/>
+                <a:cs typeface="TH SarabunPSK" panose="020B0500040200020003" pitchFamily="34" charset="-34"/>
+              </a:rPr>
               <a:t>return </a:t>
             </a:r>
             <a:r>
-              <a:rPr lang="th-TH" dirty="0"/>
+              <a:rPr lang="th-TH" dirty="0">
+                <a:latin typeface="TH SarabunPSK" panose="020B0500040200020003" pitchFamily="34" charset="-34"/>
+                <a:cs typeface="TH SarabunPSK" panose="020B0500040200020003" pitchFamily="34" charset="-34"/>
+              </a:rPr>
               <a:t>ค่าจาก</a:t>
             </a:r>
             <a:r>
-              <a:rPr lang="en-US" dirty="0"/>
+              <a:rPr lang="en-US" dirty="0">
+                <a:latin typeface="TH SarabunPSK" panose="020B0500040200020003" pitchFamily="34" charset="-34"/>
+                <a:cs typeface="TH SarabunPSK" panose="020B0500040200020003" pitchFamily="34" charset="-34"/>
+              </a:rPr>
               <a:t> Box-plot</a:t>
             </a:r>
           </a:p>
@@ -4957,85 +7553,145 @@
           <a:lstStyle/>
           <a:p>
             <a:r>
-              <a:rPr lang="th-TH" dirty="0"/>
+              <a:rPr lang="th-TH" sz="2400" dirty="0">
+                <a:latin typeface="TH SarabunPSK" panose="020B0500040200020003" pitchFamily="34" charset="-34"/>
+                <a:cs typeface="TH SarabunPSK" panose="020B0500040200020003" pitchFamily="34" charset="-34"/>
+              </a:rPr>
               <a:t>กำหนดตัวแปรที่จะใช้เก็บค่ากราฟ</a:t>
             </a:r>
             <a:r>
-              <a:rPr lang="en-US" dirty="0"/>
+              <a:rPr lang="en-US" sz="2400" dirty="0">
+                <a:latin typeface="TH SarabunPSK" panose="020B0500040200020003" pitchFamily="34" charset="-34"/>
+                <a:cs typeface="TH SarabunPSK" panose="020B0500040200020003" pitchFamily="34" charset="-34"/>
+              </a:rPr>
               <a:t> Box-plot </a:t>
             </a:r>
-            <a:endParaRPr lang="th-TH" dirty="0"/>
-          </a:p>
-          <a:p>
-            <a:r>
-              <a:rPr lang="th-TH" dirty="0"/>
+            <a:endParaRPr lang="th-TH" sz="2400" dirty="0">
+              <a:latin typeface="TH SarabunPSK" panose="020B0500040200020003" pitchFamily="34" charset="-34"/>
+              <a:cs typeface="TH SarabunPSK" panose="020B0500040200020003" pitchFamily="34" charset="-34"/>
+            </a:endParaRPr>
+          </a:p>
+          <a:p>
+            <a:r>
+              <a:rPr lang="th-TH" sz="2400" dirty="0">
+                <a:latin typeface="TH SarabunPSK" panose="020B0500040200020003" pitchFamily="34" charset="-34"/>
+                <a:cs typeface="TH SarabunPSK" panose="020B0500040200020003" pitchFamily="34" charset="-34"/>
+              </a:rPr>
               <a:t>ตัวแปร</a:t>
             </a:r>
             <a:r>
-              <a:rPr lang="en-US" dirty="0"/>
+              <a:rPr lang="en-US" sz="2400" dirty="0">
+                <a:latin typeface="TH SarabunPSK" panose="020B0500040200020003" pitchFamily="34" charset="-34"/>
+                <a:cs typeface="TH SarabunPSK" panose="020B0500040200020003" pitchFamily="34" charset="-34"/>
+              </a:rPr>
               <a:t> Box-plot  </a:t>
             </a:r>
             <a:r>
-              <a:rPr lang="th-TH" dirty="0"/>
+              <a:rPr lang="th-TH" sz="2400" dirty="0">
+                <a:latin typeface="TH SarabunPSK" panose="020B0500040200020003" pitchFamily="34" charset="-34"/>
+                <a:cs typeface="TH SarabunPSK" panose="020B0500040200020003" pitchFamily="34" charset="-34"/>
+              </a:rPr>
               <a:t>จากนั้นเลือกค่าที่ต้องการ </a:t>
             </a:r>
             <a:r>
-              <a:rPr lang="en-US" dirty="0"/>
+              <a:rPr lang="en-US" sz="2400" dirty="0">
+                <a:latin typeface="TH SarabunPSK" panose="020B0500040200020003" pitchFamily="34" charset="-34"/>
+                <a:cs typeface="TH SarabunPSK" panose="020B0500040200020003" pitchFamily="34" charset="-34"/>
+              </a:rPr>
               <a:t>return </a:t>
             </a:r>
             <a:r>
-              <a:rPr lang="th-TH" dirty="0"/>
+              <a:rPr lang="th-TH" sz="2400" dirty="0">
+                <a:latin typeface="TH SarabunPSK" panose="020B0500040200020003" pitchFamily="34" charset="-34"/>
+                <a:cs typeface="TH SarabunPSK" panose="020B0500040200020003" pitchFamily="34" charset="-34"/>
+              </a:rPr>
               <a:t>ตามด้วย </a:t>
             </a:r>
             <a:r>
-              <a:rPr lang="en-US" dirty="0"/>
+              <a:rPr lang="en-US" sz="2400" dirty="0">
+                <a:latin typeface="TH SarabunPSK" panose="020B0500040200020003" pitchFamily="34" charset="-34"/>
+                <a:cs typeface="TH SarabunPSK" panose="020B0500040200020003" pitchFamily="34" charset="-34"/>
+              </a:rPr>
               <a:t>.</a:t>
             </a:r>
             <a:r>
-              <a:rPr lang="en-US" dirty="0" err="1"/>
+              <a:rPr lang="en-US" sz="2400" dirty="0" err="1">
+                <a:latin typeface="TH SarabunPSK" panose="020B0500040200020003" pitchFamily="34" charset="-34"/>
+                <a:cs typeface="TH SarabunPSK" panose="020B0500040200020003" pitchFamily="34" charset="-34"/>
+              </a:rPr>
               <a:t>get_ydata</a:t>
             </a:r>
             <a:r>
-              <a:rPr lang="en-US" dirty="0"/>
+              <a:rPr lang="en-US" sz="2400" dirty="0">
+                <a:latin typeface="TH SarabunPSK" panose="020B0500040200020003" pitchFamily="34" charset="-34"/>
+                <a:cs typeface="TH SarabunPSK" panose="020B0500040200020003" pitchFamily="34" charset="-34"/>
+              </a:rPr>
               <a:t>() </a:t>
             </a:r>
             <a:r>
-              <a:rPr lang="th-TH" dirty="0"/>
+              <a:rPr lang="th-TH" sz="2400" dirty="0">
+                <a:latin typeface="TH SarabunPSK" panose="020B0500040200020003" pitchFamily="34" charset="-34"/>
+                <a:cs typeface="TH SarabunPSK" panose="020B0500040200020003" pitchFamily="34" charset="-34"/>
+              </a:rPr>
               <a:t>หรือ </a:t>
             </a:r>
             <a:r>
-              <a:rPr lang="en-US" dirty="0"/>
+              <a:rPr lang="en-US" sz="2400" dirty="0">
+                <a:latin typeface="TH SarabunPSK" panose="020B0500040200020003" pitchFamily="34" charset="-34"/>
+                <a:cs typeface="TH SarabunPSK" panose="020B0500040200020003" pitchFamily="34" charset="-34"/>
+              </a:rPr>
               <a:t>.</a:t>
             </a:r>
             <a:r>
-              <a:rPr lang="en-US" dirty="0" err="1"/>
+              <a:rPr lang="en-US" sz="2400" dirty="0" err="1">
+                <a:latin typeface="TH SarabunPSK" panose="020B0500040200020003" pitchFamily="34" charset="-34"/>
+                <a:cs typeface="TH SarabunPSK" panose="020B0500040200020003" pitchFamily="34" charset="-34"/>
+              </a:rPr>
               <a:t>get_xdata</a:t>
             </a:r>
             <a:r>
-              <a:rPr lang="en-US" dirty="0"/>
+              <a:rPr lang="en-US" sz="2400" dirty="0">
+                <a:latin typeface="TH SarabunPSK" panose="020B0500040200020003" pitchFamily="34" charset="-34"/>
+                <a:cs typeface="TH SarabunPSK" panose="020B0500040200020003" pitchFamily="34" charset="-34"/>
+              </a:rPr>
               <a:t>() </a:t>
             </a:r>
             <a:r>
-              <a:rPr lang="th-TH" dirty="0"/>
+              <a:rPr lang="th-TH" sz="2400" dirty="0">
+                <a:latin typeface="TH SarabunPSK" panose="020B0500040200020003" pitchFamily="34" charset="-34"/>
+                <a:cs typeface="TH SarabunPSK" panose="020B0500040200020003" pitchFamily="34" charset="-34"/>
+              </a:rPr>
               <a:t> เลือกแนวแกนที่ต้องการดูค่า เช่น ต้องการดูค่า </a:t>
             </a:r>
             <a:r>
-              <a:rPr lang="en-US" dirty="0"/>
+              <a:rPr lang="en-US" sz="2400" dirty="0">
+                <a:latin typeface="TH SarabunPSK" panose="020B0500040200020003" pitchFamily="34" charset="-34"/>
+                <a:cs typeface="TH SarabunPSK" panose="020B0500040200020003" pitchFamily="34" charset="-34"/>
+              </a:rPr>
               <a:t>fliers(outliers) </a:t>
             </a:r>
             <a:r>
-              <a:rPr lang="th-TH" dirty="0"/>
+              <a:rPr lang="th-TH" sz="2400" dirty="0">
+                <a:latin typeface="TH SarabunPSK" panose="020B0500040200020003" pitchFamily="34" charset="-34"/>
+                <a:cs typeface="TH SarabunPSK" panose="020B0500040200020003" pitchFamily="34" charset="-34"/>
+              </a:rPr>
               <a:t>ในแนวแกน</a:t>
             </a:r>
             <a:r>
-              <a:rPr lang="en-US" dirty="0"/>
+              <a:rPr lang="en-US" sz="2400" dirty="0">
+                <a:latin typeface="TH SarabunPSK" panose="020B0500040200020003" pitchFamily="34" charset="-34"/>
+                <a:cs typeface="TH SarabunPSK" panose="020B0500040200020003" pitchFamily="34" charset="-34"/>
+              </a:rPr>
               <a:t> y</a:t>
             </a:r>
-            <a:endParaRPr lang="th-TH" dirty="0"/>
-          </a:p>
-          <a:p>
-            <a:r>
-              <a:rPr lang="en-US" b="0" dirty="0">
+            <a:endParaRPr lang="th-TH" sz="2400" dirty="0">
+              <a:latin typeface="TH SarabunPSK" panose="020B0500040200020003" pitchFamily="34" charset="-34"/>
+              <a:cs typeface="TH SarabunPSK" panose="020B0500040200020003" pitchFamily="34" charset="-34"/>
+            </a:endParaRPr>
+          </a:p>
+          <a:p>
+            <a:r>
+              <a:rPr lang="en-US" sz="1800" b="0" dirty="0">
                 <a:solidFill>
                   <a:srgbClr val="000000"/>
                 </a:solidFill>
@@ -5045,7 +7701,7 @@
               <a:t>o = </a:t>
             </a:r>
             <a:r>
-              <a:rPr lang="en-US" b="0" dirty="0" err="1">
+              <a:rPr lang="en-US" sz="1800" b="0" dirty="0" err="1">
                 <a:solidFill>
                   <a:srgbClr val="000000"/>
                 </a:solidFill>
@@ -5055,7 +7711,7 @@
               <a:t>plt.boxplot</a:t>
             </a:r>
             <a:r>
-              <a:rPr lang="en-US" b="0" dirty="0">
+              <a:rPr lang="en-US" sz="1800" b="0" dirty="0">
                 <a:solidFill>
                   <a:srgbClr val="000000"/>
                 </a:solidFill>
@@ -5065,7 +7721,7 @@
               <a:t>(</a:t>
             </a:r>
             <a:r>
-              <a:rPr lang="en-US" b="0" dirty="0" err="1">
+              <a:rPr lang="en-US" sz="1800" b="0" dirty="0" err="1">
                 <a:solidFill>
                   <a:srgbClr val="000000"/>
                 </a:solidFill>
@@ -5075,7 +7731,7 @@
               <a:t>df</a:t>
             </a:r>
             <a:r>
-              <a:rPr lang="en-US" b="0" dirty="0">
+              <a:rPr lang="en-US" sz="1800" b="0" dirty="0">
                 <a:solidFill>
                   <a:srgbClr val="000000"/>
                 </a:solidFill>
@@ -5085,7 +7741,7 @@
               <a:t>[</a:t>
             </a:r>
             <a:r>
-              <a:rPr lang="en-US" b="0" dirty="0">
+              <a:rPr lang="en-US" sz="1800" b="0" dirty="0">
                 <a:solidFill>
                   <a:srgbClr val="A31515"/>
                 </a:solidFill>
@@ -5095,7 +7751,7 @@
               <a:t>'</a:t>
             </a:r>
             <a:r>
-              <a:rPr lang="en-US" b="0" dirty="0" err="1">
+              <a:rPr lang="en-US" sz="1800" b="0" dirty="0" err="1">
                 <a:solidFill>
                   <a:srgbClr val="A31515"/>
                 </a:solidFill>
@@ -5105,7 +7761,7 @@
               <a:t>SepalWidth</a:t>
             </a:r>
             <a:r>
-              <a:rPr lang="en-US" b="0" dirty="0">
+              <a:rPr lang="en-US" sz="1800" b="0" dirty="0">
                 <a:solidFill>
                   <a:srgbClr val="A31515"/>
                 </a:solidFill>
@@ -5115,7 +7771,7 @@
               <a:t>'</a:t>
             </a:r>
             <a:r>
-              <a:rPr lang="en-US" b="0" dirty="0">
+              <a:rPr lang="en-US" sz="1800" b="0" dirty="0">
                 <a:solidFill>
                   <a:srgbClr val="000000"/>
                 </a:solidFill>
@@ -5127,7 +7783,7 @@
           </a:p>
           <a:p>
             <a:r>
-              <a:rPr lang="en-US" b="0" dirty="0">
+              <a:rPr lang="en-US" sz="1800" b="0" dirty="0">
                 <a:solidFill>
                   <a:srgbClr val="000000"/>
                 </a:solidFill>
@@ -5137,7 +7793,7 @@
               <a:t>o[</a:t>
             </a:r>
             <a:r>
-              <a:rPr lang="en-US" b="0" dirty="0">
+              <a:rPr lang="en-US" sz="1800" b="0" dirty="0">
                 <a:solidFill>
                   <a:srgbClr val="A31515"/>
                 </a:solidFill>
@@ -5147,7 +7803,7 @@
               <a:t>'fliers'</a:t>
             </a:r>
             <a:r>
-              <a:rPr lang="en-US" b="0" dirty="0">
+              <a:rPr lang="en-US" sz="1800" b="0" dirty="0">
                 <a:solidFill>
                   <a:srgbClr val="000000"/>
                 </a:solidFill>
@@ -5157,7 +7813,7 @@
               <a:t>][</a:t>
             </a:r>
             <a:r>
-              <a:rPr lang="en-US" b="0" dirty="0">
+              <a:rPr lang="en-US" sz="1800" b="0" dirty="0">
                 <a:solidFill>
                   <a:srgbClr val="116644"/>
                 </a:solidFill>
@@ -5167,7 +7823,7 @@
               <a:t>0</a:t>
             </a:r>
             <a:r>
-              <a:rPr lang="en-US" b="0" dirty="0">
+              <a:rPr lang="en-US" sz="1800" b="0" dirty="0">
                 <a:solidFill>
                   <a:srgbClr val="000000"/>
                 </a:solidFill>
@@ -5177,7 +7833,7 @@
               <a:t>].</a:t>
             </a:r>
             <a:r>
-              <a:rPr lang="en-US" b="0" dirty="0" err="1">
+              <a:rPr lang="en-US" sz="1800" b="0" dirty="0" err="1">
                 <a:solidFill>
                   <a:srgbClr val="000000"/>
                 </a:solidFill>
@@ -5187,7 +7843,7 @@
               <a:t>get_ydata</a:t>
             </a:r>
             <a:r>
-              <a:rPr lang="en-US" b="0" dirty="0">
+              <a:rPr lang="en-US" sz="1800" b="0" dirty="0">
                 <a:solidFill>
                   <a:srgbClr val="000000"/>
                 </a:solidFill>
@@ -5199,34 +7855,55 @@
           </a:p>
           <a:p>
             <a:r>
-              <a:rPr lang="th-TH" dirty="0"/>
+              <a:rPr lang="th-TH" sz="2400" dirty="0">
+                <a:latin typeface="TH SarabunPSK" panose="020B0500040200020003" pitchFamily="34" charset="-34"/>
+                <a:cs typeface="TH SarabunPSK" panose="020B0500040200020003" pitchFamily="34" charset="-34"/>
+              </a:rPr>
               <a:t>ผลลัพธ์จะได้ค่า</a:t>
             </a:r>
             <a:r>
-              <a:rPr lang="en-US" dirty="0"/>
+              <a:rPr lang="en-US" sz="2400" dirty="0">
+                <a:latin typeface="TH SarabunPSK" panose="020B0500040200020003" pitchFamily="34" charset="-34"/>
+                <a:cs typeface="TH SarabunPSK" panose="020B0500040200020003" pitchFamily="34" charset="-34"/>
+              </a:rPr>
               <a:t> fliers </a:t>
             </a:r>
             <a:r>
-              <a:rPr lang="th-TH" dirty="0"/>
+              <a:rPr lang="th-TH" sz="2400" dirty="0">
+                <a:latin typeface="TH SarabunPSK" panose="020B0500040200020003" pitchFamily="34" charset="-34"/>
+                <a:cs typeface="TH SarabunPSK" panose="020B0500040200020003" pitchFamily="34" charset="-34"/>
+              </a:rPr>
               <a:t>ของกราฟ </a:t>
             </a:r>
             <a:r>
-              <a:rPr lang="en-US" dirty="0"/>
+              <a:rPr lang="en-US" sz="2400" dirty="0">
+                <a:latin typeface="TH SarabunPSK" panose="020B0500040200020003" pitchFamily="34" charset="-34"/>
+                <a:cs typeface="TH SarabunPSK" panose="020B0500040200020003" pitchFamily="34" charset="-34"/>
+              </a:rPr>
               <a:t>Box-plot </a:t>
             </a:r>
             <a:r>
-              <a:rPr lang="th-TH" dirty="0"/>
+              <a:rPr lang="th-TH" sz="2400" dirty="0">
+                <a:latin typeface="TH SarabunPSK" panose="020B0500040200020003" pitchFamily="34" charset="-34"/>
+                <a:cs typeface="TH SarabunPSK" panose="020B0500040200020003" pitchFamily="34" charset="-34"/>
+              </a:rPr>
               <a:t>ในตัวแปร </a:t>
             </a:r>
             <a:r>
-              <a:rPr lang="en-US" dirty="0"/>
+              <a:rPr lang="en-US" sz="2400" dirty="0">
+                <a:latin typeface="TH SarabunPSK" panose="020B0500040200020003" pitchFamily="34" charset="-34"/>
+                <a:cs typeface="TH SarabunPSK" panose="020B0500040200020003" pitchFamily="34" charset="-34"/>
+              </a:rPr>
               <a:t>o </a:t>
             </a:r>
-            <a:endParaRPr lang="th-TH" dirty="0"/>
-          </a:p>
-          <a:p>
-            <a:r>
-              <a:rPr lang="en-US" b="0" dirty="0">
+            <a:endParaRPr lang="th-TH" sz="2400" dirty="0">
+              <a:latin typeface="TH SarabunPSK" panose="020B0500040200020003" pitchFamily="34" charset="-34"/>
+              <a:cs typeface="TH SarabunPSK" panose="020B0500040200020003" pitchFamily="34" charset="-34"/>
+            </a:endParaRPr>
+          </a:p>
+          <a:p>
+            <a:r>
+              <a:rPr lang="en-US" sz="1800" b="0" dirty="0">
                 <a:solidFill>
                   <a:srgbClr val="000000"/>
                 </a:solidFill>
@@ -5235,7 +7912,7 @@
               </a:rPr>
               <a:t>array([2. , 4.4, 4.1, 4.2])</a:t>
             </a:r>
-            <a:endParaRPr lang="th-TH" dirty="0"/>
+            <a:endParaRPr lang="th-TH" sz="1800" dirty="0"/>
           </a:p>
           <a:p>
             <a:endParaRPr lang="en-US" dirty="0"/>
@@ -5274,6 +7951,377 @@
       </p:grpSpPr>
       <p:sp>
         <p:nvSpPr>
+          <p:cNvPr id="4" name="Rectangle 3">
+            <a:extLst>
+              <a:ext uri="{FF2B5EF4-FFF2-40B4-BE49-F238E27FC236}">
+                <a16:creationId xmlns:a16="http://schemas.microsoft.com/office/drawing/2014/main" id="{7706EDA0-1E87-597A-F7F0-D9DFEFDE6ADC}"/>
+              </a:ext>
+            </a:extLst>
+          </p:cNvPr>
+          <p:cNvSpPr/>
+          <p:nvPr/>
+        </p:nvSpPr>
+        <p:spPr>
+          <a:xfrm>
+            <a:off x="0" y="5840991"/>
+            <a:ext cx="12192000" cy="1017009"/>
+          </a:xfrm>
+          <a:prstGeom prst="rect">
+            <a:avLst/>
+          </a:prstGeom>
+          <a:solidFill>
+            <a:srgbClr val="CCFFCC"/>
+          </a:solidFill>
+          <a:ln>
+            <a:solidFill>
+              <a:srgbClr val="CCFFCC"/>
+            </a:solidFill>
+          </a:ln>
+        </p:spPr>
+        <p:style>
+          <a:lnRef idx="2">
+            <a:schemeClr val="accent1">
+              <a:shade val="15000"/>
+            </a:schemeClr>
+          </a:lnRef>
+          <a:fillRef idx="1">
+            <a:schemeClr val="accent1"/>
+          </a:fillRef>
+          <a:effectRef idx="0">
+            <a:schemeClr val="accent1"/>
+          </a:effectRef>
+          <a:fontRef idx="minor">
+            <a:schemeClr val="lt1"/>
+          </a:fontRef>
+        </p:style>
+        <p:txBody>
+          <a:bodyPr rtlCol="0" anchor="ctr"/>
+          <a:lstStyle/>
+          <a:p>
+            <a:pPr algn="ctr"/>
+            <a:endParaRPr lang="en-US"/>
+          </a:p>
+        </p:txBody>
+      </p:sp>
+      <p:sp>
+        <p:nvSpPr>
+          <p:cNvPr id="6" name="Rectangle 5">
+            <a:extLst>
+              <a:ext uri="{FF2B5EF4-FFF2-40B4-BE49-F238E27FC236}">
+                <a16:creationId xmlns:a16="http://schemas.microsoft.com/office/drawing/2014/main" id="{FF968810-DB12-1383-2AB8-97AB54BA6695}"/>
+              </a:ext>
+            </a:extLst>
+          </p:cNvPr>
+          <p:cNvSpPr/>
+          <p:nvPr/>
+        </p:nvSpPr>
+        <p:spPr>
+          <a:xfrm>
+            <a:off x="0" y="0"/>
+            <a:ext cx="12192000" cy="1136342"/>
+          </a:xfrm>
+          <a:prstGeom prst="rect">
+            <a:avLst/>
+          </a:prstGeom>
+          <a:solidFill>
+            <a:srgbClr val="CCFFCC"/>
+          </a:solidFill>
+          <a:ln>
+            <a:solidFill>
+              <a:srgbClr val="CCFFCC"/>
+            </a:solidFill>
+          </a:ln>
+        </p:spPr>
+        <p:style>
+          <a:lnRef idx="2">
+            <a:schemeClr val="accent1">
+              <a:shade val="15000"/>
+            </a:schemeClr>
+          </a:lnRef>
+          <a:fillRef idx="1">
+            <a:schemeClr val="accent1"/>
+          </a:fillRef>
+          <a:effectRef idx="0">
+            <a:schemeClr val="accent1"/>
+          </a:effectRef>
+          <a:fontRef idx="minor">
+            <a:schemeClr val="lt1"/>
+          </a:fontRef>
+        </p:style>
+        <p:txBody>
+          <a:bodyPr rtlCol="0" anchor="ctr"/>
+          <a:lstStyle/>
+          <a:p>
+            <a:pPr algn="ctr"/>
+            <a:endParaRPr lang="en-US" dirty="0">
+              <a:noFill/>
+            </a:endParaRPr>
+          </a:p>
+        </p:txBody>
+      </p:sp>
+      <p:pic>
+        <p:nvPicPr>
+          <p:cNvPr id="7" name="Picture 6" descr="A black and white logo&#10;&#10;Description automatically generated">
+            <a:extLst>
+              <a:ext uri="{FF2B5EF4-FFF2-40B4-BE49-F238E27FC236}">
+                <a16:creationId xmlns:a16="http://schemas.microsoft.com/office/drawing/2014/main" id="{42C24BD0-9D97-4EB0-452C-149498EEF5E8}"/>
+              </a:ext>
+            </a:extLst>
+          </p:cNvPr>
+          <p:cNvPicPr>
+            <a:picLocks noChangeAspect="1"/>
+          </p:cNvPicPr>
+          <p:nvPr/>
+        </p:nvPicPr>
+        <p:blipFill>
+          <a:blip r:embed="rId2">
+            <a:extLst>
+              <a:ext uri="{28A0092B-C50C-407E-A947-70E740481C1C}">
+                <a14:useLocalDpi xmlns:a14="http://schemas.microsoft.com/office/drawing/2010/main" val="0"/>
+              </a:ext>
+            </a:extLst>
+          </a:blip>
+          <a:stretch>
+            <a:fillRect/>
+          </a:stretch>
+        </p:blipFill>
+        <p:spPr>
+          <a:xfrm>
+            <a:off x="11051882" y="119333"/>
+            <a:ext cx="1093483" cy="1017009"/>
+          </a:xfrm>
+          <a:prstGeom prst="rect">
+            <a:avLst/>
+          </a:prstGeom>
+        </p:spPr>
+      </p:pic>
+      <p:sp>
+        <p:nvSpPr>
+          <p:cNvPr id="8" name="Flowchart: Data 2">
+            <a:extLst>
+              <a:ext uri="{FF2B5EF4-FFF2-40B4-BE49-F238E27FC236}">
+                <a16:creationId xmlns:a16="http://schemas.microsoft.com/office/drawing/2014/main" id="{01DC9E23-4E2A-6D52-9E34-ADCD0CF0068D}"/>
+              </a:ext>
+            </a:extLst>
+          </p:cNvPr>
+          <p:cNvSpPr/>
+          <p:nvPr/>
+        </p:nvSpPr>
+        <p:spPr>
+          <a:xfrm>
+            <a:off x="10848138" y="6264097"/>
+            <a:ext cx="1343862" cy="608120"/>
+          </a:xfrm>
+          <a:custGeom>
+            <a:avLst/>
+            <a:gdLst>
+              <a:gd name="connsiteX0" fmla="*/ 0 w 10000"/>
+              <a:gd name="connsiteY0" fmla="*/ 10000 h 10000"/>
+              <a:gd name="connsiteX1" fmla="*/ 2000 w 10000"/>
+              <a:gd name="connsiteY1" fmla="*/ 0 h 10000"/>
+              <a:gd name="connsiteX2" fmla="*/ 10000 w 10000"/>
+              <a:gd name="connsiteY2" fmla="*/ 0 h 10000"/>
+              <a:gd name="connsiteX3" fmla="*/ 8000 w 10000"/>
+              <a:gd name="connsiteY3" fmla="*/ 10000 h 10000"/>
+              <a:gd name="connsiteX4" fmla="*/ 0 w 10000"/>
+              <a:gd name="connsiteY4" fmla="*/ 10000 h 10000"/>
+              <a:gd name="connsiteX0" fmla="*/ 0 w 8000"/>
+              <a:gd name="connsiteY0" fmla="*/ 10000 h 10000"/>
+              <a:gd name="connsiteX1" fmla="*/ 2000 w 8000"/>
+              <a:gd name="connsiteY1" fmla="*/ 0 h 10000"/>
+              <a:gd name="connsiteX2" fmla="*/ 4142 w 8000"/>
+              <a:gd name="connsiteY2" fmla="*/ 153 h 10000"/>
+              <a:gd name="connsiteX3" fmla="*/ 8000 w 8000"/>
+              <a:gd name="connsiteY3" fmla="*/ 10000 h 10000"/>
+              <a:gd name="connsiteX4" fmla="*/ 0 w 8000"/>
+              <a:gd name="connsiteY4" fmla="*/ 10000 h 10000"/>
+              <a:gd name="connsiteX0" fmla="*/ 0 w 5414"/>
+              <a:gd name="connsiteY0" fmla="*/ 10000 h 10000"/>
+              <a:gd name="connsiteX1" fmla="*/ 2500 w 5414"/>
+              <a:gd name="connsiteY1" fmla="*/ 0 h 10000"/>
+              <a:gd name="connsiteX2" fmla="*/ 5178 w 5414"/>
+              <a:gd name="connsiteY2" fmla="*/ 153 h 10000"/>
+              <a:gd name="connsiteX3" fmla="*/ 5414 w 5414"/>
+              <a:gd name="connsiteY3" fmla="*/ 10000 h 10000"/>
+              <a:gd name="connsiteX4" fmla="*/ 0 w 5414"/>
+              <a:gd name="connsiteY4" fmla="*/ 10000 h 10000"/>
+              <a:gd name="connsiteX0" fmla="*/ 0 w 9609"/>
+              <a:gd name="connsiteY0" fmla="*/ 10000 h 10000"/>
+              <a:gd name="connsiteX1" fmla="*/ 4618 w 9609"/>
+              <a:gd name="connsiteY1" fmla="*/ 0 h 10000"/>
+              <a:gd name="connsiteX2" fmla="*/ 9564 w 9609"/>
+              <a:gd name="connsiteY2" fmla="*/ 153 h 10000"/>
+              <a:gd name="connsiteX3" fmla="*/ 9590 w 9609"/>
+              <a:gd name="connsiteY3" fmla="*/ 10000 h 10000"/>
+              <a:gd name="connsiteX4" fmla="*/ 0 w 9609"/>
+              <a:gd name="connsiteY4" fmla="*/ 10000 h 10000"/>
+              <a:gd name="connsiteX0" fmla="*/ 0 w 10193"/>
+              <a:gd name="connsiteY0" fmla="*/ 10000 h 10153"/>
+              <a:gd name="connsiteX1" fmla="*/ 4806 w 10193"/>
+              <a:gd name="connsiteY1" fmla="*/ 0 h 10153"/>
+              <a:gd name="connsiteX2" fmla="*/ 9953 w 10193"/>
+              <a:gd name="connsiteY2" fmla="*/ 153 h 10153"/>
+              <a:gd name="connsiteX3" fmla="*/ 10193 w 10193"/>
+              <a:gd name="connsiteY3" fmla="*/ 10153 h 10153"/>
+              <a:gd name="connsiteX4" fmla="*/ 0 w 10193"/>
+              <a:gd name="connsiteY4" fmla="*/ 10000 h 10153"/>
+              <a:gd name="connsiteX0" fmla="*/ 0 w 10213"/>
+              <a:gd name="connsiteY0" fmla="*/ 10000 h 10153"/>
+              <a:gd name="connsiteX1" fmla="*/ 4806 w 10213"/>
+              <a:gd name="connsiteY1" fmla="*/ 0 h 10153"/>
+              <a:gd name="connsiteX2" fmla="*/ 10166 w 10213"/>
+              <a:gd name="connsiteY2" fmla="*/ 153 h 10153"/>
+              <a:gd name="connsiteX3" fmla="*/ 10193 w 10213"/>
+              <a:gd name="connsiteY3" fmla="*/ 10153 h 10153"/>
+              <a:gd name="connsiteX4" fmla="*/ 0 w 10213"/>
+              <a:gd name="connsiteY4" fmla="*/ 10000 h 10153"/>
+              <a:gd name="connsiteX0" fmla="*/ 0 w 10341"/>
+              <a:gd name="connsiteY0" fmla="*/ 10000 h 10153"/>
+              <a:gd name="connsiteX1" fmla="*/ 4806 w 10341"/>
+              <a:gd name="connsiteY1" fmla="*/ 0 h 10153"/>
+              <a:gd name="connsiteX2" fmla="*/ 10308 w 10341"/>
+              <a:gd name="connsiteY2" fmla="*/ 0 h 10153"/>
+              <a:gd name="connsiteX3" fmla="*/ 10193 w 10341"/>
+              <a:gd name="connsiteY3" fmla="*/ 10153 h 10153"/>
+              <a:gd name="connsiteX4" fmla="*/ 0 w 10341"/>
+              <a:gd name="connsiteY4" fmla="*/ 10000 h 10153"/>
+              <a:gd name="connsiteX0" fmla="*/ 0 w 10406"/>
+              <a:gd name="connsiteY0" fmla="*/ 10000 h 10306"/>
+              <a:gd name="connsiteX1" fmla="*/ 4806 w 10406"/>
+              <a:gd name="connsiteY1" fmla="*/ 0 h 10306"/>
+              <a:gd name="connsiteX2" fmla="*/ 10308 w 10406"/>
+              <a:gd name="connsiteY2" fmla="*/ 0 h 10306"/>
+              <a:gd name="connsiteX3" fmla="*/ 10406 w 10406"/>
+              <a:gd name="connsiteY3" fmla="*/ 10306 h 10306"/>
+              <a:gd name="connsiteX4" fmla="*/ 0 w 10406"/>
+              <a:gd name="connsiteY4" fmla="*/ 10000 h 10306"/>
+              <a:gd name="connsiteX0" fmla="*/ 0 w 10761"/>
+              <a:gd name="connsiteY0" fmla="*/ 10458 h 10458"/>
+              <a:gd name="connsiteX1" fmla="*/ 5161 w 10761"/>
+              <a:gd name="connsiteY1" fmla="*/ 0 h 10458"/>
+              <a:gd name="connsiteX2" fmla="*/ 10663 w 10761"/>
+              <a:gd name="connsiteY2" fmla="*/ 0 h 10458"/>
+              <a:gd name="connsiteX3" fmla="*/ 10761 w 10761"/>
+              <a:gd name="connsiteY3" fmla="*/ 10306 h 10458"/>
+              <a:gd name="connsiteX4" fmla="*/ 0 w 10761"/>
+              <a:gd name="connsiteY4" fmla="*/ 10458 h 10458"/>
+            </a:gdLst>
+            <a:ahLst/>
+            <a:cxnLst>
+              <a:cxn ang="0">
+                <a:pos x="connsiteX0" y="connsiteY0"/>
+              </a:cxn>
+              <a:cxn ang="0">
+                <a:pos x="connsiteX1" y="connsiteY1"/>
+              </a:cxn>
+              <a:cxn ang="0">
+                <a:pos x="connsiteX2" y="connsiteY2"/>
+              </a:cxn>
+              <a:cxn ang="0">
+                <a:pos x="connsiteX3" y="connsiteY3"/>
+              </a:cxn>
+              <a:cxn ang="0">
+                <a:pos x="connsiteX4" y="connsiteY4"/>
+              </a:cxn>
+            </a:cxnLst>
+            <a:rect l="l" t="t" r="r" b="b"/>
+            <a:pathLst>
+              <a:path w="10761" h="10458">
+                <a:moveTo>
+                  <a:pt x="0" y="10458"/>
+                </a:moveTo>
+                <a:lnTo>
+                  <a:pt x="5161" y="0"/>
+                </a:lnTo>
+                <a:lnTo>
+                  <a:pt x="10663" y="0"/>
+                </a:lnTo>
+                <a:cubicBezTo>
+                  <a:pt x="10815" y="3282"/>
+                  <a:pt x="10609" y="7024"/>
+                  <a:pt x="10761" y="10306"/>
+                </a:cubicBezTo>
+                <a:lnTo>
+                  <a:pt x="0" y="10458"/>
+                </a:lnTo>
+                <a:close/>
+              </a:path>
+            </a:pathLst>
+          </a:custGeom>
+          <a:solidFill>
+            <a:schemeClr val="bg1"/>
+          </a:solidFill>
+          <a:ln w="19050">
+            <a:solidFill>
+              <a:schemeClr val="tx1"/>
+            </a:solidFill>
+          </a:ln>
+        </p:spPr>
+        <p:style>
+          <a:lnRef idx="2">
+            <a:schemeClr val="accent1">
+              <a:shade val="15000"/>
+            </a:schemeClr>
+          </a:lnRef>
+          <a:fillRef idx="1">
+            <a:schemeClr val="accent1"/>
+          </a:fillRef>
+          <a:effectRef idx="0">
+            <a:schemeClr val="accent1"/>
+          </a:effectRef>
+          <a:fontRef idx="minor">
+            <a:schemeClr val="lt1"/>
+          </a:fontRef>
+        </p:style>
+        <p:txBody>
+          <a:bodyPr rtlCol="0" anchor="ctr"/>
+          <a:lstStyle/>
+          <a:p>
+            <a:pPr algn="ctr"/>
+            <a:endParaRPr lang="en-US"/>
+          </a:p>
+        </p:txBody>
+      </p:sp>
+      <p:sp>
+        <p:nvSpPr>
+          <p:cNvPr id="9" name="TextBox 8">
+            <a:extLst>
+              <a:ext uri="{FF2B5EF4-FFF2-40B4-BE49-F238E27FC236}">
+                <a16:creationId xmlns:a16="http://schemas.microsoft.com/office/drawing/2014/main" id="{01F54A7A-2544-0CB7-DD8E-C3EDB0ED45DD}"/>
+              </a:ext>
+            </a:extLst>
+          </p:cNvPr>
+          <p:cNvSpPr txBox="1"/>
+          <p:nvPr/>
+        </p:nvSpPr>
+        <p:spPr>
+          <a:xfrm>
+            <a:off x="11520069" y="6287442"/>
+            <a:ext cx="557254" cy="584775"/>
+          </a:xfrm>
+          <a:prstGeom prst="rect">
+            <a:avLst/>
+          </a:prstGeom>
+          <a:noFill/>
+        </p:spPr>
+        <p:txBody>
+          <a:bodyPr wrap="square" rtlCol="0">
+            <a:spAutoFit/>
+          </a:bodyPr>
+          <a:lstStyle/>
+          <a:p>
+            <a:r>
+              <a:rPr lang="en-US" sz="3200" dirty="0">
+                <a:latin typeface="TH SarabunPSK" panose="020B0500040200020003" pitchFamily="34" charset="-34"/>
+                <a:cs typeface="TH SarabunPSK" panose="020B0500040200020003" pitchFamily="34" charset="-34"/>
+              </a:rPr>
+              <a:t>4</a:t>
+            </a:r>
+          </a:p>
+        </p:txBody>
+      </p:sp>
+      <p:sp>
+        <p:nvSpPr>
           <p:cNvPr id="2" name="Title 1">
             <a:extLst>
               <a:ext uri="{FF2B5EF4-FFF2-40B4-BE49-F238E27FC236}">
@@ -5288,28 +8336,48 @@
             <p:ph type="title"/>
           </p:nvPr>
         </p:nvSpPr>
-        <p:spPr/>
+        <p:spPr>
+          <a:xfrm>
+            <a:off x="838200" y="18255"/>
+            <a:ext cx="10515600" cy="1325563"/>
+          </a:xfrm>
+        </p:spPr>
         <p:txBody>
           <a:bodyPr/>
           <a:lstStyle/>
           <a:p>
             <a:r>
-              <a:rPr lang="en-US" dirty="0"/>
+              <a:rPr lang="en-US" dirty="0">
+                <a:latin typeface="TH SarabunPSK" panose="020B0500040200020003" pitchFamily="34" charset="-34"/>
+                <a:cs typeface="TH SarabunPSK" panose="020B0500040200020003" pitchFamily="34" charset="-34"/>
+              </a:rPr>
               <a:t>Parameter: vert=False </a:t>
             </a:r>
             <a:r>
-              <a:rPr lang="th-TH" dirty="0"/>
+              <a:rPr lang="th-TH" dirty="0">
+                <a:latin typeface="TH SarabunPSK" panose="020B0500040200020003" pitchFamily="34" charset="-34"/>
+                <a:cs typeface="TH SarabunPSK" panose="020B0500040200020003" pitchFamily="34" charset="-34"/>
+              </a:rPr>
               <a:t>ปรับกราฟเป็นวาดแนวแกน </a:t>
             </a:r>
             <a:r>
-              <a:rPr lang="en-US" dirty="0"/>
+              <a:rPr lang="en-US" dirty="0">
+                <a:latin typeface="TH SarabunPSK" panose="020B0500040200020003" pitchFamily="34" charset="-34"/>
+                <a:cs typeface="TH SarabunPSK" panose="020B0500040200020003" pitchFamily="34" charset="-34"/>
+              </a:rPr>
               <a:t>x</a:t>
             </a:r>
             <a:r>
-              <a:rPr lang="en-GB" dirty="0"/>
+              <a:rPr lang="en-GB" dirty="0">
+                <a:latin typeface="TH SarabunPSK" panose="020B0500040200020003" pitchFamily="34" charset="-34"/>
+                <a:cs typeface="TH SarabunPSK" panose="020B0500040200020003" pitchFamily="34" charset="-34"/>
+              </a:rPr>
               <a:t> </a:t>
             </a:r>
-            <a:endParaRPr lang="en-US" dirty="0"/>
+            <a:endParaRPr lang="en-US" dirty="0">
+              <a:latin typeface="TH SarabunPSK" panose="020B0500040200020003" pitchFamily="34" charset="-34"/>
+              <a:cs typeface="TH SarabunPSK" panose="020B0500040200020003" pitchFamily="34" charset="-34"/>
+            </a:endParaRPr>
           </a:p>
         </p:txBody>
       </p:sp>
@@ -5335,29 +8403,44 @@
           <a:lstStyle/>
           <a:p>
             <a:r>
-              <a:rPr lang="th-TH" dirty="0"/>
-              <a:t>สามารถวากราฟในแนวแกน </a:t>
-            </a:r>
-            <a:r>
-              <a:rPr lang="en-US" dirty="0"/>
+              <a:rPr lang="th-TH" sz="2400" dirty="0">
+                <a:latin typeface="TH SarabunPSK" panose="020B0500040200020003" pitchFamily="34" charset="-34"/>
+                <a:cs typeface="TH SarabunPSK" panose="020B0500040200020003" pitchFamily="34" charset="-34"/>
+              </a:rPr>
+              <a:t>สามารถวาดกราฟในแนวแกน </a:t>
+            </a:r>
+            <a:r>
+              <a:rPr lang="en-US" sz="2400" dirty="0">
+                <a:latin typeface="TH SarabunPSK" panose="020B0500040200020003" pitchFamily="34" charset="-34"/>
+                <a:cs typeface="TH SarabunPSK" panose="020B0500040200020003" pitchFamily="34" charset="-34"/>
+              </a:rPr>
               <a:t>x</a:t>
             </a:r>
             <a:r>
-              <a:rPr lang="th-TH" dirty="0"/>
+              <a:rPr lang="th-TH" sz="2400" dirty="0">
+                <a:latin typeface="TH SarabunPSK" panose="020B0500040200020003" pitchFamily="34" charset="-34"/>
+                <a:cs typeface="TH SarabunPSK" panose="020B0500040200020003" pitchFamily="34" charset="-34"/>
+              </a:rPr>
               <a:t> ได้โดยการใส่และกำหนด</a:t>
             </a:r>
             <a:r>
-              <a:rPr lang="en-US" dirty="0"/>
+              <a:rPr lang="en-US" sz="2400" dirty="0">
+                <a:latin typeface="TH SarabunPSK" panose="020B0500040200020003" pitchFamily="34" charset="-34"/>
+                <a:cs typeface="TH SarabunPSK" panose="020B0500040200020003" pitchFamily="34" charset="-34"/>
+              </a:rPr>
               <a:t> parameter: vert=False (default=True)  </a:t>
             </a:r>
             <a:r>
-              <a:rPr lang="th-TH" dirty="0"/>
+              <a:rPr lang="th-TH" sz="2400" dirty="0">
+                <a:latin typeface="TH SarabunPSK" panose="020B0500040200020003" pitchFamily="34" charset="-34"/>
+                <a:cs typeface="TH SarabunPSK" panose="020B0500040200020003" pitchFamily="34" charset="-34"/>
+              </a:rPr>
               <a:t>เช่น</a:t>
             </a:r>
           </a:p>
           <a:p>
             <a:r>
-              <a:rPr lang="en-US" b="0" i="0" dirty="0" err="1">
+              <a:rPr lang="en-US" sz="1800" b="0" i="0" dirty="0" err="1">
                 <a:solidFill>
                   <a:srgbClr val="545454"/>
                 </a:solidFill>
@@ -5367,7 +8450,7 @@
               <a:t>ybp</a:t>
             </a:r>
             <a:r>
-              <a:rPr lang="en-US" b="0" i="0" dirty="0">
+              <a:rPr lang="en-US" sz="1800" b="0" i="0" dirty="0">
                 <a:solidFill>
                   <a:srgbClr val="545454"/>
                 </a:solidFill>
@@ -5377,7 +8460,7 @@
               <a:t> = </a:t>
             </a:r>
             <a:r>
-              <a:rPr lang="en-US" b="0" i="0" dirty="0" err="1">
+              <a:rPr lang="en-US" sz="1800" b="0" i="0" dirty="0" err="1">
                 <a:solidFill>
                   <a:srgbClr val="545454"/>
                 </a:solidFill>
@@ -5387,7 +8470,7 @@
               <a:t>plt.boxplot</a:t>
             </a:r>
             <a:r>
-              <a:rPr lang="en-US" b="0" i="0" dirty="0">
+              <a:rPr lang="en-US" sz="1800" b="0" i="0" dirty="0">
                 <a:solidFill>
                   <a:srgbClr val="545454"/>
                 </a:solidFill>
@@ -5397,7 +8480,7 @@
               <a:t>(</a:t>
             </a:r>
             <a:r>
-              <a:rPr lang="en-US" b="0" i="0" dirty="0" err="1">
+              <a:rPr lang="en-US" sz="1800" b="0" i="0" dirty="0" err="1">
                 <a:solidFill>
                   <a:srgbClr val="545454"/>
                 </a:solidFill>
@@ -5407,7 +8490,7 @@
               <a:t>df</a:t>
             </a:r>
             <a:r>
-              <a:rPr lang="en-US" b="0" i="0" dirty="0">
+              <a:rPr lang="en-US" sz="1800" b="0" i="0" dirty="0">
                 <a:solidFill>
                   <a:srgbClr val="545454"/>
                 </a:solidFill>
@@ -5417,7 +8500,7 @@
               <a:t>[</a:t>
             </a:r>
             <a:r>
-              <a:rPr lang="en-US" b="0" i="0" dirty="0">
+              <a:rPr lang="en-US" sz="1800" b="0" i="0" dirty="0">
                 <a:solidFill>
                   <a:srgbClr val="008000"/>
                 </a:solidFill>
@@ -5427,7 +8510,7 @@
               <a:t>'</a:t>
             </a:r>
             <a:r>
-              <a:rPr lang="en-US" b="0" i="0" dirty="0" err="1">
+              <a:rPr lang="en-US" sz="1800" b="0" i="0" dirty="0" err="1">
                 <a:solidFill>
                   <a:srgbClr val="008000"/>
                 </a:solidFill>
@@ -5437,7 +8520,7 @@
               <a:t>SepalWidth</a:t>
             </a:r>
             <a:r>
-              <a:rPr lang="en-US" b="0" i="0" dirty="0">
+              <a:rPr lang="en-US" sz="1800" b="0" i="0" dirty="0">
                 <a:solidFill>
                   <a:srgbClr val="008000"/>
                 </a:solidFill>
@@ -5447,7 +8530,7 @@
               <a:t>'</a:t>
             </a:r>
             <a:r>
-              <a:rPr lang="en-US" b="0" i="0" dirty="0">
+              <a:rPr lang="en-US" sz="1800" b="0" i="0" dirty="0">
                 <a:solidFill>
                   <a:srgbClr val="545454"/>
                 </a:solidFill>
@@ -5457,7 +8540,7 @@
               <a:t>],vert=</a:t>
             </a:r>
             <a:r>
-              <a:rPr lang="en-US" b="0" i="0" dirty="0">
+              <a:rPr lang="en-US" sz="1800" b="0" i="0" dirty="0">
                 <a:solidFill>
                   <a:srgbClr val="AA5D00"/>
                 </a:solidFill>
@@ -5467,7 +8550,7 @@
               <a:t>False</a:t>
             </a:r>
             <a:r>
-              <a:rPr lang="en-US" b="0" i="0" dirty="0">
+              <a:rPr lang="en-US" sz="1800" b="0" i="0" dirty="0">
                 <a:solidFill>
                   <a:srgbClr val="545454"/>
                 </a:solidFill>
@@ -5476,7 +8559,7 @@
               </a:rPr>
               <a:t>)</a:t>
             </a:r>
-            <a:endParaRPr lang="en-US" dirty="0"/>
+            <a:endParaRPr lang="en-US" sz="1800" dirty="0"/>
           </a:p>
         </p:txBody>
       </p:sp>
@@ -5495,15 +8578,15 @@
           <p:nvPr/>
         </p:nvPicPr>
         <p:blipFill>
-          <a:blip r:embed="rId2"/>
+          <a:blip r:embed="rId3"/>
           <a:stretch>
             <a:fillRect/>
           </a:stretch>
         </p:blipFill>
         <p:spPr>
           <a:xfrm>
-            <a:off x="3846478" y="3312621"/>
-            <a:ext cx="4499043" cy="3429000"/>
+            <a:off x="4302513" y="2899660"/>
+            <a:ext cx="3586973" cy="2733855"/>
           </a:xfrm>
           <a:prstGeom prst="rect">
             <a:avLst/>
@@ -5542,6 +8625,377 @@
       </p:grpSpPr>
       <p:sp>
         <p:nvSpPr>
+          <p:cNvPr id="4" name="Rectangle 3">
+            <a:extLst>
+              <a:ext uri="{FF2B5EF4-FFF2-40B4-BE49-F238E27FC236}">
+                <a16:creationId xmlns:a16="http://schemas.microsoft.com/office/drawing/2014/main" id="{6161DC5A-2718-838A-043D-DF8DDC651DC0}"/>
+              </a:ext>
+            </a:extLst>
+          </p:cNvPr>
+          <p:cNvSpPr/>
+          <p:nvPr/>
+        </p:nvSpPr>
+        <p:spPr>
+          <a:xfrm>
+            <a:off x="0" y="5840991"/>
+            <a:ext cx="12192000" cy="1017009"/>
+          </a:xfrm>
+          <a:prstGeom prst="rect">
+            <a:avLst/>
+          </a:prstGeom>
+          <a:solidFill>
+            <a:srgbClr val="CCFFCC"/>
+          </a:solidFill>
+          <a:ln>
+            <a:solidFill>
+              <a:srgbClr val="CCFFCC"/>
+            </a:solidFill>
+          </a:ln>
+        </p:spPr>
+        <p:style>
+          <a:lnRef idx="2">
+            <a:schemeClr val="accent1">
+              <a:shade val="15000"/>
+            </a:schemeClr>
+          </a:lnRef>
+          <a:fillRef idx="1">
+            <a:schemeClr val="accent1"/>
+          </a:fillRef>
+          <a:effectRef idx="0">
+            <a:schemeClr val="accent1"/>
+          </a:effectRef>
+          <a:fontRef idx="minor">
+            <a:schemeClr val="lt1"/>
+          </a:fontRef>
+        </p:style>
+        <p:txBody>
+          <a:bodyPr rtlCol="0" anchor="ctr"/>
+          <a:lstStyle/>
+          <a:p>
+            <a:pPr algn="ctr"/>
+            <a:endParaRPr lang="en-US"/>
+          </a:p>
+        </p:txBody>
+      </p:sp>
+      <p:sp>
+        <p:nvSpPr>
+          <p:cNvPr id="6" name="Rectangle 5">
+            <a:extLst>
+              <a:ext uri="{FF2B5EF4-FFF2-40B4-BE49-F238E27FC236}">
+                <a16:creationId xmlns:a16="http://schemas.microsoft.com/office/drawing/2014/main" id="{BC8EAE81-E023-60C6-9DD9-24F2997C6FE9}"/>
+              </a:ext>
+            </a:extLst>
+          </p:cNvPr>
+          <p:cNvSpPr/>
+          <p:nvPr/>
+        </p:nvSpPr>
+        <p:spPr>
+          <a:xfrm>
+            <a:off x="0" y="0"/>
+            <a:ext cx="12192000" cy="1136342"/>
+          </a:xfrm>
+          <a:prstGeom prst="rect">
+            <a:avLst/>
+          </a:prstGeom>
+          <a:solidFill>
+            <a:srgbClr val="CCFFCC"/>
+          </a:solidFill>
+          <a:ln>
+            <a:solidFill>
+              <a:srgbClr val="CCFFCC"/>
+            </a:solidFill>
+          </a:ln>
+        </p:spPr>
+        <p:style>
+          <a:lnRef idx="2">
+            <a:schemeClr val="accent1">
+              <a:shade val="15000"/>
+            </a:schemeClr>
+          </a:lnRef>
+          <a:fillRef idx="1">
+            <a:schemeClr val="accent1"/>
+          </a:fillRef>
+          <a:effectRef idx="0">
+            <a:schemeClr val="accent1"/>
+          </a:effectRef>
+          <a:fontRef idx="minor">
+            <a:schemeClr val="lt1"/>
+          </a:fontRef>
+        </p:style>
+        <p:txBody>
+          <a:bodyPr rtlCol="0" anchor="ctr"/>
+          <a:lstStyle/>
+          <a:p>
+            <a:pPr algn="ctr"/>
+            <a:endParaRPr lang="en-US" dirty="0">
+              <a:noFill/>
+            </a:endParaRPr>
+          </a:p>
+        </p:txBody>
+      </p:sp>
+      <p:pic>
+        <p:nvPicPr>
+          <p:cNvPr id="7" name="Picture 6" descr="A black and white logo&#10;&#10;Description automatically generated">
+            <a:extLst>
+              <a:ext uri="{FF2B5EF4-FFF2-40B4-BE49-F238E27FC236}">
+                <a16:creationId xmlns:a16="http://schemas.microsoft.com/office/drawing/2014/main" id="{5F11693F-BC00-CCAA-DDBC-958AF23F222C}"/>
+              </a:ext>
+            </a:extLst>
+          </p:cNvPr>
+          <p:cNvPicPr>
+            <a:picLocks noChangeAspect="1"/>
+          </p:cNvPicPr>
+          <p:nvPr/>
+        </p:nvPicPr>
+        <p:blipFill>
+          <a:blip r:embed="rId2">
+            <a:extLst>
+              <a:ext uri="{28A0092B-C50C-407E-A947-70E740481C1C}">
+                <a14:useLocalDpi xmlns:a14="http://schemas.microsoft.com/office/drawing/2010/main" val="0"/>
+              </a:ext>
+            </a:extLst>
+          </a:blip>
+          <a:stretch>
+            <a:fillRect/>
+          </a:stretch>
+        </p:blipFill>
+        <p:spPr>
+          <a:xfrm>
+            <a:off x="11051882" y="119333"/>
+            <a:ext cx="1093483" cy="1017009"/>
+          </a:xfrm>
+          <a:prstGeom prst="rect">
+            <a:avLst/>
+          </a:prstGeom>
+        </p:spPr>
+      </p:pic>
+      <p:sp>
+        <p:nvSpPr>
+          <p:cNvPr id="8" name="Flowchart: Data 2">
+            <a:extLst>
+              <a:ext uri="{FF2B5EF4-FFF2-40B4-BE49-F238E27FC236}">
+                <a16:creationId xmlns:a16="http://schemas.microsoft.com/office/drawing/2014/main" id="{9003C718-4E46-1399-0AE8-AABAAC99C86E}"/>
+              </a:ext>
+            </a:extLst>
+          </p:cNvPr>
+          <p:cNvSpPr/>
+          <p:nvPr/>
+        </p:nvSpPr>
+        <p:spPr>
+          <a:xfrm>
+            <a:off x="10848138" y="6264097"/>
+            <a:ext cx="1343862" cy="608120"/>
+          </a:xfrm>
+          <a:custGeom>
+            <a:avLst/>
+            <a:gdLst>
+              <a:gd name="connsiteX0" fmla="*/ 0 w 10000"/>
+              <a:gd name="connsiteY0" fmla="*/ 10000 h 10000"/>
+              <a:gd name="connsiteX1" fmla="*/ 2000 w 10000"/>
+              <a:gd name="connsiteY1" fmla="*/ 0 h 10000"/>
+              <a:gd name="connsiteX2" fmla="*/ 10000 w 10000"/>
+              <a:gd name="connsiteY2" fmla="*/ 0 h 10000"/>
+              <a:gd name="connsiteX3" fmla="*/ 8000 w 10000"/>
+              <a:gd name="connsiteY3" fmla="*/ 10000 h 10000"/>
+              <a:gd name="connsiteX4" fmla="*/ 0 w 10000"/>
+              <a:gd name="connsiteY4" fmla="*/ 10000 h 10000"/>
+              <a:gd name="connsiteX0" fmla="*/ 0 w 8000"/>
+              <a:gd name="connsiteY0" fmla="*/ 10000 h 10000"/>
+              <a:gd name="connsiteX1" fmla="*/ 2000 w 8000"/>
+              <a:gd name="connsiteY1" fmla="*/ 0 h 10000"/>
+              <a:gd name="connsiteX2" fmla="*/ 4142 w 8000"/>
+              <a:gd name="connsiteY2" fmla="*/ 153 h 10000"/>
+              <a:gd name="connsiteX3" fmla="*/ 8000 w 8000"/>
+              <a:gd name="connsiteY3" fmla="*/ 10000 h 10000"/>
+              <a:gd name="connsiteX4" fmla="*/ 0 w 8000"/>
+              <a:gd name="connsiteY4" fmla="*/ 10000 h 10000"/>
+              <a:gd name="connsiteX0" fmla="*/ 0 w 5414"/>
+              <a:gd name="connsiteY0" fmla="*/ 10000 h 10000"/>
+              <a:gd name="connsiteX1" fmla="*/ 2500 w 5414"/>
+              <a:gd name="connsiteY1" fmla="*/ 0 h 10000"/>
+              <a:gd name="connsiteX2" fmla="*/ 5178 w 5414"/>
+              <a:gd name="connsiteY2" fmla="*/ 153 h 10000"/>
+              <a:gd name="connsiteX3" fmla="*/ 5414 w 5414"/>
+              <a:gd name="connsiteY3" fmla="*/ 10000 h 10000"/>
+              <a:gd name="connsiteX4" fmla="*/ 0 w 5414"/>
+              <a:gd name="connsiteY4" fmla="*/ 10000 h 10000"/>
+              <a:gd name="connsiteX0" fmla="*/ 0 w 9609"/>
+              <a:gd name="connsiteY0" fmla="*/ 10000 h 10000"/>
+              <a:gd name="connsiteX1" fmla="*/ 4618 w 9609"/>
+              <a:gd name="connsiteY1" fmla="*/ 0 h 10000"/>
+              <a:gd name="connsiteX2" fmla="*/ 9564 w 9609"/>
+              <a:gd name="connsiteY2" fmla="*/ 153 h 10000"/>
+              <a:gd name="connsiteX3" fmla="*/ 9590 w 9609"/>
+              <a:gd name="connsiteY3" fmla="*/ 10000 h 10000"/>
+              <a:gd name="connsiteX4" fmla="*/ 0 w 9609"/>
+              <a:gd name="connsiteY4" fmla="*/ 10000 h 10000"/>
+              <a:gd name="connsiteX0" fmla="*/ 0 w 10193"/>
+              <a:gd name="connsiteY0" fmla="*/ 10000 h 10153"/>
+              <a:gd name="connsiteX1" fmla="*/ 4806 w 10193"/>
+              <a:gd name="connsiteY1" fmla="*/ 0 h 10153"/>
+              <a:gd name="connsiteX2" fmla="*/ 9953 w 10193"/>
+              <a:gd name="connsiteY2" fmla="*/ 153 h 10153"/>
+              <a:gd name="connsiteX3" fmla="*/ 10193 w 10193"/>
+              <a:gd name="connsiteY3" fmla="*/ 10153 h 10153"/>
+              <a:gd name="connsiteX4" fmla="*/ 0 w 10193"/>
+              <a:gd name="connsiteY4" fmla="*/ 10000 h 10153"/>
+              <a:gd name="connsiteX0" fmla="*/ 0 w 10213"/>
+              <a:gd name="connsiteY0" fmla="*/ 10000 h 10153"/>
+              <a:gd name="connsiteX1" fmla="*/ 4806 w 10213"/>
+              <a:gd name="connsiteY1" fmla="*/ 0 h 10153"/>
+              <a:gd name="connsiteX2" fmla="*/ 10166 w 10213"/>
+              <a:gd name="connsiteY2" fmla="*/ 153 h 10153"/>
+              <a:gd name="connsiteX3" fmla="*/ 10193 w 10213"/>
+              <a:gd name="connsiteY3" fmla="*/ 10153 h 10153"/>
+              <a:gd name="connsiteX4" fmla="*/ 0 w 10213"/>
+              <a:gd name="connsiteY4" fmla="*/ 10000 h 10153"/>
+              <a:gd name="connsiteX0" fmla="*/ 0 w 10341"/>
+              <a:gd name="connsiteY0" fmla="*/ 10000 h 10153"/>
+              <a:gd name="connsiteX1" fmla="*/ 4806 w 10341"/>
+              <a:gd name="connsiteY1" fmla="*/ 0 h 10153"/>
+              <a:gd name="connsiteX2" fmla="*/ 10308 w 10341"/>
+              <a:gd name="connsiteY2" fmla="*/ 0 h 10153"/>
+              <a:gd name="connsiteX3" fmla="*/ 10193 w 10341"/>
+              <a:gd name="connsiteY3" fmla="*/ 10153 h 10153"/>
+              <a:gd name="connsiteX4" fmla="*/ 0 w 10341"/>
+              <a:gd name="connsiteY4" fmla="*/ 10000 h 10153"/>
+              <a:gd name="connsiteX0" fmla="*/ 0 w 10406"/>
+              <a:gd name="connsiteY0" fmla="*/ 10000 h 10306"/>
+              <a:gd name="connsiteX1" fmla="*/ 4806 w 10406"/>
+              <a:gd name="connsiteY1" fmla="*/ 0 h 10306"/>
+              <a:gd name="connsiteX2" fmla="*/ 10308 w 10406"/>
+              <a:gd name="connsiteY2" fmla="*/ 0 h 10306"/>
+              <a:gd name="connsiteX3" fmla="*/ 10406 w 10406"/>
+              <a:gd name="connsiteY3" fmla="*/ 10306 h 10306"/>
+              <a:gd name="connsiteX4" fmla="*/ 0 w 10406"/>
+              <a:gd name="connsiteY4" fmla="*/ 10000 h 10306"/>
+              <a:gd name="connsiteX0" fmla="*/ 0 w 10761"/>
+              <a:gd name="connsiteY0" fmla="*/ 10458 h 10458"/>
+              <a:gd name="connsiteX1" fmla="*/ 5161 w 10761"/>
+              <a:gd name="connsiteY1" fmla="*/ 0 h 10458"/>
+              <a:gd name="connsiteX2" fmla="*/ 10663 w 10761"/>
+              <a:gd name="connsiteY2" fmla="*/ 0 h 10458"/>
+              <a:gd name="connsiteX3" fmla="*/ 10761 w 10761"/>
+              <a:gd name="connsiteY3" fmla="*/ 10306 h 10458"/>
+              <a:gd name="connsiteX4" fmla="*/ 0 w 10761"/>
+              <a:gd name="connsiteY4" fmla="*/ 10458 h 10458"/>
+            </a:gdLst>
+            <a:ahLst/>
+            <a:cxnLst>
+              <a:cxn ang="0">
+                <a:pos x="connsiteX0" y="connsiteY0"/>
+              </a:cxn>
+              <a:cxn ang="0">
+                <a:pos x="connsiteX1" y="connsiteY1"/>
+              </a:cxn>
+              <a:cxn ang="0">
+                <a:pos x="connsiteX2" y="connsiteY2"/>
+              </a:cxn>
+              <a:cxn ang="0">
+                <a:pos x="connsiteX3" y="connsiteY3"/>
+              </a:cxn>
+              <a:cxn ang="0">
+                <a:pos x="connsiteX4" y="connsiteY4"/>
+              </a:cxn>
+            </a:cxnLst>
+            <a:rect l="l" t="t" r="r" b="b"/>
+            <a:pathLst>
+              <a:path w="10761" h="10458">
+                <a:moveTo>
+                  <a:pt x="0" y="10458"/>
+                </a:moveTo>
+                <a:lnTo>
+                  <a:pt x="5161" y="0"/>
+                </a:lnTo>
+                <a:lnTo>
+                  <a:pt x="10663" y="0"/>
+                </a:lnTo>
+                <a:cubicBezTo>
+                  <a:pt x="10815" y="3282"/>
+                  <a:pt x="10609" y="7024"/>
+                  <a:pt x="10761" y="10306"/>
+                </a:cubicBezTo>
+                <a:lnTo>
+                  <a:pt x="0" y="10458"/>
+                </a:lnTo>
+                <a:close/>
+              </a:path>
+            </a:pathLst>
+          </a:custGeom>
+          <a:solidFill>
+            <a:schemeClr val="bg1"/>
+          </a:solidFill>
+          <a:ln w="19050">
+            <a:solidFill>
+              <a:schemeClr val="tx1"/>
+            </a:solidFill>
+          </a:ln>
+        </p:spPr>
+        <p:style>
+          <a:lnRef idx="2">
+            <a:schemeClr val="accent1">
+              <a:shade val="15000"/>
+            </a:schemeClr>
+          </a:lnRef>
+          <a:fillRef idx="1">
+            <a:schemeClr val="accent1"/>
+          </a:fillRef>
+          <a:effectRef idx="0">
+            <a:schemeClr val="accent1"/>
+          </a:effectRef>
+          <a:fontRef idx="minor">
+            <a:schemeClr val="lt1"/>
+          </a:fontRef>
+        </p:style>
+        <p:txBody>
+          <a:bodyPr rtlCol="0" anchor="ctr"/>
+          <a:lstStyle/>
+          <a:p>
+            <a:pPr algn="ctr"/>
+            <a:endParaRPr lang="en-US"/>
+          </a:p>
+        </p:txBody>
+      </p:sp>
+      <p:sp>
+        <p:nvSpPr>
+          <p:cNvPr id="9" name="TextBox 8">
+            <a:extLst>
+              <a:ext uri="{FF2B5EF4-FFF2-40B4-BE49-F238E27FC236}">
+                <a16:creationId xmlns:a16="http://schemas.microsoft.com/office/drawing/2014/main" id="{B4CDBC4F-8AB6-A38D-2912-6A6300C0499E}"/>
+              </a:ext>
+            </a:extLst>
+          </p:cNvPr>
+          <p:cNvSpPr txBox="1"/>
+          <p:nvPr/>
+        </p:nvSpPr>
+        <p:spPr>
+          <a:xfrm>
+            <a:off x="11520069" y="6287442"/>
+            <a:ext cx="557254" cy="584775"/>
+          </a:xfrm>
+          <a:prstGeom prst="rect">
+            <a:avLst/>
+          </a:prstGeom>
+          <a:noFill/>
+        </p:spPr>
+        <p:txBody>
+          <a:bodyPr wrap="square" rtlCol="0">
+            <a:spAutoFit/>
+          </a:bodyPr>
+          <a:lstStyle/>
+          <a:p>
+            <a:r>
+              <a:rPr lang="en-US" sz="3200" dirty="0">
+                <a:latin typeface="TH SarabunPSK" panose="020B0500040200020003" pitchFamily="34" charset="-34"/>
+                <a:cs typeface="TH SarabunPSK" panose="020B0500040200020003" pitchFamily="34" charset="-34"/>
+              </a:rPr>
+              <a:t>5</a:t>
+            </a:r>
+          </a:p>
+        </p:txBody>
+      </p:sp>
+      <p:sp>
+        <p:nvSpPr>
           <p:cNvPr id="2" name="Title 1">
             <a:extLst>
               <a:ext uri="{FF2B5EF4-FFF2-40B4-BE49-F238E27FC236}">
@@ -5556,20 +9010,34 @@
             <p:ph type="title"/>
           </p:nvPr>
         </p:nvSpPr>
-        <p:spPr/>
+        <p:spPr>
+          <a:xfrm>
+            <a:off x="838200" y="18255"/>
+            <a:ext cx="10515600" cy="1325563"/>
+          </a:xfrm>
+        </p:spPr>
         <p:txBody>
           <a:bodyPr/>
           <a:lstStyle/>
           <a:p>
             <a:r>
-              <a:rPr lang="en-US" dirty="0"/>
+              <a:rPr lang="en-US" dirty="0">
+                <a:latin typeface="TH SarabunPSK" panose="020B0500040200020003" pitchFamily="34" charset="-34"/>
+                <a:cs typeface="TH SarabunPSK" panose="020B0500040200020003" pitchFamily="34" charset="-34"/>
+              </a:rPr>
               <a:t>Parameter: </a:t>
             </a:r>
             <a:r>
-              <a:rPr lang="en-US" dirty="0" err="1"/>
+              <a:rPr lang="en-US" dirty="0" err="1">
+                <a:latin typeface="TH SarabunPSK" panose="020B0500040200020003" pitchFamily="34" charset="-34"/>
+                <a:cs typeface="TH SarabunPSK" panose="020B0500040200020003" pitchFamily="34" charset="-34"/>
+              </a:rPr>
               <a:t>showmeans</a:t>
             </a:r>
-            <a:endParaRPr lang="en-US" dirty="0"/>
+            <a:endParaRPr lang="en-US" dirty="0">
+              <a:latin typeface="TH SarabunPSK" panose="020B0500040200020003" pitchFamily="34" charset="-34"/>
+              <a:cs typeface="TH SarabunPSK" panose="020B0500040200020003" pitchFamily="34" charset="-34"/>
+            </a:endParaRPr>
           </a:p>
         </p:txBody>
       </p:sp>
@@ -5589,52 +9057,87 @@
             <p:ph idx="1"/>
           </p:nvPr>
         </p:nvSpPr>
-        <p:spPr/>
+        <p:spPr>
+          <a:xfrm>
+            <a:off x="838200" y="1766924"/>
+            <a:ext cx="10515600" cy="4351338"/>
+          </a:xfrm>
+        </p:spPr>
         <p:txBody>
           <a:bodyPr/>
           <a:lstStyle/>
           <a:p>
             <a:r>
-              <a:rPr lang="th-TH" dirty="0"/>
+              <a:rPr lang="th-TH" sz="2400" dirty="0">
+                <a:latin typeface="TH SarabunPSK" panose="020B0500040200020003" pitchFamily="34" charset="-34"/>
+                <a:cs typeface="TH SarabunPSK" panose="020B0500040200020003" pitchFamily="34" charset="-34"/>
+              </a:rPr>
               <a:t>การแสดง </a:t>
             </a:r>
             <a:r>
-              <a:rPr lang="en-US" dirty="0"/>
+              <a:rPr lang="en-US" sz="2400" dirty="0">
+                <a:latin typeface="TH SarabunPSK" panose="020B0500040200020003" pitchFamily="34" charset="-34"/>
+                <a:cs typeface="TH SarabunPSK" panose="020B0500040200020003" pitchFamily="34" charset="-34"/>
+              </a:rPr>
               <a:t>means </a:t>
             </a:r>
             <a:r>
-              <a:rPr lang="th-TH" dirty="0"/>
+              <a:rPr lang="th-TH" sz="2400" dirty="0">
+                <a:latin typeface="TH SarabunPSK" panose="020B0500040200020003" pitchFamily="34" charset="-34"/>
+                <a:cs typeface="TH SarabunPSK" panose="020B0500040200020003" pitchFamily="34" charset="-34"/>
+              </a:rPr>
               <a:t>บนกราฟ</a:t>
             </a:r>
             <a:r>
-              <a:rPr lang="en-US" dirty="0"/>
+              <a:rPr lang="en-US" sz="2400" dirty="0">
+                <a:latin typeface="TH SarabunPSK" panose="020B0500040200020003" pitchFamily="34" charset="-34"/>
+                <a:cs typeface="TH SarabunPSK" panose="020B0500040200020003" pitchFamily="34" charset="-34"/>
+              </a:rPr>
               <a:t> box-plot </a:t>
             </a:r>
             <a:r>
-              <a:rPr lang="th-TH" dirty="0"/>
+              <a:rPr lang="th-TH" sz="2400" dirty="0">
+                <a:latin typeface="TH SarabunPSK" panose="020B0500040200020003" pitchFamily="34" charset="-34"/>
+                <a:cs typeface="TH SarabunPSK" panose="020B0500040200020003" pitchFamily="34" charset="-34"/>
+              </a:rPr>
               <a:t>สามารถแสดงได้โดยใช้ </a:t>
             </a:r>
             <a:r>
-              <a:rPr lang="en-US" dirty="0"/>
+              <a:rPr lang="en-US" sz="2400" dirty="0">
+                <a:latin typeface="TH SarabunPSK" panose="020B0500040200020003" pitchFamily="34" charset="-34"/>
+                <a:cs typeface="TH SarabunPSK" panose="020B0500040200020003" pitchFamily="34" charset="-34"/>
+              </a:rPr>
               <a:t>parameter: </a:t>
             </a:r>
             <a:r>
-              <a:rPr lang="en-US" dirty="0" err="1"/>
+              <a:rPr lang="en-US" sz="2400" dirty="0" err="1">
+                <a:latin typeface="TH SarabunPSK" panose="020B0500040200020003" pitchFamily="34" charset="-34"/>
+                <a:cs typeface="TH SarabunPSK" panose="020B0500040200020003" pitchFamily="34" charset="-34"/>
+              </a:rPr>
               <a:t>showmeans</a:t>
             </a:r>
             <a:r>
-              <a:rPr lang="en-US" dirty="0"/>
+              <a:rPr lang="en-US" sz="2400" dirty="0">
+                <a:latin typeface="TH SarabunPSK" panose="020B0500040200020003" pitchFamily="34" charset="-34"/>
+                <a:cs typeface="TH SarabunPSK" panose="020B0500040200020003" pitchFamily="34" charset="-34"/>
+              </a:rPr>
               <a:t>=True (default=False ) </a:t>
             </a:r>
             <a:r>
-              <a:rPr lang="th-TH" dirty="0"/>
+              <a:rPr lang="th-TH" sz="2400" dirty="0">
+                <a:latin typeface="TH SarabunPSK" panose="020B0500040200020003" pitchFamily="34" charset="-34"/>
+                <a:cs typeface="TH SarabunPSK" panose="020B0500040200020003" pitchFamily="34" charset="-34"/>
+              </a:rPr>
               <a:t>เช่น </a:t>
             </a:r>
-            <a:endParaRPr lang="en-US" dirty="0"/>
-          </a:p>
-          <a:p>
-            <a:r>
-              <a:rPr lang="en-US" sz="2000" b="0" dirty="0" err="1">
+            <a:endParaRPr lang="en-US" sz="2400" dirty="0">
+              <a:latin typeface="TH SarabunPSK" panose="020B0500040200020003" pitchFamily="34" charset="-34"/>
+              <a:cs typeface="TH SarabunPSK" panose="020B0500040200020003" pitchFamily="34" charset="-34"/>
+            </a:endParaRPr>
+          </a:p>
+          <a:p>
+            <a:r>
+              <a:rPr lang="en-US" sz="1800" b="0" dirty="0" err="1">
                 <a:solidFill>
                   <a:srgbClr val="000000"/>
                 </a:solidFill>
@@ -5644,7 +9147,7 @@
               <a:t>ybp</a:t>
             </a:r>
             <a:r>
-              <a:rPr lang="en-US" sz="2000" b="0" dirty="0">
+              <a:rPr lang="en-US" sz="1800" b="0" dirty="0">
                 <a:solidFill>
                   <a:srgbClr val="000000"/>
                 </a:solidFill>
@@ -5654,7 +9157,7 @@
               <a:t> = </a:t>
             </a:r>
             <a:r>
-              <a:rPr lang="en-US" sz="2000" b="0" dirty="0" err="1">
+              <a:rPr lang="en-US" sz="1800" b="0" dirty="0" err="1">
                 <a:solidFill>
                   <a:srgbClr val="000000"/>
                 </a:solidFill>
@@ -5664,7 +9167,7 @@
               <a:t>plt.boxplot</a:t>
             </a:r>
             <a:r>
-              <a:rPr lang="en-US" sz="2000" b="0" dirty="0">
+              <a:rPr lang="en-US" sz="1800" b="0" dirty="0">
                 <a:solidFill>
                   <a:srgbClr val="000000"/>
                 </a:solidFill>
@@ -5674,7 +9177,7 @@
               <a:t>(</a:t>
             </a:r>
             <a:r>
-              <a:rPr lang="en-US" sz="2000" b="0" dirty="0" err="1">
+              <a:rPr lang="en-US" sz="1800" b="0" dirty="0" err="1">
                 <a:solidFill>
                   <a:srgbClr val="000000"/>
                 </a:solidFill>
@@ -5684,7 +9187,7 @@
               <a:t>df</a:t>
             </a:r>
             <a:r>
-              <a:rPr lang="en-US" sz="2000" b="0" dirty="0">
+              <a:rPr lang="en-US" sz="1800" b="0" dirty="0">
                 <a:solidFill>
                   <a:srgbClr val="000000"/>
                 </a:solidFill>
@@ -5694,7 +9197,7 @@
               <a:t>[</a:t>
             </a:r>
             <a:r>
-              <a:rPr lang="en-US" sz="2000" b="0" dirty="0">
+              <a:rPr lang="en-US" sz="1800" b="0" dirty="0">
                 <a:solidFill>
                   <a:srgbClr val="A31515"/>
                 </a:solidFill>
@@ -5704,7 +9207,7 @@
               <a:t>'</a:t>
             </a:r>
             <a:r>
-              <a:rPr lang="en-US" sz="2000" b="0" dirty="0" err="1">
+              <a:rPr lang="en-US" sz="1800" b="0" dirty="0" err="1">
                 <a:solidFill>
                   <a:srgbClr val="A31515"/>
                 </a:solidFill>
@@ -5714,7 +9217,7 @@
               <a:t>SepalWidth</a:t>
             </a:r>
             <a:r>
-              <a:rPr lang="en-US" sz="2000" b="0" dirty="0">
+              <a:rPr lang="en-US" sz="1800" b="0" dirty="0">
                 <a:solidFill>
                   <a:srgbClr val="A31515"/>
                 </a:solidFill>
@@ -5724,7 +9227,7 @@
               <a:t>'</a:t>
             </a:r>
             <a:r>
-              <a:rPr lang="en-US" sz="2000" b="0" dirty="0">
+              <a:rPr lang="en-US" sz="1800" b="0" dirty="0">
                 <a:solidFill>
                   <a:srgbClr val="000000"/>
                 </a:solidFill>
@@ -5734,7 +9237,7 @@
               <a:t>],vert=</a:t>
             </a:r>
             <a:r>
-              <a:rPr lang="en-US" sz="2000" b="0" dirty="0" err="1">
+              <a:rPr lang="en-US" sz="1800" b="0" dirty="0" err="1">
                 <a:solidFill>
                   <a:srgbClr val="0000FF"/>
                 </a:solidFill>
@@ -5744,7 +9247,7 @@
               <a:t>False</a:t>
             </a:r>
             <a:r>
-              <a:rPr lang="en-US" sz="2000" b="0" dirty="0" err="1">
+              <a:rPr lang="en-US" sz="1800" b="0" dirty="0" err="1">
                 <a:solidFill>
                   <a:srgbClr val="000000"/>
                 </a:solidFill>
@@ -5754,7 +9257,7 @@
               <a:t>,showmeans</a:t>
             </a:r>
             <a:r>
-              <a:rPr lang="en-US" sz="2000" b="0" dirty="0">
+              <a:rPr lang="en-US" sz="1800" b="0" dirty="0">
                 <a:solidFill>
                   <a:srgbClr val="000000"/>
                 </a:solidFill>
@@ -5764,7 +9267,7 @@
               <a:t>=</a:t>
             </a:r>
             <a:r>
-              <a:rPr lang="en-US" sz="2000" b="0" dirty="0">
+              <a:rPr lang="en-US" sz="1800" b="0" dirty="0">
                 <a:solidFill>
                   <a:srgbClr val="0000FF"/>
                 </a:solidFill>
@@ -5774,7 +9277,7 @@
               <a:t>True</a:t>
             </a:r>
             <a:r>
-              <a:rPr lang="en-US" sz="2000" b="0" dirty="0">
+              <a:rPr lang="en-US" sz="1800" b="0" dirty="0">
                 <a:solidFill>
                   <a:srgbClr val="000000"/>
                 </a:solidFill>
@@ -5804,15 +9307,15 @@
           <p:nvPr/>
         </p:nvPicPr>
         <p:blipFill>
-          <a:blip r:embed="rId2"/>
+          <a:blip r:embed="rId3"/>
           <a:stretch>
             <a:fillRect/>
           </a:stretch>
         </p:blipFill>
         <p:spPr>
           <a:xfrm>
-            <a:off x="3780539" y="3258589"/>
-            <a:ext cx="4630921" cy="3474720"/>
+            <a:off x="4166966" y="2800331"/>
+            <a:ext cx="3858067" cy="2894825"/>
           </a:xfrm>
           <a:prstGeom prst="rect">
             <a:avLst/>
@@ -5851,6 +9354,377 @@
       </p:grpSpPr>
       <p:sp>
         <p:nvSpPr>
+          <p:cNvPr id="4" name="Rectangle 3">
+            <a:extLst>
+              <a:ext uri="{FF2B5EF4-FFF2-40B4-BE49-F238E27FC236}">
+                <a16:creationId xmlns:a16="http://schemas.microsoft.com/office/drawing/2014/main" id="{5F1D6FAC-71B8-2565-166A-0430F4618B25}"/>
+              </a:ext>
+            </a:extLst>
+          </p:cNvPr>
+          <p:cNvSpPr/>
+          <p:nvPr/>
+        </p:nvSpPr>
+        <p:spPr>
+          <a:xfrm>
+            <a:off x="0" y="5840991"/>
+            <a:ext cx="12192000" cy="1017009"/>
+          </a:xfrm>
+          <a:prstGeom prst="rect">
+            <a:avLst/>
+          </a:prstGeom>
+          <a:solidFill>
+            <a:srgbClr val="CCFFCC"/>
+          </a:solidFill>
+          <a:ln>
+            <a:solidFill>
+              <a:srgbClr val="CCFFCC"/>
+            </a:solidFill>
+          </a:ln>
+        </p:spPr>
+        <p:style>
+          <a:lnRef idx="2">
+            <a:schemeClr val="accent1">
+              <a:shade val="15000"/>
+            </a:schemeClr>
+          </a:lnRef>
+          <a:fillRef idx="1">
+            <a:schemeClr val="accent1"/>
+          </a:fillRef>
+          <a:effectRef idx="0">
+            <a:schemeClr val="accent1"/>
+          </a:effectRef>
+          <a:fontRef idx="minor">
+            <a:schemeClr val="lt1"/>
+          </a:fontRef>
+        </p:style>
+        <p:txBody>
+          <a:bodyPr rtlCol="0" anchor="ctr"/>
+          <a:lstStyle/>
+          <a:p>
+            <a:pPr algn="ctr"/>
+            <a:endParaRPr lang="en-US"/>
+          </a:p>
+        </p:txBody>
+      </p:sp>
+      <p:sp>
+        <p:nvSpPr>
+          <p:cNvPr id="5" name="Rectangle 4">
+            <a:extLst>
+              <a:ext uri="{FF2B5EF4-FFF2-40B4-BE49-F238E27FC236}">
+                <a16:creationId xmlns:a16="http://schemas.microsoft.com/office/drawing/2014/main" id="{5D39EF54-4E35-1493-B6C5-FCA21F3EA64A}"/>
+              </a:ext>
+            </a:extLst>
+          </p:cNvPr>
+          <p:cNvSpPr/>
+          <p:nvPr/>
+        </p:nvSpPr>
+        <p:spPr>
+          <a:xfrm>
+            <a:off x="0" y="0"/>
+            <a:ext cx="12192000" cy="1136342"/>
+          </a:xfrm>
+          <a:prstGeom prst="rect">
+            <a:avLst/>
+          </a:prstGeom>
+          <a:solidFill>
+            <a:srgbClr val="CCFFCC"/>
+          </a:solidFill>
+          <a:ln>
+            <a:solidFill>
+              <a:srgbClr val="CCFFCC"/>
+            </a:solidFill>
+          </a:ln>
+        </p:spPr>
+        <p:style>
+          <a:lnRef idx="2">
+            <a:schemeClr val="accent1">
+              <a:shade val="15000"/>
+            </a:schemeClr>
+          </a:lnRef>
+          <a:fillRef idx="1">
+            <a:schemeClr val="accent1"/>
+          </a:fillRef>
+          <a:effectRef idx="0">
+            <a:schemeClr val="accent1"/>
+          </a:effectRef>
+          <a:fontRef idx="minor">
+            <a:schemeClr val="lt1"/>
+          </a:fontRef>
+        </p:style>
+        <p:txBody>
+          <a:bodyPr rtlCol="0" anchor="ctr"/>
+          <a:lstStyle/>
+          <a:p>
+            <a:pPr algn="ctr"/>
+            <a:endParaRPr lang="en-US" dirty="0">
+              <a:noFill/>
+            </a:endParaRPr>
+          </a:p>
+        </p:txBody>
+      </p:sp>
+      <p:pic>
+        <p:nvPicPr>
+          <p:cNvPr id="7" name="Picture 6" descr="A black and white logo&#10;&#10;Description automatically generated">
+            <a:extLst>
+              <a:ext uri="{FF2B5EF4-FFF2-40B4-BE49-F238E27FC236}">
+                <a16:creationId xmlns:a16="http://schemas.microsoft.com/office/drawing/2014/main" id="{F3AED483-7B79-7FC3-C6AE-B90966BF9746}"/>
+              </a:ext>
+            </a:extLst>
+          </p:cNvPr>
+          <p:cNvPicPr>
+            <a:picLocks noChangeAspect="1"/>
+          </p:cNvPicPr>
+          <p:nvPr/>
+        </p:nvPicPr>
+        <p:blipFill>
+          <a:blip r:embed="rId2">
+            <a:extLst>
+              <a:ext uri="{28A0092B-C50C-407E-A947-70E740481C1C}">
+                <a14:useLocalDpi xmlns:a14="http://schemas.microsoft.com/office/drawing/2010/main" val="0"/>
+              </a:ext>
+            </a:extLst>
+          </a:blip>
+          <a:stretch>
+            <a:fillRect/>
+          </a:stretch>
+        </p:blipFill>
+        <p:spPr>
+          <a:xfrm>
+            <a:off x="11051882" y="119333"/>
+            <a:ext cx="1093483" cy="1017009"/>
+          </a:xfrm>
+          <a:prstGeom prst="rect">
+            <a:avLst/>
+          </a:prstGeom>
+        </p:spPr>
+      </p:pic>
+      <p:sp>
+        <p:nvSpPr>
+          <p:cNvPr id="8" name="Flowchart: Data 2">
+            <a:extLst>
+              <a:ext uri="{FF2B5EF4-FFF2-40B4-BE49-F238E27FC236}">
+                <a16:creationId xmlns:a16="http://schemas.microsoft.com/office/drawing/2014/main" id="{5DC6E9FE-7510-E614-99A7-AD9507B28F8B}"/>
+              </a:ext>
+            </a:extLst>
+          </p:cNvPr>
+          <p:cNvSpPr/>
+          <p:nvPr/>
+        </p:nvSpPr>
+        <p:spPr>
+          <a:xfrm>
+            <a:off x="10848138" y="6264097"/>
+            <a:ext cx="1343862" cy="608120"/>
+          </a:xfrm>
+          <a:custGeom>
+            <a:avLst/>
+            <a:gdLst>
+              <a:gd name="connsiteX0" fmla="*/ 0 w 10000"/>
+              <a:gd name="connsiteY0" fmla="*/ 10000 h 10000"/>
+              <a:gd name="connsiteX1" fmla="*/ 2000 w 10000"/>
+              <a:gd name="connsiteY1" fmla="*/ 0 h 10000"/>
+              <a:gd name="connsiteX2" fmla="*/ 10000 w 10000"/>
+              <a:gd name="connsiteY2" fmla="*/ 0 h 10000"/>
+              <a:gd name="connsiteX3" fmla="*/ 8000 w 10000"/>
+              <a:gd name="connsiteY3" fmla="*/ 10000 h 10000"/>
+              <a:gd name="connsiteX4" fmla="*/ 0 w 10000"/>
+              <a:gd name="connsiteY4" fmla="*/ 10000 h 10000"/>
+              <a:gd name="connsiteX0" fmla="*/ 0 w 8000"/>
+              <a:gd name="connsiteY0" fmla="*/ 10000 h 10000"/>
+              <a:gd name="connsiteX1" fmla="*/ 2000 w 8000"/>
+              <a:gd name="connsiteY1" fmla="*/ 0 h 10000"/>
+              <a:gd name="connsiteX2" fmla="*/ 4142 w 8000"/>
+              <a:gd name="connsiteY2" fmla="*/ 153 h 10000"/>
+              <a:gd name="connsiteX3" fmla="*/ 8000 w 8000"/>
+              <a:gd name="connsiteY3" fmla="*/ 10000 h 10000"/>
+              <a:gd name="connsiteX4" fmla="*/ 0 w 8000"/>
+              <a:gd name="connsiteY4" fmla="*/ 10000 h 10000"/>
+              <a:gd name="connsiteX0" fmla="*/ 0 w 5414"/>
+              <a:gd name="connsiteY0" fmla="*/ 10000 h 10000"/>
+              <a:gd name="connsiteX1" fmla="*/ 2500 w 5414"/>
+              <a:gd name="connsiteY1" fmla="*/ 0 h 10000"/>
+              <a:gd name="connsiteX2" fmla="*/ 5178 w 5414"/>
+              <a:gd name="connsiteY2" fmla="*/ 153 h 10000"/>
+              <a:gd name="connsiteX3" fmla="*/ 5414 w 5414"/>
+              <a:gd name="connsiteY3" fmla="*/ 10000 h 10000"/>
+              <a:gd name="connsiteX4" fmla="*/ 0 w 5414"/>
+              <a:gd name="connsiteY4" fmla="*/ 10000 h 10000"/>
+              <a:gd name="connsiteX0" fmla="*/ 0 w 9609"/>
+              <a:gd name="connsiteY0" fmla="*/ 10000 h 10000"/>
+              <a:gd name="connsiteX1" fmla="*/ 4618 w 9609"/>
+              <a:gd name="connsiteY1" fmla="*/ 0 h 10000"/>
+              <a:gd name="connsiteX2" fmla="*/ 9564 w 9609"/>
+              <a:gd name="connsiteY2" fmla="*/ 153 h 10000"/>
+              <a:gd name="connsiteX3" fmla="*/ 9590 w 9609"/>
+              <a:gd name="connsiteY3" fmla="*/ 10000 h 10000"/>
+              <a:gd name="connsiteX4" fmla="*/ 0 w 9609"/>
+              <a:gd name="connsiteY4" fmla="*/ 10000 h 10000"/>
+              <a:gd name="connsiteX0" fmla="*/ 0 w 10193"/>
+              <a:gd name="connsiteY0" fmla="*/ 10000 h 10153"/>
+              <a:gd name="connsiteX1" fmla="*/ 4806 w 10193"/>
+              <a:gd name="connsiteY1" fmla="*/ 0 h 10153"/>
+              <a:gd name="connsiteX2" fmla="*/ 9953 w 10193"/>
+              <a:gd name="connsiteY2" fmla="*/ 153 h 10153"/>
+              <a:gd name="connsiteX3" fmla="*/ 10193 w 10193"/>
+              <a:gd name="connsiteY3" fmla="*/ 10153 h 10153"/>
+              <a:gd name="connsiteX4" fmla="*/ 0 w 10193"/>
+              <a:gd name="connsiteY4" fmla="*/ 10000 h 10153"/>
+              <a:gd name="connsiteX0" fmla="*/ 0 w 10213"/>
+              <a:gd name="connsiteY0" fmla="*/ 10000 h 10153"/>
+              <a:gd name="connsiteX1" fmla="*/ 4806 w 10213"/>
+              <a:gd name="connsiteY1" fmla="*/ 0 h 10153"/>
+              <a:gd name="connsiteX2" fmla="*/ 10166 w 10213"/>
+              <a:gd name="connsiteY2" fmla="*/ 153 h 10153"/>
+              <a:gd name="connsiteX3" fmla="*/ 10193 w 10213"/>
+              <a:gd name="connsiteY3" fmla="*/ 10153 h 10153"/>
+              <a:gd name="connsiteX4" fmla="*/ 0 w 10213"/>
+              <a:gd name="connsiteY4" fmla="*/ 10000 h 10153"/>
+              <a:gd name="connsiteX0" fmla="*/ 0 w 10341"/>
+              <a:gd name="connsiteY0" fmla="*/ 10000 h 10153"/>
+              <a:gd name="connsiteX1" fmla="*/ 4806 w 10341"/>
+              <a:gd name="connsiteY1" fmla="*/ 0 h 10153"/>
+              <a:gd name="connsiteX2" fmla="*/ 10308 w 10341"/>
+              <a:gd name="connsiteY2" fmla="*/ 0 h 10153"/>
+              <a:gd name="connsiteX3" fmla="*/ 10193 w 10341"/>
+              <a:gd name="connsiteY3" fmla="*/ 10153 h 10153"/>
+              <a:gd name="connsiteX4" fmla="*/ 0 w 10341"/>
+              <a:gd name="connsiteY4" fmla="*/ 10000 h 10153"/>
+              <a:gd name="connsiteX0" fmla="*/ 0 w 10406"/>
+              <a:gd name="connsiteY0" fmla="*/ 10000 h 10306"/>
+              <a:gd name="connsiteX1" fmla="*/ 4806 w 10406"/>
+              <a:gd name="connsiteY1" fmla="*/ 0 h 10306"/>
+              <a:gd name="connsiteX2" fmla="*/ 10308 w 10406"/>
+              <a:gd name="connsiteY2" fmla="*/ 0 h 10306"/>
+              <a:gd name="connsiteX3" fmla="*/ 10406 w 10406"/>
+              <a:gd name="connsiteY3" fmla="*/ 10306 h 10306"/>
+              <a:gd name="connsiteX4" fmla="*/ 0 w 10406"/>
+              <a:gd name="connsiteY4" fmla="*/ 10000 h 10306"/>
+              <a:gd name="connsiteX0" fmla="*/ 0 w 10761"/>
+              <a:gd name="connsiteY0" fmla="*/ 10458 h 10458"/>
+              <a:gd name="connsiteX1" fmla="*/ 5161 w 10761"/>
+              <a:gd name="connsiteY1" fmla="*/ 0 h 10458"/>
+              <a:gd name="connsiteX2" fmla="*/ 10663 w 10761"/>
+              <a:gd name="connsiteY2" fmla="*/ 0 h 10458"/>
+              <a:gd name="connsiteX3" fmla="*/ 10761 w 10761"/>
+              <a:gd name="connsiteY3" fmla="*/ 10306 h 10458"/>
+              <a:gd name="connsiteX4" fmla="*/ 0 w 10761"/>
+              <a:gd name="connsiteY4" fmla="*/ 10458 h 10458"/>
+            </a:gdLst>
+            <a:ahLst/>
+            <a:cxnLst>
+              <a:cxn ang="0">
+                <a:pos x="connsiteX0" y="connsiteY0"/>
+              </a:cxn>
+              <a:cxn ang="0">
+                <a:pos x="connsiteX1" y="connsiteY1"/>
+              </a:cxn>
+              <a:cxn ang="0">
+                <a:pos x="connsiteX2" y="connsiteY2"/>
+              </a:cxn>
+              <a:cxn ang="0">
+                <a:pos x="connsiteX3" y="connsiteY3"/>
+              </a:cxn>
+              <a:cxn ang="0">
+                <a:pos x="connsiteX4" y="connsiteY4"/>
+              </a:cxn>
+            </a:cxnLst>
+            <a:rect l="l" t="t" r="r" b="b"/>
+            <a:pathLst>
+              <a:path w="10761" h="10458">
+                <a:moveTo>
+                  <a:pt x="0" y="10458"/>
+                </a:moveTo>
+                <a:lnTo>
+                  <a:pt x="5161" y="0"/>
+                </a:lnTo>
+                <a:lnTo>
+                  <a:pt x="10663" y="0"/>
+                </a:lnTo>
+                <a:cubicBezTo>
+                  <a:pt x="10815" y="3282"/>
+                  <a:pt x="10609" y="7024"/>
+                  <a:pt x="10761" y="10306"/>
+                </a:cubicBezTo>
+                <a:lnTo>
+                  <a:pt x="0" y="10458"/>
+                </a:lnTo>
+                <a:close/>
+              </a:path>
+            </a:pathLst>
+          </a:custGeom>
+          <a:solidFill>
+            <a:schemeClr val="bg1"/>
+          </a:solidFill>
+          <a:ln w="19050">
+            <a:solidFill>
+              <a:schemeClr val="tx1"/>
+            </a:solidFill>
+          </a:ln>
+        </p:spPr>
+        <p:style>
+          <a:lnRef idx="2">
+            <a:schemeClr val="accent1">
+              <a:shade val="15000"/>
+            </a:schemeClr>
+          </a:lnRef>
+          <a:fillRef idx="1">
+            <a:schemeClr val="accent1"/>
+          </a:fillRef>
+          <a:effectRef idx="0">
+            <a:schemeClr val="accent1"/>
+          </a:effectRef>
+          <a:fontRef idx="minor">
+            <a:schemeClr val="lt1"/>
+          </a:fontRef>
+        </p:style>
+        <p:txBody>
+          <a:bodyPr rtlCol="0" anchor="ctr"/>
+          <a:lstStyle/>
+          <a:p>
+            <a:pPr algn="ctr"/>
+            <a:endParaRPr lang="en-US"/>
+          </a:p>
+        </p:txBody>
+      </p:sp>
+      <p:sp>
+        <p:nvSpPr>
+          <p:cNvPr id="9" name="TextBox 8">
+            <a:extLst>
+              <a:ext uri="{FF2B5EF4-FFF2-40B4-BE49-F238E27FC236}">
+                <a16:creationId xmlns:a16="http://schemas.microsoft.com/office/drawing/2014/main" id="{74F91205-8D56-FECA-DC60-86F7A50BD507}"/>
+              </a:ext>
+            </a:extLst>
+          </p:cNvPr>
+          <p:cNvSpPr txBox="1"/>
+          <p:nvPr/>
+        </p:nvSpPr>
+        <p:spPr>
+          <a:xfrm>
+            <a:off x="11520069" y="6287442"/>
+            <a:ext cx="557254" cy="584775"/>
+          </a:xfrm>
+          <a:prstGeom prst="rect">
+            <a:avLst/>
+          </a:prstGeom>
+          <a:noFill/>
+        </p:spPr>
+        <p:txBody>
+          <a:bodyPr wrap="square" rtlCol="0">
+            <a:spAutoFit/>
+          </a:bodyPr>
+          <a:lstStyle/>
+          <a:p>
+            <a:r>
+              <a:rPr lang="en-US" sz="3200" dirty="0">
+                <a:latin typeface="TH SarabunPSK" panose="020B0500040200020003" pitchFamily="34" charset="-34"/>
+                <a:cs typeface="TH SarabunPSK" panose="020B0500040200020003" pitchFamily="34" charset="-34"/>
+              </a:rPr>
+              <a:t>6</a:t>
+            </a:r>
+          </a:p>
+        </p:txBody>
+      </p:sp>
+      <p:sp>
+        <p:nvSpPr>
           <p:cNvPr id="2" name="Title 1">
             <a:extLst>
               <a:ext uri="{FF2B5EF4-FFF2-40B4-BE49-F238E27FC236}">
@@ -5865,20 +9739,34 @@
             <p:ph type="title"/>
           </p:nvPr>
         </p:nvSpPr>
-        <p:spPr/>
+        <p:spPr>
+          <a:xfrm>
+            <a:off x="838200" y="18255"/>
+            <a:ext cx="10515600" cy="1325563"/>
+          </a:xfrm>
+        </p:spPr>
         <p:txBody>
           <a:bodyPr/>
           <a:lstStyle/>
           <a:p>
             <a:r>
-              <a:rPr lang="en-US" dirty="0"/>
+              <a:rPr lang="en-US" dirty="0">
+                <a:latin typeface="TH SarabunPSK" panose="020B0500040200020003" pitchFamily="34" charset="-34"/>
+                <a:cs typeface="TH SarabunPSK" panose="020B0500040200020003" pitchFamily="34" charset="-34"/>
+              </a:rPr>
               <a:t>Parameter: </a:t>
             </a:r>
             <a:r>
-              <a:rPr lang="en-US" dirty="0" err="1"/>
+              <a:rPr lang="en-US" dirty="0" err="1">
+                <a:latin typeface="TH SarabunPSK" panose="020B0500040200020003" pitchFamily="34" charset="-34"/>
+                <a:cs typeface="TH SarabunPSK" panose="020B0500040200020003" pitchFamily="34" charset="-34"/>
+              </a:rPr>
               <a:t>meanline</a:t>
             </a:r>
-            <a:endParaRPr lang="en-US" dirty="0"/>
+            <a:endParaRPr lang="en-US" dirty="0">
+              <a:latin typeface="TH SarabunPSK" panose="020B0500040200020003" pitchFamily="34" charset="-34"/>
+              <a:cs typeface="TH SarabunPSK" panose="020B0500040200020003" pitchFamily="34" charset="-34"/>
+            </a:endParaRPr>
           </a:p>
         </p:txBody>
       </p:sp>
@@ -5904,37 +9792,58 @@
           <a:lstStyle/>
           <a:p>
             <a:r>
-              <a:rPr lang="th-TH" dirty="0"/>
+              <a:rPr lang="th-TH" sz="2400" dirty="0">
+                <a:latin typeface="TH SarabunPSK" panose="020B0500040200020003" pitchFamily="34" charset="-34"/>
+                <a:cs typeface="TH SarabunPSK" panose="020B0500040200020003" pitchFamily="34" charset="-34"/>
+              </a:rPr>
               <a:t>แสดง </a:t>
             </a:r>
             <a:r>
-              <a:rPr lang="en-US" dirty="0"/>
+              <a:rPr lang="en-US" sz="2400" dirty="0">
+                <a:latin typeface="TH SarabunPSK" panose="020B0500040200020003" pitchFamily="34" charset="-34"/>
+                <a:cs typeface="TH SarabunPSK" panose="020B0500040200020003" pitchFamily="34" charset="-34"/>
+              </a:rPr>
               <a:t>means </a:t>
             </a:r>
             <a:r>
-              <a:rPr lang="th-TH" dirty="0"/>
+              <a:rPr lang="th-TH" sz="2400" dirty="0">
+                <a:latin typeface="TH SarabunPSK" panose="020B0500040200020003" pitchFamily="34" charset="-34"/>
+                <a:cs typeface="TH SarabunPSK" panose="020B0500040200020003" pitchFamily="34" charset="-34"/>
+              </a:rPr>
               <a:t>เป็นเส้นเพื่อง่ายต่อการเปรียบเทียบ ใช้ </a:t>
             </a:r>
             <a:r>
-              <a:rPr lang="en-US" dirty="0"/>
+              <a:rPr lang="en-US" sz="2400" dirty="0">
+                <a:latin typeface="TH SarabunPSK" panose="020B0500040200020003" pitchFamily="34" charset="-34"/>
+                <a:cs typeface="TH SarabunPSK" panose="020B0500040200020003" pitchFamily="34" charset="-34"/>
+              </a:rPr>
               <a:t>parameter: </a:t>
             </a:r>
             <a:r>
-              <a:rPr lang="en-US" dirty="0" err="1"/>
+              <a:rPr lang="en-US" sz="2400" dirty="0" err="1">
+                <a:latin typeface="TH SarabunPSK" panose="020B0500040200020003" pitchFamily="34" charset="-34"/>
+                <a:cs typeface="TH SarabunPSK" panose="020B0500040200020003" pitchFamily="34" charset="-34"/>
+              </a:rPr>
               <a:t>meanline</a:t>
             </a:r>
             <a:r>
-              <a:rPr lang="en-US" dirty="0"/>
+              <a:rPr lang="en-US" sz="2400" dirty="0">
+                <a:latin typeface="TH SarabunPSK" panose="020B0500040200020003" pitchFamily="34" charset="-34"/>
+                <a:cs typeface="TH SarabunPSK" panose="020B0500040200020003" pitchFamily="34" charset="-34"/>
+              </a:rPr>
               <a:t>=True (default=False) </a:t>
             </a:r>
             <a:r>
-              <a:rPr lang="th-TH" dirty="0"/>
+              <a:rPr lang="th-TH" sz="2400" dirty="0">
+                <a:latin typeface="TH SarabunPSK" panose="020B0500040200020003" pitchFamily="34" charset="-34"/>
+                <a:cs typeface="TH SarabunPSK" panose="020B0500040200020003" pitchFamily="34" charset="-34"/>
+              </a:rPr>
               <a:t>เช่น</a:t>
             </a:r>
           </a:p>
           <a:p>
             <a:r>
-              <a:rPr lang="en-US" sz="2000" b="0" dirty="0" err="1">
+              <a:rPr lang="en-US" sz="1800" b="0" dirty="0" err="1">
                 <a:solidFill>
                   <a:srgbClr val="000000"/>
                 </a:solidFill>
@@ -5944,7 +9853,7 @@
               <a:t>ybp</a:t>
             </a:r>
             <a:r>
-              <a:rPr lang="en-US" sz="2000" b="0" dirty="0">
+              <a:rPr lang="en-US" sz="1800" b="0" dirty="0">
                 <a:solidFill>
                   <a:srgbClr val="000000"/>
                 </a:solidFill>
@@ -5954,7 +9863,7 @@
               <a:t> = </a:t>
             </a:r>
             <a:r>
-              <a:rPr lang="en-US" sz="2000" b="0" dirty="0" err="1">
+              <a:rPr lang="en-US" sz="1800" b="0" dirty="0" err="1">
                 <a:solidFill>
                   <a:srgbClr val="000000"/>
                 </a:solidFill>
@@ -5964,7 +9873,7 @@
               <a:t>plt.boxplot</a:t>
             </a:r>
             <a:r>
-              <a:rPr lang="en-US" sz="2000" b="0" dirty="0">
+              <a:rPr lang="en-US" sz="1800" b="0" dirty="0">
                 <a:solidFill>
                   <a:srgbClr val="000000"/>
                 </a:solidFill>
@@ -5974,7 +9883,7 @@
               <a:t>(</a:t>
             </a:r>
             <a:r>
-              <a:rPr lang="en-US" sz="2000" b="0" dirty="0" err="1">
+              <a:rPr lang="en-US" sz="1800" b="0" dirty="0" err="1">
                 <a:solidFill>
                   <a:srgbClr val="000000"/>
                 </a:solidFill>
@@ -5984,7 +9893,7 @@
               <a:t>df</a:t>
             </a:r>
             <a:r>
-              <a:rPr lang="en-US" sz="2000" b="0" dirty="0">
+              <a:rPr lang="en-US" sz="1800" b="0" dirty="0">
                 <a:solidFill>
                   <a:srgbClr val="000000"/>
                 </a:solidFill>
@@ -5994,7 +9903,7 @@
               <a:t>[</a:t>
             </a:r>
             <a:r>
-              <a:rPr lang="en-US" sz="2000" b="0" dirty="0">
+              <a:rPr lang="en-US" sz="1800" b="0" dirty="0">
                 <a:solidFill>
                   <a:srgbClr val="A31515"/>
                 </a:solidFill>
@@ -6004,7 +9913,7 @@
               <a:t>'</a:t>
             </a:r>
             <a:r>
-              <a:rPr lang="en-US" sz="2000" b="0" dirty="0" err="1">
+              <a:rPr lang="en-US" sz="1800" b="0" dirty="0" err="1">
                 <a:solidFill>
                   <a:srgbClr val="A31515"/>
                 </a:solidFill>
@@ -6014,7 +9923,7 @@
               <a:t>SepalWidth</a:t>
             </a:r>
             <a:r>
-              <a:rPr lang="en-US" sz="2000" b="0" dirty="0">
+              <a:rPr lang="en-US" sz="1800" b="0" dirty="0">
                 <a:solidFill>
                   <a:srgbClr val="A31515"/>
                 </a:solidFill>
@@ -6024,7 +9933,7 @@
               <a:t>'</a:t>
             </a:r>
             <a:r>
-              <a:rPr lang="en-US" sz="2000" b="0" dirty="0">
+              <a:rPr lang="en-US" sz="1800" b="0" dirty="0">
                 <a:solidFill>
                   <a:srgbClr val="000000"/>
                 </a:solidFill>
@@ -6034,7 +9943,7 @@
               <a:t>],vert=</a:t>
             </a:r>
             <a:r>
-              <a:rPr lang="en-US" sz="2000" b="0" dirty="0" err="1">
+              <a:rPr lang="en-US" sz="1800" b="0" dirty="0" err="1">
                 <a:solidFill>
                   <a:srgbClr val="0000FF"/>
                 </a:solidFill>
@@ -6044,7 +9953,7 @@
               <a:t>False</a:t>
             </a:r>
             <a:r>
-              <a:rPr lang="en-US" sz="2000" b="0" dirty="0" err="1">
+              <a:rPr lang="en-US" sz="1800" b="0" dirty="0" err="1">
                 <a:solidFill>
                   <a:srgbClr val="000000"/>
                 </a:solidFill>
@@ -6054,7 +9963,7 @@
               <a:t>,showmeans</a:t>
             </a:r>
             <a:r>
-              <a:rPr lang="en-US" sz="2000" b="0" dirty="0">
+              <a:rPr lang="en-US" sz="1800" b="0" dirty="0">
                 <a:solidFill>
                   <a:srgbClr val="000000"/>
                 </a:solidFill>
@@ -6064,7 +9973,7 @@
               <a:t>=</a:t>
             </a:r>
             <a:r>
-              <a:rPr lang="en-US" sz="2000" b="0" dirty="0">
+              <a:rPr lang="en-US" sz="1800" b="0" dirty="0">
                 <a:solidFill>
                   <a:srgbClr val="0000FF"/>
                 </a:solidFill>
@@ -6074,7 +9983,7 @@
               <a:t>True</a:t>
             </a:r>
             <a:r>
-              <a:rPr lang="en-US" sz="2000" b="0" dirty="0">
+              <a:rPr lang="en-US" sz="1800" b="0" dirty="0">
                 <a:solidFill>
                   <a:srgbClr val="000000"/>
                 </a:solidFill>
@@ -6101,15 +10010,15 @@
           <p:nvPr/>
         </p:nvPicPr>
         <p:blipFill>
-          <a:blip r:embed="rId2"/>
+          <a:blip r:embed="rId3"/>
           <a:stretch>
             <a:fillRect/>
           </a:stretch>
         </p:blipFill>
         <p:spPr>
           <a:xfrm>
-            <a:off x="3811012" y="3279371"/>
-            <a:ext cx="4569975" cy="3429000"/>
+            <a:off x="4215319" y="2777816"/>
+            <a:ext cx="3761362" cy="2822272"/>
           </a:xfrm>
           <a:prstGeom prst="rect">
             <a:avLst/>
@@ -6148,6 +10057,377 @@
       </p:grpSpPr>
       <p:sp>
         <p:nvSpPr>
+          <p:cNvPr id="4" name="Rectangle 3">
+            <a:extLst>
+              <a:ext uri="{FF2B5EF4-FFF2-40B4-BE49-F238E27FC236}">
+                <a16:creationId xmlns:a16="http://schemas.microsoft.com/office/drawing/2014/main" id="{EA68DFFF-69D5-BA4B-1162-82E64EA2F874}"/>
+              </a:ext>
+            </a:extLst>
+          </p:cNvPr>
+          <p:cNvSpPr/>
+          <p:nvPr/>
+        </p:nvSpPr>
+        <p:spPr>
+          <a:xfrm>
+            <a:off x="0" y="5840991"/>
+            <a:ext cx="12192000" cy="1017009"/>
+          </a:xfrm>
+          <a:prstGeom prst="rect">
+            <a:avLst/>
+          </a:prstGeom>
+          <a:solidFill>
+            <a:srgbClr val="CCFFCC"/>
+          </a:solidFill>
+          <a:ln>
+            <a:solidFill>
+              <a:srgbClr val="CCFFCC"/>
+            </a:solidFill>
+          </a:ln>
+        </p:spPr>
+        <p:style>
+          <a:lnRef idx="2">
+            <a:schemeClr val="accent1">
+              <a:shade val="15000"/>
+            </a:schemeClr>
+          </a:lnRef>
+          <a:fillRef idx="1">
+            <a:schemeClr val="accent1"/>
+          </a:fillRef>
+          <a:effectRef idx="0">
+            <a:schemeClr val="accent1"/>
+          </a:effectRef>
+          <a:fontRef idx="minor">
+            <a:schemeClr val="lt1"/>
+          </a:fontRef>
+        </p:style>
+        <p:txBody>
+          <a:bodyPr rtlCol="0" anchor="ctr"/>
+          <a:lstStyle/>
+          <a:p>
+            <a:pPr algn="ctr"/>
+            <a:endParaRPr lang="en-US"/>
+          </a:p>
+        </p:txBody>
+      </p:sp>
+      <p:sp>
+        <p:nvSpPr>
+          <p:cNvPr id="5" name="Rectangle 4">
+            <a:extLst>
+              <a:ext uri="{FF2B5EF4-FFF2-40B4-BE49-F238E27FC236}">
+                <a16:creationId xmlns:a16="http://schemas.microsoft.com/office/drawing/2014/main" id="{5178DDF6-7162-E6E9-B487-192808D848EA}"/>
+              </a:ext>
+            </a:extLst>
+          </p:cNvPr>
+          <p:cNvSpPr/>
+          <p:nvPr/>
+        </p:nvSpPr>
+        <p:spPr>
+          <a:xfrm>
+            <a:off x="0" y="0"/>
+            <a:ext cx="12192000" cy="1136342"/>
+          </a:xfrm>
+          <a:prstGeom prst="rect">
+            <a:avLst/>
+          </a:prstGeom>
+          <a:solidFill>
+            <a:srgbClr val="CCFFCC"/>
+          </a:solidFill>
+          <a:ln>
+            <a:solidFill>
+              <a:srgbClr val="CCFFCC"/>
+            </a:solidFill>
+          </a:ln>
+        </p:spPr>
+        <p:style>
+          <a:lnRef idx="2">
+            <a:schemeClr val="accent1">
+              <a:shade val="15000"/>
+            </a:schemeClr>
+          </a:lnRef>
+          <a:fillRef idx="1">
+            <a:schemeClr val="accent1"/>
+          </a:fillRef>
+          <a:effectRef idx="0">
+            <a:schemeClr val="accent1"/>
+          </a:effectRef>
+          <a:fontRef idx="minor">
+            <a:schemeClr val="lt1"/>
+          </a:fontRef>
+        </p:style>
+        <p:txBody>
+          <a:bodyPr rtlCol="0" anchor="ctr"/>
+          <a:lstStyle/>
+          <a:p>
+            <a:pPr algn="ctr"/>
+            <a:endParaRPr lang="en-US" dirty="0">
+              <a:noFill/>
+            </a:endParaRPr>
+          </a:p>
+        </p:txBody>
+      </p:sp>
+      <p:pic>
+        <p:nvPicPr>
+          <p:cNvPr id="7" name="Picture 6" descr="A black and white logo&#10;&#10;Description automatically generated">
+            <a:extLst>
+              <a:ext uri="{FF2B5EF4-FFF2-40B4-BE49-F238E27FC236}">
+                <a16:creationId xmlns:a16="http://schemas.microsoft.com/office/drawing/2014/main" id="{6FE90EA9-88EB-89E9-4CE3-009AE78D5C3E}"/>
+              </a:ext>
+            </a:extLst>
+          </p:cNvPr>
+          <p:cNvPicPr>
+            <a:picLocks noChangeAspect="1"/>
+          </p:cNvPicPr>
+          <p:nvPr/>
+        </p:nvPicPr>
+        <p:blipFill>
+          <a:blip r:embed="rId2">
+            <a:extLst>
+              <a:ext uri="{28A0092B-C50C-407E-A947-70E740481C1C}">
+                <a14:useLocalDpi xmlns:a14="http://schemas.microsoft.com/office/drawing/2010/main" val="0"/>
+              </a:ext>
+            </a:extLst>
+          </a:blip>
+          <a:stretch>
+            <a:fillRect/>
+          </a:stretch>
+        </p:blipFill>
+        <p:spPr>
+          <a:xfrm>
+            <a:off x="11051882" y="119333"/>
+            <a:ext cx="1093483" cy="1017009"/>
+          </a:xfrm>
+          <a:prstGeom prst="rect">
+            <a:avLst/>
+          </a:prstGeom>
+        </p:spPr>
+      </p:pic>
+      <p:sp>
+        <p:nvSpPr>
+          <p:cNvPr id="8" name="Flowchart: Data 2">
+            <a:extLst>
+              <a:ext uri="{FF2B5EF4-FFF2-40B4-BE49-F238E27FC236}">
+                <a16:creationId xmlns:a16="http://schemas.microsoft.com/office/drawing/2014/main" id="{E421CEBD-5C32-1884-7C77-B759713A6217}"/>
+              </a:ext>
+            </a:extLst>
+          </p:cNvPr>
+          <p:cNvSpPr/>
+          <p:nvPr/>
+        </p:nvSpPr>
+        <p:spPr>
+          <a:xfrm>
+            <a:off x="10848138" y="6264097"/>
+            <a:ext cx="1343862" cy="608120"/>
+          </a:xfrm>
+          <a:custGeom>
+            <a:avLst/>
+            <a:gdLst>
+              <a:gd name="connsiteX0" fmla="*/ 0 w 10000"/>
+              <a:gd name="connsiteY0" fmla="*/ 10000 h 10000"/>
+              <a:gd name="connsiteX1" fmla="*/ 2000 w 10000"/>
+              <a:gd name="connsiteY1" fmla="*/ 0 h 10000"/>
+              <a:gd name="connsiteX2" fmla="*/ 10000 w 10000"/>
+              <a:gd name="connsiteY2" fmla="*/ 0 h 10000"/>
+              <a:gd name="connsiteX3" fmla="*/ 8000 w 10000"/>
+              <a:gd name="connsiteY3" fmla="*/ 10000 h 10000"/>
+              <a:gd name="connsiteX4" fmla="*/ 0 w 10000"/>
+              <a:gd name="connsiteY4" fmla="*/ 10000 h 10000"/>
+              <a:gd name="connsiteX0" fmla="*/ 0 w 8000"/>
+              <a:gd name="connsiteY0" fmla="*/ 10000 h 10000"/>
+              <a:gd name="connsiteX1" fmla="*/ 2000 w 8000"/>
+              <a:gd name="connsiteY1" fmla="*/ 0 h 10000"/>
+              <a:gd name="connsiteX2" fmla="*/ 4142 w 8000"/>
+              <a:gd name="connsiteY2" fmla="*/ 153 h 10000"/>
+              <a:gd name="connsiteX3" fmla="*/ 8000 w 8000"/>
+              <a:gd name="connsiteY3" fmla="*/ 10000 h 10000"/>
+              <a:gd name="connsiteX4" fmla="*/ 0 w 8000"/>
+              <a:gd name="connsiteY4" fmla="*/ 10000 h 10000"/>
+              <a:gd name="connsiteX0" fmla="*/ 0 w 5414"/>
+              <a:gd name="connsiteY0" fmla="*/ 10000 h 10000"/>
+              <a:gd name="connsiteX1" fmla="*/ 2500 w 5414"/>
+              <a:gd name="connsiteY1" fmla="*/ 0 h 10000"/>
+              <a:gd name="connsiteX2" fmla="*/ 5178 w 5414"/>
+              <a:gd name="connsiteY2" fmla="*/ 153 h 10000"/>
+              <a:gd name="connsiteX3" fmla="*/ 5414 w 5414"/>
+              <a:gd name="connsiteY3" fmla="*/ 10000 h 10000"/>
+              <a:gd name="connsiteX4" fmla="*/ 0 w 5414"/>
+              <a:gd name="connsiteY4" fmla="*/ 10000 h 10000"/>
+              <a:gd name="connsiteX0" fmla="*/ 0 w 9609"/>
+              <a:gd name="connsiteY0" fmla="*/ 10000 h 10000"/>
+              <a:gd name="connsiteX1" fmla="*/ 4618 w 9609"/>
+              <a:gd name="connsiteY1" fmla="*/ 0 h 10000"/>
+              <a:gd name="connsiteX2" fmla="*/ 9564 w 9609"/>
+              <a:gd name="connsiteY2" fmla="*/ 153 h 10000"/>
+              <a:gd name="connsiteX3" fmla="*/ 9590 w 9609"/>
+              <a:gd name="connsiteY3" fmla="*/ 10000 h 10000"/>
+              <a:gd name="connsiteX4" fmla="*/ 0 w 9609"/>
+              <a:gd name="connsiteY4" fmla="*/ 10000 h 10000"/>
+              <a:gd name="connsiteX0" fmla="*/ 0 w 10193"/>
+              <a:gd name="connsiteY0" fmla="*/ 10000 h 10153"/>
+              <a:gd name="connsiteX1" fmla="*/ 4806 w 10193"/>
+              <a:gd name="connsiteY1" fmla="*/ 0 h 10153"/>
+              <a:gd name="connsiteX2" fmla="*/ 9953 w 10193"/>
+              <a:gd name="connsiteY2" fmla="*/ 153 h 10153"/>
+              <a:gd name="connsiteX3" fmla="*/ 10193 w 10193"/>
+              <a:gd name="connsiteY3" fmla="*/ 10153 h 10153"/>
+              <a:gd name="connsiteX4" fmla="*/ 0 w 10193"/>
+              <a:gd name="connsiteY4" fmla="*/ 10000 h 10153"/>
+              <a:gd name="connsiteX0" fmla="*/ 0 w 10213"/>
+              <a:gd name="connsiteY0" fmla="*/ 10000 h 10153"/>
+              <a:gd name="connsiteX1" fmla="*/ 4806 w 10213"/>
+              <a:gd name="connsiteY1" fmla="*/ 0 h 10153"/>
+              <a:gd name="connsiteX2" fmla="*/ 10166 w 10213"/>
+              <a:gd name="connsiteY2" fmla="*/ 153 h 10153"/>
+              <a:gd name="connsiteX3" fmla="*/ 10193 w 10213"/>
+              <a:gd name="connsiteY3" fmla="*/ 10153 h 10153"/>
+              <a:gd name="connsiteX4" fmla="*/ 0 w 10213"/>
+              <a:gd name="connsiteY4" fmla="*/ 10000 h 10153"/>
+              <a:gd name="connsiteX0" fmla="*/ 0 w 10341"/>
+              <a:gd name="connsiteY0" fmla="*/ 10000 h 10153"/>
+              <a:gd name="connsiteX1" fmla="*/ 4806 w 10341"/>
+              <a:gd name="connsiteY1" fmla="*/ 0 h 10153"/>
+              <a:gd name="connsiteX2" fmla="*/ 10308 w 10341"/>
+              <a:gd name="connsiteY2" fmla="*/ 0 h 10153"/>
+              <a:gd name="connsiteX3" fmla="*/ 10193 w 10341"/>
+              <a:gd name="connsiteY3" fmla="*/ 10153 h 10153"/>
+              <a:gd name="connsiteX4" fmla="*/ 0 w 10341"/>
+              <a:gd name="connsiteY4" fmla="*/ 10000 h 10153"/>
+              <a:gd name="connsiteX0" fmla="*/ 0 w 10406"/>
+              <a:gd name="connsiteY0" fmla="*/ 10000 h 10306"/>
+              <a:gd name="connsiteX1" fmla="*/ 4806 w 10406"/>
+              <a:gd name="connsiteY1" fmla="*/ 0 h 10306"/>
+              <a:gd name="connsiteX2" fmla="*/ 10308 w 10406"/>
+              <a:gd name="connsiteY2" fmla="*/ 0 h 10306"/>
+              <a:gd name="connsiteX3" fmla="*/ 10406 w 10406"/>
+              <a:gd name="connsiteY3" fmla="*/ 10306 h 10306"/>
+              <a:gd name="connsiteX4" fmla="*/ 0 w 10406"/>
+              <a:gd name="connsiteY4" fmla="*/ 10000 h 10306"/>
+              <a:gd name="connsiteX0" fmla="*/ 0 w 10761"/>
+              <a:gd name="connsiteY0" fmla="*/ 10458 h 10458"/>
+              <a:gd name="connsiteX1" fmla="*/ 5161 w 10761"/>
+              <a:gd name="connsiteY1" fmla="*/ 0 h 10458"/>
+              <a:gd name="connsiteX2" fmla="*/ 10663 w 10761"/>
+              <a:gd name="connsiteY2" fmla="*/ 0 h 10458"/>
+              <a:gd name="connsiteX3" fmla="*/ 10761 w 10761"/>
+              <a:gd name="connsiteY3" fmla="*/ 10306 h 10458"/>
+              <a:gd name="connsiteX4" fmla="*/ 0 w 10761"/>
+              <a:gd name="connsiteY4" fmla="*/ 10458 h 10458"/>
+            </a:gdLst>
+            <a:ahLst/>
+            <a:cxnLst>
+              <a:cxn ang="0">
+                <a:pos x="connsiteX0" y="connsiteY0"/>
+              </a:cxn>
+              <a:cxn ang="0">
+                <a:pos x="connsiteX1" y="connsiteY1"/>
+              </a:cxn>
+              <a:cxn ang="0">
+                <a:pos x="connsiteX2" y="connsiteY2"/>
+              </a:cxn>
+              <a:cxn ang="0">
+                <a:pos x="connsiteX3" y="connsiteY3"/>
+              </a:cxn>
+              <a:cxn ang="0">
+                <a:pos x="connsiteX4" y="connsiteY4"/>
+              </a:cxn>
+            </a:cxnLst>
+            <a:rect l="l" t="t" r="r" b="b"/>
+            <a:pathLst>
+              <a:path w="10761" h="10458">
+                <a:moveTo>
+                  <a:pt x="0" y="10458"/>
+                </a:moveTo>
+                <a:lnTo>
+                  <a:pt x="5161" y="0"/>
+                </a:lnTo>
+                <a:lnTo>
+                  <a:pt x="10663" y="0"/>
+                </a:lnTo>
+                <a:cubicBezTo>
+                  <a:pt x="10815" y="3282"/>
+                  <a:pt x="10609" y="7024"/>
+                  <a:pt x="10761" y="10306"/>
+                </a:cubicBezTo>
+                <a:lnTo>
+                  <a:pt x="0" y="10458"/>
+                </a:lnTo>
+                <a:close/>
+              </a:path>
+            </a:pathLst>
+          </a:custGeom>
+          <a:solidFill>
+            <a:schemeClr val="bg1"/>
+          </a:solidFill>
+          <a:ln w="19050">
+            <a:solidFill>
+              <a:schemeClr val="tx1"/>
+            </a:solidFill>
+          </a:ln>
+        </p:spPr>
+        <p:style>
+          <a:lnRef idx="2">
+            <a:schemeClr val="accent1">
+              <a:shade val="15000"/>
+            </a:schemeClr>
+          </a:lnRef>
+          <a:fillRef idx="1">
+            <a:schemeClr val="accent1"/>
+          </a:fillRef>
+          <a:effectRef idx="0">
+            <a:schemeClr val="accent1"/>
+          </a:effectRef>
+          <a:fontRef idx="minor">
+            <a:schemeClr val="lt1"/>
+          </a:fontRef>
+        </p:style>
+        <p:txBody>
+          <a:bodyPr rtlCol="0" anchor="ctr"/>
+          <a:lstStyle/>
+          <a:p>
+            <a:pPr algn="ctr"/>
+            <a:endParaRPr lang="en-US"/>
+          </a:p>
+        </p:txBody>
+      </p:sp>
+      <p:sp>
+        <p:nvSpPr>
+          <p:cNvPr id="9" name="TextBox 8">
+            <a:extLst>
+              <a:ext uri="{FF2B5EF4-FFF2-40B4-BE49-F238E27FC236}">
+                <a16:creationId xmlns:a16="http://schemas.microsoft.com/office/drawing/2014/main" id="{4CC4AE02-FFC3-29BE-46C7-A56CCDECD2AE}"/>
+              </a:ext>
+            </a:extLst>
+          </p:cNvPr>
+          <p:cNvSpPr txBox="1"/>
+          <p:nvPr/>
+        </p:nvSpPr>
+        <p:spPr>
+          <a:xfrm>
+            <a:off x="11520069" y="6287442"/>
+            <a:ext cx="557254" cy="584775"/>
+          </a:xfrm>
+          <a:prstGeom prst="rect">
+            <a:avLst/>
+          </a:prstGeom>
+          <a:noFill/>
+        </p:spPr>
+        <p:txBody>
+          <a:bodyPr wrap="square" rtlCol="0">
+            <a:spAutoFit/>
+          </a:bodyPr>
+          <a:lstStyle/>
+          <a:p>
+            <a:r>
+              <a:rPr lang="en-US" sz="3200" dirty="0">
+                <a:latin typeface="TH SarabunPSK" panose="020B0500040200020003" pitchFamily="34" charset="-34"/>
+                <a:cs typeface="TH SarabunPSK" panose="020B0500040200020003" pitchFamily="34" charset="-34"/>
+              </a:rPr>
+              <a:t>7</a:t>
+            </a:r>
+          </a:p>
+        </p:txBody>
+      </p:sp>
+      <p:sp>
+        <p:nvSpPr>
           <p:cNvPr id="2" name="Title 1">
             <a:extLst>
               <a:ext uri="{FF2B5EF4-FFF2-40B4-BE49-F238E27FC236}">
@@ -6162,41 +10442,70 @@
             <p:ph type="title"/>
           </p:nvPr>
         </p:nvSpPr>
-        <p:spPr/>
+        <p:spPr>
+          <a:xfrm>
+            <a:off x="838200" y="0"/>
+            <a:ext cx="10515600" cy="1325563"/>
+          </a:xfrm>
+        </p:spPr>
         <p:txBody>
           <a:bodyPr/>
           <a:lstStyle/>
           <a:p>
             <a:r>
-              <a:rPr lang="en-US" dirty="0"/>
+              <a:rPr lang="en-US" dirty="0">
+                <a:latin typeface="TH SarabunPSK" panose="020B0500040200020003" pitchFamily="34" charset="-34"/>
+                <a:cs typeface="TH SarabunPSK" panose="020B0500040200020003" pitchFamily="34" charset="-34"/>
+              </a:rPr>
               <a:t>Parameter: </a:t>
             </a:r>
             <a:r>
-              <a:rPr lang="en-US" dirty="0" err="1"/>
+              <a:rPr lang="en-US" dirty="0" err="1">
+                <a:latin typeface="TH SarabunPSK" panose="020B0500040200020003" pitchFamily="34" charset="-34"/>
+                <a:cs typeface="TH SarabunPSK" panose="020B0500040200020003" pitchFamily="34" charset="-34"/>
+              </a:rPr>
               <a:t>meanprops</a:t>
             </a:r>
             <a:r>
-              <a:rPr lang="en-US" dirty="0"/>
+              <a:rPr lang="en-US" dirty="0">
+                <a:latin typeface="TH SarabunPSK" panose="020B0500040200020003" pitchFamily="34" charset="-34"/>
+                <a:cs typeface="TH SarabunPSK" panose="020B0500040200020003" pitchFamily="34" charset="-34"/>
+              </a:rPr>
               <a:t> </a:t>
             </a:r>
             <a:r>
-              <a:rPr lang="th-TH" dirty="0"/>
+              <a:rPr lang="th-TH" dirty="0">
+                <a:latin typeface="TH SarabunPSK" panose="020B0500040200020003" pitchFamily="34" charset="-34"/>
+                <a:cs typeface="TH SarabunPSK" panose="020B0500040200020003" pitchFamily="34" charset="-34"/>
+              </a:rPr>
               <a:t>เปลี่ยนหน้าตา </a:t>
             </a:r>
             <a:r>
-              <a:rPr lang="en-US" dirty="0" err="1"/>
+              <a:rPr lang="en-US" dirty="0" err="1">
+                <a:latin typeface="TH SarabunPSK" panose="020B0500040200020003" pitchFamily="34" charset="-34"/>
+                <a:cs typeface="TH SarabunPSK" panose="020B0500040200020003" pitchFamily="34" charset="-34"/>
+              </a:rPr>
               <a:t>merker</a:t>
             </a:r>
             <a:r>
-              <a:rPr lang="en-US" dirty="0"/>
+              <a:rPr lang="en-US" dirty="0">
+                <a:latin typeface="TH SarabunPSK" panose="020B0500040200020003" pitchFamily="34" charset="-34"/>
+                <a:cs typeface="TH SarabunPSK" panose="020B0500040200020003" pitchFamily="34" charset="-34"/>
+              </a:rPr>
               <a:t> </a:t>
             </a:r>
             <a:r>
-              <a:rPr lang="th-TH" dirty="0"/>
+              <a:rPr lang="th-TH" dirty="0">
+                <a:latin typeface="TH SarabunPSK" panose="020B0500040200020003" pitchFamily="34" charset="-34"/>
+                <a:cs typeface="TH SarabunPSK" panose="020B0500040200020003" pitchFamily="34" charset="-34"/>
+              </a:rPr>
               <a:t>ของ </a:t>
             </a:r>
             <a:r>
-              <a:rPr lang="en-US" dirty="0"/>
+              <a:rPr lang="en-US" dirty="0">
+                <a:latin typeface="TH SarabunPSK" panose="020B0500040200020003" pitchFamily="34" charset="-34"/>
+                <a:cs typeface="TH SarabunPSK" panose="020B0500040200020003" pitchFamily="34" charset="-34"/>
+              </a:rPr>
               <a:t>mean</a:t>
             </a:r>
           </a:p>
@@ -6218,31 +10527,48 @@
             <p:ph idx="1"/>
           </p:nvPr>
         </p:nvSpPr>
-        <p:spPr/>
+        <p:spPr>
+          <a:xfrm>
+            <a:off x="838200" y="1666445"/>
+            <a:ext cx="10515600" cy="4351338"/>
+          </a:xfrm>
+        </p:spPr>
         <p:txBody>
           <a:bodyPr/>
           <a:lstStyle/>
           <a:p>
             <a:r>
-              <a:rPr lang="th-TH" dirty="0"/>
+              <a:rPr lang="th-TH" sz="2400" dirty="0">
+                <a:latin typeface="TH SarabunPSK" panose="020B0500040200020003" pitchFamily="34" charset="-34"/>
+                <a:cs typeface="TH SarabunPSK" panose="020B0500040200020003" pitchFamily="34" charset="-34"/>
+              </a:rPr>
               <a:t>สามารถเปลี่ยนลักษณะหน้าตาของ </a:t>
             </a:r>
             <a:r>
-              <a:rPr lang="en-US" dirty="0" err="1"/>
+              <a:rPr lang="en-US" sz="2400" dirty="0" err="1">
+                <a:latin typeface="TH SarabunPSK" panose="020B0500040200020003" pitchFamily="34" charset="-34"/>
+                <a:cs typeface="TH SarabunPSK" panose="020B0500040200020003" pitchFamily="34" charset="-34"/>
+              </a:rPr>
               <a:t>merker</a:t>
             </a:r>
             <a:r>
-              <a:rPr lang="en-US" dirty="0"/>
+              <a:rPr lang="en-US" sz="2400" dirty="0">
+                <a:latin typeface="TH SarabunPSK" panose="020B0500040200020003" pitchFamily="34" charset="-34"/>
+                <a:cs typeface="TH SarabunPSK" panose="020B0500040200020003" pitchFamily="34" charset="-34"/>
+              </a:rPr>
               <a:t> mean </a:t>
             </a:r>
             <a:r>
-              <a:rPr lang="th-TH" dirty="0"/>
+              <a:rPr lang="th-TH" sz="2400" dirty="0">
+                <a:latin typeface="TH SarabunPSK" panose="020B0500040200020003" pitchFamily="34" charset="-34"/>
+                <a:cs typeface="TH SarabunPSK" panose="020B0500040200020003" pitchFamily="34" charset="-34"/>
+              </a:rPr>
               <a:t>บนกราฟได้ตามที่ต้องการ เช่น </a:t>
             </a:r>
           </a:p>
           <a:p>
             <a:r>
-              <a:rPr lang="en-US" sz="2400" b="0" i="0" dirty="0" err="1">
+              <a:rPr lang="en-US" sz="1800" b="0" i="0" dirty="0" err="1">
                 <a:solidFill>
                   <a:srgbClr val="545454"/>
                 </a:solidFill>
@@ -6252,7 +10578,7 @@
               <a:t>plt.boxplot</a:t>
             </a:r>
             <a:r>
-              <a:rPr lang="en-US" sz="2400" b="0" i="0" dirty="0">
+              <a:rPr lang="en-US" sz="1800" b="0" i="0" dirty="0">
                 <a:solidFill>
                   <a:srgbClr val="545454"/>
                 </a:solidFill>
@@ -6262,7 +10588,7 @@
               <a:t>(</a:t>
             </a:r>
             <a:r>
-              <a:rPr lang="en-US" sz="2400" b="0" i="0" dirty="0" err="1">
+              <a:rPr lang="en-US" sz="1800" b="0" i="0" dirty="0" err="1">
                 <a:solidFill>
                   <a:srgbClr val="545454"/>
                 </a:solidFill>
@@ -6272,7 +10598,7 @@
               <a:t>df</a:t>
             </a:r>
             <a:r>
-              <a:rPr lang="en-US" sz="2400" b="0" i="0" dirty="0">
+              <a:rPr lang="en-US" sz="1800" b="0" i="0" dirty="0">
                 <a:solidFill>
                   <a:srgbClr val="545454"/>
                 </a:solidFill>
@@ -6282,7 +10608,7 @@
               <a:t>[</a:t>
             </a:r>
             <a:r>
-              <a:rPr lang="en-US" sz="2400" b="0" i="0" dirty="0">
+              <a:rPr lang="en-US" sz="1800" b="0" i="0" dirty="0">
                 <a:solidFill>
                   <a:srgbClr val="008000"/>
                 </a:solidFill>
@@ -6292,7 +10618,7 @@
               <a:t>'</a:t>
             </a:r>
             <a:r>
-              <a:rPr lang="en-US" sz="2400" b="0" i="0" dirty="0" err="1">
+              <a:rPr lang="en-US" sz="1800" b="0" i="0" dirty="0" err="1">
                 <a:solidFill>
                   <a:srgbClr val="008000"/>
                 </a:solidFill>
@@ -6302,7 +10628,7 @@
               <a:t>SepalLength</a:t>
             </a:r>
             <a:r>
-              <a:rPr lang="en-US" sz="2400" b="0" i="0" dirty="0">
+              <a:rPr lang="en-US" sz="1800" b="0" i="0" dirty="0">
                 <a:solidFill>
                   <a:srgbClr val="008000"/>
                 </a:solidFill>
@@ -6312,7 +10638,7 @@
               <a:t>'</a:t>
             </a:r>
             <a:r>
-              <a:rPr lang="en-US" sz="2400" b="0" i="0" dirty="0">
+              <a:rPr lang="en-US" sz="1800" b="0" i="0" dirty="0">
                 <a:solidFill>
                   <a:srgbClr val="545454"/>
                 </a:solidFill>
@@ -6322,7 +10648,7 @@
               <a:t>],vert=</a:t>
             </a:r>
             <a:r>
-              <a:rPr lang="en-US" sz="2400" b="0" i="0" dirty="0" err="1">
+              <a:rPr lang="en-US" sz="1800" b="0" i="0" dirty="0" err="1">
                 <a:solidFill>
                   <a:srgbClr val="AA5D00"/>
                 </a:solidFill>
@@ -6332,7 +10658,7 @@
               <a:t>False</a:t>
             </a:r>
             <a:r>
-              <a:rPr lang="en-US" sz="2400" b="0" i="0" dirty="0" err="1">
+              <a:rPr lang="en-US" sz="1800" b="0" i="0" dirty="0" err="1">
                 <a:solidFill>
                   <a:srgbClr val="545454"/>
                 </a:solidFill>
@@ -6342,7 +10668,7 @@
               <a:t>,showmeans</a:t>
             </a:r>
             <a:r>
-              <a:rPr lang="en-US" sz="2400" b="0" i="0" dirty="0">
+              <a:rPr lang="en-US" sz="1800" b="0" i="0" dirty="0">
                 <a:solidFill>
                   <a:srgbClr val="545454"/>
                 </a:solidFill>
@@ -6352,7 +10678,7 @@
               <a:t>=</a:t>
             </a:r>
             <a:r>
-              <a:rPr lang="en-US" sz="2400" b="0" i="0" dirty="0" err="1">
+              <a:rPr lang="en-US" sz="1800" b="0" i="0" dirty="0" err="1">
                 <a:solidFill>
                   <a:srgbClr val="AA5D00"/>
                 </a:solidFill>
@@ -6362,7 +10688,7 @@
               <a:t>True</a:t>
             </a:r>
             <a:r>
-              <a:rPr lang="en-US" sz="2400" b="0" i="0" dirty="0" err="1">
+              <a:rPr lang="en-US" sz="1800" b="0" i="0" dirty="0" err="1">
                 <a:solidFill>
                   <a:srgbClr val="545454"/>
                 </a:solidFill>
@@ -6372,7 +10698,7 @@
               <a:t>,meanprops</a:t>
             </a:r>
             <a:r>
-              <a:rPr lang="en-US" sz="2400" b="0" i="0" dirty="0">
+              <a:rPr lang="en-US" sz="1800" b="0" i="0" dirty="0">
                 <a:solidFill>
                   <a:srgbClr val="545454"/>
                 </a:solidFill>
@@ -6382,7 +10708,7 @@
               <a:t>={</a:t>
             </a:r>
             <a:r>
-              <a:rPr lang="en-US" sz="2400" b="0" i="0" dirty="0">
+              <a:rPr lang="en-US" sz="1800" b="0" i="0" dirty="0">
                 <a:solidFill>
                   <a:srgbClr val="008000"/>
                 </a:solidFill>
@@ -6392,7 +10718,7 @@
               <a:t>'</a:t>
             </a:r>
             <a:r>
-              <a:rPr lang="en-US" sz="2400" b="0" i="0" dirty="0" err="1">
+              <a:rPr lang="en-US" sz="1800" b="0" i="0" dirty="0" err="1">
                 <a:solidFill>
                   <a:srgbClr val="008000"/>
                 </a:solidFill>
@@ -6402,7 +10728,7 @@
               <a:t>marker'</a:t>
             </a:r>
             <a:r>
-              <a:rPr lang="en-US" sz="2400" b="0" i="0" dirty="0" err="1">
+              <a:rPr lang="en-US" sz="1800" b="0" i="0" dirty="0" err="1">
                 <a:solidFill>
                   <a:srgbClr val="545454"/>
                 </a:solidFill>
@@ -6412,7 +10738,7 @@
               <a:t>:</a:t>
             </a:r>
             <a:r>
-              <a:rPr lang="en-US" sz="2400" b="0" i="0" dirty="0" err="1">
+              <a:rPr lang="en-US" sz="1800" b="0" i="0" dirty="0" err="1">
                 <a:solidFill>
                   <a:srgbClr val="008000"/>
                 </a:solidFill>
@@ -6422,7 +10748,7 @@
               <a:t>'o</a:t>
             </a:r>
             <a:r>
-              <a:rPr lang="en-US" sz="2400" b="0" i="0" dirty="0">
+              <a:rPr lang="en-US" sz="1800" b="0" i="0" dirty="0">
                 <a:solidFill>
                   <a:srgbClr val="008000"/>
                 </a:solidFill>
@@ -6432,7 +10758,7 @@
               <a:t>'</a:t>
             </a:r>
             <a:r>
-              <a:rPr lang="en-US" sz="2400" b="0" i="0" dirty="0">
+              <a:rPr lang="en-US" sz="1800" b="0" i="0" dirty="0">
                 <a:solidFill>
                   <a:srgbClr val="545454"/>
                 </a:solidFill>
@@ -6441,7 +10767,7 @@
               </a:rPr>
               <a:t>})</a:t>
             </a:r>
-            <a:endParaRPr lang="en-US" sz="2400" dirty="0"/>
+            <a:endParaRPr lang="en-US" sz="1800" dirty="0"/>
           </a:p>
         </p:txBody>
       </p:sp>
@@ -6460,15 +10786,15 @@
           <p:nvPr/>
         </p:nvPicPr>
         <p:blipFill>
-          <a:blip r:embed="rId2"/>
+          <a:blip r:embed="rId3"/>
           <a:stretch>
             <a:fillRect/>
           </a:stretch>
         </p:blipFill>
         <p:spPr>
           <a:xfrm>
-            <a:off x="3927390" y="3279371"/>
-            <a:ext cx="4569976" cy="3455196"/>
+            <a:off x="4211889" y="2802752"/>
+            <a:ext cx="3768221" cy="2849018"/>
           </a:xfrm>
           <a:prstGeom prst="rect">
             <a:avLst/>
@@ -6507,6 +10833,377 @@
       </p:grpSpPr>
       <p:sp>
         <p:nvSpPr>
+          <p:cNvPr id="4" name="Rectangle 3">
+            <a:extLst>
+              <a:ext uri="{FF2B5EF4-FFF2-40B4-BE49-F238E27FC236}">
+                <a16:creationId xmlns:a16="http://schemas.microsoft.com/office/drawing/2014/main" id="{DC53BDCB-76E1-95FD-E2C9-43D84DF17EA0}"/>
+              </a:ext>
+            </a:extLst>
+          </p:cNvPr>
+          <p:cNvSpPr/>
+          <p:nvPr/>
+        </p:nvSpPr>
+        <p:spPr>
+          <a:xfrm>
+            <a:off x="0" y="5840991"/>
+            <a:ext cx="12192000" cy="1017009"/>
+          </a:xfrm>
+          <a:prstGeom prst="rect">
+            <a:avLst/>
+          </a:prstGeom>
+          <a:solidFill>
+            <a:srgbClr val="CCFFCC"/>
+          </a:solidFill>
+          <a:ln>
+            <a:solidFill>
+              <a:srgbClr val="CCFFCC"/>
+            </a:solidFill>
+          </a:ln>
+        </p:spPr>
+        <p:style>
+          <a:lnRef idx="2">
+            <a:schemeClr val="accent1">
+              <a:shade val="15000"/>
+            </a:schemeClr>
+          </a:lnRef>
+          <a:fillRef idx="1">
+            <a:schemeClr val="accent1"/>
+          </a:fillRef>
+          <a:effectRef idx="0">
+            <a:schemeClr val="accent1"/>
+          </a:effectRef>
+          <a:fontRef idx="minor">
+            <a:schemeClr val="lt1"/>
+          </a:fontRef>
+        </p:style>
+        <p:txBody>
+          <a:bodyPr rtlCol="0" anchor="ctr"/>
+          <a:lstStyle/>
+          <a:p>
+            <a:pPr algn="ctr"/>
+            <a:endParaRPr lang="en-US"/>
+          </a:p>
+        </p:txBody>
+      </p:sp>
+      <p:sp>
+        <p:nvSpPr>
+          <p:cNvPr id="6" name="Rectangle 5">
+            <a:extLst>
+              <a:ext uri="{FF2B5EF4-FFF2-40B4-BE49-F238E27FC236}">
+                <a16:creationId xmlns:a16="http://schemas.microsoft.com/office/drawing/2014/main" id="{92B7EDC3-BAED-A610-C0E7-25666BA7F6A6}"/>
+              </a:ext>
+            </a:extLst>
+          </p:cNvPr>
+          <p:cNvSpPr/>
+          <p:nvPr/>
+        </p:nvSpPr>
+        <p:spPr>
+          <a:xfrm>
+            <a:off x="0" y="0"/>
+            <a:ext cx="12192000" cy="1136342"/>
+          </a:xfrm>
+          <a:prstGeom prst="rect">
+            <a:avLst/>
+          </a:prstGeom>
+          <a:solidFill>
+            <a:srgbClr val="CCFFCC"/>
+          </a:solidFill>
+          <a:ln>
+            <a:solidFill>
+              <a:srgbClr val="CCFFCC"/>
+            </a:solidFill>
+          </a:ln>
+        </p:spPr>
+        <p:style>
+          <a:lnRef idx="2">
+            <a:schemeClr val="accent1">
+              <a:shade val="15000"/>
+            </a:schemeClr>
+          </a:lnRef>
+          <a:fillRef idx="1">
+            <a:schemeClr val="accent1"/>
+          </a:fillRef>
+          <a:effectRef idx="0">
+            <a:schemeClr val="accent1"/>
+          </a:effectRef>
+          <a:fontRef idx="minor">
+            <a:schemeClr val="lt1"/>
+          </a:fontRef>
+        </p:style>
+        <p:txBody>
+          <a:bodyPr rtlCol="0" anchor="ctr"/>
+          <a:lstStyle/>
+          <a:p>
+            <a:pPr algn="ctr"/>
+            <a:endParaRPr lang="en-US" dirty="0">
+              <a:noFill/>
+            </a:endParaRPr>
+          </a:p>
+        </p:txBody>
+      </p:sp>
+      <p:pic>
+        <p:nvPicPr>
+          <p:cNvPr id="7" name="Picture 6" descr="A black and white logo&#10;&#10;Description automatically generated">
+            <a:extLst>
+              <a:ext uri="{FF2B5EF4-FFF2-40B4-BE49-F238E27FC236}">
+                <a16:creationId xmlns:a16="http://schemas.microsoft.com/office/drawing/2014/main" id="{D2D1D5FF-469E-2CED-8C56-F2591C15EBD2}"/>
+              </a:ext>
+            </a:extLst>
+          </p:cNvPr>
+          <p:cNvPicPr>
+            <a:picLocks noChangeAspect="1"/>
+          </p:cNvPicPr>
+          <p:nvPr/>
+        </p:nvPicPr>
+        <p:blipFill>
+          <a:blip r:embed="rId2">
+            <a:extLst>
+              <a:ext uri="{28A0092B-C50C-407E-A947-70E740481C1C}">
+                <a14:useLocalDpi xmlns:a14="http://schemas.microsoft.com/office/drawing/2010/main" val="0"/>
+              </a:ext>
+            </a:extLst>
+          </a:blip>
+          <a:stretch>
+            <a:fillRect/>
+          </a:stretch>
+        </p:blipFill>
+        <p:spPr>
+          <a:xfrm>
+            <a:off x="11051882" y="119333"/>
+            <a:ext cx="1093483" cy="1017009"/>
+          </a:xfrm>
+          <a:prstGeom prst="rect">
+            <a:avLst/>
+          </a:prstGeom>
+        </p:spPr>
+      </p:pic>
+      <p:sp>
+        <p:nvSpPr>
+          <p:cNvPr id="8" name="Flowchart: Data 2">
+            <a:extLst>
+              <a:ext uri="{FF2B5EF4-FFF2-40B4-BE49-F238E27FC236}">
+                <a16:creationId xmlns:a16="http://schemas.microsoft.com/office/drawing/2014/main" id="{4A3F032A-C94C-83EC-A4EF-829947AA2543}"/>
+              </a:ext>
+            </a:extLst>
+          </p:cNvPr>
+          <p:cNvSpPr/>
+          <p:nvPr/>
+        </p:nvSpPr>
+        <p:spPr>
+          <a:xfrm>
+            <a:off x="10848138" y="6264097"/>
+            <a:ext cx="1343862" cy="608120"/>
+          </a:xfrm>
+          <a:custGeom>
+            <a:avLst/>
+            <a:gdLst>
+              <a:gd name="connsiteX0" fmla="*/ 0 w 10000"/>
+              <a:gd name="connsiteY0" fmla="*/ 10000 h 10000"/>
+              <a:gd name="connsiteX1" fmla="*/ 2000 w 10000"/>
+              <a:gd name="connsiteY1" fmla="*/ 0 h 10000"/>
+              <a:gd name="connsiteX2" fmla="*/ 10000 w 10000"/>
+              <a:gd name="connsiteY2" fmla="*/ 0 h 10000"/>
+              <a:gd name="connsiteX3" fmla="*/ 8000 w 10000"/>
+              <a:gd name="connsiteY3" fmla="*/ 10000 h 10000"/>
+              <a:gd name="connsiteX4" fmla="*/ 0 w 10000"/>
+              <a:gd name="connsiteY4" fmla="*/ 10000 h 10000"/>
+              <a:gd name="connsiteX0" fmla="*/ 0 w 8000"/>
+              <a:gd name="connsiteY0" fmla="*/ 10000 h 10000"/>
+              <a:gd name="connsiteX1" fmla="*/ 2000 w 8000"/>
+              <a:gd name="connsiteY1" fmla="*/ 0 h 10000"/>
+              <a:gd name="connsiteX2" fmla="*/ 4142 w 8000"/>
+              <a:gd name="connsiteY2" fmla="*/ 153 h 10000"/>
+              <a:gd name="connsiteX3" fmla="*/ 8000 w 8000"/>
+              <a:gd name="connsiteY3" fmla="*/ 10000 h 10000"/>
+              <a:gd name="connsiteX4" fmla="*/ 0 w 8000"/>
+              <a:gd name="connsiteY4" fmla="*/ 10000 h 10000"/>
+              <a:gd name="connsiteX0" fmla="*/ 0 w 5414"/>
+              <a:gd name="connsiteY0" fmla="*/ 10000 h 10000"/>
+              <a:gd name="connsiteX1" fmla="*/ 2500 w 5414"/>
+              <a:gd name="connsiteY1" fmla="*/ 0 h 10000"/>
+              <a:gd name="connsiteX2" fmla="*/ 5178 w 5414"/>
+              <a:gd name="connsiteY2" fmla="*/ 153 h 10000"/>
+              <a:gd name="connsiteX3" fmla="*/ 5414 w 5414"/>
+              <a:gd name="connsiteY3" fmla="*/ 10000 h 10000"/>
+              <a:gd name="connsiteX4" fmla="*/ 0 w 5414"/>
+              <a:gd name="connsiteY4" fmla="*/ 10000 h 10000"/>
+              <a:gd name="connsiteX0" fmla="*/ 0 w 9609"/>
+              <a:gd name="connsiteY0" fmla="*/ 10000 h 10000"/>
+              <a:gd name="connsiteX1" fmla="*/ 4618 w 9609"/>
+              <a:gd name="connsiteY1" fmla="*/ 0 h 10000"/>
+              <a:gd name="connsiteX2" fmla="*/ 9564 w 9609"/>
+              <a:gd name="connsiteY2" fmla="*/ 153 h 10000"/>
+              <a:gd name="connsiteX3" fmla="*/ 9590 w 9609"/>
+              <a:gd name="connsiteY3" fmla="*/ 10000 h 10000"/>
+              <a:gd name="connsiteX4" fmla="*/ 0 w 9609"/>
+              <a:gd name="connsiteY4" fmla="*/ 10000 h 10000"/>
+              <a:gd name="connsiteX0" fmla="*/ 0 w 10193"/>
+              <a:gd name="connsiteY0" fmla="*/ 10000 h 10153"/>
+              <a:gd name="connsiteX1" fmla="*/ 4806 w 10193"/>
+              <a:gd name="connsiteY1" fmla="*/ 0 h 10153"/>
+              <a:gd name="connsiteX2" fmla="*/ 9953 w 10193"/>
+              <a:gd name="connsiteY2" fmla="*/ 153 h 10153"/>
+              <a:gd name="connsiteX3" fmla="*/ 10193 w 10193"/>
+              <a:gd name="connsiteY3" fmla="*/ 10153 h 10153"/>
+              <a:gd name="connsiteX4" fmla="*/ 0 w 10193"/>
+              <a:gd name="connsiteY4" fmla="*/ 10000 h 10153"/>
+              <a:gd name="connsiteX0" fmla="*/ 0 w 10213"/>
+              <a:gd name="connsiteY0" fmla="*/ 10000 h 10153"/>
+              <a:gd name="connsiteX1" fmla="*/ 4806 w 10213"/>
+              <a:gd name="connsiteY1" fmla="*/ 0 h 10153"/>
+              <a:gd name="connsiteX2" fmla="*/ 10166 w 10213"/>
+              <a:gd name="connsiteY2" fmla="*/ 153 h 10153"/>
+              <a:gd name="connsiteX3" fmla="*/ 10193 w 10213"/>
+              <a:gd name="connsiteY3" fmla="*/ 10153 h 10153"/>
+              <a:gd name="connsiteX4" fmla="*/ 0 w 10213"/>
+              <a:gd name="connsiteY4" fmla="*/ 10000 h 10153"/>
+              <a:gd name="connsiteX0" fmla="*/ 0 w 10341"/>
+              <a:gd name="connsiteY0" fmla="*/ 10000 h 10153"/>
+              <a:gd name="connsiteX1" fmla="*/ 4806 w 10341"/>
+              <a:gd name="connsiteY1" fmla="*/ 0 h 10153"/>
+              <a:gd name="connsiteX2" fmla="*/ 10308 w 10341"/>
+              <a:gd name="connsiteY2" fmla="*/ 0 h 10153"/>
+              <a:gd name="connsiteX3" fmla="*/ 10193 w 10341"/>
+              <a:gd name="connsiteY3" fmla="*/ 10153 h 10153"/>
+              <a:gd name="connsiteX4" fmla="*/ 0 w 10341"/>
+              <a:gd name="connsiteY4" fmla="*/ 10000 h 10153"/>
+              <a:gd name="connsiteX0" fmla="*/ 0 w 10406"/>
+              <a:gd name="connsiteY0" fmla="*/ 10000 h 10306"/>
+              <a:gd name="connsiteX1" fmla="*/ 4806 w 10406"/>
+              <a:gd name="connsiteY1" fmla="*/ 0 h 10306"/>
+              <a:gd name="connsiteX2" fmla="*/ 10308 w 10406"/>
+              <a:gd name="connsiteY2" fmla="*/ 0 h 10306"/>
+              <a:gd name="connsiteX3" fmla="*/ 10406 w 10406"/>
+              <a:gd name="connsiteY3" fmla="*/ 10306 h 10306"/>
+              <a:gd name="connsiteX4" fmla="*/ 0 w 10406"/>
+              <a:gd name="connsiteY4" fmla="*/ 10000 h 10306"/>
+              <a:gd name="connsiteX0" fmla="*/ 0 w 10761"/>
+              <a:gd name="connsiteY0" fmla="*/ 10458 h 10458"/>
+              <a:gd name="connsiteX1" fmla="*/ 5161 w 10761"/>
+              <a:gd name="connsiteY1" fmla="*/ 0 h 10458"/>
+              <a:gd name="connsiteX2" fmla="*/ 10663 w 10761"/>
+              <a:gd name="connsiteY2" fmla="*/ 0 h 10458"/>
+              <a:gd name="connsiteX3" fmla="*/ 10761 w 10761"/>
+              <a:gd name="connsiteY3" fmla="*/ 10306 h 10458"/>
+              <a:gd name="connsiteX4" fmla="*/ 0 w 10761"/>
+              <a:gd name="connsiteY4" fmla="*/ 10458 h 10458"/>
+            </a:gdLst>
+            <a:ahLst/>
+            <a:cxnLst>
+              <a:cxn ang="0">
+                <a:pos x="connsiteX0" y="connsiteY0"/>
+              </a:cxn>
+              <a:cxn ang="0">
+                <a:pos x="connsiteX1" y="connsiteY1"/>
+              </a:cxn>
+              <a:cxn ang="0">
+                <a:pos x="connsiteX2" y="connsiteY2"/>
+              </a:cxn>
+              <a:cxn ang="0">
+                <a:pos x="connsiteX3" y="connsiteY3"/>
+              </a:cxn>
+              <a:cxn ang="0">
+                <a:pos x="connsiteX4" y="connsiteY4"/>
+              </a:cxn>
+            </a:cxnLst>
+            <a:rect l="l" t="t" r="r" b="b"/>
+            <a:pathLst>
+              <a:path w="10761" h="10458">
+                <a:moveTo>
+                  <a:pt x="0" y="10458"/>
+                </a:moveTo>
+                <a:lnTo>
+                  <a:pt x="5161" y="0"/>
+                </a:lnTo>
+                <a:lnTo>
+                  <a:pt x="10663" y="0"/>
+                </a:lnTo>
+                <a:cubicBezTo>
+                  <a:pt x="10815" y="3282"/>
+                  <a:pt x="10609" y="7024"/>
+                  <a:pt x="10761" y="10306"/>
+                </a:cubicBezTo>
+                <a:lnTo>
+                  <a:pt x="0" y="10458"/>
+                </a:lnTo>
+                <a:close/>
+              </a:path>
+            </a:pathLst>
+          </a:custGeom>
+          <a:solidFill>
+            <a:schemeClr val="bg1"/>
+          </a:solidFill>
+          <a:ln w="19050">
+            <a:solidFill>
+              <a:schemeClr val="tx1"/>
+            </a:solidFill>
+          </a:ln>
+        </p:spPr>
+        <p:style>
+          <a:lnRef idx="2">
+            <a:schemeClr val="accent1">
+              <a:shade val="15000"/>
+            </a:schemeClr>
+          </a:lnRef>
+          <a:fillRef idx="1">
+            <a:schemeClr val="accent1"/>
+          </a:fillRef>
+          <a:effectRef idx="0">
+            <a:schemeClr val="accent1"/>
+          </a:effectRef>
+          <a:fontRef idx="minor">
+            <a:schemeClr val="lt1"/>
+          </a:fontRef>
+        </p:style>
+        <p:txBody>
+          <a:bodyPr rtlCol="0" anchor="ctr"/>
+          <a:lstStyle/>
+          <a:p>
+            <a:pPr algn="ctr"/>
+            <a:endParaRPr lang="en-US"/>
+          </a:p>
+        </p:txBody>
+      </p:sp>
+      <p:sp>
+        <p:nvSpPr>
+          <p:cNvPr id="9" name="TextBox 8">
+            <a:extLst>
+              <a:ext uri="{FF2B5EF4-FFF2-40B4-BE49-F238E27FC236}">
+                <a16:creationId xmlns:a16="http://schemas.microsoft.com/office/drawing/2014/main" id="{D9F823B0-B55F-12F1-CA57-CDF3861A2900}"/>
+              </a:ext>
+            </a:extLst>
+          </p:cNvPr>
+          <p:cNvSpPr txBox="1"/>
+          <p:nvPr/>
+        </p:nvSpPr>
+        <p:spPr>
+          <a:xfrm>
+            <a:off x="11520069" y="6287442"/>
+            <a:ext cx="557254" cy="584775"/>
+          </a:xfrm>
+          <a:prstGeom prst="rect">
+            <a:avLst/>
+          </a:prstGeom>
+          <a:noFill/>
+        </p:spPr>
+        <p:txBody>
+          <a:bodyPr wrap="square" rtlCol="0">
+            <a:spAutoFit/>
+          </a:bodyPr>
+          <a:lstStyle/>
+          <a:p>
+            <a:r>
+              <a:rPr lang="en-US" sz="3200" dirty="0">
+                <a:latin typeface="TH SarabunPSK" panose="020B0500040200020003" pitchFamily="34" charset="-34"/>
+                <a:cs typeface="TH SarabunPSK" panose="020B0500040200020003" pitchFamily="34" charset="-34"/>
+              </a:rPr>
+              <a:t>8</a:t>
+            </a:r>
+          </a:p>
+        </p:txBody>
+      </p:sp>
+      <p:sp>
+        <p:nvSpPr>
           <p:cNvPr id="2" name="Title 1">
             <a:extLst>
               <a:ext uri="{FF2B5EF4-FFF2-40B4-BE49-F238E27FC236}">
@@ -6521,7 +11218,12 @@
             <p:ph type="title"/>
           </p:nvPr>
         </p:nvSpPr>
-        <p:spPr/>
+        <p:spPr>
+          <a:xfrm>
+            <a:off x="838200" y="0"/>
+            <a:ext cx="10515600" cy="1325563"/>
+          </a:xfrm>
+        </p:spPr>
         <p:txBody>
           <a:bodyPr/>
           <a:lstStyle/>
@@ -6529,11 +11231,15 @@
             <a:r>
               <a:rPr lang="en-US" b="0" i="0" dirty="0">
                 <a:effectLst/>
-                <a:latin typeface="system-ui"/>
+                <a:latin typeface="TH SarabunPSK" panose="020B0500040200020003" pitchFamily="34" charset="-34"/>
+                <a:cs typeface="TH SarabunPSK" panose="020B0500040200020003" pitchFamily="34" charset="-34"/>
               </a:rPr>
               <a:t>Violin plot</a:t>
             </a:r>
-            <a:endParaRPr lang="en-US" dirty="0"/>
+            <a:endParaRPr lang="en-US" dirty="0">
+              <a:latin typeface="TH SarabunPSK" panose="020B0500040200020003" pitchFamily="34" charset="-34"/>
+              <a:cs typeface="TH SarabunPSK" panose="020B0500040200020003" pitchFamily="34" charset="-34"/>
+            </a:endParaRPr>
           </a:p>
         </p:txBody>
       </p:sp>
@@ -6553,19 +11259,30 @@
             <p:ph idx="1"/>
           </p:nvPr>
         </p:nvSpPr>
-        <p:spPr/>
+        <p:spPr>
+          <a:xfrm>
+            <a:off x="838200" y="1327477"/>
+            <a:ext cx="10515600" cy="4351338"/>
+          </a:xfrm>
+        </p:spPr>
         <p:txBody>
           <a:bodyPr/>
           <a:lstStyle/>
           <a:p>
             <a:r>
-              <a:rPr lang="th-TH" dirty="0"/>
+              <a:rPr lang="th-TH" dirty="0">
+                <a:latin typeface="TH SarabunPSK" panose="020B0500040200020003" pitchFamily="34" charset="-34"/>
+                <a:cs typeface="TH SarabunPSK" panose="020B0500040200020003" pitchFamily="34" charset="-34"/>
+              </a:rPr>
               <a:t>เป็นกราฟแสดงการกระจายตัวของข้อมูล</a:t>
             </a:r>
           </a:p>
           <a:p>
             <a:r>
-              <a:rPr lang="th-TH" dirty="0"/>
+              <a:rPr lang="th-TH" dirty="0">
+                <a:latin typeface="TH SarabunPSK" panose="020B0500040200020003" pitchFamily="34" charset="-34"/>
+                <a:cs typeface="TH SarabunPSK" panose="020B0500040200020003" pitchFamily="34" charset="-34"/>
+              </a:rPr>
               <a:t>สามารถใช้งานได้โดยใช้คำสั่ง </a:t>
             </a:r>
             <a:r>
@@ -6574,7 +11291,8 @@
                   <a:srgbClr val="545454"/>
                 </a:solidFill>
                 <a:effectLst/>
-                <a:latin typeface="Courier New" panose="02070309020205020404" pitchFamily="49" charset="0"/>
+                <a:latin typeface="TH SarabunPSK" panose="020B0500040200020003" pitchFamily="34" charset="-34"/>
+                <a:cs typeface="TH SarabunPSK" panose="020B0500040200020003" pitchFamily="34" charset="-34"/>
               </a:rPr>
               <a:t>plt.violinplot</a:t>
             </a:r>
@@ -6584,7 +11302,8 @@
                   <a:srgbClr val="545454"/>
                 </a:solidFill>
                 <a:effectLst/>
-                <a:latin typeface="Courier New" panose="02070309020205020404" pitchFamily="49" charset="0"/>
+                <a:latin typeface="TH SarabunPSK" panose="020B0500040200020003" pitchFamily="34" charset="-34"/>
+                <a:cs typeface="TH SarabunPSK" panose="020B0500040200020003" pitchFamily="34" charset="-34"/>
               </a:rPr>
               <a:t>(‘</a:t>
             </a:r>
@@ -6593,7 +11312,8 @@
                 <a:solidFill>
                   <a:srgbClr val="545454"/>
                 </a:solidFill>
-                <a:latin typeface="Courier New" panose="02070309020205020404" pitchFamily="49" charset="0"/>
+                <a:latin typeface="TH SarabunPSK" panose="020B0500040200020003" pitchFamily="34" charset="-34"/>
+                <a:cs typeface="TH SarabunPSK" panose="020B0500040200020003" pitchFamily="34" charset="-34"/>
               </a:rPr>
               <a:t>ข้อมูลคอลัมน์</a:t>
             </a:r>
@@ -6602,7 +11322,8 @@
                 <a:solidFill>
                   <a:srgbClr val="545454"/>
                 </a:solidFill>
-                <a:latin typeface="Courier New" panose="02070309020205020404" pitchFamily="49" charset="0"/>
+                <a:latin typeface="TH SarabunPSK" panose="020B0500040200020003" pitchFamily="34" charset="-34"/>
+                <a:cs typeface="TH SarabunPSK" panose="020B0500040200020003" pitchFamily="34" charset="-34"/>
               </a:rPr>
               <a:t>x’)</a:t>
             </a:r>
@@ -6611,14 +11332,15 @@
                 <a:solidFill>
                   <a:srgbClr val="545454"/>
                 </a:solidFill>
-                <a:latin typeface="Courier New" panose="02070309020205020404" pitchFamily="49" charset="0"/>
+                <a:latin typeface="TH SarabunPSK" panose="020B0500040200020003" pitchFamily="34" charset="-34"/>
+                <a:cs typeface="TH SarabunPSK" panose="020B0500040200020003" pitchFamily="34" charset="-34"/>
               </a:rPr>
               <a:t> เช่น </a:t>
             </a:r>
           </a:p>
           <a:p>
             <a:r>
-              <a:rPr lang="en-US" b="0" i="0" dirty="0" err="1">
+              <a:rPr lang="en-US" sz="1800" b="0" i="0" dirty="0" err="1">
                 <a:solidFill>
                   <a:srgbClr val="545454"/>
                 </a:solidFill>
@@ -6628,7 +11350,7 @@
               <a:t>plt.violinplot</a:t>
             </a:r>
             <a:r>
-              <a:rPr lang="en-US" b="0" i="0" dirty="0">
+              <a:rPr lang="en-US" sz="1800" b="0" i="0" dirty="0">
                 <a:solidFill>
                   <a:srgbClr val="545454"/>
                 </a:solidFill>
@@ -6638,7 +11360,7 @@
               <a:t>(</a:t>
             </a:r>
             <a:r>
-              <a:rPr lang="en-US" b="0" i="0" dirty="0" err="1">
+              <a:rPr lang="en-US" sz="1800" b="0" i="0" dirty="0" err="1">
                 <a:solidFill>
                   <a:srgbClr val="545454"/>
                 </a:solidFill>
@@ -6648,7 +11370,7 @@
               <a:t>df</a:t>
             </a:r>
             <a:r>
-              <a:rPr lang="en-US" b="0" i="0" dirty="0">
+              <a:rPr lang="en-US" sz="1800" b="0" i="0" dirty="0">
                 <a:solidFill>
                   <a:srgbClr val="545454"/>
                 </a:solidFill>
@@ -6658,7 +11380,7 @@
               <a:t>[</a:t>
             </a:r>
             <a:r>
-              <a:rPr lang="en-US" b="0" i="0" dirty="0">
+              <a:rPr lang="en-US" sz="1800" b="0" i="0" dirty="0">
                 <a:solidFill>
                   <a:srgbClr val="008000"/>
                 </a:solidFill>
@@ -6668,7 +11390,7 @@
               <a:t>'</a:t>
             </a:r>
             <a:r>
-              <a:rPr lang="en-US" b="0" i="0" dirty="0" err="1">
+              <a:rPr lang="en-US" sz="1800" b="0" i="0" dirty="0" err="1">
                 <a:solidFill>
                   <a:srgbClr val="008000"/>
                 </a:solidFill>
@@ -6678,7 +11400,7 @@
               <a:t>PetalLength</a:t>
             </a:r>
             <a:r>
-              <a:rPr lang="en-US" b="0" i="0" dirty="0">
+              <a:rPr lang="en-US" sz="1800" b="0" i="0" dirty="0">
                 <a:solidFill>
                   <a:srgbClr val="008000"/>
                 </a:solidFill>
@@ -6688,7 +11410,7 @@
               <a:t>'</a:t>
             </a:r>
             <a:r>
-              <a:rPr lang="en-US" b="0" i="0" dirty="0">
+              <a:rPr lang="en-US" sz="1800" b="0" i="0" dirty="0">
                 <a:solidFill>
                   <a:srgbClr val="545454"/>
                 </a:solidFill>
@@ -6698,7 +11420,7 @@
               <a:t>][:</a:t>
             </a:r>
             <a:r>
-              <a:rPr lang="en-US" b="0" i="0" dirty="0">
+              <a:rPr lang="en-US" sz="1800" b="0" i="0" dirty="0">
                 <a:solidFill>
                   <a:srgbClr val="AA5D00"/>
                 </a:solidFill>
@@ -6708,7 +11430,7 @@
               <a:t>50</a:t>
             </a:r>
             <a:r>
-              <a:rPr lang="en-US" b="0" i="0" dirty="0">
+              <a:rPr lang="en-US" sz="1800" b="0" i="0" dirty="0">
                 <a:solidFill>
                   <a:srgbClr val="545454"/>
                 </a:solidFill>
@@ -6717,7 +11439,7 @@
               </a:rPr>
               <a:t>])</a:t>
             </a:r>
-            <a:endParaRPr lang="en-US" dirty="0"/>
+            <a:endParaRPr lang="en-US" sz="1800" dirty="0"/>
           </a:p>
         </p:txBody>
       </p:sp>
@@ -6736,15 +11458,15 @@
           <p:nvPr/>
         </p:nvPicPr>
         <p:blipFill>
-          <a:blip r:embed="rId2"/>
+          <a:blip r:embed="rId3"/>
           <a:stretch>
             <a:fillRect/>
           </a:stretch>
         </p:blipFill>
         <p:spPr>
           <a:xfrm>
-            <a:off x="3861214" y="3429000"/>
-            <a:ext cx="4469572" cy="3368460"/>
+            <a:off x="4335670" y="2998451"/>
+            <a:ext cx="3520660" cy="2653319"/>
           </a:xfrm>
           <a:prstGeom prst="rect">
             <a:avLst/>
